--- a/presentation/presentation.pptx
+++ b/presentation/presentation.pptx
@@ -4,6 +4,9 @@
   <p:sldMasterIdLst>
     <p:sldMasterId id="2147483648" r:id="rId1"/>
   </p:sldMasterIdLst>
+  <p:notesMasterIdLst>
+    <p:notesMasterId r:id="rId16"/>
+  </p:notesMasterIdLst>
   <p:sldIdLst>
     <p:sldId id="256" r:id="rId2"/>
     <p:sldId id="257" r:id="rId3"/>
@@ -14,6 +17,11 @@
     <p:sldId id="263" r:id="rId8"/>
     <p:sldId id="261" r:id="rId9"/>
     <p:sldId id="264" r:id="rId10"/>
+    <p:sldId id="266" r:id="rId11"/>
+    <p:sldId id="267" r:id="rId12"/>
+    <p:sldId id="270" r:id="rId13"/>
+    <p:sldId id="268" r:id="rId14"/>
+    <p:sldId id="269" r:id="rId15"/>
   </p:sldIdLst>
   <p:sldSz cx="12192000" cy="6858000"/>
   <p:notesSz cx="6858000" cy="9144000"/>
@@ -138,9 +146,21 @@
           <p14:sldIdLst>
             <p14:sldId id="261"/>
             <p14:sldId id="264"/>
+            <p14:sldId id="266"/>
+            <p14:sldId id="267"/>
+          </p14:sldIdLst>
+        </p14:section>
+        <p14:section name="Implementing with NGINX" id="{3EB565D7-FC95-416D-836F-EF0C1F38F3C6}">
+          <p14:sldIdLst>
+            <p14:sldId id="270"/>
+            <p14:sldId id="268"/>
+            <p14:sldId id="269"/>
           </p14:sldIdLst>
         </p14:section>
       </p14:sectionLst>
+    </p:ext>
+    <p:ext uri="{EFAFB233-063F-42B5-8137-9DF3F51BA10A}">
+      <p15:sldGuideLst xmlns:p15="http://schemas.microsoft.com/office/powerpoint/2012/main"/>
     </p:ext>
   </p:extLst>
 </p:presentation>
@@ -3134,6 +3154,1500 @@
 </dgm:colorsDef>
 </file>
 
+<file path=ppt/diagrams/colors5.xml><?xml version="1.0" encoding="utf-8"?>
+<dgm:colorsDef xmlns:dgm="http://schemas.openxmlformats.org/drawingml/2006/diagram" xmlns:a="http://schemas.openxmlformats.org/drawingml/2006/main" uniqueId="urn:microsoft.com/office/officeart/2005/8/colors/accent1_2">
+  <dgm:title val=""/>
+  <dgm:desc val=""/>
+  <dgm:catLst>
+    <dgm:cat type="accent1" pri="11200"/>
+  </dgm:catLst>
+  <dgm:styleLbl name="node0">
+    <dgm:fillClrLst meth="repeat">
+      <a:schemeClr val="accent1"/>
+    </dgm:fillClrLst>
+    <dgm:linClrLst meth="repeat">
+      <a:schemeClr val="lt1"/>
+    </dgm:linClrLst>
+    <dgm:effectClrLst/>
+    <dgm:txLinClrLst/>
+    <dgm:txFillClrLst/>
+    <dgm:txEffectClrLst/>
+  </dgm:styleLbl>
+  <dgm:styleLbl name="alignNode1">
+    <dgm:fillClrLst meth="repeat">
+      <a:schemeClr val="accent1"/>
+    </dgm:fillClrLst>
+    <dgm:linClrLst meth="repeat">
+      <a:schemeClr val="accent1"/>
+    </dgm:linClrLst>
+    <dgm:effectClrLst/>
+    <dgm:txLinClrLst/>
+    <dgm:txFillClrLst/>
+    <dgm:txEffectClrLst/>
+  </dgm:styleLbl>
+  <dgm:styleLbl name="node1">
+    <dgm:fillClrLst meth="repeat">
+      <a:schemeClr val="accent1"/>
+    </dgm:fillClrLst>
+    <dgm:linClrLst meth="repeat">
+      <a:schemeClr val="lt1"/>
+    </dgm:linClrLst>
+    <dgm:effectClrLst/>
+    <dgm:txLinClrLst/>
+    <dgm:txFillClrLst/>
+    <dgm:txEffectClrLst/>
+  </dgm:styleLbl>
+  <dgm:styleLbl name="lnNode1">
+    <dgm:fillClrLst meth="repeat">
+      <a:schemeClr val="accent1"/>
+    </dgm:fillClrLst>
+    <dgm:linClrLst meth="repeat">
+      <a:schemeClr val="lt1"/>
+    </dgm:linClrLst>
+    <dgm:effectClrLst/>
+    <dgm:txLinClrLst/>
+    <dgm:txFillClrLst/>
+    <dgm:txEffectClrLst/>
+  </dgm:styleLbl>
+  <dgm:styleLbl name="vennNode1">
+    <dgm:fillClrLst meth="repeat">
+      <a:schemeClr val="accent1">
+        <a:alpha val="50000"/>
+      </a:schemeClr>
+    </dgm:fillClrLst>
+    <dgm:linClrLst meth="repeat">
+      <a:schemeClr val="lt1"/>
+    </dgm:linClrLst>
+    <dgm:effectClrLst/>
+    <dgm:txLinClrLst/>
+    <dgm:txFillClrLst/>
+    <dgm:txEffectClrLst/>
+  </dgm:styleLbl>
+  <dgm:styleLbl name="node2">
+    <dgm:fillClrLst meth="repeat">
+      <a:schemeClr val="accent1"/>
+    </dgm:fillClrLst>
+    <dgm:linClrLst meth="repeat">
+      <a:schemeClr val="lt1"/>
+    </dgm:linClrLst>
+    <dgm:effectClrLst/>
+    <dgm:txLinClrLst/>
+    <dgm:txFillClrLst/>
+    <dgm:txEffectClrLst/>
+  </dgm:styleLbl>
+  <dgm:styleLbl name="node3">
+    <dgm:fillClrLst meth="repeat">
+      <a:schemeClr val="accent1"/>
+    </dgm:fillClrLst>
+    <dgm:linClrLst meth="repeat">
+      <a:schemeClr val="lt1"/>
+    </dgm:linClrLst>
+    <dgm:effectClrLst/>
+    <dgm:txLinClrLst/>
+    <dgm:txFillClrLst/>
+    <dgm:txEffectClrLst/>
+  </dgm:styleLbl>
+  <dgm:styleLbl name="node4">
+    <dgm:fillClrLst meth="repeat">
+      <a:schemeClr val="accent1"/>
+    </dgm:fillClrLst>
+    <dgm:linClrLst meth="repeat">
+      <a:schemeClr val="lt1"/>
+    </dgm:linClrLst>
+    <dgm:effectClrLst/>
+    <dgm:txLinClrLst/>
+    <dgm:txFillClrLst/>
+    <dgm:txEffectClrLst/>
+  </dgm:styleLbl>
+  <dgm:styleLbl name="fgImgPlace1">
+    <dgm:fillClrLst meth="repeat">
+      <a:schemeClr val="accent1">
+        <a:tint val="50000"/>
+      </a:schemeClr>
+    </dgm:fillClrLst>
+    <dgm:linClrLst meth="repeat">
+      <a:schemeClr val="lt1"/>
+    </dgm:linClrLst>
+    <dgm:effectClrLst/>
+    <dgm:txLinClrLst/>
+    <dgm:txFillClrLst meth="repeat">
+      <a:schemeClr val="lt1"/>
+    </dgm:txFillClrLst>
+    <dgm:txEffectClrLst/>
+  </dgm:styleLbl>
+  <dgm:styleLbl name="alignImgPlace1">
+    <dgm:fillClrLst meth="repeat">
+      <a:schemeClr val="accent1">
+        <a:tint val="50000"/>
+      </a:schemeClr>
+    </dgm:fillClrLst>
+    <dgm:linClrLst meth="repeat">
+      <a:schemeClr val="lt1"/>
+    </dgm:linClrLst>
+    <dgm:effectClrLst/>
+    <dgm:txLinClrLst/>
+    <dgm:txFillClrLst meth="repeat">
+      <a:schemeClr val="lt1"/>
+    </dgm:txFillClrLst>
+    <dgm:txEffectClrLst/>
+  </dgm:styleLbl>
+  <dgm:styleLbl name="bgImgPlace1">
+    <dgm:fillClrLst meth="repeat">
+      <a:schemeClr val="accent1">
+        <a:tint val="50000"/>
+      </a:schemeClr>
+    </dgm:fillClrLst>
+    <dgm:linClrLst meth="repeat">
+      <a:schemeClr val="lt1"/>
+    </dgm:linClrLst>
+    <dgm:effectClrLst/>
+    <dgm:txLinClrLst/>
+    <dgm:txFillClrLst meth="repeat">
+      <a:schemeClr val="lt1"/>
+    </dgm:txFillClrLst>
+    <dgm:txEffectClrLst/>
+  </dgm:styleLbl>
+  <dgm:styleLbl name="sibTrans2D1">
+    <dgm:fillClrLst meth="repeat">
+      <a:schemeClr val="accent1">
+        <a:tint val="60000"/>
+      </a:schemeClr>
+    </dgm:fillClrLst>
+    <dgm:linClrLst meth="repeat">
+      <a:schemeClr val="accent1">
+        <a:tint val="60000"/>
+      </a:schemeClr>
+    </dgm:linClrLst>
+    <dgm:effectClrLst/>
+    <dgm:txLinClrLst/>
+    <dgm:txFillClrLst/>
+    <dgm:txEffectClrLst/>
+  </dgm:styleLbl>
+  <dgm:styleLbl name="fgSibTrans2D1">
+    <dgm:fillClrLst meth="repeat">
+      <a:schemeClr val="accent1">
+        <a:tint val="60000"/>
+      </a:schemeClr>
+    </dgm:fillClrLst>
+    <dgm:linClrLst meth="repeat">
+      <a:schemeClr val="accent1">
+        <a:tint val="60000"/>
+      </a:schemeClr>
+    </dgm:linClrLst>
+    <dgm:effectClrLst/>
+    <dgm:txLinClrLst/>
+    <dgm:txFillClrLst/>
+    <dgm:txEffectClrLst/>
+  </dgm:styleLbl>
+  <dgm:styleLbl name="bgSibTrans2D1">
+    <dgm:fillClrLst meth="repeat">
+      <a:schemeClr val="accent1">
+        <a:tint val="60000"/>
+      </a:schemeClr>
+    </dgm:fillClrLst>
+    <dgm:linClrLst meth="repeat">
+      <a:schemeClr val="accent1">
+        <a:tint val="60000"/>
+      </a:schemeClr>
+    </dgm:linClrLst>
+    <dgm:effectClrLst/>
+    <dgm:txLinClrLst/>
+    <dgm:txFillClrLst/>
+    <dgm:txEffectClrLst/>
+  </dgm:styleLbl>
+  <dgm:styleLbl name="sibTrans1D1">
+    <dgm:fillClrLst meth="repeat">
+      <a:schemeClr val="accent1"/>
+    </dgm:fillClrLst>
+    <dgm:linClrLst meth="repeat">
+      <a:schemeClr val="accent1"/>
+    </dgm:linClrLst>
+    <dgm:effectClrLst/>
+    <dgm:txLinClrLst/>
+    <dgm:txFillClrLst meth="repeat">
+      <a:schemeClr val="tx1"/>
+    </dgm:txFillClrLst>
+    <dgm:txEffectClrLst/>
+  </dgm:styleLbl>
+  <dgm:styleLbl name="callout">
+    <dgm:fillClrLst meth="repeat">
+      <a:schemeClr val="accent1"/>
+    </dgm:fillClrLst>
+    <dgm:linClrLst meth="repeat">
+      <a:schemeClr val="accent1">
+        <a:tint val="50000"/>
+      </a:schemeClr>
+    </dgm:linClrLst>
+    <dgm:effectClrLst/>
+    <dgm:txLinClrLst/>
+    <dgm:txFillClrLst meth="repeat">
+      <a:schemeClr val="tx1"/>
+    </dgm:txFillClrLst>
+    <dgm:txEffectClrLst/>
+  </dgm:styleLbl>
+  <dgm:styleLbl name="asst0">
+    <dgm:fillClrLst meth="repeat">
+      <a:schemeClr val="accent1"/>
+    </dgm:fillClrLst>
+    <dgm:linClrLst meth="repeat">
+      <a:schemeClr val="lt1"/>
+    </dgm:linClrLst>
+    <dgm:effectClrLst/>
+    <dgm:txLinClrLst/>
+    <dgm:txFillClrLst/>
+    <dgm:txEffectClrLst/>
+  </dgm:styleLbl>
+  <dgm:styleLbl name="asst1">
+    <dgm:fillClrLst meth="repeat">
+      <a:schemeClr val="accent1"/>
+    </dgm:fillClrLst>
+    <dgm:linClrLst meth="repeat">
+      <a:schemeClr val="lt1"/>
+    </dgm:linClrLst>
+    <dgm:effectClrLst/>
+    <dgm:txLinClrLst/>
+    <dgm:txFillClrLst/>
+    <dgm:txEffectClrLst/>
+  </dgm:styleLbl>
+  <dgm:styleLbl name="asst2">
+    <dgm:fillClrLst meth="repeat">
+      <a:schemeClr val="accent1"/>
+    </dgm:fillClrLst>
+    <dgm:linClrLst meth="repeat">
+      <a:schemeClr val="lt1"/>
+    </dgm:linClrLst>
+    <dgm:effectClrLst/>
+    <dgm:txLinClrLst/>
+    <dgm:txFillClrLst/>
+    <dgm:txEffectClrLst/>
+  </dgm:styleLbl>
+  <dgm:styleLbl name="asst3">
+    <dgm:fillClrLst meth="repeat">
+      <a:schemeClr val="accent1"/>
+    </dgm:fillClrLst>
+    <dgm:linClrLst meth="repeat">
+      <a:schemeClr val="lt1"/>
+    </dgm:linClrLst>
+    <dgm:effectClrLst/>
+    <dgm:txLinClrLst/>
+    <dgm:txFillClrLst/>
+    <dgm:txEffectClrLst/>
+  </dgm:styleLbl>
+  <dgm:styleLbl name="asst4">
+    <dgm:fillClrLst meth="repeat">
+      <a:schemeClr val="accent1"/>
+    </dgm:fillClrLst>
+    <dgm:linClrLst meth="repeat">
+      <a:schemeClr val="lt1"/>
+    </dgm:linClrLst>
+    <dgm:effectClrLst/>
+    <dgm:txLinClrLst/>
+    <dgm:txFillClrLst/>
+    <dgm:txEffectClrLst/>
+  </dgm:styleLbl>
+  <dgm:styleLbl name="parChTrans2D1">
+    <dgm:fillClrLst meth="repeat">
+      <a:schemeClr val="accent1">
+        <a:tint val="60000"/>
+      </a:schemeClr>
+    </dgm:fillClrLst>
+    <dgm:linClrLst meth="repeat">
+      <a:schemeClr val="accent1">
+        <a:tint val="60000"/>
+      </a:schemeClr>
+    </dgm:linClrLst>
+    <dgm:effectClrLst/>
+    <dgm:txLinClrLst/>
+    <dgm:txFillClrLst meth="repeat">
+      <a:schemeClr val="lt1"/>
+    </dgm:txFillClrLst>
+    <dgm:txEffectClrLst/>
+  </dgm:styleLbl>
+  <dgm:styleLbl name="parChTrans2D2">
+    <dgm:fillClrLst meth="repeat">
+      <a:schemeClr val="accent1"/>
+    </dgm:fillClrLst>
+    <dgm:linClrLst meth="repeat">
+      <a:schemeClr val="accent1"/>
+    </dgm:linClrLst>
+    <dgm:effectClrLst/>
+    <dgm:txLinClrLst/>
+    <dgm:txFillClrLst meth="repeat">
+      <a:schemeClr val="lt1"/>
+    </dgm:txFillClrLst>
+    <dgm:txEffectClrLst/>
+  </dgm:styleLbl>
+  <dgm:styleLbl name="parChTrans2D3">
+    <dgm:fillClrLst meth="repeat">
+      <a:schemeClr val="accent1"/>
+    </dgm:fillClrLst>
+    <dgm:linClrLst meth="repeat">
+      <a:schemeClr val="accent1"/>
+    </dgm:linClrLst>
+    <dgm:effectClrLst/>
+    <dgm:txLinClrLst/>
+    <dgm:txFillClrLst meth="repeat">
+      <a:schemeClr val="lt1"/>
+    </dgm:txFillClrLst>
+    <dgm:txEffectClrLst/>
+  </dgm:styleLbl>
+  <dgm:styleLbl name="parChTrans2D4">
+    <dgm:fillClrLst meth="repeat">
+      <a:schemeClr val="accent1"/>
+    </dgm:fillClrLst>
+    <dgm:linClrLst meth="repeat">
+      <a:schemeClr val="accent1"/>
+    </dgm:linClrLst>
+    <dgm:effectClrLst/>
+    <dgm:txLinClrLst/>
+    <dgm:txFillClrLst meth="repeat">
+      <a:schemeClr val="lt1"/>
+    </dgm:txFillClrLst>
+    <dgm:txEffectClrLst/>
+  </dgm:styleLbl>
+  <dgm:styleLbl name="parChTrans1D1">
+    <dgm:fillClrLst meth="repeat">
+      <a:schemeClr val="accent1"/>
+    </dgm:fillClrLst>
+    <dgm:linClrLst meth="repeat">
+      <a:schemeClr val="accent1">
+        <a:shade val="60000"/>
+      </a:schemeClr>
+    </dgm:linClrLst>
+    <dgm:effectClrLst/>
+    <dgm:txLinClrLst/>
+    <dgm:txFillClrLst meth="repeat">
+      <a:schemeClr val="tx1"/>
+    </dgm:txFillClrLst>
+    <dgm:txEffectClrLst/>
+  </dgm:styleLbl>
+  <dgm:styleLbl name="parChTrans1D2">
+    <dgm:fillClrLst meth="repeat">
+      <a:schemeClr val="accent1"/>
+    </dgm:fillClrLst>
+    <dgm:linClrLst meth="repeat">
+      <a:schemeClr val="accent1">
+        <a:shade val="60000"/>
+      </a:schemeClr>
+    </dgm:linClrLst>
+    <dgm:effectClrLst/>
+    <dgm:txLinClrLst/>
+    <dgm:txFillClrLst meth="repeat">
+      <a:schemeClr val="tx1"/>
+    </dgm:txFillClrLst>
+    <dgm:txEffectClrLst/>
+  </dgm:styleLbl>
+  <dgm:styleLbl name="parChTrans1D3">
+    <dgm:fillClrLst meth="repeat">
+      <a:schemeClr val="accent1"/>
+    </dgm:fillClrLst>
+    <dgm:linClrLst meth="repeat">
+      <a:schemeClr val="accent1">
+        <a:shade val="80000"/>
+      </a:schemeClr>
+    </dgm:linClrLst>
+    <dgm:effectClrLst/>
+    <dgm:txLinClrLst/>
+    <dgm:txFillClrLst meth="repeat">
+      <a:schemeClr val="tx1"/>
+    </dgm:txFillClrLst>
+    <dgm:txEffectClrLst/>
+  </dgm:styleLbl>
+  <dgm:styleLbl name="parChTrans1D4">
+    <dgm:fillClrLst meth="repeat">
+      <a:schemeClr val="accent1"/>
+    </dgm:fillClrLst>
+    <dgm:linClrLst meth="repeat">
+      <a:schemeClr val="accent1">
+        <a:shade val="80000"/>
+      </a:schemeClr>
+    </dgm:linClrLst>
+    <dgm:effectClrLst/>
+    <dgm:txLinClrLst/>
+    <dgm:txFillClrLst meth="repeat">
+      <a:schemeClr val="tx1"/>
+    </dgm:txFillClrLst>
+    <dgm:txEffectClrLst/>
+  </dgm:styleLbl>
+  <dgm:styleLbl name="fgAcc1">
+    <dgm:fillClrLst meth="repeat">
+      <a:schemeClr val="lt1">
+        <a:alpha val="90000"/>
+      </a:schemeClr>
+    </dgm:fillClrLst>
+    <dgm:linClrLst meth="repeat">
+      <a:schemeClr val="accent1"/>
+    </dgm:linClrLst>
+    <dgm:effectClrLst/>
+    <dgm:txLinClrLst/>
+    <dgm:txFillClrLst meth="repeat">
+      <a:schemeClr val="dk1"/>
+    </dgm:txFillClrLst>
+    <dgm:txEffectClrLst/>
+  </dgm:styleLbl>
+  <dgm:styleLbl name="conFgAcc1">
+    <dgm:fillClrLst meth="repeat">
+      <a:schemeClr val="lt1">
+        <a:alpha val="90000"/>
+      </a:schemeClr>
+    </dgm:fillClrLst>
+    <dgm:linClrLst meth="repeat">
+      <a:schemeClr val="accent1"/>
+    </dgm:linClrLst>
+    <dgm:effectClrLst/>
+    <dgm:txLinClrLst/>
+    <dgm:txFillClrLst meth="repeat">
+      <a:schemeClr val="dk1"/>
+    </dgm:txFillClrLst>
+    <dgm:txEffectClrLst/>
+  </dgm:styleLbl>
+  <dgm:styleLbl name="alignAcc1">
+    <dgm:fillClrLst meth="repeat">
+      <a:schemeClr val="lt1">
+        <a:alpha val="90000"/>
+      </a:schemeClr>
+    </dgm:fillClrLst>
+    <dgm:linClrLst meth="repeat">
+      <a:schemeClr val="accent1"/>
+    </dgm:linClrLst>
+    <dgm:effectClrLst/>
+    <dgm:txLinClrLst/>
+    <dgm:txFillClrLst meth="repeat">
+      <a:schemeClr val="dk1"/>
+    </dgm:txFillClrLst>
+    <dgm:txEffectClrLst/>
+  </dgm:styleLbl>
+  <dgm:styleLbl name="trAlignAcc1">
+    <dgm:fillClrLst meth="repeat">
+      <a:schemeClr val="lt1">
+        <a:alpha val="40000"/>
+      </a:schemeClr>
+    </dgm:fillClrLst>
+    <dgm:linClrLst meth="repeat">
+      <a:schemeClr val="accent1"/>
+    </dgm:linClrLst>
+    <dgm:effectClrLst/>
+    <dgm:txLinClrLst/>
+    <dgm:txFillClrLst meth="repeat">
+      <a:schemeClr val="dk1"/>
+    </dgm:txFillClrLst>
+    <dgm:txEffectClrLst/>
+  </dgm:styleLbl>
+  <dgm:styleLbl name="bgAcc1">
+    <dgm:fillClrLst meth="repeat">
+      <a:schemeClr val="lt1">
+        <a:alpha val="90000"/>
+      </a:schemeClr>
+    </dgm:fillClrLst>
+    <dgm:linClrLst meth="repeat">
+      <a:schemeClr val="accent1"/>
+    </dgm:linClrLst>
+    <dgm:effectClrLst/>
+    <dgm:txLinClrLst/>
+    <dgm:txFillClrLst meth="repeat">
+      <a:schemeClr val="dk1"/>
+    </dgm:txFillClrLst>
+    <dgm:txEffectClrLst/>
+  </dgm:styleLbl>
+  <dgm:styleLbl name="solidFgAcc1">
+    <dgm:fillClrLst meth="repeat">
+      <a:schemeClr val="lt1"/>
+    </dgm:fillClrLst>
+    <dgm:linClrLst meth="repeat">
+      <a:schemeClr val="accent1"/>
+    </dgm:linClrLst>
+    <dgm:effectClrLst/>
+    <dgm:txLinClrLst/>
+    <dgm:txFillClrLst meth="repeat">
+      <a:schemeClr val="dk1"/>
+    </dgm:txFillClrLst>
+    <dgm:txEffectClrLst/>
+  </dgm:styleLbl>
+  <dgm:styleLbl name="solidAlignAcc1">
+    <dgm:fillClrLst meth="repeat">
+      <a:schemeClr val="lt1"/>
+    </dgm:fillClrLst>
+    <dgm:linClrLst meth="repeat">
+      <a:schemeClr val="accent1"/>
+    </dgm:linClrLst>
+    <dgm:effectClrLst/>
+    <dgm:txLinClrLst/>
+    <dgm:txFillClrLst meth="repeat">
+      <a:schemeClr val="dk1"/>
+    </dgm:txFillClrLst>
+    <dgm:txEffectClrLst/>
+  </dgm:styleLbl>
+  <dgm:styleLbl name="solidBgAcc1">
+    <dgm:fillClrLst meth="repeat">
+      <a:schemeClr val="lt1"/>
+    </dgm:fillClrLst>
+    <dgm:linClrLst meth="repeat">
+      <a:schemeClr val="accent1"/>
+    </dgm:linClrLst>
+    <dgm:effectClrLst/>
+    <dgm:txLinClrLst/>
+    <dgm:txFillClrLst meth="repeat">
+      <a:schemeClr val="dk1"/>
+    </dgm:txFillClrLst>
+    <dgm:txEffectClrLst/>
+  </dgm:styleLbl>
+  <dgm:styleLbl name="fgAccFollowNode1">
+    <dgm:fillClrLst meth="repeat">
+      <a:schemeClr val="accent1">
+        <a:alpha val="90000"/>
+        <a:tint val="40000"/>
+      </a:schemeClr>
+    </dgm:fillClrLst>
+    <dgm:linClrLst meth="repeat">
+      <a:schemeClr val="accent1">
+        <a:alpha val="90000"/>
+        <a:tint val="40000"/>
+      </a:schemeClr>
+    </dgm:linClrLst>
+    <dgm:effectClrLst/>
+    <dgm:txLinClrLst/>
+    <dgm:txFillClrLst meth="repeat">
+      <a:schemeClr val="dk1"/>
+    </dgm:txFillClrLst>
+    <dgm:txEffectClrLst/>
+  </dgm:styleLbl>
+  <dgm:styleLbl name="alignAccFollowNode1">
+    <dgm:fillClrLst meth="repeat">
+      <a:schemeClr val="accent1">
+        <a:alpha val="90000"/>
+        <a:tint val="40000"/>
+      </a:schemeClr>
+    </dgm:fillClrLst>
+    <dgm:linClrLst meth="repeat">
+      <a:schemeClr val="accent1">
+        <a:alpha val="90000"/>
+        <a:tint val="40000"/>
+      </a:schemeClr>
+    </dgm:linClrLst>
+    <dgm:effectClrLst/>
+    <dgm:txLinClrLst/>
+    <dgm:txFillClrLst meth="repeat">
+      <a:schemeClr val="dk1"/>
+    </dgm:txFillClrLst>
+    <dgm:txEffectClrLst/>
+  </dgm:styleLbl>
+  <dgm:styleLbl name="bgAccFollowNode1">
+    <dgm:fillClrLst meth="repeat">
+      <a:schemeClr val="accent1">
+        <a:alpha val="90000"/>
+        <a:tint val="40000"/>
+      </a:schemeClr>
+    </dgm:fillClrLst>
+    <dgm:linClrLst meth="repeat">
+      <a:schemeClr val="accent1">
+        <a:alpha val="90000"/>
+        <a:tint val="40000"/>
+      </a:schemeClr>
+    </dgm:linClrLst>
+    <dgm:effectClrLst/>
+    <dgm:txLinClrLst/>
+    <dgm:txFillClrLst meth="repeat">
+      <a:schemeClr val="dk1"/>
+    </dgm:txFillClrLst>
+    <dgm:txEffectClrLst/>
+  </dgm:styleLbl>
+  <dgm:styleLbl name="fgAcc0">
+    <dgm:fillClrLst meth="repeat">
+      <a:schemeClr val="lt1">
+        <a:alpha val="90000"/>
+      </a:schemeClr>
+    </dgm:fillClrLst>
+    <dgm:linClrLst meth="repeat">
+      <a:schemeClr val="accent1"/>
+    </dgm:linClrLst>
+    <dgm:effectClrLst/>
+    <dgm:txLinClrLst/>
+    <dgm:txFillClrLst meth="repeat">
+      <a:schemeClr val="dk1"/>
+    </dgm:txFillClrLst>
+    <dgm:txEffectClrLst/>
+  </dgm:styleLbl>
+  <dgm:styleLbl name="fgAcc2">
+    <dgm:fillClrLst meth="repeat">
+      <a:schemeClr val="lt1">
+        <a:alpha val="90000"/>
+      </a:schemeClr>
+    </dgm:fillClrLst>
+    <dgm:linClrLst meth="repeat">
+      <a:schemeClr val="accent1"/>
+    </dgm:linClrLst>
+    <dgm:effectClrLst/>
+    <dgm:txLinClrLst/>
+    <dgm:txFillClrLst meth="repeat">
+      <a:schemeClr val="dk1"/>
+    </dgm:txFillClrLst>
+    <dgm:txEffectClrLst/>
+  </dgm:styleLbl>
+  <dgm:styleLbl name="fgAcc3">
+    <dgm:fillClrLst meth="repeat">
+      <a:schemeClr val="lt1">
+        <a:alpha val="90000"/>
+      </a:schemeClr>
+    </dgm:fillClrLst>
+    <dgm:linClrLst meth="repeat">
+      <a:schemeClr val="accent1"/>
+    </dgm:linClrLst>
+    <dgm:effectClrLst/>
+    <dgm:txLinClrLst/>
+    <dgm:txFillClrLst meth="repeat">
+      <a:schemeClr val="dk1"/>
+    </dgm:txFillClrLst>
+    <dgm:txEffectClrLst/>
+  </dgm:styleLbl>
+  <dgm:styleLbl name="fgAcc4">
+    <dgm:fillClrLst meth="repeat">
+      <a:schemeClr val="lt1">
+        <a:alpha val="90000"/>
+      </a:schemeClr>
+    </dgm:fillClrLst>
+    <dgm:linClrLst meth="repeat">
+      <a:schemeClr val="accent1"/>
+    </dgm:linClrLst>
+    <dgm:effectClrLst/>
+    <dgm:txLinClrLst/>
+    <dgm:txFillClrLst meth="repeat">
+      <a:schemeClr val="dk1"/>
+    </dgm:txFillClrLst>
+    <dgm:txEffectClrLst/>
+  </dgm:styleLbl>
+  <dgm:styleLbl name="bgShp">
+    <dgm:fillClrLst meth="repeat">
+      <a:schemeClr val="accent1">
+        <a:tint val="40000"/>
+      </a:schemeClr>
+    </dgm:fillClrLst>
+    <dgm:linClrLst meth="repeat">
+      <a:schemeClr val="accent1"/>
+    </dgm:linClrLst>
+    <dgm:effectClrLst/>
+    <dgm:txLinClrLst/>
+    <dgm:txFillClrLst meth="repeat">
+      <a:schemeClr val="dk1"/>
+    </dgm:txFillClrLst>
+    <dgm:txEffectClrLst/>
+  </dgm:styleLbl>
+  <dgm:styleLbl name="dkBgShp">
+    <dgm:fillClrLst meth="repeat">
+      <a:schemeClr val="accent1">
+        <a:shade val="80000"/>
+      </a:schemeClr>
+    </dgm:fillClrLst>
+    <dgm:linClrLst meth="repeat">
+      <a:schemeClr val="accent1"/>
+    </dgm:linClrLst>
+    <dgm:effectClrLst/>
+    <dgm:txLinClrLst/>
+    <dgm:txFillClrLst meth="repeat">
+      <a:schemeClr val="lt1"/>
+    </dgm:txFillClrLst>
+    <dgm:txEffectClrLst/>
+  </dgm:styleLbl>
+  <dgm:styleLbl name="trBgShp">
+    <dgm:fillClrLst meth="repeat">
+      <a:schemeClr val="accent1">
+        <a:tint val="50000"/>
+        <a:alpha val="40000"/>
+      </a:schemeClr>
+    </dgm:fillClrLst>
+    <dgm:linClrLst meth="repeat">
+      <a:schemeClr val="accent1"/>
+    </dgm:linClrLst>
+    <dgm:effectClrLst/>
+    <dgm:txLinClrLst/>
+    <dgm:txFillClrLst meth="repeat">
+      <a:schemeClr val="lt1"/>
+    </dgm:txFillClrLst>
+    <dgm:txEffectClrLst/>
+  </dgm:styleLbl>
+  <dgm:styleLbl name="fgShp">
+    <dgm:fillClrLst meth="repeat">
+      <a:schemeClr val="accent1">
+        <a:tint val="60000"/>
+      </a:schemeClr>
+    </dgm:fillClrLst>
+    <dgm:linClrLst meth="repeat">
+      <a:schemeClr val="lt1"/>
+    </dgm:linClrLst>
+    <dgm:effectClrLst/>
+    <dgm:txLinClrLst/>
+    <dgm:txFillClrLst meth="repeat">
+      <a:schemeClr val="dk1"/>
+    </dgm:txFillClrLst>
+    <dgm:txEffectClrLst/>
+  </dgm:styleLbl>
+  <dgm:styleLbl name="revTx">
+    <dgm:fillClrLst meth="repeat">
+      <a:schemeClr val="lt1">
+        <a:alpha val="0"/>
+      </a:schemeClr>
+    </dgm:fillClrLst>
+    <dgm:linClrLst meth="repeat">
+      <a:schemeClr val="dk1">
+        <a:alpha val="0"/>
+      </a:schemeClr>
+    </dgm:linClrLst>
+    <dgm:effectClrLst/>
+    <dgm:txLinClrLst/>
+    <dgm:txFillClrLst meth="repeat">
+      <a:schemeClr val="tx1"/>
+    </dgm:txFillClrLst>
+    <dgm:txEffectClrLst/>
+  </dgm:styleLbl>
+</dgm:colorsDef>
+</file>
+
+<file path=ppt/diagrams/colors6.xml><?xml version="1.0" encoding="utf-8"?>
+<dgm:colorsDef xmlns:dgm="http://schemas.openxmlformats.org/drawingml/2006/diagram" xmlns:a="http://schemas.openxmlformats.org/drawingml/2006/main" uniqueId="urn:microsoft.com/office/officeart/2005/8/colors/accent1_2">
+  <dgm:title val=""/>
+  <dgm:desc val=""/>
+  <dgm:catLst>
+    <dgm:cat type="accent1" pri="11200"/>
+  </dgm:catLst>
+  <dgm:styleLbl name="node0">
+    <dgm:fillClrLst meth="repeat">
+      <a:schemeClr val="accent1"/>
+    </dgm:fillClrLst>
+    <dgm:linClrLst meth="repeat">
+      <a:schemeClr val="lt1"/>
+    </dgm:linClrLst>
+    <dgm:effectClrLst/>
+    <dgm:txLinClrLst/>
+    <dgm:txFillClrLst/>
+    <dgm:txEffectClrLst/>
+  </dgm:styleLbl>
+  <dgm:styleLbl name="alignNode1">
+    <dgm:fillClrLst meth="repeat">
+      <a:schemeClr val="accent1"/>
+    </dgm:fillClrLst>
+    <dgm:linClrLst meth="repeat">
+      <a:schemeClr val="accent1"/>
+    </dgm:linClrLst>
+    <dgm:effectClrLst/>
+    <dgm:txLinClrLst/>
+    <dgm:txFillClrLst/>
+    <dgm:txEffectClrLst/>
+  </dgm:styleLbl>
+  <dgm:styleLbl name="node1">
+    <dgm:fillClrLst meth="repeat">
+      <a:schemeClr val="accent1"/>
+    </dgm:fillClrLst>
+    <dgm:linClrLst meth="repeat">
+      <a:schemeClr val="lt1"/>
+    </dgm:linClrLst>
+    <dgm:effectClrLst/>
+    <dgm:txLinClrLst/>
+    <dgm:txFillClrLst/>
+    <dgm:txEffectClrLst/>
+  </dgm:styleLbl>
+  <dgm:styleLbl name="lnNode1">
+    <dgm:fillClrLst meth="repeat">
+      <a:schemeClr val="accent1"/>
+    </dgm:fillClrLst>
+    <dgm:linClrLst meth="repeat">
+      <a:schemeClr val="lt1"/>
+    </dgm:linClrLst>
+    <dgm:effectClrLst/>
+    <dgm:txLinClrLst/>
+    <dgm:txFillClrLst/>
+    <dgm:txEffectClrLst/>
+  </dgm:styleLbl>
+  <dgm:styleLbl name="vennNode1">
+    <dgm:fillClrLst meth="repeat">
+      <a:schemeClr val="accent1">
+        <a:alpha val="50000"/>
+      </a:schemeClr>
+    </dgm:fillClrLst>
+    <dgm:linClrLst meth="repeat">
+      <a:schemeClr val="lt1"/>
+    </dgm:linClrLst>
+    <dgm:effectClrLst/>
+    <dgm:txLinClrLst/>
+    <dgm:txFillClrLst/>
+    <dgm:txEffectClrLst/>
+  </dgm:styleLbl>
+  <dgm:styleLbl name="node2">
+    <dgm:fillClrLst meth="repeat">
+      <a:schemeClr val="accent1"/>
+    </dgm:fillClrLst>
+    <dgm:linClrLst meth="repeat">
+      <a:schemeClr val="lt1"/>
+    </dgm:linClrLst>
+    <dgm:effectClrLst/>
+    <dgm:txLinClrLst/>
+    <dgm:txFillClrLst/>
+    <dgm:txEffectClrLst/>
+  </dgm:styleLbl>
+  <dgm:styleLbl name="node3">
+    <dgm:fillClrLst meth="repeat">
+      <a:schemeClr val="accent1"/>
+    </dgm:fillClrLst>
+    <dgm:linClrLst meth="repeat">
+      <a:schemeClr val="lt1"/>
+    </dgm:linClrLst>
+    <dgm:effectClrLst/>
+    <dgm:txLinClrLst/>
+    <dgm:txFillClrLst/>
+    <dgm:txEffectClrLst/>
+  </dgm:styleLbl>
+  <dgm:styleLbl name="node4">
+    <dgm:fillClrLst meth="repeat">
+      <a:schemeClr val="accent1"/>
+    </dgm:fillClrLst>
+    <dgm:linClrLst meth="repeat">
+      <a:schemeClr val="lt1"/>
+    </dgm:linClrLst>
+    <dgm:effectClrLst/>
+    <dgm:txLinClrLst/>
+    <dgm:txFillClrLst/>
+    <dgm:txEffectClrLst/>
+  </dgm:styleLbl>
+  <dgm:styleLbl name="fgImgPlace1">
+    <dgm:fillClrLst meth="repeat">
+      <a:schemeClr val="accent1">
+        <a:tint val="50000"/>
+      </a:schemeClr>
+    </dgm:fillClrLst>
+    <dgm:linClrLst meth="repeat">
+      <a:schemeClr val="lt1"/>
+    </dgm:linClrLst>
+    <dgm:effectClrLst/>
+    <dgm:txLinClrLst/>
+    <dgm:txFillClrLst meth="repeat">
+      <a:schemeClr val="lt1"/>
+    </dgm:txFillClrLst>
+    <dgm:txEffectClrLst/>
+  </dgm:styleLbl>
+  <dgm:styleLbl name="alignImgPlace1">
+    <dgm:fillClrLst meth="repeat">
+      <a:schemeClr val="accent1">
+        <a:tint val="50000"/>
+      </a:schemeClr>
+    </dgm:fillClrLst>
+    <dgm:linClrLst meth="repeat">
+      <a:schemeClr val="lt1"/>
+    </dgm:linClrLst>
+    <dgm:effectClrLst/>
+    <dgm:txLinClrLst/>
+    <dgm:txFillClrLst meth="repeat">
+      <a:schemeClr val="lt1"/>
+    </dgm:txFillClrLst>
+    <dgm:txEffectClrLst/>
+  </dgm:styleLbl>
+  <dgm:styleLbl name="bgImgPlace1">
+    <dgm:fillClrLst meth="repeat">
+      <a:schemeClr val="accent1">
+        <a:tint val="50000"/>
+      </a:schemeClr>
+    </dgm:fillClrLst>
+    <dgm:linClrLst meth="repeat">
+      <a:schemeClr val="lt1"/>
+    </dgm:linClrLst>
+    <dgm:effectClrLst/>
+    <dgm:txLinClrLst/>
+    <dgm:txFillClrLst meth="repeat">
+      <a:schemeClr val="lt1"/>
+    </dgm:txFillClrLst>
+    <dgm:txEffectClrLst/>
+  </dgm:styleLbl>
+  <dgm:styleLbl name="sibTrans2D1">
+    <dgm:fillClrLst meth="repeat">
+      <a:schemeClr val="accent1">
+        <a:tint val="60000"/>
+      </a:schemeClr>
+    </dgm:fillClrLst>
+    <dgm:linClrLst meth="repeat">
+      <a:schemeClr val="accent1">
+        <a:tint val="60000"/>
+      </a:schemeClr>
+    </dgm:linClrLst>
+    <dgm:effectClrLst/>
+    <dgm:txLinClrLst/>
+    <dgm:txFillClrLst/>
+    <dgm:txEffectClrLst/>
+  </dgm:styleLbl>
+  <dgm:styleLbl name="fgSibTrans2D1">
+    <dgm:fillClrLst meth="repeat">
+      <a:schemeClr val="accent1">
+        <a:tint val="60000"/>
+      </a:schemeClr>
+    </dgm:fillClrLst>
+    <dgm:linClrLst meth="repeat">
+      <a:schemeClr val="accent1">
+        <a:tint val="60000"/>
+      </a:schemeClr>
+    </dgm:linClrLst>
+    <dgm:effectClrLst/>
+    <dgm:txLinClrLst/>
+    <dgm:txFillClrLst/>
+    <dgm:txEffectClrLst/>
+  </dgm:styleLbl>
+  <dgm:styleLbl name="bgSibTrans2D1">
+    <dgm:fillClrLst meth="repeat">
+      <a:schemeClr val="accent1">
+        <a:tint val="60000"/>
+      </a:schemeClr>
+    </dgm:fillClrLst>
+    <dgm:linClrLst meth="repeat">
+      <a:schemeClr val="accent1">
+        <a:tint val="60000"/>
+      </a:schemeClr>
+    </dgm:linClrLst>
+    <dgm:effectClrLst/>
+    <dgm:txLinClrLst/>
+    <dgm:txFillClrLst/>
+    <dgm:txEffectClrLst/>
+  </dgm:styleLbl>
+  <dgm:styleLbl name="sibTrans1D1">
+    <dgm:fillClrLst meth="repeat">
+      <a:schemeClr val="accent1"/>
+    </dgm:fillClrLst>
+    <dgm:linClrLst meth="repeat">
+      <a:schemeClr val="accent1"/>
+    </dgm:linClrLst>
+    <dgm:effectClrLst/>
+    <dgm:txLinClrLst/>
+    <dgm:txFillClrLst meth="repeat">
+      <a:schemeClr val="tx1"/>
+    </dgm:txFillClrLst>
+    <dgm:txEffectClrLst/>
+  </dgm:styleLbl>
+  <dgm:styleLbl name="callout">
+    <dgm:fillClrLst meth="repeat">
+      <a:schemeClr val="accent1"/>
+    </dgm:fillClrLst>
+    <dgm:linClrLst meth="repeat">
+      <a:schemeClr val="accent1">
+        <a:tint val="50000"/>
+      </a:schemeClr>
+    </dgm:linClrLst>
+    <dgm:effectClrLst/>
+    <dgm:txLinClrLst/>
+    <dgm:txFillClrLst meth="repeat">
+      <a:schemeClr val="tx1"/>
+    </dgm:txFillClrLst>
+    <dgm:txEffectClrLst/>
+  </dgm:styleLbl>
+  <dgm:styleLbl name="asst0">
+    <dgm:fillClrLst meth="repeat">
+      <a:schemeClr val="accent1"/>
+    </dgm:fillClrLst>
+    <dgm:linClrLst meth="repeat">
+      <a:schemeClr val="lt1"/>
+    </dgm:linClrLst>
+    <dgm:effectClrLst/>
+    <dgm:txLinClrLst/>
+    <dgm:txFillClrLst/>
+    <dgm:txEffectClrLst/>
+  </dgm:styleLbl>
+  <dgm:styleLbl name="asst1">
+    <dgm:fillClrLst meth="repeat">
+      <a:schemeClr val="accent1"/>
+    </dgm:fillClrLst>
+    <dgm:linClrLst meth="repeat">
+      <a:schemeClr val="lt1"/>
+    </dgm:linClrLst>
+    <dgm:effectClrLst/>
+    <dgm:txLinClrLst/>
+    <dgm:txFillClrLst/>
+    <dgm:txEffectClrLst/>
+  </dgm:styleLbl>
+  <dgm:styleLbl name="asst2">
+    <dgm:fillClrLst meth="repeat">
+      <a:schemeClr val="accent1"/>
+    </dgm:fillClrLst>
+    <dgm:linClrLst meth="repeat">
+      <a:schemeClr val="lt1"/>
+    </dgm:linClrLst>
+    <dgm:effectClrLst/>
+    <dgm:txLinClrLst/>
+    <dgm:txFillClrLst/>
+    <dgm:txEffectClrLst/>
+  </dgm:styleLbl>
+  <dgm:styleLbl name="asst3">
+    <dgm:fillClrLst meth="repeat">
+      <a:schemeClr val="accent1"/>
+    </dgm:fillClrLst>
+    <dgm:linClrLst meth="repeat">
+      <a:schemeClr val="lt1"/>
+    </dgm:linClrLst>
+    <dgm:effectClrLst/>
+    <dgm:txLinClrLst/>
+    <dgm:txFillClrLst/>
+    <dgm:txEffectClrLst/>
+  </dgm:styleLbl>
+  <dgm:styleLbl name="asst4">
+    <dgm:fillClrLst meth="repeat">
+      <a:schemeClr val="accent1"/>
+    </dgm:fillClrLst>
+    <dgm:linClrLst meth="repeat">
+      <a:schemeClr val="lt1"/>
+    </dgm:linClrLst>
+    <dgm:effectClrLst/>
+    <dgm:txLinClrLst/>
+    <dgm:txFillClrLst/>
+    <dgm:txEffectClrLst/>
+  </dgm:styleLbl>
+  <dgm:styleLbl name="parChTrans2D1">
+    <dgm:fillClrLst meth="repeat">
+      <a:schemeClr val="accent1">
+        <a:tint val="60000"/>
+      </a:schemeClr>
+    </dgm:fillClrLst>
+    <dgm:linClrLst meth="repeat">
+      <a:schemeClr val="accent1">
+        <a:tint val="60000"/>
+      </a:schemeClr>
+    </dgm:linClrLst>
+    <dgm:effectClrLst/>
+    <dgm:txLinClrLst/>
+    <dgm:txFillClrLst meth="repeat">
+      <a:schemeClr val="lt1"/>
+    </dgm:txFillClrLst>
+    <dgm:txEffectClrLst/>
+  </dgm:styleLbl>
+  <dgm:styleLbl name="parChTrans2D2">
+    <dgm:fillClrLst meth="repeat">
+      <a:schemeClr val="accent1"/>
+    </dgm:fillClrLst>
+    <dgm:linClrLst meth="repeat">
+      <a:schemeClr val="accent1"/>
+    </dgm:linClrLst>
+    <dgm:effectClrLst/>
+    <dgm:txLinClrLst/>
+    <dgm:txFillClrLst meth="repeat">
+      <a:schemeClr val="lt1"/>
+    </dgm:txFillClrLst>
+    <dgm:txEffectClrLst/>
+  </dgm:styleLbl>
+  <dgm:styleLbl name="parChTrans2D3">
+    <dgm:fillClrLst meth="repeat">
+      <a:schemeClr val="accent1"/>
+    </dgm:fillClrLst>
+    <dgm:linClrLst meth="repeat">
+      <a:schemeClr val="accent1"/>
+    </dgm:linClrLst>
+    <dgm:effectClrLst/>
+    <dgm:txLinClrLst/>
+    <dgm:txFillClrLst meth="repeat">
+      <a:schemeClr val="lt1"/>
+    </dgm:txFillClrLst>
+    <dgm:txEffectClrLst/>
+  </dgm:styleLbl>
+  <dgm:styleLbl name="parChTrans2D4">
+    <dgm:fillClrLst meth="repeat">
+      <a:schemeClr val="accent1"/>
+    </dgm:fillClrLst>
+    <dgm:linClrLst meth="repeat">
+      <a:schemeClr val="accent1"/>
+    </dgm:linClrLst>
+    <dgm:effectClrLst/>
+    <dgm:txLinClrLst/>
+    <dgm:txFillClrLst meth="repeat">
+      <a:schemeClr val="lt1"/>
+    </dgm:txFillClrLst>
+    <dgm:txEffectClrLst/>
+  </dgm:styleLbl>
+  <dgm:styleLbl name="parChTrans1D1">
+    <dgm:fillClrLst meth="repeat">
+      <a:schemeClr val="accent1"/>
+    </dgm:fillClrLst>
+    <dgm:linClrLst meth="repeat">
+      <a:schemeClr val="accent1">
+        <a:shade val="60000"/>
+      </a:schemeClr>
+    </dgm:linClrLst>
+    <dgm:effectClrLst/>
+    <dgm:txLinClrLst/>
+    <dgm:txFillClrLst meth="repeat">
+      <a:schemeClr val="tx1"/>
+    </dgm:txFillClrLst>
+    <dgm:txEffectClrLst/>
+  </dgm:styleLbl>
+  <dgm:styleLbl name="parChTrans1D2">
+    <dgm:fillClrLst meth="repeat">
+      <a:schemeClr val="accent1"/>
+    </dgm:fillClrLst>
+    <dgm:linClrLst meth="repeat">
+      <a:schemeClr val="accent1">
+        <a:shade val="60000"/>
+      </a:schemeClr>
+    </dgm:linClrLst>
+    <dgm:effectClrLst/>
+    <dgm:txLinClrLst/>
+    <dgm:txFillClrLst meth="repeat">
+      <a:schemeClr val="tx1"/>
+    </dgm:txFillClrLst>
+    <dgm:txEffectClrLst/>
+  </dgm:styleLbl>
+  <dgm:styleLbl name="parChTrans1D3">
+    <dgm:fillClrLst meth="repeat">
+      <a:schemeClr val="accent1"/>
+    </dgm:fillClrLst>
+    <dgm:linClrLst meth="repeat">
+      <a:schemeClr val="accent1">
+        <a:shade val="80000"/>
+      </a:schemeClr>
+    </dgm:linClrLst>
+    <dgm:effectClrLst/>
+    <dgm:txLinClrLst/>
+    <dgm:txFillClrLst meth="repeat">
+      <a:schemeClr val="tx1"/>
+    </dgm:txFillClrLst>
+    <dgm:txEffectClrLst/>
+  </dgm:styleLbl>
+  <dgm:styleLbl name="parChTrans1D4">
+    <dgm:fillClrLst meth="repeat">
+      <a:schemeClr val="accent1"/>
+    </dgm:fillClrLst>
+    <dgm:linClrLst meth="repeat">
+      <a:schemeClr val="accent1">
+        <a:shade val="80000"/>
+      </a:schemeClr>
+    </dgm:linClrLst>
+    <dgm:effectClrLst/>
+    <dgm:txLinClrLst/>
+    <dgm:txFillClrLst meth="repeat">
+      <a:schemeClr val="tx1"/>
+    </dgm:txFillClrLst>
+    <dgm:txEffectClrLst/>
+  </dgm:styleLbl>
+  <dgm:styleLbl name="fgAcc1">
+    <dgm:fillClrLst meth="repeat">
+      <a:schemeClr val="lt1">
+        <a:alpha val="90000"/>
+      </a:schemeClr>
+    </dgm:fillClrLst>
+    <dgm:linClrLst meth="repeat">
+      <a:schemeClr val="accent1"/>
+    </dgm:linClrLst>
+    <dgm:effectClrLst/>
+    <dgm:txLinClrLst/>
+    <dgm:txFillClrLst meth="repeat">
+      <a:schemeClr val="dk1"/>
+    </dgm:txFillClrLst>
+    <dgm:txEffectClrLst/>
+  </dgm:styleLbl>
+  <dgm:styleLbl name="conFgAcc1">
+    <dgm:fillClrLst meth="repeat">
+      <a:schemeClr val="lt1">
+        <a:alpha val="90000"/>
+      </a:schemeClr>
+    </dgm:fillClrLst>
+    <dgm:linClrLst meth="repeat">
+      <a:schemeClr val="accent1"/>
+    </dgm:linClrLst>
+    <dgm:effectClrLst/>
+    <dgm:txLinClrLst/>
+    <dgm:txFillClrLst meth="repeat">
+      <a:schemeClr val="dk1"/>
+    </dgm:txFillClrLst>
+    <dgm:txEffectClrLst/>
+  </dgm:styleLbl>
+  <dgm:styleLbl name="alignAcc1">
+    <dgm:fillClrLst meth="repeat">
+      <a:schemeClr val="lt1">
+        <a:alpha val="90000"/>
+      </a:schemeClr>
+    </dgm:fillClrLst>
+    <dgm:linClrLst meth="repeat">
+      <a:schemeClr val="accent1"/>
+    </dgm:linClrLst>
+    <dgm:effectClrLst/>
+    <dgm:txLinClrLst/>
+    <dgm:txFillClrLst meth="repeat">
+      <a:schemeClr val="dk1"/>
+    </dgm:txFillClrLst>
+    <dgm:txEffectClrLst/>
+  </dgm:styleLbl>
+  <dgm:styleLbl name="trAlignAcc1">
+    <dgm:fillClrLst meth="repeat">
+      <a:schemeClr val="lt1">
+        <a:alpha val="40000"/>
+      </a:schemeClr>
+    </dgm:fillClrLst>
+    <dgm:linClrLst meth="repeat">
+      <a:schemeClr val="accent1"/>
+    </dgm:linClrLst>
+    <dgm:effectClrLst/>
+    <dgm:txLinClrLst/>
+    <dgm:txFillClrLst meth="repeat">
+      <a:schemeClr val="dk1"/>
+    </dgm:txFillClrLst>
+    <dgm:txEffectClrLst/>
+  </dgm:styleLbl>
+  <dgm:styleLbl name="bgAcc1">
+    <dgm:fillClrLst meth="repeat">
+      <a:schemeClr val="lt1">
+        <a:alpha val="90000"/>
+      </a:schemeClr>
+    </dgm:fillClrLst>
+    <dgm:linClrLst meth="repeat">
+      <a:schemeClr val="accent1"/>
+    </dgm:linClrLst>
+    <dgm:effectClrLst/>
+    <dgm:txLinClrLst/>
+    <dgm:txFillClrLst meth="repeat">
+      <a:schemeClr val="dk1"/>
+    </dgm:txFillClrLst>
+    <dgm:txEffectClrLst/>
+  </dgm:styleLbl>
+  <dgm:styleLbl name="solidFgAcc1">
+    <dgm:fillClrLst meth="repeat">
+      <a:schemeClr val="lt1"/>
+    </dgm:fillClrLst>
+    <dgm:linClrLst meth="repeat">
+      <a:schemeClr val="accent1"/>
+    </dgm:linClrLst>
+    <dgm:effectClrLst/>
+    <dgm:txLinClrLst/>
+    <dgm:txFillClrLst meth="repeat">
+      <a:schemeClr val="dk1"/>
+    </dgm:txFillClrLst>
+    <dgm:txEffectClrLst/>
+  </dgm:styleLbl>
+  <dgm:styleLbl name="solidAlignAcc1">
+    <dgm:fillClrLst meth="repeat">
+      <a:schemeClr val="lt1"/>
+    </dgm:fillClrLst>
+    <dgm:linClrLst meth="repeat">
+      <a:schemeClr val="accent1"/>
+    </dgm:linClrLst>
+    <dgm:effectClrLst/>
+    <dgm:txLinClrLst/>
+    <dgm:txFillClrLst meth="repeat">
+      <a:schemeClr val="dk1"/>
+    </dgm:txFillClrLst>
+    <dgm:txEffectClrLst/>
+  </dgm:styleLbl>
+  <dgm:styleLbl name="solidBgAcc1">
+    <dgm:fillClrLst meth="repeat">
+      <a:schemeClr val="lt1"/>
+    </dgm:fillClrLst>
+    <dgm:linClrLst meth="repeat">
+      <a:schemeClr val="accent1"/>
+    </dgm:linClrLst>
+    <dgm:effectClrLst/>
+    <dgm:txLinClrLst/>
+    <dgm:txFillClrLst meth="repeat">
+      <a:schemeClr val="dk1"/>
+    </dgm:txFillClrLst>
+    <dgm:txEffectClrLst/>
+  </dgm:styleLbl>
+  <dgm:styleLbl name="fgAccFollowNode1">
+    <dgm:fillClrLst meth="repeat">
+      <a:schemeClr val="accent1">
+        <a:alpha val="90000"/>
+        <a:tint val="40000"/>
+      </a:schemeClr>
+    </dgm:fillClrLst>
+    <dgm:linClrLst meth="repeat">
+      <a:schemeClr val="accent1">
+        <a:alpha val="90000"/>
+        <a:tint val="40000"/>
+      </a:schemeClr>
+    </dgm:linClrLst>
+    <dgm:effectClrLst/>
+    <dgm:txLinClrLst/>
+    <dgm:txFillClrLst meth="repeat">
+      <a:schemeClr val="dk1"/>
+    </dgm:txFillClrLst>
+    <dgm:txEffectClrLst/>
+  </dgm:styleLbl>
+  <dgm:styleLbl name="alignAccFollowNode1">
+    <dgm:fillClrLst meth="repeat">
+      <a:schemeClr val="accent1">
+        <a:alpha val="90000"/>
+        <a:tint val="40000"/>
+      </a:schemeClr>
+    </dgm:fillClrLst>
+    <dgm:linClrLst meth="repeat">
+      <a:schemeClr val="accent1">
+        <a:alpha val="90000"/>
+        <a:tint val="40000"/>
+      </a:schemeClr>
+    </dgm:linClrLst>
+    <dgm:effectClrLst/>
+    <dgm:txLinClrLst/>
+    <dgm:txFillClrLst meth="repeat">
+      <a:schemeClr val="dk1"/>
+    </dgm:txFillClrLst>
+    <dgm:txEffectClrLst/>
+  </dgm:styleLbl>
+  <dgm:styleLbl name="bgAccFollowNode1">
+    <dgm:fillClrLst meth="repeat">
+      <a:schemeClr val="accent1">
+        <a:alpha val="90000"/>
+        <a:tint val="40000"/>
+      </a:schemeClr>
+    </dgm:fillClrLst>
+    <dgm:linClrLst meth="repeat">
+      <a:schemeClr val="accent1">
+        <a:alpha val="90000"/>
+        <a:tint val="40000"/>
+      </a:schemeClr>
+    </dgm:linClrLst>
+    <dgm:effectClrLst/>
+    <dgm:txLinClrLst/>
+    <dgm:txFillClrLst meth="repeat">
+      <a:schemeClr val="dk1"/>
+    </dgm:txFillClrLst>
+    <dgm:txEffectClrLst/>
+  </dgm:styleLbl>
+  <dgm:styleLbl name="fgAcc0">
+    <dgm:fillClrLst meth="repeat">
+      <a:schemeClr val="lt1">
+        <a:alpha val="90000"/>
+      </a:schemeClr>
+    </dgm:fillClrLst>
+    <dgm:linClrLst meth="repeat">
+      <a:schemeClr val="accent1"/>
+    </dgm:linClrLst>
+    <dgm:effectClrLst/>
+    <dgm:txLinClrLst/>
+    <dgm:txFillClrLst meth="repeat">
+      <a:schemeClr val="dk1"/>
+    </dgm:txFillClrLst>
+    <dgm:txEffectClrLst/>
+  </dgm:styleLbl>
+  <dgm:styleLbl name="fgAcc2">
+    <dgm:fillClrLst meth="repeat">
+      <a:schemeClr val="lt1">
+        <a:alpha val="90000"/>
+      </a:schemeClr>
+    </dgm:fillClrLst>
+    <dgm:linClrLst meth="repeat">
+      <a:schemeClr val="accent1"/>
+    </dgm:linClrLst>
+    <dgm:effectClrLst/>
+    <dgm:txLinClrLst/>
+    <dgm:txFillClrLst meth="repeat">
+      <a:schemeClr val="dk1"/>
+    </dgm:txFillClrLst>
+    <dgm:txEffectClrLst/>
+  </dgm:styleLbl>
+  <dgm:styleLbl name="fgAcc3">
+    <dgm:fillClrLst meth="repeat">
+      <a:schemeClr val="lt1">
+        <a:alpha val="90000"/>
+      </a:schemeClr>
+    </dgm:fillClrLst>
+    <dgm:linClrLst meth="repeat">
+      <a:schemeClr val="accent1"/>
+    </dgm:linClrLst>
+    <dgm:effectClrLst/>
+    <dgm:txLinClrLst/>
+    <dgm:txFillClrLst meth="repeat">
+      <a:schemeClr val="dk1"/>
+    </dgm:txFillClrLst>
+    <dgm:txEffectClrLst/>
+  </dgm:styleLbl>
+  <dgm:styleLbl name="fgAcc4">
+    <dgm:fillClrLst meth="repeat">
+      <a:schemeClr val="lt1">
+        <a:alpha val="90000"/>
+      </a:schemeClr>
+    </dgm:fillClrLst>
+    <dgm:linClrLst meth="repeat">
+      <a:schemeClr val="accent1"/>
+    </dgm:linClrLst>
+    <dgm:effectClrLst/>
+    <dgm:txLinClrLst/>
+    <dgm:txFillClrLst meth="repeat">
+      <a:schemeClr val="dk1"/>
+    </dgm:txFillClrLst>
+    <dgm:txEffectClrLst/>
+  </dgm:styleLbl>
+  <dgm:styleLbl name="bgShp">
+    <dgm:fillClrLst meth="repeat">
+      <a:schemeClr val="accent1">
+        <a:tint val="40000"/>
+      </a:schemeClr>
+    </dgm:fillClrLst>
+    <dgm:linClrLst meth="repeat">
+      <a:schemeClr val="accent1"/>
+    </dgm:linClrLst>
+    <dgm:effectClrLst/>
+    <dgm:txLinClrLst/>
+    <dgm:txFillClrLst meth="repeat">
+      <a:schemeClr val="dk1"/>
+    </dgm:txFillClrLst>
+    <dgm:txEffectClrLst/>
+  </dgm:styleLbl>
+  <dgm:styleLbl name="dkBgShp">
+    <dgm:fillClrLst meth="repeat">
+      <a:schemeClr val="accent1">
+        <a:shade val="80000"/>
+      </a:schemeClr>
+    </dgm:fillClrLst>
+    <dgm:linClrLst meth="repeat">
+      <a:schemeClr val="accent1"/>
+    </dgm:linClrLst>
+    <dgm:effectClrLst/>
+    <dgm:txLinClrLst/>
+    <dgm:txFillClrLst meth="repeat">
+      <a:schemeClr val="lt1"/>
+    </dgm:txFillClrLst>
+    <dgm:txEffectClrLst/>
+  </dgm:styleLbl>
+  <dgm:styleLbl name="trBgShp">
+    <dgm:fillClrLst meth="repeat">
+      <a:schemeClr val="accent1">
+        <a:tint val="50000"/>
+        <a:alpha val="40000"/>
+      </a:schemeClr>
+    </dgm:fillClrLst>
+    <dgm:linClrLst meth="repeat">
+      <a:schemeClr val="accent1"/>
+    </dgm:linClrLst>
+    <dgm:effectClrLst/>
+    <dgm:txLinClrLst/>
+    <dgm:txFillClrLst meth="repeat">
+      <a:schemeClr val="lt1"/>
+    </dgm:txFillClrLst>
+    <dgm:txEffectClrLst/>
+  </dgm:styleLbl>
+  <dgm:styleLbl name="fgShp">
+    <dgm:fillClrLst meth="repeat">
+      <a:schemeClr val="accent1">
+        <a:tint val="60000"/>
+      </a:schemeClr>
+    </dgm:fillClrLst>
+    <dgm:linClrLst meth="repeat">
+      <a:schemeClr val="lt1"/>
+    </dgm:linClrLst>
+    <dgm:effectClrLst/>
+    <dgm:txLinClrLst/>
+    <dgm:txFillClrLst meth="repeat">
+      <a:schemeClr val="dk1"/>
+    </dgm:txFillClrLst>
+    <dgm:txEffectClrLst/>
+  </dgm:styleLbl>
+  <dgm:styleLbl name="revTx">
+    <dgm:fillClrLst meth="repeat">
+      <a:schemeClr val="lt1">
+        <a:alpha val="0"/>
+      </a:schemeClr>
+    </dgm:fillClrLst>
+    <dgm:linClrLst meth="repeat">
+      <a:schemeClr val="dk1">
+        <a:alpha val="0"/>
+      </a:schemeClr>
+    </dgm:linClrLst>
+    <dgm:effectClrLst/>
+    <dgm:txLinClrLst/>
+    <dgm:txFillClrLst meth="repeat">
+      <a:schemeClr val="tx1"/>
+    </dgm:txFillClrLst>
+    <dgm:txEffectClrLst/>
+  </dgm:styleLbl>
+</dgm:colorsDef>
+</file>
+
 <file path=ppt/diagrams/data1.xml><?xml version="1.0" encoding="utf-8"?>
 <dgm:dataModel xmlns:dgm="http://schemas.openxmlformats.org/drawingml/2006/diagram" xmlns:a="http://schemas.openxmlformats.org/drawingml/2006/main">
   <dgm:ptLst>
@@ -3243,7 +4757,6 @@
             <a:rPr lang="en-US"/>
             <a:t>2004</a:t>
           </a:r>
-          <a:endParaRPr lang="en-US"/>
         </a:p>
       </dgm:t>
     </dgm:pt>
@@ -3352,7 +4865,6 @@
             <a:rPr lang="en-US"/>
             <a:t>SSL</a:t>
           </a:r>
-          <a:endParaRPr lang="en-US"/>
         </a:p>
       </dgm:t>
     </dgm:pt>
@@ -3395,7 +4907,6 @@
             <a:rPr lang="en-US"/>
             <a:t>2005</a:t>
           </a:r>
-          <a:endParaRPr lang="en-US"/>
         </a:p>
       </dgm:t>
     </dgm:pt>
@@ -3432,7 +4943,6 @@
             <a:rPr lang="en-US"/>
             <a:t>Caching</a:t>
           </a:r>
-          <a:endParaRPr lang="en-US"/>
         </a:p>
       </dgm:t>
     </dgm:pt>
@@ -3469,7 +4979,6 @@
             <a:rPr lang="en-US"/>
             <a:t>FastCGI</a:t>
           </a:r>
-          <a:endParaRPr lang="en-US"/>
         </a:p>
       </dgm:t>
     </dgm:pt>
@@ -3506,7 +5015,6 @@
             <a:rPr lang="en-US"/>
             <a:t>Proxying</a:t>
           </a:r>
-          <a:endParaRPr lang="en-US"/>
         </a:p>
       </dgm:t>
     </dgm:pt>
@@ -3579,7 +5087,6 @@
             <a:rPr lang="en-US"/>
             <a:t>SSL</a:t>
           </a:r>
-          <a:endParaRPr lang="en-US"/>
         </a:p>
       </dgm:t>
     </dgm:pt>
@@ -3622,7 +5129,6 @@
             <a:rPr lang="en-US"/>
             <a:t>2006</a:t>
           </a:r>
-          <a:endParaRPr lang="en-US"/>
         </a:p>
       </dgm:t>
     </dgm:pt>
@@ -3659,7 +5165,6 @@
             <a:rPr lang="en-US"/>
             <a:t>Caching</a:t>
           </a:r>
-          <a:endParaRPr lang="en-US"/>
         </a:p>
       </dgm:t>
     </dgm:pt>
@@ -3696,7 +5201,6 @@
             <a:rPr lang="en-US"/>
             <a:t>Performance</a:t>
           </a:r>
-          <a:endParaRPr lang="en-US"/>
         </a:p>
       </dgm:t>
     </dgm:pt>
@@ -3769,7 +5273,6 @@
             <a:rPr lang="en-US"/>
             <a:t>Proxying</a:t>
           </a:r>
-          <a:endParaRPr lang="en-US"/>
         </a:p>
       </dgm:t>
     </dgm:pt>
@@ -3846,7 +5349,6 @@
             <a:rPr lang="en-US"/>
             <a:t>Stability</a:t>
           </a:r>
-          <a:endParaRPr lang="en-US"/>
         </a:p>
       </dgm:t>
     </dgm:pt>
@@ -3883,7 +5385,6 @@
             <a:rPr lang="en-US"/>
             <a:t>Portability</a:t>
           </a:r>
-          <a:endParaRPr lang="en-US"/>
         </a:p>
       </dgm:t>
     </dgm:pt>
@@ -3920,7 +5421,6 @@
             <a:rPr lang="en-US"/>
             <a:t>Performance</a:t>
           </a:r>
-          <a:endParaRPr lang="en-US"/>
         </a:p>
       </dgm:t>
     </dgm:pt>
@@ -3957,7 +5457,6 @@
             <a:rPr lang="en-US"/>
             <a:t>Proxying</a:t>
           </a:r>
-          <a:endParaRPr lang="en-US"/>
         </a:p>
       </dgm:t>
     </dgm:pt>
@@ -3992,6 +5491,13 @@
         </dgm:presLayoutVars>
       </dgm:prSet>
       <dgm:spPr/>
+      <dgm:t>
+        <a:bodyPr/>
+        <a:lstStyle/>
+        <a:p>
+          <a:endParaRPr lang="en-US"/>
+        </a:p>
+      </dgm:t>
     </dgm:pt>
     <dgm:pt modelId="{184A9ABB-2525-488E-8E01-E8443D0626AF}" type="pres">
       <dgm:prSet presAssocID="{68DE6D88-04A2-49D5-B796-7689E35AE872}" presName="composite" presStyleCnt="0"/>
@@ -4006,6 +5512,13 @@
         </dgm:presLayoutVars>
       </dgm:prSet>
       <dgm:spPr/>
+      <dgm:t>
+        <a:bodyPr/>
+        <a:lstStyle/>
+        <a:p>
+          <a:endParaRPr lang="en-US"/>
+        </a:p>
+      </dgm:t>
     </dgm:pt>
     <dgm:pt modelId="{959B729B-2350-4B62-A776-9F5CDFF204DD}" type="pres">
       <dgm:prSet presAssocID="{68DE6D88-04A2-49D5-B796-7689E35AE872}" presName="desTx" presStyleLbl="revTx" presStyleIdx="0" presStyleCnt="5">
@@ -4014,6 +5527,13 @@
         </dgm:presLayoutVars>
       </dgm:prSet>
       <dgm:spPr/>
+      <dgm:t>
+        <a:bodyPr/>
+        <a:lstStyle/>
+        <a:p>
+          <a:endParaRPr lang="en-US"/>
+        </a:p>
+      </dgm:t>
     </dgm:pt>
     <dgm:pt modelId="{125E1069-2848-4723-9F87-DFA9D32256E6}" type="pres">
       <dgm:prSet presAssocID="{3CCF49FE-38CD-4C38-BAD6-7057E74B2C44}" presName="space" presStyleCnt="0"/>
@@ -4032,6 +5552,13 @@
         </dgm:presLayoutVars>
       </dgm:prSet>
       <dgm:spPr/>
+      <dgm:t>
+        <a:bodyPr/>
+        <a:lstStyle/>
+        <a:p>
+          <a:endParaRPr lang="en-US"/>
+        </a:p>
+      </dgm:t>
     </dgm:pt>
     <dgm:pt modelId="{2A516A8D-1025-4A7F-91FB-C550F4FF574B}" type="pres">
       <dgm:prSet presAssocID="{018EF147-01F6-4634-8192-6BEC8B1621F3}" presName="desTx" presStyleLbl="revTx" presStyleIdx="1" presStyleCnt="5">
@@ -4040,6 +5567,13 @@
         </dgm:presLayoutVars>
       </dgm:prSet>
       <dgm:spPr/>
+      <dgm:t>
+        <a:bodyPr/>
+        <a:lstStyle/>
+        <a:p>
+          <a:endParaRPr lang="en-US"/>
+        </a:p>
+      </dgm:t>
     </dgm:pt>
     <dgm:pt modelId="{130BE8C5-C12D-4321-BBC7-37240DE63C03}" type="pres">
       <dgm:prSet presAssocID="{0D7CE3FB-77BD-4A57-A7F0-94C0DD116D10}" presName="space" presStyleCnt="0"/>
@@ -4058,6 +5592,13 @@
         </dgm:presLayoutVars>
       </dgm:prSet>
       <dgm:spPr/>
+      <dgm:t>
+        <a:bodyPr/>
+        <a:lstStyle/>
+        <a:p>
+          <a:endParaRPr lang="en-US"/>
+        </a:p>
+      </dgm:t>
     </dgm:pt>
     <dgm:pt modelId="{58122DCD-5BDA-4622-8801-F57712FC5747}" type="pres">
       <dgm:prSet presAssocID="{6335AB6E-0764-4807-808B-EB5EE6801856}" presName="desTx" presStyleLbl="revTx" presStyleIdx="2" presStyleCnt="5">
@@ -4066,6 +5607,13 @@
         </dgm:presLayoutVars>
       </dgm:prSet>
       <dgm:spPr/>
+      <dgm:t>
+        <a:bodyPr/>
+        <a:lstStyle/>
+        <a:p>
+          <a:endParaRPr lang="en-US"/>
+        </a:p>
+      </dgm:t>
     </dgm:pt>
     <dgm:pt modelId="{76AAEAB7-78EE-4746-B0FA-C7FB243F2376}" type="pres">
       <dgm:prSet presAssocID="{60456CEA-3985-4CA4-BED1-C8131F7C393C}" presName="space" presStyleCnt="0"/>
@@ -4084,6 +5632,13 @@
         </dgm:presLayoutVars>
       </dgm:prSet>
       <dgm:spPr/>
+      <dgm:t>
+        <a:bodyPr/>
+        <a:lstStyle/>
+        <a:p>
+          <a:endParaRPr lang="en-US"/>
+        </a:p>
+      </dgm:t>
     </dgm:pt>
     <dgm:pt modelId="{2841C3B0-BA77-4ECC-8EB0-0D07D3E03FE0}" type="pres">
       <dgm:prSet presAssocID="{84282BA2-34AC-4DDF-88B8-83A2998F53A3}" presName="desTx" presStyleLbl="revTx" presStyleIdx="3" presStyleCnt="5">
@@ -4092,6 +5647,13 @@
         </dgm:presLayoutVars>
       </dgm:prSet>
       <dgm:spPr/>
+      <dgm:t>
+        <a:bodyPr/>
+        <a:lstStyle/>
+        <a:p>
+          <a:endParaRPr lang="en-US"/>
+        </a:p>
+      </dgm:t>
     </dgm:pt>
     <dgm:pt modelId="{424CFFCC-F2F7-46C0-BA3F-4CD9A277C415}" type="pres">
       <dgm:prSet presAssocID="{F1EFD665-0069-4AEE-B8CC-AFD5A3E394C7}" presName="space" presStyleCnt="0"/>
@@ -4110,6 +5672,13 @@
         </dgm:presLayoutVars>
       </dgm:prSet>
       <dgm:spPr/>
+      <dgm:t>
+        <a:bodyPr/>
+        <a:lstStyle/>
+        <a:p>
+          <a:endParaRPr lang="en-US"/>
+        </a:p>
+      </dgm:t>
     </dgm:pt>
     <dgm:pt modelId="{CFF1DBCA-9EC9-430A-8EF8-F0A278417308}" type="pres">
       <dgm:prSet presAssocID="{D2B221E1-C0D2-45BF-8222-CDDD73594675}" presName="desTx" presStyleLbl="revTx" presStyleIdx="4" presStyleCnt="5">
@@ -4118,54 +5687,61 @@
         </dgm:presLayoutVars>
       </dgm:prSet>
       <dgm:spPr/>
+      <dgm:t>
+        <a:bodyPr/>
+        <a:lstStyle/>
+        <a:p>
+          <a:endParaRPr lang="en-US"/>
+        </a:p>
+      </dgm:t>
     </dgm:pt>
   </dgm:ptLst>
   <dgm:cxnLst>
+    <dgm:cxn modelId="{272A6F0B-4E51-427E-BE90-A58D2979BF18}" srcId="{32998375-D15A-4BC4-892E-9A6AE2AFA557}" destId="{68DE6D88-04A2-49D5-B796-7689E35AE872}" srcOrd="0" destOrd="0" parTransId="{23BF7361-80C5-43DF-84EB-60338ED25B3E}" sibTransId="{3CCF49FE-38CD-4C38-BAD6-7057E74B2C44}"/>
+    <dgm:cxn modelId="{C4C8D06A-94AD-411C-ADB2-E19E3E489257}" srcId="{84282BA2-34AC-4DDF-88B8-83A2998F53A3}" destId="{78C782F9-FD98-46E5-B903-8413AAD30963}" srcOrd="0" destOrd="0" parTransId="{419CB6C7-E732-4DC4-A28F-1D39635F7982}" sibTransId="{F4793A3A-1952-4633-8EE6-045CD282AFD5}"/>
+    <dgm:cxn modelId="{49DC4FA1-3130-4231-9D61-A736B00ABEAD}" srcId="{018EF147-01F6-4634-8192-6BEC8B1621F3}" destId="{F32819D2-DF7D-48E3-B348-7A85DA3A135D}" srcOrd="0" destOrd="0" parTransId="{69AF10EE-1040-46D4-BB8B-3615C847E9BB}" sibTransId="{1A083A09-AA33-4A16-A0F3-C6B5DEFAAC43}"/>
+    <dgm:cxn modelId="{393E8BBF-E415-42F2-BCBE-A5451F43B0AF}" srcId="{D2B221E1-C0D2-45BF-8222-CDDD73594675}" destId="{EDF94C4B-891C-4AFD-90B2-0FA8E6E65704}" srcOrd="3" destOrd="0" parTransId="{DFF08C46-B5A9-4F6A-B88E-F621708F9D57}" sibTransId="{94918599-0CD0-474A-BB06-EA4DEC61235A}"/>
+    <dgm:cxn modelId="{39CFFF17-4A65-45ED-94AD-9D6EFE84E524}" type="presOf" srcId="{78C782F9-FD98-46E5-B903-8413AAD30963}" destId="{2841C3B0-BA77-4ECC-8EB0-0D07D3E03FE0}" srcOrd="0" destOrd="0" presId="urn:microsoft.com/office/officeart/2005/8/layout/chevron1"/>
+    <dgm:cxn modelId="{666095F7-84FF-41D2-8239-5405B212E2F1}" type="presOf" srcId="{2145F4DD-51D6-4425-9953-AFD28509E518}" destId="{CFF1DBCA-9EC9-430A-8EF8-F0A278417308}" srcOrd="0" destOrd="2" presId="urn:microsoft.com/office/officeart/2005/8/layout/chevron1"/>
+    <dgm:cxn modelId="{1D54B24B-BF78-4F3E-8476-BA589CEBBB5A}" type="presOf" srcId="{EDF94C4B-891C-4AFD-90B2-0FA8E6E65704}" destId="{CFF1DBCA-9EC9-430A-8EF8-F0A278417308}" srcOrd="0" destOrd="3" presId="urn:microsoft.com/office/officeart/2005/8/layout/chevron1"/>
+    <dgm:cxn modelId="{1DBAA52E-7854-4B49-A25D-4DAADE989254}" srcId="{84282BA2-34AC-4DDF-88B8-83A2998F53A3}" destId="{2D7AC616-69BB-44A7-9722-E91708AF5E51}" srcOrd="1" destOrd="0" parTransId="{A336037B-BD5D-40DD-9F81-A63608C8C256}" sibTransId="{C6E478E0-CACF-41CE-8A63-C0E23CC48E05}"/>
+    <dgm:cxn modelId="{A97C8DF6-65D5-42FC-8373-A30A5F3DF117}" type="presOf" srcId="{E08DE3AE-603F-456C-8E89-4C9A2172C9DA}" destId="{CFF1DBCA-9EC9-430A-8EF8-F0A278417308}" srcOrd="0" destOrd="0" presId="urn:microsoft.com/office/officeart/2005/8/layout/chevron1"/>
+    <dgm:cxn modelId="{82AEAE9E-49F6-4F84-97BF-C649DBEADFE0}" type="presOf" srcId="{68DE6D88-04A2-49D5-B796-7689E35AE872}" destId="{1627EC6B-F153-4D27-9E10-9BCE4926C1E7}" srcOrd="0" destOrd="0" presId="urn:microsoft.com/office/officeart/2005/8/layout/chevron1"/>
+    <dgm:cxn modelId="{1ECDE986-726B-46EA-8F8D-2055C6745D67}" srcId="{68DE6D88-04A2-49D5-B796-7689E35AE872}" destId="{438210C1-9D2F-4104-AA80-E812A0025171}" srcOrd="0" destOrd="0" parTransId="{FF13BC18-22D6-4BE8-B265-037131A8BAA0}" sibTransId="{F6A4AE4B-EE56-4BD8-AF72-42EFA9B849CF}"/>
+    <dgm:cxn modelId="{5C603306-E5BC-4FDB-A0EE-5ECFE7DF96C6}" type="presOf" srcId="{9E617999-B7DF-4F14-88EB-C6512D1768D0}" destId="{2841C3B0-BA77-4ECC-8EB0-0D07D3E03FE0}" srcOrd="0" destOrd="3" presId="urn:microsoft.com/office/officeart/2005/8/layout/chevron1"/>
+    <dgm:cxn modelId="{5844BDD5-4354-4607-B31E-D95244A550BF}" srcId="{6335AB6E-0764-4807-808B-EB5EE6801856}" destId="{611DAB62-53F9-450C-8136-4DAC28E70557}" srcOrd="2" destOrd="0" parTransId="{56A9076E-BA5B-4B37-B1AD-28DEA4DD5074}" sibTransId="{742D1EE4-14F0-4ED2-A1BF-83BB3F783C69}"/>
+    <dgm:cxn modelId="{844CA6BD-C5B1-4AF6-BA2E-C10BD0EB9275}" type="presOf" srcId="{32998375-D15A-4BC4-892E-9A6AE2AFA557}" destId="{F3B35A96-05A0-46FC-BA20-15DB7EB755B3}" srcOrd="0" destOrd="0" presId="urn:microsoft.com/office/officeart/2005/8/layout/chevron1"/>
+    <dgm:cxn modelId="{B7188A54-75FF-4A33-8D18-F785C0C68FDB}" type="presOf" srcId="{D2B221E1-C0D2-45BF-8222-CDDD73594675}" destId="{9A8208C1-2047-42D6-BF98-0EB6F1B77095}" srcOrd="0" destOrd="0" presId="urn:microsoft.com/office/officeart/2005/8/layout/chevron1"/>
+    <dgm:cxn modelId="{A0406916-09F1-42A7-83F5-FE1EC23AC486}" srcId="{6335AB6E-0764-4807-808B-EB5EE6801856}" destId="{1F8FE79B-E8CD-4C85-9455-9DE4B79123EC}" srcOrd="3" destOrd="0" parTransId="{1A337CEE-3AF3-4E4C-99A0-1F5379688379}" sibTransId="{F90C0551-F4A0-4E6E-8B3B-E9C81E829090}"/>
+    <dgm:cxn modelId="{30E65A87-9E9B-451C-ABAC-1678EA6BE935}" srcId="{D2B221E1-C0D2-45BF-8222-CDDD73594675}" destId="{ECE0473C-B067-4814-9C5B-C6A453FA02EC}" srcOrd="1" destOrd="0" parTransId="{2D9AE95B-FD7D-4F1C-AA65-B5C8729FE260}" sibTransId="{A06B897F-4F30-4819-A666-9175F83F2F1A}"/>
+    <dgm:cxn modelId="{B24A5FE9-3D6D-41C4-846F-02B76367D3EB}" srcId="{6335AB6E-0764-4807-808B-EB5EE6801856}" destId="{8AF131E4-1E45-428E-9935-B7E89BFC5F61}" srcOrd="1" destOrd="0" parTransId="{2D9E6CF4-D238-4AAE-AEBF-FCA6B3EE46DF}" sibTransId="{25E22972-3591-477B-B4DD-CA62BE293826}"/>
+    <dgm:cxn modelId="{51936FC8-5B19-4999-ADDC-26496F5B6B75}" type="presOf" srcId="{73F49FF4-E07D-46BD-BC78-C25476FECFED}" destId="{2841C3B0-BA77-4ECC-8EB0-0D07D3E03FE0}" srcOrd="0" destOrd="2" presId="urn:microsoft.com/office/officeart/2005/8/layout/chevron1"/>
+    <dgm:cxn modelId="{5317C6C6-5434-4E54-893A-84D68858F362}" type="presOf" srcId="{39D20CF8-9231-4A6B-B989-EDC1030248E7}" destId="{58122DCD-5BDA-4622-8801-F57712FC5747}" srcOrd="0" destOrd="4" presId="urn:microsoft.com/office/officeart/2005/8/layout/chevron1"/>
+    <dgm:cxn modelId="{BE6E090E-DEE7-472B-B04D-FAADA91EFBAB}" type="presOf" srcId="{2D7AC616-69BB-44A7-9722-E91708AF5E51}" destId="{2841C3B0-BA77-4ECC-8EB0-0D07D3E03FE0}" srcOrd="0" destOrd="1" presId="urn:microsoft.com/office/officeart/2005/8/layout/chevron1"/>
+    <dgm:cxn modelId="{EB1E482F-E243-476A-A184-6D0FFBA33BD8}" type="presOf" srcId="{6335AB6E-0764-4807-808B-EB5EE6801856}" destId="{10783724-3F34-4754-86D4-6732399E80F8}" srcOrd="0" destOrd="0" presId="urn:microsoft.com/office/officeart/2005/8/layout/chevron1"/>
+    <dgm:cxn modelId="{C502707C-E236-40F1-9378-D71600D8BE02}" type="presOf" srcId="{1F8FE79B-E8CD-4C85-9455-9DE4B79123EC}" destId="{58122DCD-5BDA-4622-8801-F57712FC5747}" srcOrd="0" destOrd="3" presId="urn:microsoft.com/office/officeart/2005/8/layout/chevron1"/>
+    <dgm:cxn modelId="{72649167-5036-49A2-82E5-B798428EF9D8}" type="presOf" srcId="{84282BA2-34AC-4DDF-88B8-83A2998F53A3}" destId="{59CE589D-CE7F-451D-B8CB-BF46CC65DC71}" srcOrd="0" destOrd="0" presId="urn:microsoft.com/office/officeart/2005/8/layout/chevron1"/>
+    <dgm:cxn modelId="{660F9AF1-9ABA-4736-8DE0-350DAFADE860}" type="presOf" srcId="{F32819D2-DF7D-48E3-B348-7A85DA3A135D}" destId="{2A516A8D-1025-4A7F-91FB-C550F4FF574B}" srcOrd="0" destOrd="0" presId="urn:microsoft.com/office/officeart/2005/8/layout/chevron1"/>
     <dgm:cxn modelId="{C8DCA121-C3BA-4104-8B01-0AF4849FA051}" type="presOf" srcId="{77B212B0-DC42-403D-AF31-5E396525ED33}" destId="{58122DCD-5BDA-4622-8801-F57712FC5747}" srcOrd="0" destOrd="0" presId="urn:microsoft.com/office/officeart/2005/8/layout/chevron1"/>
     <dgm:cxn modelId="{2BB960FD-2425-4639-97D6-22AF2B024107}" type="presOf" srcId="{ECE0473C-B067-4814-9C5B-C6A453FA02EC}" destId="{CFF1DBCA-9EC9-430A-8EF8-F0A278417308}" srcOrd="0" destOrd="1" presId="urn:microsoft.com/office/officeart/2005/8/layout/chevron1"/>
-    <dgm:cxn modelId="{393E8BBF-E415-42F2-BCBE-A5451F43B0AF}" srcId="{D2B221E1-C0D2-45BF-8222-CDDD73594675}" destId="{EDF94C4B-891C-4AFD-90B2-0FA8E6E65704}" srcOrd="3" destOrd="0" parTransId="{DFF08C46-B5A9-4F6A-B88E-F621708F9D57}" sibTransId="{94918599-0CD0-474A-BB06-EA4DEC61235A}"/>
-    <dgm:cxn modelId="{1DBAA52E-7854-4B49-A25D-4DAADE989254}" srcId="{84282BA2-34AC-4DDF-88B8-83A2998F53A3}" destId="{2D7AC616-69BB-44A7-9722-E91708AF5E51}" srcOrd="1" destOrd="0" parTransId="{A336037B-BD5D-40DD-9F81-A63608C8C256}" sibTransId="{C6E478E0-CACF-41CE-8A63-C0E23CC48E05}"/>
+    <dgm:cxn modelId="{535AA3A6-A16A-4D39-AA63-A5B2AB699FF7}" type="presOf" srcId="{438210C1-9D2F-4104-AA80-E812A0025171}" destId="{959B729B-2350-4B62-A776-9F5CDFF204DD}" srcOrd="0" destOrd="0" presId="urn:microsoft.com/office/officeart/2005/8/layout/chevron1"/>
+    <dgm:cxn modelId="{0C5F11FC-B924-451D-9485-7F35C106AABD}" srcId="{32998375-D15A-4BC4-892E-9A6AE2AFA557}" destId="{D2B221E1-C0D2-45BF-8222-CDDD73594675}" srcOrd="4" destOrd="0" parTransId="{1BA2595F-A7DC-4A10-AF74-BF5638DDFFB1}" sibTransId="{B40AAA7D-44DA-4892-9CFE-C5D26D728157}"/>
+    <dgm:cxn modelId="{CE2072D4-94F9-4276-851D-7C88553C7FEC}" srcId="{84282BA2-34AC-4DDF-88B8-83A2998F53A3}" destId="{9E617999-B7DF-4F14-88EB-C6512D1768D0}" srcOrd="3" destOrd="0" parTransId="{BAAD8650-6C4B-4196-8B48-55792F2A60B7}" sibTransId="{271733AE-DBAD-4C7D-B942-6D67EE15FE89}"/>
+    <dgm:cxn modelId="{9CC43B9F-1AA1-4045-A843-0D75F74266F8}" type="presOf" srcId="{018EF147-01F6-4634-8192-6BEC8B1621F3}" destId="{C41001BC-6889-4AF2-96DA-BC93E107F2E3}" srcOrd="0" destOrd="0" presId="urn:microsoft.com/office/officeart/2005/8/layout/chevron1"/>
+    <dgm:cxn modelId="{74FC3F50-D45C-4070-AFC4-D4743CFEAAFB}" srcId="{32998375-D15A-4BC4-892E-9A6AE2AFA557}" destId="{018EF147-01F6-4634-8192-6BEC8B1621F3}" srcOrd="1" destOrd="0" parTransId="{195EF582-E92C-49F0-88B2-362049E5F1D6}" sibTransId="{0D7CE3FB-77BD-4A57-A7F0-94C0DD116D10}"/>
+    <dgm:cxn modelId="{0011DC37-5FD4-4E06-958B-C12711BC5101}" srcId="{6335AB6E-0764-4807-808B-EB5EE6801856}" destId="{77B212B0-DC42-403D-AF31-5E396525ED33}" srcOrd="0" destOrd="0" parTransId="{7FBBCBC2-EEA9-475B-8314-93BD1BAB71FE}" sibTransId="{F64EA81F-008F-4407-8450-E86991E3FC24}"/>
     <dgm:cxn modelId="{13F27438-62B2-4236-9011-60FD496DEAA1}" srcId="{6335AB6E-0764-4807-808B-EB5EE6801856}" destId="{39D20CF8-9231-4A6B-B989-EDC1030248E7}" srcOrd="4" destOrd="0" parTransId="{0019F33A-4620-4F70-B73B-9C305E0CF7FC}" sibTransId="{0B647C7A-1E9F-49C7-BA8C-73FC8454294F}"/>
-    <dgm:cxn modelId="{74FC3F50-D45C-4070-AFC4-D4743CFEAAFB}" srcId="{32998375-D15A-4BC4-892E-9A6AE2AFA557}" destId="{018EF147-01F6-4634-8192-6BEC8B1621F3}" srcOrd="1" destOrd="0" parTransId="{195EF582-E92C-49F0-88B2-362049E5F1D6}" sibTransId="{0D7CE3FB-77BD-4A57-A7F0-94C0DD116D10}"/>
-    <dgm:cxn modelId="{1ECDE986-726B-46EA-8F8D-2055C6745D67}" srcId="{68DE6D88-04A2-49D5-B796-7689E35AE872}" destId="{438210C1-9D2F-4104-AA80-E812A0025171}" srcOrd="0" destOrd="0" parTransId="{FF13BC18-22D6-4BE8-B265-037131A8BAA0}" sibTransId="{F6A4AE4B-EE56-4BD8-AF72-42EFA9B849CF}"/>
-    <dgm:cxn modelId="{9CC43B9F-1AA1-4045-A843-0D75F74266F8}" type="presOf" srcId="{018EF147-01F6-4634-8192-6BEC8B1621F3}" destId="{C41001BC-6889-4AF2-96DA-BC93E107F2E3}" srcOrd="0" destOrd="0" presId="urn:microsoft.com/office/officeart/2005/8/layout/chevron1"/>
-    <dgm:cxn modelId="{844CA6BD-C5B1-4AF6-BA2E-C10BD0EB9275}" type="presOf" srcId="{32998375-D15A-4BC4-892E-9A6AE2AFA557}" destId="{F3B35A96-05A0-46FC-BA20-15DB7EB755B3}" srcOrd="0" destOrd="0" presId="urn:microsoft.com/office/officeart/2005/8/layout/chevron1"/>
-    <dgm:cxn modelId="{0C5F11FC-B924-451D-9485-7F35C106AABD}" srcId="{32998375-D15A-4BC4-892E-9A6AE2AFA557}" destId="{D2B221E1-C0D2-45BF-8222-CDDD73594675}" srcOrd="4" destOrd="0" parTransId="{1BA2595F-A7DC-4A10-AF74-BF5638DDFFB1}" sibTransId="{B40AAA7D-44DA-4892-9CFE-C5D26D728157}"/>
-    <dgm:cxn modelId="{5844BDD5-4354-4607-B31E-D95244A550BF}" srcId="{6335AB6E-0764-4807-808B-EB5EE6801856}" destId="{611DAB62-53F9-450C-8136-4DAC28E70557}" srcOrd="2" destOrd="0" parTransId="{56A9076E-BA5B-4B37-B1AD-28DEA4DD5074}" sibTransId="{742D1EE4-14F0-4ED2-A1BF-83BB3F783C69}"/>
-    <dgm:cxn modelId="{0011DC37-5FD4-4E06-958B-C12711BC5101}" srcId="{6335AB6E-0764-4807-808B-EB5EE6801856}" destId="{77B212B0-DC42-403D-AF31-5E396525ED33}" srcOrd="0" destOrd="0" parTransId="{7FBBCBC2-EEA9-475B-8314-93BD1BAB71FE}" sibTransId="{F64EA81F-008F-4407-8450-E86991E3FC24}"/>
-    <dgm:cxn modelId="{BE6E090E-DEE7-472B-B04D-FAADA91EFBAB}" type="presOf" srcId="{2D7AC616-69BB-44A7-9722-E91708AF5E51}" destId="{2841C3B0-BA77-4ECC-8EB0-0D07D3E03FE0}" srcOrd="0" destOrd="1" presId="urn:microsoft.com/office/officeart/2005/8/layout/chevron1"/>
-    <dgm:cxn modelId="{EB1E482F-E243-476A-A184-6D0FFBA33BD8}" type="presOf" srcId="{6335AB6E-0764-4807-808B-EB5EE6801856}" destId="{10783724-3F34-4754-86D4-6732399E80F8}" srcOrd="0" destOrd="0" presId="urn:microsoft.com/office/officeart/2005/8/layout/chevron1"/>
-    <dgm:cxn modelId="{B24A5FE9-3D6D-41C4-846F-02B76367D3EB}" srcId="{6335AB6E-0764-4807-808B-EB5EE6801856}" destId="{8AF131E4-1E45-428E-9935-B7E89BFC5F61}" srcOrd="1" destOrd="0" parTransId="{2D9E6CF4-D238-4AAE-AEBF-FCA6B3EE46DF}" sibTransId="{25E22972-3591-477B-B4DD-CA62BE293826}"/>
-    <dgm:cxn modelId="{305769F5-15C8-4ADB-AD6B-53855038BF96}" srcId="{32998375-D15A-4BC4-892E-9A6AE2AFA557}" destId="{6335AB6E-0764-4807-808B-EB5EE6801856}" srcOrd="2" destOrd="0" parTransId="{7A4C103D-392F-4965-A7D5-57E0FD42363E}" sibTransId="{60456CEA-3985-4CA4-BED1-C8131F7C393C}"/>
-    <dgm:cxn modelId="{49DC4FA1-3130-4231-9D61-A736B00ABEAD}" srcId="{018EF147-01F6-4634-8192-6BEC8B1621F3}" destId="{F32819D2-DF7D-48E3-B348-7A85DA3A135D}" srcOrd="0" destOrd="0" parTransId="{69AF10EE-1040-46D4-BB8B-3615C847E9BB}" sibTransId="{1A083A09-AA33-4A16-A0F3-C6B5DEFAAC43}"/>
-    <dgm:cxn modelId="{39CFFF17-4A65-45ED-94AD-9D6EFE84E524}" type="presOf" srcId="{78C782F9-FD98-46E5-B903-8413AAD30963}" destId="{2841C3B0-BA77-4ECC-8EB0-0D07D3E03FE0}" srcOrd="0" destOrd="0" presId="urn:microsoft.com/office/officeart/2005/8/layout/chevron1"/>
-    <dgm:cxn modelId="{1D54B24B-BF78-4F3E-8476-BA589CEBBB5A}" type="presOf" srcId="{EDF94C4B-891C-4AFD-90B2-0FA8E6E65704}" destId="{CFF1DBCA-9EC9-430A-8EF8-F0A278417308}" srcOrd="0" destOrd="3" presId="urn:microsoft.com/office/officeart/2005/8/layout/chevron1"/>
-    <dgm:cxn modelId="{EB8F6344-3493-477E-9492-0CE497A28859}" type="presOf" srcId="{3570FFD0-9F5B-438E-8697-622BAC172912}" destId="{2A516A8D-1025-4A7F-91FB-C550F4FF574B}" srcOrd="0" destOrd="2" presId="urn:microsoft.com/office/officeart/2005/8/layout/chevron1"/>
-    <dgm:cxn modelId="{B7188A54-75FF-4A33-8D18-F785C0C68FDB}" type="presOf" srcId="{D2B221E1-C0D2-45BF-8222-CDDD73594675}" destId="{9A8208C1-2047-42D6-BF98-0EB6F1B77095}" srcOrd="0" destOrd="0" presId="urn:microsoft.com/office/officeart/2005/8/layout/chevron1"/>
-    <dgm:cxn modelId="{5317C6C6-5434-4E54-893A-84D68858F362}" type="presOf" srcId="{39D20CF8-9231-4A6B-B989-EDC1030248E7}" destId="{58122DCD-5BDA-4622-8801-F57712FC5747}" srcOrd="0" destOrd="4" presId="urn:microsoft.com/office/officeart/2005/8/layout/chevron1"/>
-    <dgm:cxn modelId="{2AF3A36C-C275-40E9-91C8-0479CE653141}" srcId="{018EF147-01F6-4634-8192-6BEC8B1621F3}" destId="{46825662-B893-425E-A309-AC44D144DE2B}" srcOrd="1" destOrd="0" parTransId="{3CA1127C-21E5-434C-9F07-74FF028E5D46}" sibTransId="{1AB138D9-505E-404D-919C-E99C86C43858}"/>
-    <dgm:cxn modelId="{660F9AF1-9ABA-4736-8DE0-350DAFADE860}" type="presOf" srcId="{F32819D2-DF7D-48E3-B348-7A85DA3A135D}" destId="{2A516A8D-1025-4A7F-91FB-C550F4FF574B}" srcOrd="0" destOrd="0" presId="urn:microsoft.com/office/officeart/2005/8/layout/chevron1"/>
-    <dgm:cxn modelId="{C4C8D06A-94AD-411C-ADB2-E19E3E489257}" srcId="{84282BA2-34AC-4DDF-88B8-83A2998F53A3}" destId="{78C782F9-FD98-46E5-B903-8413AAD30963}" srcOrd="0" destOrd="0" parTransId="{419CB6C7-E732-4DC4-A28F-1D39635F7982}" sibTransId="{F4793A3A-1952-4633-8EE6-045CD282AFD5}"/>
-    <dgm:cxn modelId="{666095F7-84FF-41D2-8239-5405B212E2F1}" type="presOf" srcId="{2145F4DD-51D6-4425-9953-AFD28509E518}" destId="{CFF1DBCA-9EC9-430A-8EF8-F0A278417308}" srcOrd="0" destOrd="2" presId="urn:microsoft.com/office/officeart/2005/8/layout/chevron1"/>
-    <dgm:cxn modelId="{B3471541-FE3A-4DB9-ABE9-8B51CAB418B7}" srcId="{018EF147-01F6-4634-8192-6BEC8B1621F3}" destId="{3570FFD0-9F5B-438E-8697-622BAC172912}" srcOrd="2" destOrd="0" parTransId="{3A00ECB5-D407-4DF9-A768-F811C7B880BC}" sibTransId="{EEFD4F63-DBEA-48EF-ACDF-4F0CAD159FBC}"/>
-    <dgm:cxn modelId="{54370A3B-18AD-4DDD-9DFF-E60648FA3AA7}" type="presOf" srcId="{46825662-B893-425E-A309-AC44D144DE2B}" destId="{2A516A8D-1025-4A7F-91FB-C550F4FF574B}" srcOrd="0" destOrd="1" presId="urn:microsoft.com/office/officeart/2005/8/layout/chevron1"/>
-    <dgm:cxn modelId="{51936FC8-5B19-4999-ADDC-26496F5B6B75}" type="presOf" srcId="{73F49FF4-E07D-46BD-BC78-C25476FECFED}" destId="{2841C3B0-BA77-4ECC-8EB0-0D07D3E03FE0}" srcOrd="0" destOrd="2" presId="urn:microsoft.com/office/officeart/2005/8/layout/chevron1"/>
-    <dgm:cxn modelId="{A0406916-09F1-42A7-83F5-FE1EC23AC486}" srcId="{6335AB6E-0764-4807-808B-EB5EE6801856}" destId="{1F8FE79B-E8CD-4C85-9455-9DE4B79123EC}" srcOrd="3" destOrd="0" parTransId="{1A337CEE-3AF3-4E4C-99A0-1F5379688379}" sibTransId="{F90C0551-F4A0-4E6E-8B3B-E9C81E829090}"/>
-    <dgm:cxn modelId="{58BFC102-B77B-4ADB-85C4-21D9EBC7CF4F}" type="presOf" srcId="{611DAB62-53F9-450C-8136-4DAC28E70557}" destId="{58122DCD-5BDA-4622-8801-F57712FC5747}" srcOrd="0" destOrd="2" presId="urn:microsoft.com/office/officeart/2005/8/layout/chevron1"/>
     <dgm:cxn modelId="{3BD525E4-1ACC-473C-A692-EF60C1A8BF44}" srcId="{D2B221E1-C0D2-45BF-8222-CDDD73594675}" destId="{2145F4DD-51D6-4425-9953-AFD28509E518}" srcOrd="2" destOrd="0" parTransId="{007B5A75-BAF2-48B5-A97C-320FE06B95E5}" sibTransId="{1214E918-0AAD-468F-953A-0D026E4469FC}"/>
     <dgm:cxn modelId="{1C76FD7B-0240-48D3-ADBA-1E63F25D1025}" srcId="{84282BA2-34AC-4DDF-88B8-83A2998F53A3}" destId="{73F49FF4-E07D-46BD-BC78-C25476FECFED}" srcOrd="2" destOrd="0" parTransId="{438B8A81-0BCD-4CD6-B35C-0A395FEBAE5A}" sibTransId="{B9D01CEF-CA87-4078-BAFC-F9652264D212}"/>
+    <dgm:cxn modelId="{2AF3A36C-C275-40E9-91C8-0479CE653141}" srcId="{018EF147-01F6-4634-8192-6BEC8B1621F3}" destId="{46825662-B893-425E-A309-AC44D144DE2B}" srcOrd="1" destOrd="0" parTransId="{3CA1127C-21E5-434C-9F07-74FF028E5D46}" sibTransId="{1AB138D9-505E-404D-919C-E99C86C43858}"/>
+    <dgm:cxn modelId="{54370A3B-18AD-4DDD-9DFF-E60648FA3AA7}" type="presOf" srcId="{46825662-B893-425E-A309-AC44D144DE2B}" destId="{2A516A8D-1025-4A7F-91FB-C550F4FF574B}" srcOrd="0" destOrd="1" presId="urn:microsoft.com/office/officeart/2005/8/layout/chevron1"/>
+    <dgm:cxn modelId="{B3471541-FE3A-4DB9-ABE9-8B51CAB418B7}" srcId="{018EF147-01F6-4634-8192-6BEC8B1621F3}" destId="{3570FFD0-9F5B-438E-8697-622BAC172912}" srcOrd="2" destOrd="0" parTransId="{3A00ECB5-D407-4DF9-A768-F811C7B880BC}" sibTransId="{EEFD4F63-DBEA-48EF-ACDF-4F0CAD159FBC}"/>
+    <dgm:cxn modelId="{58BFC102-B77B-4ADB-85C4-21D9EBC7CF4F}" type="presOf" srcId="{611DAB62-53F9-450C-8136-4DAC28E70557}" destId="{58122DCD-5BDA-4622-8801-F57712FC5747}" srcOrd="0" destOrd="2" presId="urn:microsoft.com/office/officeart/2005/8/layout/chevron1"/>
+    <dgm:cxn modelId="{DEB897A4-82D5-48BC-9430-E796BA87050D}" srcId="{32998375-D15A-4BC4-892E-9A6AE2AFA557}" destId="{84282BA2-34AC-4DDF-88B8-83A2998F53A3}" srcOrd="3" destOrd="0" parTransId="{BC0E694C-5ABA-43C1-9689-C66A1097E87C}" sibTransId="{F1EFD665-0069-4AEE-B8CC-AFD5A3E394C7}"/>
     <dgm:cxn modelId="{A70624AD-025E-42FF-9CA4-223AD7853C80}" type="presOf" srcId="{8AF131E4-1E45-428E-9935-B7E89BFC5F61}" destId="{58122DCD-5BDA-4622-8801-F57712FC5747}" srcOrd="0" destOrd="1" presId="urn:microsoft.com/office/officeart/2005/8/layout/chevron1"/>
-    <dgm:cxn modelId="{A97C8DF6-65D5-42FC-8373-A30A5F3DF117}" type="presOf" srcId="{E08DE3AE-603F-456C-8E89-4C9A2172C9DA}" destId="{CFF1DBCA-9EC9-430A-8EF8-F0A278417308}" srcOrd="0" destOrd="0" presId="urn:microsoft.com/office/officeart/2005/8/layout/chevron1"/>
-    <dgm:cxn modelId="{5C603306-E5BC-4FDB-A0EE-5ECFE7DF96C6}" type="presOf" srcId="{9E617999-B7DF-4F14-88EB-C6512D1768D0}" destId="{2841C3B0-BA77-4ECC-8EB0-0D07D3E03FE0}" srcOrd="0" destOrd="3" presId="urn:microsoft.com/office/officeart/2005/8/layout/chevron1"/>
-    <dgm:cxn modelId="{C502707C-E236-40F1-9378-D71600D8BE02}" type="presOf" srcId="{1F8FE79B-E8CD-4C85-9455-9DE4B79123EC}" destId="{58122DCD-5BDA-4622-8801-F57712FC5747}" srcOrd="0" destOrd="3" presId="urn:microsoft.com/office/officeart/2005/8/layout/chevron1"/>
-    <dgm:cxn modelId="{CE2072D4-94F9-4276-851D-7C88553C7FEC}" srcId="{84282BA2-34AC-4DDF-88B8-83A2998F53A3}" destId="{9E617999-B7DF-4F14-88EB-C6512D1768D0}" srcOrd="3" destOrd="0" parTransId="{BAAD8650-6C4B-4196-8B48-55792F2A60B7}" sibTransId="{271733AE-DBAD-4C7D-B942-6D67EE15FE89}"/>
-    <dgm:cxn modelId="{272A6F0B-4E51-427E-BE90-A58D2979BF18}" srcId="{32998375-D15A-4BC4-892E-9A6AE2AFA557}" destId="{68DE6D88-04A2-49D5-B796-7689E35AE872}" srcOrd="0" destOrd="0" parTransId="{23BF7361-80C5-43DF-84EB-60338ED25B3E}" sibTransId="{3CCF49FE-38CD-4C38-BAD6-7057E74B2C44}"/>
-    <dgm:cxn modelId="{DEB897A4-82D5-48BC-9430-E796BA87050D}" srcId="{32998375-D15A-4BC4-892E-9A6AE2AFA557}" destId="{84282BA2-34AC-4DDF-88B8-83A2998F53A3}" srcOrd="3" destOrd="0" parTransId="{BC0E694C-5ABA-43C1-9689-C66A1097E87C}" sibTransId="{F1EFD665-0069-4AEE-B8CC-AFD5A3E394C7}"/>
-    <dgm:cxn modelId="{30E65A87-9E9B-451C-ABAC-1678EA6BE935}" srcId="{D2B221E1-C0D2-45BF-8222-CDDD73594675}" destId="{ECE0473C-B067-4814-9C5B-C6A453FA02EC}" srcOrd="1" destOrd="0" parTransId="{2D9AE95B-FD7D-4F1C-AA65-B5C8729FE260}" sibTransId="{A06B897F-4F30-4819-A666-9175F83F2F1A}"/>
-    <dgm:cxn modelId="{535AA3A6-A16A-4D39-AA63-A5B2AB699FF7}" type="presOf" srcId="{438210C1-9D2F-4104-AA80-E812A0025171}" destId="{959B729B-2350-4B62-A776-9F5CDFF204DD}" srcOrd="0" destOrd="0" presId="urn:microsoft.com/office/officeart/2005/8/layout/chevron1"/>
+    <dgm:cxn modelId="{EB8F6344-3493-477E-9492-0CE497A28859}" type="presOf" srcId="{3570FFD0-9F5B-438E-8697-622BAC172912}" destId="{2A516A8D-1025-4A7F-91FB-C550F4FF574B}" srcOrd="0" destOrd="2" presId="urn:microsoft.com/office/officeart/2005/8/layout/chevron1"/>
+    <dgm:cxn modelId="{305769F5-15C8-4ADB-AD6B-53855038BF96}" srcId="{32998375-D15A-4BC4-892E-9A6AE2AFA557}" destId="{6335AB6E-0764-4807-808B-EB5EE6801856}" srcOrd="2" destOrd="0" parTransId="{7A4C103D-392F-4965-A7D5-57E0FD42363E}" sibTransId="{60456CEA-3985-4CA4-BED1-C8131F7C393C}"/>
     <dgm:cxn modelId="{CFDCAFFC-C395-411B-8BA1-6A5308D8024D}" srcId="{D2B221E1-C0D2-45BF-8222-CDDD73594675}" destId="{E08DE3AE-603F-456C-8E89-4C9A2172C9DA}" srcOrd="0" destOrd="0" parTransId="{93FB6870-733E-412F-8C1E-8A6C37648502}" sibTransId="{3C09ED3A-BC3E-446C-8455-DACE65A9B817}"/>
-    <dgm:cxn modelId="{82AEAE9E-49F6-4F84-97BF-C649DBEADFE0}" type="presOf" srcId="{68DE6D88-04A2-49D5-B796-7689E35AE872}" destId="{1627EC6B-F153-4D27-9E10-9BCE4926C1E7}" srcOrd="0" destOrd="0" presId="urn:microsoft.com/office/officeart/2005/8/layout/chevron1"/>
-    <dgm:cxn modelId="{72649167-5036-49A2-82E5-B798428EF9D8}" type="presOf" srcId="{84282BA2-34AC-4DDF-88B8-83A2998F53A3}" destId="{59CE589D-CE7F-451D-B8CB-BF46CC65DC71}" srcOrd="0" destOrd="0" presId="urn:microsoft.com/office/officeart/2005/8/layout/chevron1"/>
     <dgm:cxn modelId="{7E2F5483-5C9D-4075-9644-B11CE4C8159C}" type="presParOf" srcId="{F3B35A96-05A0-46FC-BA20-15DB7EB755B3}" destId="{184A9ABB-2525-488E-8E01-E8443D0626AF}" srcOrd="0" destOrd="0" presId="urn:microsoft.com/office/officeart/2005/8/layout/chevron1"/>
     <dgm:cxn modelId="{EC26FA5E-932F-4EA7-A67E-F98CBDF7D9AF}" type="presParOf" srcId="{184A9ABB-2525-488E-8E01-E8443D0626AF}" destId="{1627EC6B-F153-4D27-9E10-9BCE4926C1E7}" srcOrd="0" destOrd="0" presId="urn:microsoft.com/office/officeart/2005/8/layout/chevron1"/>
     <dgm:cxn modelId="{94109975-984D-4E62-9159-FF21C789B950}" type="presParOf" srcId="{184A9ABB-2525-488E-8E01-E8443D0626AF}" destId="{959B729B-2350-4B62-A776-9F5CDFF204DD}" srcOrd="1" destOrd="0" presId="urn:microsoft.com/office/officeart/2005/8/layout/chevron1"/>
@@ -4319,7 +5895,6 @@
             <a:rPr lang="en-US" sz="1400" dirty="0"/>
             <a:t>Netcraft Web Server Survey</a:t>
           </a:r>
-          <a:endParaRPr lang="en-US" sz="1400" dirty="0"/>
         </a:p>
       </dgm:t>
     </dgm:pt>
@@ -4403,7 +5978,6 @@
             <a:rPr lang="en-US" sz="1400" dirty="0"/>
             <a:t>Netcraft Web Server Survey</a:t>
           </a:r>
-          <a:endParaRPr lang="en-US" sz="1400" dirty="0"/>
         </a:p>
       </dgm:t>
     </dgm:pt>
@@ -4474,6 +6048,13 @@
         </dgm:presLayoutVars>
       </dgm:prSet>
       <dgm:spPr/>
+      <dgm:t>
+        <a:bodyPr/>
+        <a:lstStyle/>
+        <a:p>
+          <a:endParaRPr lang="en-US"/>
+        </a:p>
+      </dgm:t>
     </dgm:pt>
     <dgm:pt modelId="{94B42A6D-3B27-453F-821F-24C172122C39}" type="pres">
       <dgm:prSet presAssocID="{20AF3E6B-FD54-4748-AA36-C0511E96CF0B}" presName="composite" presStyleCnt="0"/>
@@ -4488,6 +6069,13 @@
         </dgm:presLayoutVars>
       </dgm:prSet>
       <dgm:spPr/>
+      <dgm:t>
+        <a:bodyPr/>
+        <a:lstStyle/>
+        <a:p>
+          <a:endParaRPr lang="en-US"/>
+        </a:p>
+      </dgm:t>
     </dgm:pt>
     <dgm:pt modelId="{BB2D26E7-1744-448D-AB20-2FEF4B21F9F9}" type="pres">
       <dgm:prSet presAssocID="{20AF3E6B-FD54-4748-AA36-C0511E96CF0B}" presName="desTx" presStyleLbl="revTx" presStyleIdx="0" presStyleCnt="3">
@@ -4496,6 +6084,13 @@
         </dgm:presLayoutVars>
       </dgm:prSet>
       <dgm:spPr/>
+      <dgm:t>
+        <a:bodyPr/>
+        <a:lstStyle/>
+        <a:p>
+          <a:endParaRPr lang="en-US"/>
+        </a:p>
+      </dgm:t>
     </dgm:pt>
     <dgm:pt modelId="{DB1DFEEF-A2BA-4ECB-943F-C8C238707777}" type="pres">
       <dgm:prSet presAssocID="{85D00BCB-8B87-4F14-AAA0-F22B2B016A32}" presName="space" presStyleCnt="0"/>
@@ -4514,6 +6109,13 @@
         </dgm:presLayoutVars>
       </dgm:prSet>
       <dgm:spPr/>
+      <dgm:t>
+        <a:bodyPr/>
+        <a:lstStyle/>
+        <a:p>
+          <a:endParaRPr lang="en-US"/>
+        </a:p>
+      </dgm:t>
     </dgm:pt>
     <dgm:pt modelId="{A495E15A-2DCA-48A7-A75E-6EDEAFD462FF}" type="pres">
       <dgm:prSet presAssocID="{CEC65E64-6567-4BA0-B199-21D6F9CBE879}" presName="desTx" presStyleLbl="revTx" presStyleIdx="1" presStyleCnt="3">
@@ -4522,6 +6124,13 @@
         </dgm:presLayoutVars>
       </dgm:prSet>
       <dgm:spPr/>
+      <dgm:t>
+        <a:bodyPr/>
+        <a:lstStyle/>
+        <a:p>
+          <a:endParaRPr lang="en-US"/>
+        </a:p>
+      </dgm:t>
     </dgm:pt>
     <dgm:pt modelId="{9DF637CD-7DDD-4510-AE45-D700CC567902}" type="pres">
       <dgm:prSet presAssocID="{EB268C27-01A2-4A66-A2BC-E71D18A8B075}" presName="space" presStyleCnt="0"/>
@@ -4540,6 +6149,13 @@
         </dgm:presLayoutVars>
       </dgm:prSet>
       <dgm:spPr/>
+      <dgm:t>
+        <a:bodyPr/>
+        <a:lstStyle/>
+        <a:p>
+          <a:endParaRPr lang="en-US"/>
+        </a:p>
+      </dgm:t>
     </dgm:pt>
     <dgm:pt modelId="{35954328-C5FD-403D-BF01-8821CC6B6030}" type="pres">
       <dgm:prSet presAssocID="{66422112-1C33-493F-9899-FB4A63ACF65C}" presName="desTx" presStyleLbl="revTx" presStyleIdx="2" presStyleCnt="3">
@@ -4548,22 +6164,29 @@
         </dgm:presLayoutVars>
       </dgm:prSet>
       <dgm:spPr/>
+      <dgm:t>
+        <a:bodyPr/>
+        <a:lstStyle/>
+        <a:p>
+          <a:endParaRPr lang="en-US"/>
+        </a:p>
+      </dgm:t>
     </dgm:pt>
   </dgm:ptLst>
   <dgm:cxnLst>
-    <dgm:cxn modelId="{FA7608CC-E8E7-4410-A03C-4410BAA0A76B}" type="presOf" srcId="{8F22701A-C679-4A26-93A5-4737031FD637}" destId="{BB2D26E7-1744-448D-AB20-2FEF4B21F9F9}" srcOrd="0" destOrd="0" presId="urn:microsoft.com/office/officeart/2005/8/layout/chevron1"/>
-    <dgm:cxn modelId="{5E8F2D0B-7B8A-47FF-A67E-5C1B7C3B9BF8}" type="presOf" srcId="{EFD36C90-74F5-48F2-BF21-F90670B7F374}" destId="{35954328-C5FD-403D-BF01-8821CC6B6030}" srcOrd="0" destOrd="0" presId="urn:microsoft.com/office/officeart/2005/8/layout/chevron1"/>
-    <dgm:cxn modelId="{2CE278E8-DC51-4CC3-B617-A294A225D41D}" srcId="{CEC65E64-6567-4BA0-B199-21D6F9CBE879}" destId="{D0F6C7A1-B795-4BC9-B728-30A7F3B61305}" srcOrd="0" destOrd="0" parTransId="{480610F8-1F84-4923-A8B1-886D13415662}" sibTransId="{F9FE12B1-175D-4FB6-9D95-E0839F6E43D2}"/>
+    <dgm:cxn modelId="{E8B30725-EA87-47EE-A9BA-22653AAC6C11}" type="presOf" srcId="{66422112-1C33-493F-9899-FB4A63ACF65C}" destId="{D1090E24-489B-4FC2-BF67-931A99015F4B}" srcOrd="0" destOrd="0" presId="urn:microsoft.com/office/officeart/2005/8/layout/chevron1"/>
+    <dgm:cxn modelId="{08D3F69B-9D88-4CD5-A778-D64E0F520D55}" type="presOf" srcId="{D0F6C7A1-B795-4BC9-B728-30A7F3B61305}" destId="{A495E15A-2DCA-48A7-A75E-6EDEAFD462FF}" srcOrd="0" destOrd="0" presId="urn:microsoft.com/office/officeart/2005/8/layout/chevron1"/>
+    <dgm:cxn modelId="{2B263EF4-F79F-4778-9625-2C26AF62A25F}" type="presOf" srcId="{383C1A40-146C-4DC7-8557-D68C846E6227}" destId="{A8CDE6F4-1E72-4542-8196-8E91EB181487}" srcOrd="0" destOrd="0" presId="urn:microsoft.com/office/officeart/2005/8/layout/chevron1"/>
     <dgm:cxn modelId="{22AA2C28-A3E7-4448-B226-97837191365E}" type="presOf" srcId="{CEC65E64-6567-4BA0-B199-21D6F9CBE879}" destId="{7F30D152-0FA3-4723-B754-CA617D691D24}" srcOrd="0" destOrd="0" presId="urn:microsoft.com/office/officeart/2005/8/layout/chevron1"/>
-    <dgm:cxn modelId="{4D1D22A3-8527-4209-8896-CB84C680A679}" type="presOf" srcId="{20AF3E6B-FD54-4748-AA36-C0511E96CF0B}" destId="{6A47AA96-41CF-4090-9DC6-2E50F727FB92}" srcOrd="0" destOrd="0" presId="urn:microsoft.com/office/officeart/2005/8/layout/chevron1"/>
-    <dgm:cxn modelId="{20323C4E-52B3-44D1-8904-37E93A81665A}" srcId="{20AF3E6B-FD54-4748-AA36-C0511E96CF0B}" destId="{8F22701A-C679-4A26-93A5-4737031FD637}" srcOrd="0" destOrd="0" parTransId="{1214BF36-7D1A-473E-980E-1F09F340C896}" sibTransId="{CC7A1C5B-326A-4E10-9350-0334F0BA590D}"/>
-    <dgm:cxn modelId="{08D3F69B-9D88-4CD5-A778-D64E0F520D55}" type="presOf" srcId="{D0F6C7A1-B795-4BC9-B728-30A7F3B61305}" destId="{A495E15A-2DCA-48A7-A75E-6EDEAFD462FF}" srcOrd="0" destOrd="0" presId="urn:microsoft.com/office/officeart/2005/8/layout/chevron1"/>
-    <dgm:cxn modelId="{E2A8061B-F236-4CC9-8CFD-91BC89A1EF05}" srcId="{383C1A40-146C-4DC7-8557-D68C846E6227}" destId="{CEC65E64-6567-4BA0-B199-21D6F9CBE879}" srcOrd="1" destOrd="0" parTransId="{8699F4E9-66B9-46EC-A3DC-AE411EE821EA}" sibTransId="{EB268C27-01A2-4A66-A2BC-E71D18A8B075}"/>
-    <dgm:cxn modelId="{2B263EF4-F79F-4778-9625-2C26AF62A25F}" type="presOf" srcId="{383C1A40-146C-4DC7-8557-D68C846E6227}" destId="{A8CDE6F4-1E72-4542-8196-8E91EB181487}" srcOrd="0" destOrd="0" presId="urn:microsoft.com/office/officeart/2005/8/layout/chevron1"/>
-    <dgm:cxn modelId="{182EB0B8-6C50-44F5-99AB-F2F97963F751}" srcId="{66422112-1C33-493F-9899-FB4A63ACF65C}" destId="{EFD36C90-74F5-48F2-BF21-F90670B7F374}" srcOrd="0" destOrd="0" parTransId="{D69C702E-0908-46F2-937F-938E0AD4866E}" sibTransId="{89903E48-D417-4BD9-99F2-001A3F65D29A}"/>
     <dgm:cxn modelId="{00D0391E-04E5-4004-900C-BFAB73A65A0D}" srcId="{383C1A40-146C-4DC7-8557-D68C846E6227}" destId="{66422112-1C33-493F-9899-FB4A63ACF65C}" srcOrd="2" destOrd="0" parTransId="{7CAECE5E-5229-43A0-AEF6-FBDC9F70902F}" sibTransId="{606617C1-6173-4A0F-AB33-CD8899D49367}"/>
     <dgm:cxn modelId="{62623B37-68E4-4CDC-B03E-4F4247F1DBA5}" srcId="{383C1A40-146C-4DC7-8557-D68C846E6227}" destId="{20AF3E6B-FD54-4748-AA36-C0511E96CF0B}" srcOrd="0" destOrd="0" parTransId="{7C73CF03-81BA-4DF9-B77C-6AC62503CACB}" sibTransId="{85D00BCB-8B87-4F14-AAA0-F22B2B016A32}"/>
-    <dgm:cxn modelId="{E8B30725-EA87-47EE-A9BA-22653AAC6C11}" type="presOf" srcId="{66422112-1C33-493F-9899-FB4A63ACF65C}" destId="{D1090E24-489B-4FC2-BF67-931A99015F4B}" srcOrd="0" destOrd="0" presId="urn:microsoft.com/office/officeart/2005/8/layout/chevron1"/>
+    <dgm:cxn modelId="{4D1D22A3-8527-4209-8896-CB84C680A679}" type="presOf" srcId="{20AF3E6B-FD54-4748-AA36-C0511E96CF0B}" destId="{6A47AA96-41CF-4090-9DC6-2E50F727FB92}" srcOrd="0" destOrd="0" presId="urn:microsoft.com/office/officeart/2005/8/layout/chevron1"/>
+    <dgm:cxn modelId="{2CE278E8-DC51-4CC3-B617-A294A225D41D}" srcId="{CEC65E64-6567-4BA0-B199-21D6F9CBE879}" destId="{D0F6C7A1-B795-4BC9-B728-30A7F3B61305}" srcOrd="0" destOrd="0" parTransId="{480610F8-1F84-4923-A8B1-886D13415662}" sibTransId="{F9FE12B1-175D-4FB6-9D95-E0839F6E43D2}"/>
+    <dgm:cxn modelId="{20323C4E-52B3-44D1-8904-37E93A81665A}" srcId="{20AF3E6B-FD54-4748-AA36-C0511E96CF0B}" destId="{8F22701A-C679-4A26-93A5-4737031FD637}" srcOrd="0" destOrd="0" parTransId="{1214BF36-7D1A-473E-980E-1F09F340C896}" sibTransId="{CC7A1C5B-326A-4E10-9350-0334F0BA590D}"/>
+    <dgm:cxn modelId="{FA7608CC-E8E7-4410-A03C-4410BAA0A76B}" type="presOf" srcId="{8F22701A-C679-4A26-93A5-4737031FD637}" destId="{BB2D26E7-1744-448D-AB20-2FEF4B21F9F9}" srcOrd="0" destOrd="0" presId="urn:microsoft.com/office/officeart/2005/8/layout/chevron1"/>
+    <dgm:cxn modelId="{182EB0B8-6C50-44F5-99AB-F2F97963F751}" srcId="{66422112-1C33-493F-9899-FB4A63ACF65C}" destId="{EFD36C90-74F5-48F2-BF21-F90670B7F374}" srcOrd="0" destOrd="0" parTransId="{D69C702E-0908-46F2-937F-938E0AD4866E}" sibTransId="{89903E48-D417-4BD9-99F2-001A3F65D29A}"/>
+    <dgm:cxn modelId="{E2A8061B-F236-4CC9-8CFD-91BC89A1EF05}" srcId="{383C1A40-146C-4DC7-8557-D68C846E6227}" destId="{CEC65E64-6567-4BA0-B199-21D6F9CBE879}" srcOrd="1" destOrd="0" parTransId="{8699F4E9-66B9-46EC-A3DC-AE411EE821EA}" sibTransId="{EB268C27-01A2-4A66-A2BC-E71D18A8B075}"/>
+    <dgm:cxn modelId="{5E8F2D0B-7B8A-47FF-A67E-5C1B7C3B9BF8}" type="presOf" srcId="{EFD36C90-74F5-48F2-BF21-F90670B7F374}" destId="{35954328-C5FD-403D-BF01-8821CC6B6030}" srcOrd="0" destOrd="0" presId="urn:microsoft.com/office/officeart/2005/8/layout/chevron1"/>
     <dgm:cxn modelId="{DBCA6FBB-2565-4B35-A3EA-FC35FB7683AC}" type="presParOf" srcId="{A8CDE6F4-1E72-4542-8196-8E91EB181487}" destId="{94B42A6D-3B27-453F-821F-24C172122C39}" srcOrd="0" destOrd="0" presId="urn:microsoft.com/office/officeart/2005/8/layout/chevron1"/>
     <dgm:cxn modelId="{CA385290-55A7-460C-AA56-7864177B61A8}" type="presParOf" srcId="{94B42A6D-3B27-453F-821F-24C172122C39}" destId="{6A47AA96-41CF-4090-9DC6-2E50F727FB92}" srcOrd="0" destOrd="0" presId="urn:microsoft.com/office/officeart/2005/8/layout/chevron1"/>
     <dgm:cxn modelId="{BE43F6AF-B332-41C5-8585-66F058A50049}" type="presParOf" srcId="{94B42A6D-3B27-453F-821F-24C172122C39}" destId="{BB2D26E7-1744-448D-AB20-2FEF4B21F9F9}" srcOrd="1" destOrd="0" presId="urn:microsoft.com/office/officeart/2005/8/layout/chevron1"/>
@@ -4657,7 +6280,6 @@
             <a:rPr lang="en-US"/>
             <a:t>Apache</a:t>
           </a:r>
-          <a:endParaRPr lang="en-US"/>
         </a:p>
       </dgm:t>
     </dgm:pt>
@@ -4700,7 +6322,6 @@
             <a:rPr lang="en-US"/>
             <a:t>Microsoft</a:t>
           </a:r>
-          <a:endParaRPr lang="en-US"/>
         </a:p>
       </dgm:t>
     </dgm:pt>
@@ -4743,7 +6364,6 @@
             <a:rPr lang="en-US"/>
             <a:t>Zeus</a:t>
           </a:r>
-          <a:endParaRPr lang="en-US"/>
         </a:p>
       </dgm:t>
     </dgm:pt>
@@ -4786,7 +6406,6 @@
             <a:rPr lang="en-US"/>
             <a:t>Sun</a:t>
           </a:r>
-          <a:endParaRPr lang="en-US"/>
         </a:p>
       </dgm:t>
     </dgm:pt>
@@ -4829,7 +6448,6 @@
             <a:rPr lang="en-US"/>
             <a:t>NCSA</a:t>
           </a:r>
-          <a:endParaRPr lang="en-US"/>
         </a:p>
       </dgm:t>
     </dgm:pt>
@@ -4912,7 +6530,6 @@
             <a:rPr lang="en-US"/>
             <a:t>Content</a:t>
           </a:r>
-          <a:endParaRPr lang="en-US"/>
         </a:p>
       </dgm:t>
     </dgm:pt>
@@ -4955,7 +6572,6 @@
             <a:rPr lang="en-US"/>
             <a:t>SSI</a:t>
           </a:r>
-          <a:endParaRPr lang="en-US"/>
         </a:p>
       </dgm:t>
     </dgm:pt>
@@ -4998,7 +6614,6 @@
             <a:rPr lang="en-US"/>
             <a:t>NSAPI</a:t>
           </a:r>
-          <a:endParaRPr lang="en-US"/>
         </a:p>
       </dgm:t>
     </dgm:pt>
@@ -5041,7 +6656,6 @@
             <a:rPr lang="en-US"/>
             <a:t>ISAPI</a:t>
           </a:r>
-          <a:endParaRPr lang="en-US"/>
         </a:p>
       </dgm:t>
     </dgm:pt>
@@ -5084,7 +6698,6 @@
             <a:rPr lang="en-US"/>
             <a:t>ASAPI</a:t>
           </a:r>
-          <a:endParaRPr lang="en-US"/>
         </a:p>
       </dgm:t>
     </dgm:pt>
@@ -5127,7 +6740,6 @@
             <a:rPr lang="en-US"/>
             <a:t>CGI</a:t>
           </a:r>
-          <a:endParaRPr lang="en-US"/>
         </a:p>
       </dgm:t>
     </dgm:pt>
@@ -5170,7 +6782,6 @@
             <a:rPr lang="en-US"/>
             <a:t>FastCGI</a:t>
           </a:r>
-          <a:endParaRPr lang="en-US"/>
         </a:p>
       </dgm:t>
     </dgm:pt>
@@ -5329,6 +6940,13 @@
         </dgm:presLayoutVars>
       </dgm:prSet>
       <dgm:spPr/>
+      <dgm:t>
+        <a:bodyPr/>
+        <a:lstStyle/>
+        <a:p>
+          <a:endParaRPr lang="en-US"/>
+        </a:p>
+      </dgm:t>
     </dgm:pt>
     <dgm:pt modelId="{B80987EF-CA39-45DD-A169-2820D8BFE499}" type="pres">
       <dgm:prSet presAssocID="{39C5CE5C-0FC3-4DF3-A437-926CB8D59061}" presName="composite" presStyleCnt="0"/>
@@ -5343,6 +6961,13 @@
         </dgm:presLayoutVars>
       </dgm:prSet>
       <dgm:spPr/>
+      <dgm:t>
+        <a:bodyPr/>
+        <a:lstStyle/>
+        <a:p>
+          <a:endParaRPr lang="en-US"/>
+        </a:p>
+      </dgm:t>
     </dgm:pt>
     <dgm:pt modelId="{276AD895-5DAD-4D83-8EAC-ABCCF854EC9C}" type="pres">
       <dgm:prSet presAssocID="{39C5CE5C-0FC3-4DF3-A437-926CB8D59061}" presName="desTx" presStyleLbl="alignAccFollowNode1" presStyleIdx="0" presStyleCnt="3">
@@ -5351,6 +6976,13 @@
         </dgm:presLayoutVars>
       </dgm:prSet>
       <dgm:spPr/>
+      <dgm:t>
+        <a:bodyPr/>
+        <a:lstStyle/>
+        <a:p>
+          <a:endParaRPr lang="en-US"/>
+        </a:p>
+      </dgm:t>
     </dgm:pt>
     <dgm:pt modelId="{31303D90-94D9-4C0E-8740-129AE5460355}" type="pres">
       <dgm:prSet presAssocID="{4E16AFE4-477F-4E69-BDEB-F38DD5C949CB}" presName="space" presStyleCnt="0"/>
@@ -5369,6 +7001,13 @@
         </dgm:presLayoutVars>
       </dgm:prSet>
       <dgm:spPr/>
+      <dgm:t>
+        <a:bodyPr/>
+        <a:lstStyle/>
+        <a:p>
+          <a:endParaRPr lang="en-US"/>
+        </a:p>
+      </dgm:t>
     </dgm:pt>
     <dgm:pt modelId="{9A2AB9A9-8981-4605-A3F9-C986271F2BE9}" type="pres">
       <dgm:prSet presAssocID="{222474A1-98CA-45F2-BECB-C59287F215D7}" presName="desTx" presStyleLbl="alignAccFollowNode1" presStyleIdx="1" presStyleCnt="3">
@@ -5377,6 +7016,13 @@
         </dgm:presLayoutVars>
       </dgm:prSet>
       <dgm:spPr/>
+      <dgm:t>
+        <a:bodyPr/>
+        <a:lstStyle/>
+        <a:p>
+          <a:endParaRPr lang="en-US"/>
+        </a:p>
+      </dgm:t>
     </dgm:pt>
     <dgm:pt modelId="{72363030-3F56-4037-AB67-0AF085243EDA}" type="pres">
       <dgm:prSet presAssocID="{6EEB42F9-9FA4-45CA-BC56-CE46496B758A}" presName="space" presStyleCnt="0"/>
@@ -5395,6 +7041,13 @@
         </dgm:presLayoutVars>
       </dgm:prSet>
       <dgm:spPr/>
+      <dgm:t>
+        <a:bodyPr/>
+        <a:lstStyle/>
+        <a:p>
+          <a:endParaRPr lang="en-US"/>
+        </a:p>
+      </dgm:t>
     </dgm:pt>
     <dgm:pt modelId="{5591D56E-8775-4297-9F61-FBC4B6929FA0}" type="pres">
       <dgm:prSet presAssocID="{F0A48FE8-8AF7-4A3D-9E81-40CE6182E9DD}" presName="desTx" presStyleLbl="alignAccFollowNode1" presStyleIdx="2" presStyleCnt="3">
@@ -5403,6 +7056,13 @@
         </dgm:presLayoutVars>
       </dgm:prSet>
       <dgm:spPr/>
+      <dgm:t>
+        <a:bodyPr/>
+        <a:lstStyle/>
+        <a:p>
+          <a:endParaRPr lang="en-US"/>
+        </a:p>
+      </dgm:t>
     </dgm:pt>
   </dgm:ptLst>
   <dgm:cxnLst>
@@ -5712,6 +7372,13 @@
         </dgm:presLayoutVars>
       </dgm:prSet>
       <dgm:spPr/>
+      <dgm:t>
+        <a:bodyPr/>
+        <a:lstStyle/>
+        <a:p>
+          <a:endParaRPr lang="en-US"/>
+        </a:p>
+      </dgm:t>
     </dgm:pt>
     <dgm:pt modelId="{A5D63A99-08EB-417C-A349-995BF449EC8E}" type="pres">
       <dgm:prSet presAssocID="{FE97DF1C-948D-46D8-8594-1961D12B7D76}" presName="linNode" presStyleCnt="0"/>
@@ -5725,6 +7392,13 @@
         </dgm:presLayoutVars>
       </dgm:prSet>
       <dgm:spPr/>
+      <dgm:t>
+        <a:bodyPr/>
+        <a:lstStyle/>
+        <a:p>
+          <a:endParaRPr lang="en-US"/>
+        </a:p>
+      </dgm:t>
     </dgm:pt>
     <dgm:pt modelId="{1C8F4E76-3448-4399-82D6-002EE60A21FD}" type="pres">
       <dgm:prSet presAssocID="{FE97DF1C-948D-46D8-8594-1961D12B7D76}" presName="descendantText" presStyleLbl="alignAccFollowNode1" presStyleIdx="0" presStyleCnt="2">
@@ -5733,6 +7407,13 @@
         </dgm:presLayoutVars>
       </dgm:prSet>
       <dgm:spPr/>
+      <dgm:t>
+        <a:bodyPr/>
+        <a:lstStyle/>
+        <a:p>
+          <a:endParaRPr lang="en-US"/>
+        </a:p>
+      </dgm:t>
     </dgm:pt>
     <dgm:pt modelId="{F98E4DB0-4CFE-4AA7-867C-332FFA50BAFA}" type="pres">
       <dgm:prSet presAssocID="{C7338612-1F39-4263-9AA1-CDF9AAB442E9}" presName="sp" presStyleCnt="0"/>
@@ -5750,6 +7431,13 @@
         </dgm:presLayoutVars>
       </dgm:prSet>
       <dgm:spPr/>
+      <dgm:t>
+        <a:bodyPr/>
+        <a:lstStyle/>
+        <a:p>
+          <a:endParaRPr lang="en-US"/>
+        </a:p>
+      </dgm:t>
     </dgm:pt>
     <dgm:pt modelId="{3EF00413-2AB7-4C85-946D-17AF1EA2F809}" type="pres">
       <dgm:prSet presAssocID="{5361500D-D195-4AE9-BFCB-987389689A30}" presName="descendantText" presStyleLbl="alignAccFollowNode1" presStyleIdx="1" presStyleCnt="2">
@@ -5758,20 +7446,27 @@
         </dgm:presLayoutVars>
       </dgm:prSet>
       <dgm:spPr/>
+      <dgm:t>
+        <a:bodyPr/>
+        <a:lstStyle/>
+        <a:p>
+          <a:endParaRPr lang="en-US"/>
+        </a:p>
+      </dgm:t>
     </dgm:pt>
   </dgm:ptLst>
   <dgm:cxnLst>
+    <dgm:cxn modelId="{630845D4-9CF1-4900-B86B-4980F0F8DF38}" srcId="{FE97DF1C-948D-46D8-8594-1961D12B7D76}" destId="{9FC7585D-7B56-4994-A620-B9C9F2A9D030}" srcOrd="1" destOrd="0" parTransId="{D6D31C9F-ADB1-4B60-81E2-9DE19182FD0B}" sibTransId="{7DAEEB45-9D5A-4972-9452-642BE92A733E}"/>
+    <dgm:cxn modelId="{B0BF7B57-D5E3-4FA0-8411-9DF9206CBBCB}" type="presOf" srcId="{D7EEEE8E-1A5B-451B-BB23-681B567B9238}" destId="{3EF00413-2AB7-4C85-946D-17AF1EA2F809}" srcOrd="0" destOrd="0" presId="urn:microsoft.com/office/officeart/2005/8/layout/vList5"/>
+    <dgm:cxn modelId="{BF9354DD-08CF-42BB-B4C4-11EC293BE886}" type="presOf" srcId="{FE97DF1C-948D-46D8-8594-1961D12B7D76}" destId="{D97F5EA5-23A9-4A06-A33A-C1678726C507}" srcOrd="0" destOrd="0" presId="urn:microsoft.com/office/officeart/2005/8/layout/vList5"/>
+    <dgm:cxn modelId="{B209276D-8B61-47EC-91B9-92678987FD48}" type="presOf" srcId="{C2F537F7-1A7D-4EB2-BCC6-78FF53E7160F}" destId="{1C8F4E76-3448-4399-82D6-002EE60A21FD}" srcOrd="0" destOrd="0" presId="urn:microsoft.com/office/officeart/2005/8/layout/vList5"/>
+    <dgm:cxn modelId="{628190E8-951E-443A-8BCD-E08B7E56C904}" srcId="{5361500D-D195-4AE9-BFCB-987389689A30}" destId="{D7EEEE8E-1A5B-451B-BB23-681B567B9238}" srcOrd="0" destOrd="0" parTransId="{55DF471F-E46F-4A55-905A-3EE44893991B}" sibTransId="{E796CEC6-B841-4B7A-B840-367C1B11F55E}"/>
+    <dgm:cxn modelId="{93761626-E9C6-4C0D-A77C-97371BC201A4}" srcId="{52110297-3205-4965-8BD8-DBBAACC51AF8}" destId="{5361500D-D195-4AE9-BFCB-987389689A30}" srcOrd="1" destOrd="0" parTransId="{EE058614-0149-4A61-9894-528DF25EED83}" sibTransId="{358CE0DC-E73A-4551-9137-4516D9826380}"/>
     <dgm:cxn modelId="{48949BBE-847A-4FC1-9D31-0EEC29D53801}" type="presOf" srcId="{5361500D-D195-4AE9-BFCB-987389689A30}" destId="{56E9793E-B615-4D54-9CB4-E5840159CFED}" srcOrd="0" destOrd="0" presId="urn:microsoft.com/office/officeart/2005/8/layout/vList5"/>
+    <dgm:cxn modelId="{F137B245-13B5-490E-B10A-589945D1837C}" srcId="{FE97DF1C-948D-46D8-8594-1961D12B7D76}" destId="{C2F537F7-1A7D-4EB2-BCC6-78FF53E7160F}" srcOrd="0" destOrd="0" parTransId="{3630ABD9-AC7C-468D-AF8A-2983BBE8FEC0}" sibTransId="{A24DD465-3414-4C74-BF13-7E25074A32DB}"/>
+    <dgm:cxn modelId="{986ED61C-C075-4A25-96B7-8B55877FB8D6}" type="presOf" srcId="{52110297-3205-4965-8BD8-DBBAACC51AF8}" destId="{40A8B910-DB3A-4389-88F8-7EF211C482B1}" srcOrd="0" destOrd="0" presId="urn:microsoft.com/office/officeart/2005/8/layout/vList5"/>
+    <dgm:cxn modelId="{D1DDF3C1-8D4B-42F9-816B-63EA5AEDFF02}" srcId="{52110297-3205-4965-8BD8-DBBAACC51AF8}" destId="{FE97DF1C-948D-46D8-8594-1961D12B7D76}" srcOrd="0" destOrd="0" parTransId="{34225816-51CE-4570-B4A1-75E4215052A0}" sibTransId="{C7338612-1F39-4263-9AA1-CDF9AAB442E9}"/>
     <dgm:cxn modelId="{241538E5-6CE7-4AB3-A518-3C928DC99473}" type="presOf" srcId="{9FC7585D-7B56-4994-A620-B9C9F2A9D030}" destId="{1C8F4E76-3448-4399-82D6-002EE60A21FD}" srcOrd="0" destOrd="1" presId="urn:microsoft.com/office/officeart/2005/8/layout/vList5"/>
-    <dgm:cxn modelId="{F137B245-13B5-490E-B10A-589945D1837C}" srcId="{FE97DF1C-948D-46D8-8594-1961D12B7D76}" destId="{C2F537F7-1A7D-4EB2-BCC6-78FF53E7160F}" srcOrd="0" destOrd="0" parTransId="{3630ABD9-AC7C-468D-AF8A-2983BBE8FEC0}" sibTransId="{A24DD465-3414-4C74-BF13-7E25074A32DB}"/>
-    <dgm:cxn modelId="{D1DDF3C1-8D4B-42F9-816B-63EA5AEDFF02}" srcId="{52110297-3205-4965-8BD8-DBBAACC51AF8}" destId="{FE97DF1C-948D-46D8-8594-1961D12B7D76}" srcOrd="0" destOrd="0" parTransId="{34225816-51CE-4570-B4A1-75E4215052A0}" sibTransId="{C7338612-1F39-4263-9AA1-CDF9AAB442E9}"/>
-    <dgm:cxn modelId="{B209276D-8B61-47EC-91B9-92678987FD48}" type="presOf" srcId="{C2F537F7-1A7D-4EB2-BCC6-78FF53E7160F}" destId="{1C8F4E76-3448-4399-82D6-002EE60A21FD}" srcOrd="0" destOrd="0" presId="urn:microsoft.com/office/officeart/2005/8/layout/vList5"/>
-    <dgm:cxn modelId="{630845D4-9CF1-4900-B86B-4980F0F8DF38}" srcId="{FE97DF1C-948D-46D8-8594-1961D12B7D76}" destId="{9FC7585D-7B56-4994-A620-B9C9F2A9D030}" srcOrd="1" destOrd="0" parTransId="{D6D31C9F-ADB1-4B60-81E2-9DE19182FD0B}" sibTransId="{7DAEEB45-9D5A-4972-9452-642BE92A733E}"/>
-    <dgm:cxn modelId="{BF9354DD-08CF-42BB-B4C4-11EC293BE886}" type="presOf" srcId="{FE97DF1C-948D-46D8-8594-1961D12B7D76}" destId="{D97F5EA5-23A9-4A06-A33A-C1678726C507}" srcOrd="0" destOrd="0" presId="urn:microsoft.com/office/officeart/2005/8/layout/vList5"/>
-    <dgm:cxn modelId="{93761626-E9C6-4C0D-A77C-97371BC201A4}" srcId="{52110297-3205-4965-8BD8-DBBAACC51AF8}" destId="{5361500D-D195-4AE9-BFCB-987389689A30}" srcOrd="1" destOrd="0" parTransId="{EE058614-0149-4A61-9894-528DF25EED83}" sibTransId="{358CE0DC-E73A-4551-9137-4516D9826380}"/>
-    <dgm:cxn modelId="{986ED61C-C075-4A25-96B7-8B55877FB8D6}" type="presOf" srcId="{52110297-3205-4965-8BD8-DBBAACC51AF8}" destId="{40A8B910-DB3A-4389-88F8-7EF211C482B1}" srcOrd="0" destOrd="0" presId="urn:microsoft.com/office/officeart/2005/8/layout/vList5"/>
-    <dgm:cxn modelId="{B0BF7B57-D5E3-4FA0-8411-9DF9206CBBCB}" type="presOf" srcId="{D7EEEE8E-1A5B-451B-BB23-681B567B9238}" destId="{3EF00413-2AB7-4C85-946D-17AF1EA2F809}" srcOrd="0" destOrd="0" presId="urn:microsoft.com/office/officeart/2005/8/layout/vList5"/>
-    <dgm:cxn modelId="{628190E8-951E-443A-8BCD-E08B7E56C904}" srcId="{5361500D-D195-4AE9-BFCB-987389689A30}" destId="{D7EEEE8E-1A5B-451B-BB23-681B567B9238}" srcOrd="0" destOrd="0" parTransId="{55DF471F-E46F-4A55-905A-3EE44893991B}" sibTransId="{E796CEC6-B841-4B7A-B840-367C1B11F55E}"/>
     <dgm:cxn modelId="{DE87EA03-02D5-4B9D-A1C0-847D76EBA490}" type="presParOf" srcId="{40A8B910-DB3A-4389-88F8-7EF211C482B1}" destId="{A5D63A99-08EB-417C-A349-995BF449EC8E}" srcOrd="0" destOrd="0" presId="urn:microsoft.com/office/officeart/2005/8/layout/vList5"/>
     <dgm:cxn modelId="{9766DF4C-DF8C-463D-B888-2441F9C5C9B3}" type="presParOf" srcId="{A5D63A99-08EB-417C-A349-995BF449EC8E}" destId="{D97F5EA5-23A9-4A06-A33A-C1678726C507}" srcOrd="0" destOrd="0" presId="urn:microsoft.com/office/officeart/2005/8/layout/vList5"/>
     <dgm:cxn modelId="{AF82DA17-2465-479A-8337-15FC9667BC5A}" type="presParOf" srcId="{A5D63A99-08EB-417C-A349-995BF449EC8E}" destId="{1C8F4E76-3448-4399-82D6-002EE60A21FD}" srcOrd="1" destOrd="0" presId="urn:microsoft.com/office/officeart/2005/8/layout/vList5"/>
@@ -5779,6 +7474,775 @@
     <dgm:cxn modelId="{382D1702-143F-4F99-9F2D-2450891BC28B}" type="presParOf" srcId="{40A8B910-DB3A-4389-88F8-7EF211C482B1}" destId="{C5E57327-201E-4503-8E4D-0C383DFBF27E}" srcOrd="2" destOrd="0" presId="urn:microsoft.com/office/officeart/2005/8/layout/vList5"/>
     <dgm:cxn modelId="{4238F06E-D993-4556-9F6D-5FE872205C14}" type="presParOf" srcId="{C5E57327-201E-4503-8E4D-0C383DFBF27E}" destId="{56E9793E-B615-4D54-9CB4-E5840159CFED}" srcOrd="0" destOrd="0" presId="urn:microsoft.com/office/officeart/2005/8/layout/vList5"/>
     <dgm:cxn modelId="{BC4D1B79-3897-480C-B334-B482AE1C219A}" type="presParOf" srcId="{C5E57327-201E-4503-8E4D-0C383DFBF27E}" destId="{3EF00413-2AB7-4C85-946D-17AF1EA2F809}" srcOrd="1" destOrd="0" presId="urn:microsoft.com/office/officeart/2005/8/layout/vList5"/>
+  </dgm:cxnLst>
+  <dgm:bg/>
+  <dgm:whole/>
+  <dgm:extLst>
+    <a:ext uri="http://schemas.microsoft.com/office/drawing/2008/diagram">
+      <dsp:dataModelExt xmlns:dsp="http://schemas.microsoft.com/office/drawing/2008/diagram" relId="rId6" minVer="http://schemas.openxmlformats.org/drawingml/2006/diagram"/>
+    </a:ext>
+  </dgm:extLst>
+</dgm:dataModel>
+</file>
+
+<file path=ppt/diagrams/data5.xml><?xml version="1.0" encoding="utf-8"?>
+<dgm:dataModel xmlns:dgm="http://schemas.openxmlformats.org/drawingml/2006/diagram" xmlns:a="http://schemas.openxmlformats.org/drawingml/2006/main">
+  <dgm:ptLst>
+    <dgm:pt modelId="{95896E60-28F8-4058-A351-6E5779FE9EF7}" type="doc">
+      <dgm:prSet loTypeId="urn:microsoft.com/office/officeart/2005/8/layout/pyramid2" loCatId="list" qsTypeId="urn:microsoft.com/office/officeart/2005/8/quickstyle/simple1" qsCatId="simple" csTypeId="urn:microsoft.com/office/officeart/2005/8/colors/accent1_2" csCatId="accent1" phldr="1"/>
+      <dgm:spPr/>
+      <dgm:t>
+        <a:bodyPr/>
+        <a:lstStyle/>
+        <a:p>
+          <a:endParaRPr lang="en-US"/>
+        </a:p>
+      </dgm:t>
+    </dgm:pt>
+    <dgm:pt modelId="{B45E8DA1-A97D-4820-8D1B-E5878DE22B74}">
+      <dgm:prSet/>
+      <dgm:spPr>
+        <a:ln>
+          <a:solidFill>
+            <a:srgbClr val="009900"/>
+          </a:solidFill>
+        </a:ln>
+      </dgm:spPr>
+      <dgm:t>
+        <a:bodyPr/>
+        <a:lstStyle/>
+        <a:p>
+          <a:r>
+            <a:rPr lang="en-US"/>
+            <a:t>Intermediaries that forward to a service</a:t>
+          </a:r>
+        </a:p>
+      </dgm:t>
+    </dgm:pt>
+    <dgm:pt modelId="{970E9AF9-8A99-4350-990B-B8DF9E9D8DD2}" type="parTrans" cxnId="{C761FEEA-8735-488A-9AF5-26B0A5E96334}">
+      <dgm:prSet/>
+      <dgm:spPr/>
+      <dgm:t>
+        <a:bodyPr/>
+        <a:lstStyle/>
+        <a:p>
+          <a:endParaRPr lang="en-US"/>
+        </a:p>
+      </dgm:t>
+    </dgm:pt>
+    <dgm:pt modelId="{3CA4266F-CB0D-4663-B23F-6E619675A9E1}" type="sibTrans" cxnId="{C761FEEA-8735-488A-9AF5-26B0A5E96334}">
+      <dgm:prSet/>
+      <dgm:spPr/>
+      <dgm:t>
+        <a:bodyPr/>
+        <a:lstStyle/>
+        <a:p>
+          <a:endParaRPr lang="en-US"/>
+        </a:p>
+      </dgm:t>
+    </dgm:pt>
+    <dgm:pt modelId="{9B149A5C-AB06-4B4F-A6A1-B30CB97D8EC8}">
+      <dgm:prSet/>
+      <dgm:spPr>
+        <a:ln>
+          <a:solidFill>
+            <a:srgbClr val="009900"/>
+          </a:solidFill>
+        </a:ln>
+      </dgm:spPr>
+      <dgm:t>
+        <a:bodyPr/>
+        <a:lstStyle/>
+        <a:p>
+          <a:r>
+            <a:rPr lang="en-US"/>
+            <a:t>A level of indirection in service architectures</a:t>
+          </a:r>
+        </a:p>
+      </dgm:t>
+    </dgm:pt>
+    <dgm:pt modelId="{D9FD6005-B657-4959-ACEF-AF78E567F3C6}" type="parTrans" cxnId="{461528AC-97B0-40E2-ABAA-1CC05D80541A}">
+      <dgm:prSet/>
+      <dgm:spPr/>
+      <dgm:t>
+        <a:bodyPr/>
+        <a:lstStyle/>
+        <a:p>
+          <a:endParaRPr lang="en-US"/>
+        </a:p>
+      </dgm:t>
+    </dgm:pt>
+    <dgm:pt modelId="{5C14037D-7070-413B-B68B-501AD6EC5500}" type="sibTrans" cxnId="{461528AC-97B0-40E2-ABAA-1CC05D80541A}">
+      <dgm:prSet/>
+      <dgm:spPr/>
+      <dgm:t>
+        <a:bodyPr/>
+        <a:lstStyle/>
+        <a:p>
+          <a:endParaRPr lang="en-US"/>
+        </a:p>
+      </dgm:t>
+    </dgm:pt>
+    <dgm:pt modelId="{4589897E-FC78-4817-B241-6C3FE27BE24D}">
+      <dgm:prSet/>
+      <dgm:spPr>
+        <a:ln>
+          <a:solidFill>
+            <a:srgbClr val="009900"/>
+          </a:solidFill>
+        </a:ln>
+      </dgm:spPr>
+      <dgm:t>
+        <a:bodyPr/>
+        <a:lstStyle/>
+        <a:p>
+          <a:r>
+            <a:rPr lang="en-US" dirty="0"/>
+            <a:t>A way the FTSE appears service architectures</a:t>
+          </a:r>
+        </a:p>
+      </dgm:t>
+      <dgm:extLst>
+        <a:ext uri="{E40237B7-FDA0-4F09-8148-C483321AD2D9}">
+          <dgm14:cNvPr xmlns:dgm14="http://schemas.microsoft.com/office/drawing/2010/diagram" id="0" name="">
+            <a:hlinkClick xmlns:r="http://schemas.openxmlformats.org/officeDocument/2006/relationships" r:id="rId1" tooltip="https://en.wikipedia.org/wiki/Fundamental_theorem_of_software_engineering"/>
+          </dgm14:cNvPr>
+        </a:ext>
+      </dgm:extLst>
+    </dgm:pt>
+    <dgm:pt modelId="{A63DF015-3E49-4F29-B9AF-3A65B07460F2}" type="parTrans" cxnId="{790AC26C-D7B2-4219-B457-659C3D613768}">
+      <dgm:prSet/>
+      <dgm:spPr/>
+      <dgm:t>
+        <a:bodyPr/>
+        <a:lstStyle/>
+        <a:p>
+          <a:endParaRPr lang="en-US"/>
+        </a:p>
+      </dgm:t>
+    </dgm:pt>
+    <dgm:pt modelId="{8047B2CF-9C7F-49D0-A4CD-A523A9121A3B}" type="sibTrans" cxnId="{790AC26C-D7B2-4219-B457-659C3D613768}">
+      <dgm:prSet/>
+      <dgm:spPr/>
+      <dgm:t>
+        <a:bodyPr/>
+        <a:lstStyle/>
+        <a:p>
+          <a:endParaRPr lang="en-US"/>
+        </a:p>
+      </dgm:t>
+    </dgm:pt>
+    <dgm:pt modelId="{17D97C03-9EA0-4E60-BCBB-AC3B37278518}" type="pres">
+      <dgm:prSet presAssocID="{95896E60-28F8-4058-A351-6E5779FE9EF7}" presName="compositeShape" presStyleCnt="0">
+        <dgm:presLayoutVars>
+          <dgm:dir/>
+          <dgm:resizeHandles/>
+        </dgm:presLayoutVars>
+      </dgm:prSet>
+      <dgm:spPr/>
+      <dgm:t>
+        <a:bodyPr/>
+        <a:lstStyle/>
+        <a:p>
+          <a:endParaRPr lang="en-US"/>
+        </a:p>
+      </dgm:t>
+    </dgm:pt>
+    <dgm:pt modelId="{CA0FB76F-2ED5-4D2E-8232-E4023ED9DC9D}" type="pres">
+      <dgm:prSet presAssocID="{95896E60-28F8-4058-A351-6E5779FE9EF7}" presName="pyramid" presStyleLbl="node1" presStyleIdx="0" presStyleCnt="1"/>
+      <dgm:spPr>
+        <a:solidFill>
+          <a:srgbClr val="009900"/>
+        </a:solidFill>
+      </dgm:spPr>
+    </dgm:pt>
+    <dgm:pt modelId="{A61E1AE6-9F35-48FF-A360-EC65E44A1ADF}" type="pres">
+      <dgm:prSet presAssocID="{95896E60-28F8-4058-A351-6E5779FE9EF7}" presName="theList" presStyleCnt="0"/>
+      <dgm:spPr/>
+    </dgm:pt>
+    <dgm:pt modelId="{0C6EB310-ACEB-4246-98AF-06ABBB64F767}" type="pres">
+      <dgm:prSet presAssocID="{B45E8DA1-A97D-4820-8D1B-E5878DE22B74}" presName="aNode" presStyleLbl="fgAcc1" presStyleIdx="0" presStyleCnt="3">
+        <dgm:presLayoutVars>
+          <dgm:bulletEnabled val="1"/>
+        </dgm:presLayoutVars>
+      </dgm:prSet>
+      <dgm:spPr/>
+      <dgm:t>
+        <a:bodyPr/>
+        <a:lstStyle/>
+        <a:p>
+          <a:endParaRPr lang="en-US"/>
+        </a:p>
+      </dgm:t>
+    </dgm:pt>
+    <dgm:pt modelId="{AA1B171C-847A-4615-8619-7BC69D50F831}" type="pres">
+      <dgm:prSet presAssocID="{B45E8DA1-A97D-4820-8D1B-E5878DE22B74}" presName="aSpace" presStyleCnt="0"/>
+      <dgm:spPr/>
+    </dgm:pt>
+    <dgm:pt modelId="{9AF756E9-0795-43E1-BF2F-8032EC9FEFA5}" type="pres">
+      <dgm:prSet presAssocID="{9B149A5C-AB06-4B4F-A6A1-B30CB97D8EC8}" presName="aNode" presStyleLbl="fgAcc1" presStyleIdx="1" presStyleCnt="3">
+        <dgm:presLayoutVars>
+          <dgm:bulletEnabled val="1"/>
+        </dgm:presLayoutVars>
+      </dgm:prSet>
+      <dgm:spPr/>
+      <dgm:t>
+        <a:bodyPr/>
+        <a:lstStyle/>
+        <a:p>
+          <a:endParaRPr lang="en-US"/>
+        </a:p>
+      </dgm:t>
+    </dgm:pt>
+    <dgm:pt modelId="{EE8CE9DD-5F49-4C01-B85C-378C2579D1EB}" type="pres">
+      <dgm:prSet presAssocID="{9B149A5C-AB06-4B4F-A6A1-B30CB97D8EC8}" presName="aSpace" presStyleCnt="0"/>
+      <dgm:spPr/>
+    </dgm:pt>
+    <dgm:pt modelId="{7C2765B8-6B5C-413B-B08B-98E163D276C3}" type="pres">
+      <dgm:prSet presAssocID="{4589897E-FC78-4817-B241-6C3FE27BE24D}" presName="aNode" presStyleLbl="fgAcc1" presStyleIdx="2" presStyleCnt="3">
+        <dgm:presLayoutVars>
+          <dgm:bulletEnabled val="1"/>
+        </dgm:presLayoutVars>
+      </dgm:prSet>
+      <dgm:spPr/>
+      <dgm:t>
+        <a:bodyPr/>
+        <a:lstStyle/>
+        <a:p>
+          <a:endParaRPr lang="en-US"/>
+        </a:p>
+      </dgm:t>
+    </dgm:pt>
+    <dgm:pt modelId="{322F6CDE-1182-4154-B3AD-52E75C2F0E69}" type="pres">
+      <dgm:prSet presAssocID="{4589897E-FC78-4817-B241-6C3FE27BE24D}" presName="aSpace" presStyleCnt="0"/>
+      <dgm:spPr/>
+    </dgm:pt>
+  </dgm:ptLst>
+  <dgm:cxnLst>
+    <dgm:cxn modelId="{C761FEEA-8735-488A-9AF5-26B0A5E96334}" srcId="{95896E60-28F8-4058-A351-6E5779FE9EF7}" destId="{B45E8DA1-A97D-4820-8D1B-E5878DE22B74}" srcOrd="0" destOrd="0" parTransId="{970E9AF9-8A99-4350-990B-B8DF9E9D8DD2}" sibTransId="{3CA4266F-CB0D-4663-B23F-6E619675A9E1}"/>
+    <dgm:cxn modelId="{D58479F2-619C-4DA3-8CA2-3922A51599DC}" type="presOf" srcId="{B45E8DA1-A97D-4820-8D1B-E5878DE22B74}" destId="{0C6EB310-ACEB-4246-98AF-06ABBB64F767}" srcOrd="0" destOrd="0" presId="urn:microsoft.com/office/officeart/2005/8/layout/pyramid2"/>
+    <dgm:cxn modelId="{790AC26C-D7B2-4219-B457-659C3D613768}" srcId="{95896E60-28F8-4058-A351-6E5779FE9EF7}" destId="{4589897E-FC78-4817-B241-6C3FE27BE24D}" srcOrd="2" destOrd="0" parTransId="{A63DF015-3E49-4F29-B9AF-3A65B07460F2}" sibTransId="{8047B2CF-9C7F-49D0-A4CD-A523A9121A3B}"/>
+    <dgm:cxn modelId="{461528AC-97B0-40E2-ABAA-1CC05D80541A}" srcId="{95896E60-28F8-4058-A351-6E5779FE9EF7}" destId="{9B149A5C-AB06-4B4F-A6A1-B30CB97D8EC8}" srcOrd="1" destOrd="0" parTransId="{D9FD6005-B657-4959-ACEF-AF78E567F3C6}" sibTransId="{5C14037D-7070-413B-B68B-501AD6EC5500}"/>
+    <dgm:cxn modelId="{569B4AD5-C974-49B9-8EA6-0FC05BA5411B}" type="presOf" srcId="{95896E60-28F8-4058-A351-6E5779FE9EF7}" destId="{17D97C03-9EA0-4E60-BCBB-AC3B37278518}" srcOrd="0" destOrd="0" presId="urn:microsoft.com/office/officeart/2005/8/layout/pyramid2"/>
+    <dgm:cxn modelId="{5F137E4A-A113-4ECF-9E90-512D05F66640}" type="presOf" srcId="{4589897E-FC78-4817-B241-6C3FE27BE24D}" destId="{7C2765B8-6B5C-413B-B08B-98E163D276C3}" srcOrd="0" destOrd="0" presId="urn:microsoft.com/office/officeart/2005/8/layout/pyramid2"/>
+    <dgm:cxn modelId="{4B0F69F1-CE9A-4A08-94B1-FDFF3211AFC8}" type="presOf" srcId="{9B149A5C-AB06-4B4F-A6A1-B30CB97D8EC8}" destId="{9AF756E9-0795-43E1-BF2F-8032EC9FEFA5}" srcOrd="0" destOrd="0" presId="urn:microsoft.com/office/officeart/2005/8/layout/pyramid2"/>
+    <dgm:cxn modelId="{B607EC13-1083-43AB-A693-51DD77B41547}" type="presParOf" srcId="{17D97C03-9EA0-4E60-BCBB-AC3B37278518}" destId="{CA0FB76F-2ED5-4D2E-8232-E4023ED9DC9D}" srcOrd="0" destOrd="0" presId="urn:microsoft.com/office/officeart/2005/8/layout/pyramid2"/>
+    <dgm:cxn modelId="{03459366-FD62-48D5-B400-411B1E057CC6}" type="presParOf" srcId="{17D97C03-9EA0-4E60-BCBB-AC3B37278518}" destId="{A61E1AE6-9F35-48FF-A360-EC65E44A1ADF}" srcOrd="1" destOrd="0" presId="urn:microsoft.com/office/officeart/2005/8/layout/pyramid2"/>
+    <dgm:cxn modelId="{328D7887-E00C-4AFD-B080-7AEA2EFC8807}" type="presParOf" srcId="{A61E1AE6-9F35-48FF-A360-EC65E44A1ADF}" destId="{0C6EB310-ACEB-4246-98AF-06ABBB64F767}" srcOrd="0" destOrd="0" presId="urn:microsoft.com/office/officeart/2005/8/layout/pyramid2"/>
+    <dgm:cxn modelId="{04178982-4963-4A20-A474-9D2764B457FF}" type="presParOf" srcId="{A61E1AE6-9F35-48FF-A360-EC65E44A1ADF}" destId="{AA1B171C-847A-4615-8619-7BC69D50F831}" srcOrd="1" destOrd="0" presId="urn:microsoft.com/office/officeart/2005/8/layout/pyramid2"/>
+    <dgm:cxn modelId="{85B437E9-C011-4438-A34C-1D4D1CC105A4}" type="presParOf" srcId="{A61E1AE6-9F35-48FF-A360-EC65E44A1ADF}" destId="{9AF756E9-0795-43E1-BF2F-8032EC9FEFA5}" srcOrd="2" destOrd="0" presId="urn:microsoft.com/office/officeart/2005/8/layout/pyramid2"/>
+    <dgm:cxn modelId="{88E5C812-812D-4058-A098-2A7585CB68CE}" type="presParOf" srcId="{A61E1AE6-9F35-48FF-A360-EC65E44A1ADF}" destId="{EE8CE9DD-5F49-4C01-B85C-378C2579D1EB}" srcOrd="3" destOrd="0" presId="urn:microsoft.com/office/officeart/2005/8/layout/pyramid2"/>
+    <dgm:cxn modelId="{6A70DCBD-6763-47F2-BA91-0765600104E2}" type="presParOf" srcId="{A61E1AE6-9F35-48FF-A360-EC65E44A1ADF}" destId="{7C2765B8-6B5C-413B-B08B-98E163D276C3}" srcOrd="4" destOrd="0" presId="urn:microsoft.com/office/officeart/2005/8/layout/pyramid2"/>
+    <dgm:cxn modelId="{8D3EDFA8-37CE-4993-AE33-DCF0A571EC0F}" type="presParOf" srcId="{A61E1AE6-9F35-48FF-A360-EC65E44A1ADF}" destId="{322F6CDE-1182-4154-B3AD-52E75C2F0E69}" srcOrd="5" destOrd="0" presId="urn:microsoft.com/office/officeart/2005/8/layout/pyramid2"/>
+  </dgm:cxnLst>
+  <dgm:bg/>
+  <dgm:whole/>
+  <dgm:extLst>
+    <a:ext uri="http://schemas.microsoft.com/office/drawing/2008/diagram">
+      <dsp:dataModelExt xmlns:dsp="http://schemas.microsoft.com/office/drawing/2008/diagram" relId="rId6" minVer="http://schemas.openxmlformats.org/drawingml/2006/diagram"/>
+    </a:ext>
+  </dgm:extLst>
+</dgm:dataModel>
+</file>
+
+<file path=ppt/diagrams/data6.xml><?xml version="1.0" encoding="utf-8"?>
+<dgm:dataModel xmlns:dgm="http://schemas.openxmlformats.org/drawingml/2006/diagram" xmlns:a="http://schemas.openxmlformats.org/drawingml/2006/main">
+  <dgm:ptLst>
+    <dgm:pt modelId="{3ACC3B6D-BEE5-454C-B570-19511F9C9EB4}" type="doc">
+      <dgm:prSet loTypeId="urn:microsoft.com/office/officeart/2005/8/layout/vList5" loCatId="list" qsTypeId="urn:microsoft.com/office/officeart/2005/8/quickstyle/simple1" qsCatId="simple" csTypeId="urn:microsoft.com/office/officeart/2005/8/colors/accent1_2" csCatId="accent1" phldr="1"/>
+      <dgm:spPr/>
+      <dgm:t>
+        <a:bodyPr/>
+        <a:lstStyle/>
+        <a:p>
+          <a:endParaRPr lang="en-US"/>
+        </a:p>
+      </dgm:t>
+    </dgm:pt>
+    <dgm:pt modelId="{9B71D15D-9120-405E-8BB6-142B5EFDF388}">
+      <dgm:prSet/>
+      <dgm:spPr>
+        <a:solidFill>
+          <a:srgbClr val="009900"/>
+        </a:solidFill>
+      </dgm:spPr>
+      <dgm:t>
+        <a:bodyPr/>
+        <a:lstStyle/>
+        <a:p>
+          <a:pPr rtl="0"/>
+          <a:r>
+            <a:rPr lang="en-US" smtClean="0"/>
+            <a:t>Availability</a:t>
+          </a:r>
+          <a:endParaRPr lang="en-US"/>
+        </a:p>
+      </dgm:t>
+    </dgm:pt>
+    <dgm:pt modelId="{956A2200-6C66-49B7-A956-3CBFF667A968}" type="parTrans" cxnId="{42FEC596-5F5A-4A12-BBB4-37F958A9D659}">
+      <dgm:prSet/>
+      <dgm:spPr/>
+      <dgm:t>
+        <a:bodyPr/>
+        <a:lstStyle/>
+        <a:p>
+          <a:endParaRPr lang="en-US"/>
+        </a:p>
+      </dgm:t>
+    </dgm:pt>
+    <dgm:pt modelId="{FE1C427A-4536-4CAE-A4A9-7F7A98E95EE0}" type="sibTrans" cxnId="{42FEC596-5F5A-4A12-BBB4-37F958A9D659}">
+      <dgm:prSet/>
+      <dgm:spPr/>
+      <dgm:t>
+        <a:bodyPr/>
+        <a:lstStyle/>
+        <a:p>
+          <a:endParaRPr lang="en-US"/>
+        </a:p>
+      </dgm:t>
+    </dgm:pt>
+    <dgm:pt modelId="{68DA7DE8-65D1-4EA1-8C0E-8AB73DAFE5BC}">
+      <dgm:prSet/>
+      <dgm:spPr>
+        <a:solidFill>
+          <a:srgbClr val="009900">
+            <a:alpha val="20000"/>
+          </a:srgbClr>
+        </a:solidFill>
+      </dgm:spPr>
+      <dgm:t>
+        <a:bodyPr/>
+        <a:lstStyle/>
+        <a:p>
+          <a:pPr rtl="0"/>
+          <a:r>
+            <a:rPr lang="en-US" smtClean="0"/>
+            <a:t>Forwards to a healthy instance of a service</a:t>
+          </a:r>
+          <a:endParaRPr lang="en-US"/>
+        </a:p>
+      </dgm:t>
+    </dgm:pt>
+    <dgm:pt modelId="{394DF358-18DB-48E3-8122-6CC8240D7362}" type="parTrans" cxnId="{3F2B7518-E531-4B86-BB60-2DD6FEDC6F88}">
+      <dgm:prSet/>
+      <dgm:spPr/>
+      <dgm:t>
+        <a:bodyPr/>
+        <a:lstStyle/>
+        <a:p>
+          <a:endParaRPr lang="en-US"/>
+        </a:p>
+      </dgm:t>
+    </dgm:pt>
+    <dgm:pt modelId="{326A0D99-985F-41B6-AD41-27EBCFC69919}" type="sibTrans" cxnId="{3F2B7518-E531-4B86-BB60-2DD6FEDC6F88}">
+      <dgm:prSet/>
+      <dgm:spPr/>
+      <dgm:t>
+        <a:bodyPr/>
+        <a:lstStyle/>
+        <a:p>
+          <a:endParaRPr lang="en-US"/>
+        </a:p>
+      </dgm:t>
+    </dgm:pt>
+    <dgm:pt modelId="{DAC9D637-AAEA-4B43-826B-DFC3EF5FD2CF}">
+      <dgm:prSet/>
+      <dgm:spPr>
+        <a:solidFill>
+          <a:srgbClr val="009900"/>
+        </a:solidFill>
+      </dgm:spPr>
+      <dgm:t>
+        <a:bodyPr/>
+        <a:lstStyle/>
+        <a:p>
+          <a:pPr rtl="0"/>
+          <a:r>
+            <a:rPr lang="en-US" smtClean="0"/>
+            <a:t>Extensibility</a:t>
+          </a:r>
+          <a:endParaRPr lang="en-US"/>
+        </a:p>
+      </dgm:t>
+    </dgm:pt>
+    <dgm:pt modelId="{A54BC06C-7598-4B88-9E61-67E7456F2A0E}" type="parTrans" cxnId="{2656ED8C-A3CE-43FB-8B62-274AF15289A5}">
+      <dgm:prSet/>
+      <dgm:spPr/>
+      <dgm:t>
+        <a:bodyPr/>
+        <a:lstStyle/>
+        <a:p>
+          <a:endParaRPr lang="en-US"/>
+        </a:p>
+      </dgm:t>
+    </dgm:pt>
+    <dgm:pt modelId="{98E845F1-90AF-4F59-A9D3-D1C60579DED2}" type="sibTrans" cxnId="{2656ED8C-A3CE-43FB-8B62-274AF15289A5}">
+      <dgm:prSet/>
+      <dgm:spPr/>
+      <dgm:t>
+        <a:bodyPr/>
+        <a:lstStyle/>
+        <a:p>
+          <a:endParaRPr lang="en-US"/>
+        </a:p>
+      </dgm:t>
+    </dgm:pt>
+    <dgm:pt modelId="{0576A9F0-9F99-4393-8BD8-4A969A9CDFC5}">
+      <dgm:prSet/>
+      <dgm:spPr>
+        <a:solidFill>
+          <a:srgbClr val="009900">
+            <a:alpha val="20000"/>
+          </a:srgbClr>
+        </a:solidFill>
+      </dgm:spPr>
+      <dgm:t>
+        <a:bodyPr/>
+        <a:lstStyle/>
+        <a:p>
+          <a:pPr rtl="0"/>
+          <a:r>
+            <a:rPr lang="en-US" smtClean="0"/>
+            <a:t>Acts as a façade across multiple services</a:t>
+          </a:r>
+          <a:endParaRPr lang="en-US"/>
+        </a:p>
+      </dgm:t>
+    </dgm:pt>
+    <dgm:pt modelId="{DE3AAFAC-B9B0-4CDC-B297-FE6658F8FEA7}" type="parTrans" cxnId="{3B47EDBA-0675-4CB6-97C8-7E12A074BD89}">
+      <dgm:prSet/>
+      <dgm:spPr/>
+      <dgm:t>
+        <a:bodyPr/>
+        <a:lstStyle/>
+        <a:p>
+          <a:endParaRPr lang="en-US"/>
+        </a:p>
+      </dgm:t>
+    </dgm:pt>
+    <dgm:pt modelId="{8A164DAB-2A1E-4223-BE6E-83AEE7923AFC}" type="sibTrans" cxnId="{3B47EDBA-0675-4CB6-97C8-7E12A074BD89}">
+      <dgm:prSet/>
+      <dgm:spPr/>
+      <dgm:t>
+        <a:bodyPr/>
+        <a:lstStyle/>
+        <a:p>
+          <a:endParaRPr lang="en-US"/>
+        </a:p>
+      </dgm:t>
+    </dgm:pt>
+    <dgm:pt modelId="{0A37445E-F9C5-4B4F-B0E8-7E13A0EE91AF}">
+      <dgm:prSet/>
+      <dgm:spPr>
+        <a:solidFill>
+          <a:srgbClr val="009900"/>
+        </a:solidFill>
+      </dgm:spPr>
+      <dgm:t>
+        <a:bodyPr/>
+        <a:lstStyle/>
+        <a:p>
+          <a:pPr rtl="0"/>
+          <a:r>
+            <a:rPr lang="en-US" smtClean="0"/>
+            <a:t>Maintainability</a:t>
+          </a:r>
+          <a:endParaRPr lang="en-US"/>
+        </a:p>
+      </dgm:t>
+    </dgm:pt>
+    <dgm:pt modelId="{5832096E-9B58-467C-A5D0-EB1E5421D429}" type="parTrans" cxnId="{D2FEDBBA-6834-4F30-9646-55623FFDF76B}">
+      <dgm:prSet/>
+      <dgm:spPr/>
+      <dgm:t>
+        <a:bodyPr/>
+        <a:lstStyle/>
+        <a:p>
+          <a:endParaRPr lang="en-US"/>
+        </a:p>
+      </dgm:t>
+    </dgm:pt>
+    <dgm:pt modelId="{BC54F827-9C43-429C-BD4E-3268871802EA}" type="sibTrans" cxnId="{D2FEDBBA-6834-4F30-9646-55623FFDF76B}">
+      <dgm:prSet/>
+      <dgm:spPr/>
+      <dgm:t>
+        <a:bodyPr/>
+        <a:lstStyle/>
+        <a:p>
+          <a:endParaRPr lang="en-US"/>
+        </a:p>
+      </dgm:t>
+    </dgm:pt>
+    <dgm:pt modelId="{8910D42F-F9DB-42CB-9D77-0A316D090474}">
+      <dgm:prSet/>
+      <dgm:spPr>
+        <a:solidFill>
+          <a:srgbClr val="009900">
+            <a:alpha val="20000"/>
+          </a:srgbClr>
+        </a:solidFill>
+      </dgm:spPr>
+      <dgm:t>
+        <a:bodyPr/>
+        <a:lstStyle/>
+        <a:p>
+          <a:pPr rtl="0"/>
+          <a:r>
+            <a:rPr lang="en-US" dirty="0" smtClean="0"/>
+            <a:t>Forwards to a new instance of a service</a:t>
+          </a:r>
+          <a:endParaRPr lang="en-US" dirty="0"/>
+        </a:p>
+      </dgm:t>
+    </dgm:pt>
+    <dgm:pt modelId="{0AA12F38-9E42-4374-B883-02C8279869B3}" type="parTrans" cxnId="{890136B2-556A-482F-BA31-7293D916F823}">
+      <dgm:prSet/>
+      <dgm:spPr/>
+      <dgm:t>
+        <a:bodyPr/>
+        <a:lstStyle/>
+        <a:p>
+          <a:endParaRPr lang="en-US"/>
+        </a:p>
+      </dgm:t>
+    </dgm:pt>
+    <dgm:pt modelId="{A3525230-AE8D-4190-AFF5-16CAF69D4747}" type="sibTrans" cxnId="{890136B2-556A-482F-BA31-7293D916F823}">
+      <dgm:prSet/>
+      <dgm:spPr/>
+      <dgm:t>
+        <a:bodyPr/>
+        <a:lstStyle/>
+        <a:p>
+          <a:endParaRPr lang="en-US"/>
+        </a:p>
+      </dgm:t>
+    </dgm:pt>
+    <dgm:pt modelId="{3C89EA1A-7F2F-40F2-8C10-90D9D6B92B42}">
+      <dgm:prSet/>
+      <dgm:spPr>
+        <a:solidFill>
+          <a:srgbClr val="009900"/>
+        </a:solidFill>
+      </dgm:spPr>
+      <dgm:t>
+        <a:bodyPr/>
+        <a:lstStyle/>
+        <a:p>
+          <a:pPr rtl="0"/>
+          <a:r>
+            <a:rPr lang="en-US" smtClean="0"/>
+            <a:t>Scalability</a:t>
+          </a:r>
+          <a:endParaRPr lang="en-US"/>
+        </a:p>
+      </dgm:t>
+    </dgm:pt>
+    <dgm:pt modelId="{45FABF67-B4A6-4796-AD16-1B8C64EAF785}" type="parTrans" cxnId="{D2E47478-F8BF-41D9-875A-165E1199655E}">
+      <dgm:prSet/>
+      <dgm:spPr/>
+      <dgm:t>
+        <a:bodyPr/>
+        <a:lstStyle/>
+        <a:p>
+          <a:endParaRPr lang="en-US"/>
+        </a:p>
+      </dgm:t>
+    </dgm:pt>
+    <dgm:pt modelId="{ED57698D-408A-4A6D-B6AF-0715D7BB766D}" type="sibTrans" cxnId="{D2E47478-F8BF-41D9-875A-165E1199655E}">
+      <dgm:prSet/>
+      <dgm:spPr/>
+      <dgm:t>
+        <a:bodyPr/>
+        <a:lstStyle/>
+        <a:p>
+          <a:endParaRPr lang="en-US"/>
+        </a:p>
+      </dgm:t>
+    </dgm:pt>
+    <dgm:pt modelId="{2DA62378-F3BF-4F13-969D-30987941077F}">
+      <dgm:prSet/>
+      <dgm:spPr>
+        <a:solidFill>
+          <a:srgbClr val="009900">
+            <a:alpha val="20000"/>
+          </a:srgbClr>
+        </a:solidFill>
+      </dgm:spPr>
+      <dgm:t>
+        <a:bodyPr/>
+        <a:lstStyle/>
+        <a:p>
+          <a:pPr rtl="0"/>
+          <a:r>
+            <a:rPr lang="en-US" dirty="0" smtClean="0"/>
+            <a:t>Forwards to an idle instance of a service</a:t>
+          </a:r>
+          <a:endParaRPr lang="en-US" dirty="0"/>
+        </a:p>
+      </dgm:t>
+    </dgm:pt>
+    <dgm:pt modelId="{E2024B98-B9F7-4214-9885-27114A1910B1}" type="parTrans" cxnId="{DCE951BD-F10F-4FFB-83D4-A84D5A713DDB}">
+      <dgm:prSet/>
+      <dgm:spPr/>
+      <dgm:t>
+        <a:bodyPr/>
+        <a:lstStyle/>
+        <a:p>
+          <a:endParaRPr lang="en-US"/>
+        </a:p>
+      </dgm:t>
+    </dgm:pt>
+    <dgm:pt modelId="{F4513E63-5D0B-46A7-AB10-5308D5734945}" type="sibTrans" cxnId="{DCE951BD-F10F-4FFB-83D4-A84D5A713DDB}">
+      <dgm:prSet/>
+      <dgm:spPr/>
+      <dgm:t>
+        <a:bodyPr/>
+        <a:lstStyle/>
+        <a:p>
+          <a:endParaRPr lang="en-US"/>
+        </a:p>
+      </dgm:t>
+    </dgm:pt>
+    <dgm:pt modelId="{642FB630-E2D8-4876-AF42-3505B4A6CD4A}" type="pres">
+      <dgm:prSet presAssocID="{3ACC3B6D-BEE5-454C-B570-19511F9C9EB4}" presName="Name0" presStyleCnt="0">
+        <dgm:presLayoutVars>
+          <dgm:dir/>
+          <dgm:animLvl val="lvl"/>
+          <dgm:resizeHandles val="exact"/>
+        </dgm:presLayoutVars>
+      </dgm:prSet>
+      <dgm:spPr/>
+    </dgm:pt>
+    <dgm:pt modelId="{1BF7304C-4E49-489B-8243-88E9D893BA99}" type="pres">
+      <dgm:prSet presAssocID="{9B71D15D-9120-405E-8BB6-142B5EFDF388}" presName="linNode" presStyleCnt="0"/>
+      <dgm:spPr/>
+    </dgm:pt>
+    <dgm:pt modelId="{FDD677EF-0E3C-49F8-8598-022637CE81F4}" type="pres">
+      <dgm:prSet presAssocID="{9B71D15D-9120-405E-8BB6-142B5EFDF388}" presName="parentText" presStyleLbl="node1" presStyleIdx="0" presStyleCnt="4">
+        <dgm:presLayoutVars>
+          <dgm:chMax val="1"/>
+          <dgm:bulletEnabled val="1"/>
+        </dgm:presLayoutVars>
+      </dgm:prSet>
+      <dgm:spPr/>
+    </dgm:pt>
+    <dgm:pt modelId="{DCD01BC6-903A-4C8F-859F-02135485E15A}" type="pres">
+      <dgm:prSet presAssocID="{9B71D15D-9120-405E-8BB6-142B5EFDF388}" presName="descendantText" presStyleLbl="alignAccFollowNode1" presStyleIdx="0" presStyleCnt="4">
+        <dgm:presLayoutVars>
+          <dgm:bulletEnabled val="1"/>
+        </dgm:presLayoutVars>
+      </dgm:prSet>
+      <dgm:spPr/>
+    </dgm:pt>
+    <dgm:pt modelId="{FD67AC50-C779-4331-A095-9958AAD123FB}" type="pres">
+      <dgm:prSet presAssocID="{FE1C427A-4536-4CAE-A4A9-7F7A98E95EE0}" presName="sp" presStyleCnt="0"/>
+      <dgm:spPr/>
+    </dgm:pt>
+    <dgm:pt modelId="{1E9D5672-4F03-4C17-91C7-CC6833A225CF}" type="pres">
+      <dgm:prSet presAssocID="{DAC9D637-AAEA-4B43-826B-DFC3EF5FD2CF}" presName="linNode" presStyleCnt="0"/>
+      <dgm:spPr/>
+    </dgm:pt>
+    <dgm:pt modelId="{E65536A4-0338-480C-A6DC-38C8E8A18E2C}" type="pres">
+      <dgm:prSet presAssocID="{DAC9D637-AAEA-4B43-826B-DFC3EF5FD2CF}" presName="parentText" presStyleLbl="node1" presStyleIdx="1" presStyleCnt="4">
+        <dgm:presLayoutVars>
+          <dgm:chMax val="1"/>
+          <dgm:bulletEnabled val="1"/>
+        </dgm:presLayoutVars>
+      </dgm:prSet>
+      <dgm:spPr/>
+    </dgm:pt>
+    <dgm:pt modelId="{52A791C3-87B7-4E1C-A8A9-A3A63AC72CD2}" type="pres">
+      <dgm:prSet presAssocID="{DAC9D637-AAEA-4B43-826B-DFC3EF5FD2CF}" presName="descendantText" presStyleLbl="alignAccFollowNode1" presStyleIdx="1" presStyleCnt="4">
+        <dgm:presLayoutVars>
+          <dgm:bulletEnabled val="1"/>
+        </dgm:presLayoutVars>
+      </dgm:prSet>
+      <dgm:spPr/>
+    </dgm:pt>
+    <dgm:pt modelId="{66B5F873-7375-4CF2-A4F1-CB77DAA3957E}" type="pres">
+      <dgm:prSet presAssocID="{98E845F1-90AF-4F59-A9D3-D1C60579DED2}" presName="sp" presStyleCnt="0"/>
+      <dgm:spPr/>
+    </dgm:pt>
+    <dgm:pt modelId="{DDFD3CAC-A896-47C9-8C6D-26169463DF0A}" type="pres">
+      <dgm:prSet presAssocID="{0A37445E-F9C5-4B4F-B0E8-7E13A0EE91AF}" presName="linNode" presStyleCnt="0"/>
+      <dgm:spPr/>
+    </dgm:pt>
+    <dgm:pt modelId="{20FD0957-D800-4D6C-A0AE-FAECA012B13D}" type="pres">
+      <dgm:prSet presAssocID="{0A37445E-F9C5-4B4F-B0E8-7E13A0EE91AF}" presName="parentText" presStyleLbl="node1" presStyleIdx="2" presStyleCnt="4">
+        <dgm:presLayoutVars>
+          <dgm:chMax val="1"/>
+          <dgm:bulletEnabled val="1"/>
+        </dgm:presLayoutVars>
+      </dgm:prSet>
+      <dgm:spPr/>
+    </dgm:pt>
+    <dgm:pt modelId="{643B856E-BACF-4651-98E3-FCD034DCEA0D}" type="pres">
+      <dgm:prSet presAssocID="{0A37445E-F9C5-4B4F-B0E8-7E13A0EE91AF}" presName="descendantText" presStyleLbl="alignAccFollowNode1" presStyleIdx="2" presStyleCnt="4">
+        <dgm:presLayoutVars>
+          <dgm:bulletEnabled val="1"/>
+        </dgm:presLayoutVars>
+      </dgm:prSet>
+      <dgm:spPr/>
+    </dgm:pt>
+    <dgm:pt modelId="{984EE77C-E62E-4E2F-9828-5DAEDCF880CF}" type="pres">
+      <dgm:prSet presAssocID="{BC54F827-9C43-429C-BD4E-3268871802EA}" presName="sp" presStyleCnt="0"/>
+      <dgm:spPr/>
+    </dgm:pt>
+    <dgm:pt modelId="{967F12AC-8C59-4A4E-95EF-7ADCD0BE5840}" type="pres">
+      <dgm:prSet presAssocID="{3C89EA1A-7F2F-40F2-8C10-90D9D6B92B42}" presName="linNode" presStyleCnt="0"/>
+      <dgm:spPr/>
+    </dgm:pt>
+    <dgm:pt modelId="{ACBDE42E-10A9-47B2-BA21-E3D2C383B210}" type="pres">
+      <dgm:prSet presAssocID="{3C89EA1A-7F2F-40F2-8C10-90D9D6B92B42}" presName="parentText" presStyleLbl="node1" presStyleIdx="3" presStyleCnt="4">
+        <dgm:presLayoutVars>
+          <dgm:chMax val="1"/>
+          <dgm:bulletEnabled val="1"/>
+        </dgm:presLayoutVars>
+      </dgm:prSet>
+      <dgm:spPr/>
+    </dgm:pt>
+    <dgm:pt modelId="{32DD4CDC-0DAC-40A5-937C-0F1882E8EC71}" type="pres">
+      <dgm:prSet presAssocID="{3C89EA1A-7F2F-40F2-8C10-90D9D6B92B42}" presName="descendantText" presStyleLbl="alignAccFollowNode1" presStyleIdx="3" presStyleCnt="4">
+        <dgm:presLayoutVars>
+          <dgm:bulletEnabled val="1"/>
+        </dgm:presLayoutVars>
+      </dgm:prSet>
+      <dgm:spPr/>
+    </dgm:pt>
+  </dgm:ptLst>
+  <dgm:cxnLst>
+    <dgm:cxn modelId="{D2FEDBBA-6834-4F30-9646-55623FFDF76B}" srcId="{3ACC3B6D-BEE5-454C-B570-19511F9C9EB4}" destId="{0A37445E-F9C5-4B4F-B0E8-7E13A0EE91AF}" srcOrd="2" destOrd="0" parTransId="{5832096E-9B58-467C-A5D0-EB1E5421D429}" sibTransId="{BC54F827-9C43-429C-BD4E-3268871802EA}"/>
+    <dgm:cxn modelId="{2656ED8C-A3CE-43FB-8B62-274AF15289A5}" srcId="{3ACC3B6D-BEE5-454C-B570-19511F9C9EB4}" destId="{DAC9D637-AAEA-4B43-826B-DFC3EF5FD2CF}" srcOrd="1" destOrd="0" parTransId="{A54BC06C-7598-4B88-9E61-67E7456F2A0E}" sibTransId="{98E845F1-90AF-4F59-A9D3-D1C60579DED2}"/>
+    <dgm:cxn modelId="{B0BC2EBB-4F4E-41A8-BDEB-F401696E4704}" type="presOf" srcId="{9B71D15D-9120-405E-8BB6-142B5EFDF388}" destId="{FDD677EF-0E3C-49F8-8598-022637CE81F4}" srcOrd="0" destOrd="0" presId="urn:microsoft.com/office/officeart/2005/8/layout/vList5"/>
+    <dgm:cxn modelId="{3B47EDBA-0675-4CB6-97C8-7E12A074BD89}" srcId="{DAC9D637-AAEA-4B43-826B-DFC3EF5FD2CF}" destId="{0576A9F0-9F99-4393-8BD8-4A969A9CDFC5}" srcOrd="0" destOrd="0" parTransId="{DE3AAFAC-B9B0-4CDC-B297-FE6658F8FEA7}" sibTransId="{8A164DAB-2A1E-4223-BE6E-83AEE7923AFC}"/>
+    <dgm:cxn modelId="{ADE9A916-4814-437A-A6BC-7D43B13E4751}" type="presOf" srcId="{3C89EA1A-7F2F-40F2-8C10-90D9D6B92B42}" destId="{ACBDE42E-10A9-47B2-BA21-E3D2C383B210}" srcOrd="0" destOrd="0" presId="urn:microsoft.com/office/officeart/2005/8/layout/vList5"/>
+    <dgm:cxn modelId="{890136B2-556A-482F-BA31-7293D916F823}" srcId="{0A37445E-F9C5-4B4F-B0E8-7E13A0EE91AF}" destId="{8910D42F-F9DB-42CB-9D77-0A316D090474}" srcOrd="0" destOrd="0" parTransId="{0AA12F38-9E42-4374-B883-02C8279869B3}" sibTransId="{A3525230-AE8D-4190-AFF5-16CAF69D4747}"/>
+    <dgm:cxn modelId="{A6CB5034-8D3F-449C-BE1A-73CC3416C26A}" type="presOf" srcId="{8910D42F-F9DB-42CB-9D77-0A316D090474}" destId="{643B856E-BACF-4651-98E3-FCD034DCEA0D}" srcOrd="0" destOrd="0" presId="urn:microsoft.com/office/officeart/2005/8/layout/vList5"/>
+    <dgm:cxn modelId="{D2E47478-F8BF-41D9-875A-165E1199655E}" srcId="{3ACC3B6D-BEE5-454C-B570-19511F9C9EB4}" destId="{3C89EA1A-7F2F-40F2-8C10-90D9D6B92B42}" srcOrd="3" destOrd="0" parTransId="{45FABF67-B4A6-4796-AD16-1B8C64EAF785}" sibTransId="{ED57698D-408A-4A6D-B6AF-0715D7BB766D}"/>
+    <dgm:cxn modelId="{ADB8B55A-8FBB-40F2-AC95-819CE7389ABD}" type="presOf" srcId="{68DA7DE8-65D1-4EA1-8C0E-8AB73DAFE5BC}" destId="{DCD01BC6-903A-4C8F-859F-02135485E15A}" srcOrd="0" destOrd="0" presId="urn:microsoft.com/office/officeart/2005/8/layout/vList5"/>
+    <dgm:cxn modelId="{B9B6F450-474B-45AF-B79C-DA06B80AA13A}" type="presOf" srcId="{3ACC3B6D-BEE5-454C-B570-19511F9C9EB4}" destId="{642FB630-E2D8-4876-AF42-3505B4A6CD4A}" srcOrd="0" destOrd="0" presId="urn:microsoft.com/office/officeart/2005/8/layout/vList5"/>
+    <dgm:cxn modelId="{C435D7DD-D479-478A-A7B7-288B8A490600}" type="presOf" srcId="{0576A9F0-9F99-4393-8BD8-4A969A9CDFC5}" destId="{52A791C3-87B7-4E1C-A8A9-A3A63AC72CD2}" srcOrd="0" destOrd="0" presId="urn:microsoft.com/office/officeart/2005/8/layout/vList5"/>
+    <dgm:cxn modelId="{A69A47FA-0EDB-45AC-A32F-E4CD50A15562}" type="presOf" srcId="{2DA62378-F3BF-4F13-969D-30987941077F}" destId="{32DD4CDC-0DAC-40A5-937C-0F1882E8EC71}" srcOrd="0" destOrd="0" presId="urn:microsoft.com/office/officeart/2005/8/layout/vList5"/>
+    <dgm:cxn modelId="{3F2B7518-E531-4B86-BB60-2DD6FEDC6F88}" srcId="{9B71D15D-9120-405E-8BB6-142B5EFDF388}" destId="{68DA7DE8-65D1-4EA1-8C0E-8AB73DAFE5BC}" srcOrd="0" destOrd="0" parTransId="{394DF358-18DB-48E3-8122-6CC8240D7362}" sibTransId="{326A0D99-985F-41B6-AD41-27EBCFC69919}"/>
+    <dgm:cxn modelId="{42FEC596-5F5A-4A12-BBB4-37F958A9D659}" srcId="{3ACC3B6D-BEE5-454C-B570-19511F9C9EB4}" destId="{9B71D15D-9120-405E-8BB6-142B5EFDF388}" srcOrd="0" destOrd="0" parTransId="{956A2200-6C66-49B7-A956-3CBFF667A968}" sibTransId="{FE1C427A-4536-4CAE-A4A9-7F7A98E95EE0}"/>
+    <dgm:cxn modelId="{CF8AC197-703F-49F2-9FD2-4D24DD589C97}" type="presOf" srcId="{0A37445E-F9C5-4B4F-B0E8-7E13A0EE91AF}" destId="{20FD0957-D800-4D6C-A0AE-FAECA012B13D}" srcOrd="0" destOrd="0" presId="urn:microsoft.com/office/officeart/2005/8/layout/vList5"/>
+    <dgm:cxn modelId="{0B6CC307-4957-4AD6-9C7E-51BC8C42F260}" type="presOf" srcId="{DAC9D637-AAEA-4B43-826B-DFC3EF5FD2CF}" destId="{E65536A4-0338-480C-A6DC-38C8E8A18E2C}" srcOrd="0" destOrd="0" presId="urn:microsoft.com/office/officeart/2005/8/layout/vList5"/>
+    <dgm:cxn modelId="{DCE951BD-F10F-4FFB-83D4-A84D5A713DDB}" srcId="{3C89EA1A-7F2F-40F2-8C10-90D9D6B92B42}" destId="{2DA62378-F3BF-4F13-969D-30987941077F}" srcOrd="0" destOrd="0" parTransId="{E2024B98-B9F7-4214-9885-27114A1910B1}" sibTransId="{F4513E63-5D0B-46A7-AB10-5308D5734945}"/>
+    <dgm:cxn modelId="{2709EED5-C2EE-4C56-B7AB-0F209DA8621A}" type="presParOf" srcId="{642FB630-E2D8-4876-AF42-3505B4A6CD4A}" destId="{1BF7304C-4E49-489B-8243-88E9D893BA99}" srcOrd="0" destOrd="0" presId="urn:microsoft.com/office/officeart/2005/8/layout/vList5"/>
+    <dgm:cxn modelId="{A6309852-25EB-4AFF-86D3-B508F0FE509C}" type="presParOf" srcId="{1BF7304C-4E49-489B-8243-88E9D893BA99}" destId="{FDD677EF-0E3C-49F8-8598-022637CE81F4}" srcOrd="0" destOrd="0" presId="urn:microsoft.com/office/officeart/2005/8/layout/vList5"/>
+    <dgm:cxn modelId="{F454C094-FE7F-45DD-8C9A-1B2A4E2B2233}" type="presParOf" srcId="{1BF7304C-4E49-489B-8243-88E9D893BA99}" destId="{DCD01BC6-903A-4C8F-859F-02135485E15A}" srcOrd="1" destOrd="0" presId="urn:microsoft.com/office/officeart/2005/8/layout/vList5"/>
+    <dgm:cxn modelId="{7E79BA0B-DF69-44E2-9765-7E18A3F699CC}" type="presParOf" srcId="{642FB630-E2D8-4876-AF42-3505B4A6CD4A}" destId="{FD67AC50-C779-4331-A095-9958AAD123FB}" srcOrd="1" destOrd="0" presId="urn:microsoft.com/office/officeart/2005/8/layout/vList5"/>
+    <dgm:cxn modelId="{8B0B5F98-7870-49C6-A27F-71B72FA71918}" type="presParOf" srcId="{642FB630-E2D8-4876-AF42-3505B4A6CD4A}" destId="{1E9D5672-4F03-4C17-91C7-CC6833A225CF}" srcOrd="2" destOrd="0" presId="urn:microsoft.com/office/officeart/2005/8/layout/vList5"/>
+    <dgm:cxn modelId="{D482A394-4B15-4504-BD39-79D1B12B14BE}" type="presParOf" srcId="{1E9D5672-4F03-4C17-91C7-CC6833A225CF}" destId="{E65536A4-0338-480C-A6DC-38C8E8A18E2C}" srcOrd="0" destOrd="0" presId="urn:microsoft.com/office/officeart/2005/8/layout/vList5"/>
+    <dgm:cxn modelId="{F583885F-4D78-422B-8F13-0C627A4DCB67}" type="presParOf" srcId="{1E9D5672-4F03-4C17-91C7-CC6833A225CF}" destId="{52A791C3-87B7-4E1C-A8A9-A3A63AC72CD2}" srcOrd="1" destOrd="0" presId="urn:microsoft.com/office/officeart/2005/8/layout/vList5"/>
+    <dgm:cxn modelId="{6AC4E524-224D-4E6C-BBF2-59D75FEEEF84}" type="presParOf" srcId="{642FB630-E2D8-4876-AF42-3505B4A6CD4A}" destId="{66B5F873-7375-4CF2-A4F1-CB77DAA3957E}" srcOrd="3" destOrd="0" presId="urn:microsoft.com/office/officeart/2005/8/layout/vList5"/>
+    <dgm:cxn modelId="{26473290-E2B4-498D-8AD1-A213F5274EA2}" type="presParOf" srcId="{642FB630-E2D8-4876-AF42-3505B4A6CD4A}" destId="{DDFD3CAC-A896-47C9-8C6D-26169463DF0A}" srcOrd="4" destOrd="0" presId="urn:microsoft.com/office/officeart/2005/8/layout/vList5"/>
+    <dgm:cxn modelId="{526D8FBD-F36C-4DBA-A447-EABABF775AB5}" type="presParOf" srcId="{DDFD3CAC-A896-47C9-8C6D-26169463DF0A}" destId="{20FD0957-D800-4D6C-A0AE-FAECA012B13D}" srcOrd="0" destOrd="0" presId="urn:microsoft.com/office/officeart/2005/8/layout/vList5"/>
+    <dgm:cxn modelId="{DA0D7179-9000-4AAE-9B17-F89F3071B3D7}" type="presParOf" srcId="{DDFD3CAC-A896-47C9-8C6D-26169463DF0A}" destId="{643B856E-BACF-4651-98E3-FCD034DCEA0D}" srcOrd="1" destOrd="0" presId="urn:microsoft.com/office/officeart/2005/8/layout/vList5"/>
+    <dgm:cxn modelId="{DDB3E0A8-51BE-4043-99A6-A8F28EB44A14}" type="presParOf" srcId="{642FB630-E2D8-4876-AF42-3505B4A6CD4A}" destId="{984EE77C-E62E-4E2F-9828-5DAEDCF880CF}" srcOrd="5" destOrd="0" presId="urn:microsoft.com/office/officeart/2005/8/layout/vList5"/>
+    <dgm:cxn modelId="{307E70AB-D2FA-4C9B-8A80-330BEB5FA29D}" type="presParOf" srcId="{642FB630-E2D8-4876-AF42-3505B4A6CD4A}" destId="{967F12AC-8C59-4A4E-95EF-7ADCD0BE5840}" srcOrd="6" destOrd="0" presId="urn:microsoft.com/office/officeart/2005/8/layout/vList5"/>
+    <dgm:cxn modelId="{8A3E18C2-2E52-4EF6-98CD-4EBDE6F99EC8}" type="presParOf" srcId="{967F12AC-8C59-4A4E-95EF-7ADCD0BE5840}" destId="{ACBDE42E-10A9-47B2-BA21-E3D2C383B210}" srcOrd="0" destOrd="0" presId="urn:microsoft.com/office/officeart/2005/8/layout/vList5"/>
+    <dgm:cxn modelId="{6AEC0AC3-F920-4BD8-93B3-77527A512C39}" type="presParOf" srcId="{967F12AC-8C59-4A4E-95EF-7ADCD0BE5840}" destId="{32DD4CDC-0DAC-40A5-937C-0F1882E8EC71}" srcOrd="1" destOrd="0" presId="urn:microsoft.com/office/officeart/2005/8/layout/vList5"/>
   </dgm:cxnLst>
   <dgm:bg/>
   <dgm:whole/>
@@ -5850,7 +8314,7 @@
         </a:bodyPr>
         <a:lstStyle/>
         <a:p>
-          <a:pPr marL="0" lvl="0" indent="0" algn="ctr" defTabSz="1022350">
+          <a:pPr lvl="0" algn="ctr" defTabSz="1022350">
             <a:lnSpc>
               <a:spcPct val="90000"/>
             </a:lnSpc>
@@ -5860,7 +8324,6 @@
             <a:spcAft>
               <a:spcPct val="35000"/>
             </a:spcAft>
-            <a:buNone/>
           </a:pPr>
           <a:r>
             <a:rPr lang="en-US" sz="2300" kern="1200" dirty="0"/>
@@ -5920,7 +8383,7 @@
             <a:spcAft>
               <a:spcPct val="15000"/>
             </a:spcAft>
-            <a:buChar char="•"/>
+            <a:buChar char="••"/>
           </a:pPr>
           <a:r>
             <a:rPr lang="en-US" sz="2300" kern="1200" dirty="0"/>
@@ -5985,7 +8448,7 @@
         </a:bodyPr>
         <a:lstStyle/>
         <a:p>
-          <a:pPr marL="0" lvl="0" indent="0" algn="ctr" defTabSz="1022350">
+          <a:pPr lvl="0" algn="ctr" defTabSz="1022350">
             <a:lnSpc>
               <a:spcPct val="90000"/>
             </a:lnSpc>
@@ -5995,13 +8458,11 @@
             <a:spcAft>
               <a:spcPct val="35000"/>
             </a:spcAft>
-            <a:buNone/>
           </a:pPr>
           <a:r>
             <a:rPr lang="en-US" sz="2300" kern="1200"/>
             <a:t>2004</a:t>
           </a:r>
-          <a:endParaRPr lang="en-US" sz="2300" kern="1200"/>
         </a:p>
       </dsp:txBody>
       <dsp:txXfrm>
@@ -6056,7 +8517,7 @@
             <a:spcAft>
               <a:spcPct val="15000"/>
             </a:spcAft>
-            <a:buChar char="•"/>
+            <a:buChar char="••"/>
           </a:pPr>
           <a:r>
             <a:rPr lang="en-US" sz="2300" kern="1200" dirty="0"/>
@@ -6074,7 +8535,7 @@
             <a:spcAft>
               <a:spcPct val="15000"/>
             </a:spcAft>
-            <a:buChar char="•"/>
+            <a:buChar char="••"/>
           </a:pPr>
           <a:r>
             <a:rPr lang="en-US" sz="2300" kern="1200" dirty="0"/>
@@ -6092,13 +8553,12 @@
             <a:spcAft>
               <a:spcPct val="15000"/>
             </a:spcAft>
-            <a:buChar char="•"/>
+            <a:buChar char="••"/>
           </a:pPr>
           <a:r>
             <a:rPr lang="en-US" sz="2300" kern="1200"/>
             <a:t>SSL</a:t>
           </a:r>
-          <a:endParaRPr lang="en-US" sz="2300" kern="1200"/>
         </a:p>
       </dsp:txBody>
       <dsp:txXfrm>
@@ -6158,7 +8618,7 @@
         </a:bodyPr>
         <a:lstStyle/>
         <a:p>
-          <a:pPr marL="0" lvl="0" indent="0" algn="ctr" defTabSz="1022350">
+          <a:pPr lvl="0" algn="ctr" defTabSz="1022350">
             <a:lnSpc>
               <a:spcPct val="90000"/>
             </a:lnSpc>
@@ -6168,13 +8628,11 @@
             <a:spcAft>
               <a:spcPct val="35000"/>
             </a:spcAft>
-            <a:buNone/>
           </a:pPr>
           <a:r>
             <a:rPr lang="en-US" sz="2300" kern="1200"/>
             <a:t>2005</a:t>
           </a:r>
-          <a:endParaRPr lang="en-US" sz="2300" kern="1200"/>
         </a:p>
       </dsp:txBody>
       <dsp:txXfrm>
@@ -6229,13 +8687,12 @@
             <a:spcAft>
               <a:spcPct val="15000"/>
             </a:spcAft>
-            <a:buChar char="•"/>
+            <a:buChar char="••"/>
           </a:pPr>
           <a:r>
             <a:rPr lang="en-US" sz="2300" kern="1200"/>
             <a:t>Caching</a:t>
           </a:r>
-          <a:endParaRPr lang="en-US" sz="2300" kern="1200"/>
         </a:p>
         <a:p>
           <a:pPr marL="228600" lvl="1" indent="-228600" algn="l" defTabSz="1022350">
@@ -6248,13 +8705,12 @@
             <a:spcAft>
               <a:spcPct val="15000"/>
             </a:spcAft>
-            <a:buChar char="•"/>
+            <a:buChar char="••"/>
           </a:pPr>
           <a:r>
             <a:rPr lang="en-US" sz="2300" kern="1200"/>
             <a:t>FastCGI</a:t>
           </a:r>
-          <a:endParaRPr lang="en-US" sz="2300" kern="1200"/>
         </a:p>
         <a:p>
           <a:pPr marL="228600" lvl="1" indent="-228600" algn="l" defTabSz="1022350">
@@ -6267,13 +8723,12 @@
             <a:spcAft>
               <a:spcPct val="15000"/>
             </a:spcAft>
-            <a:buChar char="•"/>
+            <a:buChar char="••"/>
           </a:pPr>
           <a:r>
             <a:rPr lang="en-US" sz="2300" kern="1200"/>
             <a:t>Proxying</a:t>
           </a:r>
-          <a:endParaRPr lang="en-US" sz="2300" kern="1200"/>
         </a:p>
         <a:p>
           <a:pPr marL="228600" lvl="1" indent="-228600" algn="l" defTabSz="1022350">
@@ -6286,7 +8741,7 @@
             <a:spcAft>
               <a:spcPct val="15000"/>
             </a:spcAft>
-            <a:buChar char="•"/>
+            <a:buChar char="••"/>
           </a:pPr>
           <a:r>
             <a:rPr lang="en-US" sz="2300" kern="1200" dirty="0"/>
@@ -6304,13 +8759,12 @@
             <a:spcAft>
               <a:spcPct val="15000"/>
             </a:spcAft>
-            <a:buChar char="•"/>
+            <a:buChar char="••"/>
           </a:pPr>
           <a:r>
             <a:rPr lang="en-US" sz="2300" kern="1200"/>
             <a:t>SSL</a:t>
           </a:r>
-          <a:endParaRPr lang="en-US" sz="2300" kern="1200"/>
         </a:p>
       </dsp:txBody>
       <dsp:txXfrm>
@@ -6370,7 +8824,7 @@
         </a:bodyPr>
         <a:lstStyle/>
         <a:p>
-          <a:pPr marL="0" lvl="0" indent="0" algn="ctr" defTabSz="1022350">
+          <a:pPr lvl="0" algn="ctr" defTabSz="1022350">
             <a:lnSpc>
               <a:spcPct val="90000"/>
             </a:lnSpc>
@@ -6380,13 +8834,11 @@
             <a:spcAft>
               <a:spcPct val="35000"/>
             </a:spcAft>
-            <a:buNone/>
           </a:pPr>
           <a:r>
             <a:rPr lang="en-US" sz="2300" kern="1200"/>
             <a:t>2006</a:t>
           </a:r>
-          <a:endParaRPr lang="en-US" sz="2300" kern="1200"/>
         </a:p>
       </dsp:txBody>
       <dsp:txXfrm>
@@ -6441,13 +8893,12 @@
             <a:spcAft>
               <a:spcPct val="15000"/>
             </a:spcAft>
-            <a:buChar char="•"/>
+            <a:buChar char="••"/>
           </a:pPr>
           <a:r>
             <a:rPr lang="en-US" sz="2300" kern="1200"/>
             <a:t>Caching</a:t>
           </a:r>
-          <a:endParaRPr lang="en-US" sz="2300" kern="1200"/>
         </a:p>
         <a:p>
           <a:pPr marL="228600" lvl="1" indent="-228600" algn="l" defTabSz="1022350">
@@ -6460,13 +8911,12 @@
             <a:spcAft>
               <a:spcPct val="15000"/>
             </a:spcAft>
-            <a:buChar char="•"/>
+            <a:buChar char="••"/>
           </a:pPr>
           <a:r>
             <a:rPr lang="en-US" sz="2300" kern="1200"/>
             <a:t>Performance</a:t>
           </a:r>
-          <a:endParaRPr lang="en-US" sz="2300" kern="1200"/>
         </a:p>
         <a:p>
           <a:pPr marL="228600" lvl="1" indent="-228600" algn="l" defTabSz="1022350">
@@ -6479,7 +8929,7 @@
             <a:spcAft>
               <a:spcPct val="15000"/>
             </a:spcAft>
-            <a:buChar char="•"/>
+            <a:buChar char="••"/>
           </a:pPr>
           <a:r>
             <a:rPr lang="en-US" sz="2300" kern="1200" dirty="0"/>
@@ -6497,13 +8947,12 @@
             <a:spcAft>
               <a:spcPct val="15000"/>
             </a:spcAft>
-            <a:buChar char="•"/>
+            <a:buChar char="••"/>
           </a:pPr>
           <a:r>
             <a:rPr lang="en-US" sz="2300" kern="1200"/>
             <a:t>Proxying</a:t>
           </a:r>
-          <a:endParaRPr lang="en-US" sz="2300" kern="1200"/>
         </a:p>
       </dsp:txBody>
       <dsp:txXfrm>
@@ -6561,7 +9010,7 @@
         </a:bodyPr>
         <a:lstStyle/>
         <a:p>
-          <a:pPr marL="0" lvl="0" indent="0" algn="ctr" defTabSz="1022350">
+          <a:pPr lvl="0" algn="ctr" defTabSz="1022350">
             <a:lnSpc>
               <a:spcPct val="90000"/>
             </a:lnSpc>
@@ -6571,7 +9020,6 @@
             <a:spcAft>
               <a:spcPct val="35000"/>
             </a:spcAft>
-            <a:buNone/>
           </a:pPr>
           <a:r>
             <a:rPr lang="en-US" sz="2300" kern="1200" dirty="0"/>
@@ -6631,13 +9079,12 @@
             <a:spcAft>
               <a:spcPct val="15000"/>
             </a:spcAft>
-            <a:buChar char="•"/>
+            <a:buChar char="••"/>
           </a:pPr>
           <a:r>
             <a:rPr lang="en-US" sz="2300" kern="1200"/>
             <a:t>Stability</a:t>
           </a:r>
-          <a:endParaRPr lang="en-US" sz="2300" kern="1200"/>
         </a:p>
         <a:p>
           <a:pPr marL="228600" lvl="1" indent="-228600" algn="l" defTabSz="1022350">
@@ -6650,13 +9097,12 @@
             <a:spcAft>
               <a:spcPct val="15000"/>
             </a:spcAft>
-            <a:buChar char="•"/>
+            <a:buChar char="••"/>
           </a:pPr>
           <a:r>
             <a:rPr lang="en-US" sz="2300" kern="1200"/>
             <a:t>Portability</a:t>
           </a:r>
-          <a:endParaRPr lang="en-US" sz="2300" kern="1200"/>
         </a:p>
         <a:p>
           <a:pPr marL="228600" lvl="1" indent="-228600" algn="l" defTabSz="1022350">
@@ -6669,13 +9115,12 @@
             <a:spcAft>
               <a:spcPct val="15000"/>
             </a:spcAft>
-            <a:buChar char="•"/>
+            <a:buChar char="••"/>
           </a:pPr>
           <a:r>
             <a:rPr lang="en-US" sz="2300" kern="1200"/>
             <a:t>Performance</a:t>
           </a:r>
-          <a:endParaRPr lang="en-US" sz="2300" kern="1200"/>
         </a:p>
         <a:p>
           <a:pPr marL="228600" lvl="1" indent="-228600" algn="l" defTabSz="1022350">
@@ -6688,13 +9133,12 @@
             <a:spcAft>
               <a:spcPct val="15000"/>
             </a:spcAft>
-            <a:buChar char="•"/>
+            <a:buChar char="••"/>
           </a:pPr>
           <a:r>
             <a:rPr lang="en-US" sz="2300" kern="1200"/>
             <a:t>Proxying</a:t>
           </a:r>
-          <a:endParaRPr lang="en-US" sz="2300" kern="1200"/>
         </a:p>
       </dsp:txBody>
       <dsp:txXfrm>
@@ -6766,7 +9210,7 @@
         </a:bodyPr>
         <a:lstStyle/>
         <a:p>
-          <a:pPr marL="0" lvl="0" indent="0" algn="ctr" defTabSz="1244600">
+          <a:pPr lvl="0" algn="ctr" defTabSz="1244600">
             <a:lnSpc>
               <a:spcPct val="90000"/>
             </a:lnSpc>
@@ -6776,7 +9220,6 @@
             <a:spcAft>
               <a:spcPct val="35000"/>
             </a:spcAft>
-            <a:buNone/>
           </a:pPr>
           <a:r>
             <a:rPr lang="en-US" sz="2800" kern="1200" dirty="0"/>
@@ -6843,7 +9286,7 @@
             <a:spcAft>
               <a:spcPct val="15000"/>
             </a:spcAft>
-            <a:buChar char="•"/>
+            <a:buChar char="••"/>
           </a:pPr>
           <a:r>
             <a:rPr lang="en-US" sz="2800" kern="1200" dirty="0"/>
@@ -6908,7 +9351,7 @@
         </a:bodyPr>
         <a:lstStyle/>
         <a:p>
-          <a:pPr marL="0" lvl="0" indent="0" algn="ctr" defTabSz="1244600">
+          <a:pPr lvl="0" algn="ctr" defTabSz="1244600">
             <a:lnSpc>
               <a:spcPct val="90000"/>
             </a:lnSpc>
@@ -6918,7 +9361,6 @@
             <a:spcAft>
               <a:spcPct val="35000"/>
             </a:spcAft>
-            <a:buNone/>
           </a:pPr>
           <a:r>
             <a:rPr lang="en-US" sz="2800" kern="1200" dirty="0"/>
@@ -6931,7 +9373,6 @@
             <a:rPr lang="en-US" sz="1400" kern="1200" dirty="0"/>
             <a:t>Netcraft Web Server Survey</a:t>
           </a:r>
-          <a:endParaRPr lang="en-US" sz="1400" kern="1200" dirty="0"/>
         </a:p>
       </dsp:txBody>
       <dsp:txXfrm>
@@ -6986,7 +9427,7 @@
             <a:spcAft>
               <a:spcPct val="15000"/>
             </a:spcAft>
-            <a:buChar char="•"/>
+            <a:buChar char="••"/>
           </a:pPr>
           <a:r>
             <a:rPr lang="en-US" sz="2800" kern="1200" dirty="0"/>
@@ -7049,7 +9490,7 @@
         </a:bodyPr>
         <a:lstStyle/>
         <a:p>
-          <a:pPr marL="0" lvl="0" indent="0" algn="ctr" defTabSz="1244600">
+          <a:pPr lvl="0" algn="ctr" defTabSz="1244600">
             <a:lnSpc>
               <a:spcPct val="90000"/>
             </a:lnSpc>
@@ -7059,7 +9500,6 @@
             <a:spcAft>
               <a:spcPct val="35000"/>
             </a:spcAft>
-            <a:buNone/>
           </a:pPr>
           <a:r>
             <a:rPr lang="en-US" sz="2800" kern="1200" dirty="0"/>
@@ -7072,7 +9512,6 @@
             <a:rPr lang="en-US" sz="1400" kern="1200" dirty="0"/>
             <a:t>Netcraft Web Server Survey</a:t>
           </a:r>
-          <a:endParaRPr lang="en-US" sz="1400" kern="1200" dirty="0"/>
         </a:p>
       </dsp:txBody>
       <dsp:txXfrm>
@@ -7127,7 +9566,7 @@
             <a:spcAft>
               <a:spcPct val="15000"/>
             </a:spcAft>
-            <a:buChar char="•"/>
+            <a:buChar char="••"/>
           </a:pPr>
           <a:r>
             <a:rPr lang="en-US" sz="2800" kern="1200" dirty="0"/>
@@ -7202,7 +9641,7 @@
         </a:bodyPr>
         <a:lstStyle/>
         <a:p>
-          <a:pPr marL="0" lvl="0" indent="0" algn="ctr" defTabSz="1066800">
+          <a:pPr lvl="0" algn="ctr" defTabSz="1066800">
             <a:lnSpc>
               <a:spcPct val="90000"/>
             </a:lnSpc>
@@ -7212,7 +9651,6 @@
             <a:spcAft>
               <a:spcPct val="35000"/>
             </a:spcAft>
-            <a:buNone/>
           </a:pPr>
           <a:r>
             <a:rPr lang="en-US" sz="2400" kern="1200" dirty="0"/>
@@ -7287,13 +9725,12 @@
             <a:spcAft>
               <a:spcPct val="15000"/>
             </a:spcAft>
-            <a:buChar char="•"/>
+            <a:buChar char="••"/>
           </a:pPr>
           <a:r>
             <a:rPr lang="en-US" sz="2400" kern="1200"/>
             <a:t>Apache</a:t>
           </a:r>
-          <a:endParaRPr lang="en-US" sz="2400" kern="1200"/>
         </a:p>
         <a:p>
           <a:pPr marL="228600" lvl="1" indent="-228600" algn="l" defTabSz="1066800">
@@ -7306,13 +9743,12 @@
             <a:spcAft>
               <a:spcPct val="15000"/>
             </a:spcAft>
-            <a:buChar char="•"/>
+            <a:buChar char="••"/>
           </a:pPr>
           <a:r>
             <a:rPr lang="en-US" sz="2400" kern="1200"/>
             <a:t>Microsoft</a:t>
           </a:r>
-          <a:endParaRPr lang="en-US" sz="2400" kern="1200"/>
         </a:p>
         <a:p>
           <a:pPr marL="228600" lvl="1" indent="-228600" algn="l" defTabSz="1066800">
@@ -7325,13 +9761,12 @@
             <a:spcAft>
               <a:spcPct val="15000"/>
             </a:spcAft>
-            <a:buChar char="•"/>
+            <a:buChar char="••"/>
           </a:pPr>
           <a:r>
             <a:rPr lang="en-US" sz="2400" kern="1200"/>
             <a:t>Zeus</a:t>
           </a:r>
-          <a:endParaRPr lang="en-US" sz="2400" kern="1200"/>
         </a:p>
         <a:p>
           <a:pPr marL="228600" lvl="1" indent="-228600" algn="l" defTabSz="1066800">
@@ -7344,13 +9779,12 @@
             <a:spcAft>
               <a:spcPct val="15000"/>
             </a:spcAft>
-            <a:buChar char="•"/>
+            <a:buChar char="••"/>
           </a:pPr>
           <a:r>
             <a:rPr lang="en-US" sz="2400" kern="1200"/>
             <a:t>Sun</a:t>
           </a:r>
-          <a:endParaRPr lang="en-US" sz="2400" kern="1200"/>
         </a:p>
         <a:p>
           <a:pPr marL="228600" lvl="1" indent="-228600" algn="l" defTabSz="1066800">
@@ -7363,13 +9797,12 @@
             <a:spcAft>
               <a:spcPct val="15000"/>
             </a:spcAft>
-            <a:buChar char="•"/>
+            <a:buChar char="••"/>
           </a:pPr>
           <a:r>
             <a:rPr lang="en-US" sz="2400" kern="1200"/>
             <a:t>NCSA</a:t>
           </a:r>
-          <a:endParaRPr lang="en-US" sz="2400" kern="1200"/>
         </a:p>
       </dsp:txBody>
       <dsp:txXfrm>
@@ -7427,7 +9860,7 @@
         </a:bodyPr>
         <a:lstStyle/>
         <a:p>
-          <a:pPr marL="0" lvl="0" indent="0" algn="ctr" defTabSz="1066800">
+          <a:pPr lvl="0" algn="ctr" defTabSz="1066800">
             <a:lnSpc>
               <a:spcPct val="90000"/>
             </a:lnSpc>
@@ -7437,7 +9870,6 @@
             <a:spcAft>
               <a:spcPct val="35000"/>
             </a:spcAft>
-            <a:buNone/>
           </a:pPr>
           <a:r>
             <a:rPr lang="en-US" sz="2400" kern="1200" dirty="0"/>
@@ -7512,13 +9944,12 @@
             <a:spcAft>
               <a:spcPct val="15000"/>
             </a:spcAft>
-            <a:buChar char="•"/>
+            <a:buChar char="••"/>
           </a:pPr>
           <a:r>
             <a:rPr lang="en-US" sz="2400" kern="1200"/>
             <a:t>Content</a:t>
           </a:r>
-          <a:endParaRPr lang="en-US" sz="2400" kern="1200"/>
         </a:p>
         <a:p>
           <a:pPr marL="228600" lvl="1" indent="-228600" algn="l" defTabSz="1066800">
@@ -7531,13 +9962,12 @@
             <a:spcAft>
               <a:spcPct val="15000"/>
             </a:spcAft>
-            <a:buChar char="•"/>
+            <a:buChar char="••"/>
           </a:pPr>
           <a:r>
             <a:rPr lang="en-US" sz="2400" kern="1200"/>
             <a:t>SSI</a:t>
           </a:r>
-          <a:endParaRPr lang="en-US" sz="2400" kern="1200"/>
         </a:p>
         <a:p>
           <a:pPr marL="228600" lvl="1" indent="-228600" algn="l" defTabSz="1066800">
@@ -7550,13 +9980,12 @@
             <a:spcAft>
               <a:spcPct val="15000"/>
             </a:spcAft>
-            <a:buChar char="•"/>
+            <a:buChar char="••"/>
           </a:pPr>
           <a:r>
             <a:rPr lang="en-US" sz="2400" kern="1200"/>
             <a:t>NSAPI</a:t>
           </a:r>
-          <a:endParaRPr lang="en-US" sz="2400" kern="1200"/>
         </a:p>
         <a:p>
           <a:pPr marL="228600" lvl="1" indent="-228600" algn="l" defTabSz="1066800">
@@ -7569,13 +9998,12 @@
             <a:spcAft>
               <a:spcPct val="15000"/>
             </a:spcAft>
-            <a:buChar char="•"/>
+            <a:buChar char="••"/>
           </a:pPr>
           <a:r>
             <a:rPr lang="en-US" sz="2400" kern="1200"/>
             <a:t>ISAPI</a:t>
           </a:r>
-          <a:endParaRPr lang="en-US" sz="2400" kern="1200"/>
         </a:p>
         <a:p>
           <a:pPr marL="228600" lvl="1" indent="-228600" algn="l" defTabSz="1066800">
@@ -7588,13 +10016,12 @@
             <a:spcAft>
               <a:spcPct val="15000"/>
             </a:spcAft>
-            <a:buChar char="•"/>
+            <a:buChar char="••"/>
           </a:pPr>
           <a:r>
             <a:rPr lang="en-US" sz="2400" kern="1200"/>
             <a:t>ASAPI</a:t>
           </a:r>
-          <a:endParaRPr lang="en-US" sz="2400" kern="1200"/>
         </a:p>
         <a:p>
           <a:pPr marL="228600" lvl="1" indent="-228600" algn="l" defTabSz="1066800">
@@ -7607,13 +10034,12 @@
             <a:spcAft>
               <a:spcPct val="15000"/>
             </a:spcAft>
-            <a:buChar char="•"/>
+            <a:buChar char="••"/>
           </a:pPr>
           <a:r>
             <a:rPr lang="en-US" sz="2400" kern="1200"/>
             <a:t>CGI</a:t>
           </a:r>
-          <a:endParaRPr lang="en-US" sz="2400" kern="1200"/>
         </a:p>
         <a:p>
           <a:pPr marL="228600" lvl="1" indent="-228600" algn="l" defTabSz="1066800">
@@ -7626,13 +10052,12 @@
             <a:spcAft>
               <a:spcPct val="15000"/>
             </a:spcAft>
-            <a:buChar char="•"/>
+            <a:buChar char="••"/>
           </a:pPr>
           <a:r>
             <a:rPr lang="en-US" sz="2400" kern="1200"/>
             <a:t>FastCGI</a:t>
           </a:r>
-          <a:endParaRPr lang="en-US" sz="2400" kern="1200"/>
         </a:p>
       </dsp:txBody>
       <dsp:txXfrm>
@@ -7690,7 +10115,7 @@
         </a:bodyPr>
         <a:lstStyle/>
         <a:p>
-          <a:pPr marL="0" lvl="0" indent="0" algn="ctr" defTabSz="1066800">
+          <a:pPr lvl="0" algn="ctr" defTabSz="1066800">
             <a:lnSpc>
               <a:spcPct val="90000"/>
             </a:lnSpc>
@@ -7700,7 +10125,6 @@
             <a:spcAft>
               <a:spcPct val="35000"/>
             </a:spcAft>
-            <a:buNone/>
           </a:pPr>
           <a:r>
             <a:rPr lang="en-US" sz="2400" kern="1200" dirty="0"/>
@@ -7775,7 +10199,7 @@
             <a:spcAft>
               <a:spcPct val="15000"/>
             </a:spcAft>
-            <a:buChar char="•"/>
+            <a:buChar char="••"/>
           </a:pPr>
           <a:r>
             <a:rPr lang="en-US" sz="2400" kern="1200" dirty="0"/>
@@ -7793,7 +10217,7 @@
             <a:spcAft>
               <a:spcPct val="15000"/>
             </a:spcAft>
-            <a:buChar char="•"/>
+            <a:buChar char="••"/>
           </a:pPr>
           <a:r>
             <a:rPr lang="en-US" sz="2400" kern="1200" dirty="0"/>
@@ -7880,7 +10304,7 @@
             <a:spcAft>
               <a:spcPct val="15000"/>
             </a:spcAft>
-            <a:buNone/>
+            <a:buChar char="••"/>
           </a:pPr>
           <a:r>
             <a:rPr lang="en-US" sz="2000" i="1" kern="1200" dirty="0"/>
@@ -7906,7 +10330,7 @@
             <a:spcAft>
               <a:spcPct val="15000"/>
             </a:spcAft>
-            <a:buNone/>
+            <a:buChar char="••"/>
           </a:pPr>
           <a:r>
             <a:rPr lang="en-US" sz="2400" kern="1200" dirty="0">
@@ -7972,7 +10396,7 @@
         </a:bodyPr>
         <a:lstStyle/>
         <a:p>
-          <a:pPr marL="0" lvl="0" indent="0" algn="ctr" defTabSz="2266950">
+          <a:pPr lvl="0" algn="ctr" defTabSz="2266950">
             <a:lnSpc>
               <a:spcPct val="90000"/>
             </a:lnSpc>
@@ -7982,7 +10406,6 @@
             <a:spcAft>
               <a:spcPct val="35000"/>
             </a:spcAft>
-            <a:buNone/>
           </a:pPr>
           <a:r>
             <a:rPr lang="en-US" sz="5100" kern="1200" dirty="0"/>
@@ -8057,7 +10480,7 @@
             <a:spcAft>
               <a:spcPct val="15000"/>
             </a:spcAft>
-            <a:buNone/>
+            <a:buChar char="••"/>
           </a:pPr>
           <a:r>
             <a:rPr lang="en-US" sz="2400" kern="1200" dirty="0"/>
@@ -8120,7 +10543,7 @@
         </a:bodyPr>
         <a:lstStyle/>
         <a:p>
-          <a:pPr marL="0" lvl="0" indent="0" algn="ctr" defTabSz="2266950">
+          <a:pPr lvl="0" algn="ctr" defTabSz="2266950">
             <a:lnSpc>
               <a:spcPct val="90000"/>
             </a:lnSpc>
@@ -8130,7 +10553,6 @@
             <a:spcAft>
               <a:spcPct val="35000"/>
             </a:spcAft>
-            <a:buNone/>
           </a:pPr>
           <a:r>
             <a:rPr lang="en-US" sz="5100" kern="1200" dirty="0"/>
@@ -8141,6 +10563,884 @@
       <dsp:txXfrm>
         <a:off x="103614" y="2332346"/>
         <a:ext cx="3578388" cy="1915324"/>
+      </dsp:txXfrm>
+    </dsp:sp>
+  </dsp:spTree>
+</dsp:drawing>
+</file>
+
+<file path=ppt/diagrams/drawing5.xml><?xml version="1.0" encoding="utf-8"?>
+<dsp:drawing xmlns:dgm="http://schemas.openxmlformats.org/drawingml/2006/diagram" xmlns:dsp="http://schemas.microsoft.com/office/drawing/2008/diagram" xmlns:a="http://schemas.openxmlformats.org/drawingml/2006/main">
+  <dsp:spTree>
+    <dsp:nvGrpSpPr>
+      <dsp:cNvPr id="0" name=""/>
+      <dsp:cNvGrpSpPr/>
+    </dsp:nvGrpSpPr>
+    <dsp:grpSpPr/>
+    <dsp:sp modelId="{CA0FB76F-2ED5-4D2E-8232-E4023ED9DC9D}">
+      <dsp:nvSpPr>
+        <dsp:cNvPr id="0" name=""/>
+        <dsp:cNvSpPr/>
+      </dsp:nvSpPr>
+      <dsp:spPr>
+        <a:xfrm>
+          <a:off x="2755780" y="0"/>
+          <a:ext cx="4351338" cy="4351338"/>
+        </a:xfrm>
+        <a:prstGeom prst="triangle">
+          <a:avLst/>
+        </a:prstGeom>
+        <a:solidFill>
+          <a:srgbClr val="009900"/>
+        </a:solidFill>
+        <a:ln w="12700" cap="flat" cmpd="sng" algn="ctr">
+          <a:solidFill>
+            <a:schemeClr val="lt1">
+              <a:hueOff val="0"/>
+              <a:satOff val="0"/>
+              <a:lumOff val="0"/>
+              <a:alphaOff val="0"/>
+            </a:schemeClr>
+          </a:solidFill>
+          <a:prstDash val="solid"/>
+          <a:miter lim="800000"/>
+        </a:ln>
+        <a:effectLst/>
+      </dsp:spPr>
+      <dsp:style>
+        <a:lnRef idx="2">
+          <a:scrgbClr r="0" g="0" b="0"/>
+        </a:lnRef>
+        <a:fillRef idx="1">
+          <a:scrgbClr r="0" g="0" b="0"/>
+        </a:fillRef>
+        <a:effectRef idx="0">
+          <a:scrgbClr r="0" g="0" b="0"/>
+        </a:effectRef>
+        <a:fontRef idx="minor">
+          <a:schemeClr val="lt1"/>
+        </a:fontRef>
+      </dsp:style>
+    </dsp:sp>
+    <dsp:sp modelId="{0C6EB310-ACEB-4246-98AF-06ABBB64F767}">
+      <dsp:nvSpPr>
+        <dsp:cNvPr id="0" name=""/>
+        <dsp:cNvSpPr/>
+      </dsp:nvSpPr>
+      <dsp:spPr>
+        <a:xfrm>
+          <a:off x="4931449" y="437470"/>
+          <a:ext cx="2828369" cy="1030043"/>
+        </a:xfrm>
+        <a:prstGeom prst="roundRect">
+          <a:avLst/>
+        </a:prstGeom>
+        <a:solidFill>
+          <a:schemeClr val="lt1">
+            <a:alpha val="90000"/>
+            <a:hueOff val="0"/>
+            <a:satOff val="0"/>
+            <a:lumOff val="0"/>
+            <a:alphaOff val="0"/>
+          </a:schemeClr>
+        </a:solidFill>
+        <a:ln w="12700" cap="flat" cmpd="sng" algn="ctr">
+          <a:solidFill>
+            <a:srgbClr val="009900"/>
+          </a:solidFill>
+          <a:prstDash val="solid"/>
+          <a:miter lim="800000"/>
+        </a:ln>
+        <a:effectLst/>
+      </dsp:spPr>
+      <dsp:style>
+        <a:lnRef idx="2">
+          <a:scrgbClr r="0" g="0" b="0"/>
+        </a:lnRef>
+        <a:fillRef idx="1">
+          <a:scrgbClr r="0" g="0" b="0"/>
+        </a:fillRef>
+        <a:effectRef idx="0">
+          <a:scrgbClr r="0" g="0" b="0"/>
+        </a:effectRef>
+        <a:fontRef idx="minor"/>
+      </dsp:style>
+      <dsp:txBody>
+        <a:bodyPr spcFirstLastPara="0" vert="horz" wrap="square" lIns="80010" tIns="80010" rIns="80010" bIns="80010" numCol="1" spcCol="1270" anchor="ctr" anchorCtr="0">
+          <a:noAutofit/>
+        </a:bodyPr>
+        <a:lstStyle/>
+        <a:p>
+          <a:pPr lvl="0" algn="ctr" defTabSz="933450">
+            <a:lnSpc>
+              <a:spcPct val="90000"/>
+            </a:lnSpc>
+            <a:spcBef>
+              <a:spcPct val="0"/>
+            </a:spcBef>
+            <a:spcAft>
+              <a:spcPct val="35000"/>
+            </a:spcAft>
+          </a:pPr>
+          <a:r>
+            <a:rPr lang="en-US" sz="2100" kern="1200"/>
+            <a:t>Intermediaries that forward to a service</a:t>
+          </a:r>
+        </a:p>
+      </dsp:txBody>
+      <dsp:txXfrm>
+        <a:off x="4981732" y="487753"/>
+        <a:ext cx="2727803" cy="929477"/>
+      </dsp:txXfrm>
+    </dsp:sp>
+    <dsp:sp modelId="{9AF756E9-0795-43E1-BF2F-8032EC9FEFA5}">
+      <dsp:nvSpPr>
+        <dsp:cNvPr id="0" name=""/>
+        <dsp:cNvSpPr/>
+      </dsp:nvSpPr>
+      <dsp:spPr>
+        <a:xfrm>
+          <a:off x="4931449" y="1596269"/>
+          <a:ext cx="2828369" cy="1030043"/>
+        </a:xfrm>
+        <a:prstGeom prst="roundRect">
+          <a:avLst/>
+        </a:prstGeom>
+        <a:solidFill>
+          <a:schemeClr val="lt1">
+            <a:alpha val="90000"/>
+            <a:hueOff val="0"/>
+            <a:satOff val="0"/>
+            <a:lumOff val="0"/>
+            <a:alphaOff val="0"/>
+          </a:schemeClr>
+        </a:solidFill>
+        <a:ln w="12700" cap="flat" cmpd="sng" algn="ctr">
+          <a:solidFill>
+            <a:srgbClr val="009900"/>
+          </a:solidFill>
+          <a:prstDash val="solid"/>
+          <a:miter lim="800000"/>
+        </a:ln>
+        <a:effectLst/>
+      </dsp:spPr>
+      <dsp:style>
+        <a:lnRef idx="2">
+          <a:scrgbClr r="0" g="0" b="0"/>
+        </a:lnRef>
+        <a:fillRef idx="1">
+          <a:scrgbClr r="0" g="0" b="0"/>
+        </a:fillRef>
+        <a:effectRef idx="0">
+          <a:scrgbClr r="0" g="0" b="0"/>
+        </a:effectRef>
+        <a:fontRef idx="minor"/>
+      </dsp:style>
+      <dsp:txBody>
+        <a:bodyPr spcFirstLastPara="0" vert="horz" wrap="square" lIns="80010" tIns="80010" rIns="80010" bIns="80010" numCol="1" spcCol="1270" anchor="ctr" anchorCtr="0">
+          <a:noAutofit/>
+        </a:bodyPr>
+        <a:lstStyle/>
+        <a:p>
+          <a:pPr lvl="0" algn="ctr" defTabSz="933450">
+            <a:lnSpc>
+              <a:spcPct val="90000"/>
+            </a:lnSpc>
+            <a:spcBef>
+              <a:spcPct val="0"/>
+            </a:spcBef>
+            <a:spcAft>
+              <a:spcPct val="35000"/>
+            </a:spcAft>
+          </a:pPr>
+          <a:r>
+            <a:rPr lang="en-US" sz="2100" kern="1200"/>
+            <a:t>A level of indirection in service architectures</a:t>
+          </a:r>
+        </a:p>
+      </dsp:txBody>
+      <dsp:txXfrm>
+        <a:off x="4981732" y="1646552"/>
+        <a:ext cx="2727803" cy="929477"/>
+      </dsp:txXfrm>
+    </dsp:sp>
+    <dsp:sp modelId="{7C2765B8-6B5C-413B-B08B-98E163D276C3}">
+      <dsp:nvSpPr>
+        <dsp:cNvPr id="0" name=""/>
+        <dsp:cNvSpPr/>
+      </dsp:nvSpPr>
+      <dsp:spPr>
+        <a:xfrm>
+          <a:off x="4931449" y="2755068"/>
+          <a:ext cx="2828369" cy="1030043"/>
+        </a:xfrm>
+        <a:prstGeom prst="roundRect">
+          <a:avLst/>
+        </a:prstGeom>
+        <a:solidFill>
+          <a:schemeClr val="lt1">
+            <a:alpha val="90000"/>
+            <a:hueOff val="0"/>
+            <a:satOff val="0"/>
+            <a:lumOff val="0"/>
+            <a:alphaOff val="0"/>
+          </a:schemeClr>
+        </a:solidFill>
+        <a:ln w="12700" cap="flat" cmpd="sng" algn="ctr">
+          <a:solidFill>
+            <a:srgbClr val="009900"/>
+          </a:solidFill>
+          <a:prstDash val="solid"/>
+          <a:miter lim="800000"/>
+        </a:ln>
+        <a:effectLst/>
+      </dsp:spPr>
+      <dsp:style>
+        <a:lnRef idx="2">
+          <a:scrgbClr r="0" g="0" b="0"/>
+        </a:lnRef>
+        <a:fillRef idx="1">
+          <a:scrgbClr r="0" g="0" b="0"/>
+        </a:fillRef>
+        <a:effectRef idx="0">
+          <a:scrgbClr r="0" g="0" b="0"/>
+        </a:effectRef>
+        <a:fontRef idx="minor"/>
+      </dsp:style>
+      <dsp:txBody>
+        <a:bodyPr spcFirstLastPara="0" vert="horz" wrap="square" lIns="80010" tIns="80010" rIns="80010" bIns="80010" numCol="1" spcCol="1270" anchor="ctr" anchorCtr="0">
+          <a:noAutofit/>
+        </a:bodyPr>
+        <a:lstStyle/>
+        <a:p>
+          <a:pPr lvl="0" algn="ctr" defTabSz="933450">
+            <a:lnSpc>
+              <a:spcPct val="90000"/>
+            </a:lnSpc>
+            <a:spcBef>
+              <a:spcPct val="0"/>
+            </a:spcBef>
+            <a:spcAft>
+              <a:spcPct val="35000"/>
+            </a:spcAft>
+          </a:pPr>
+          <a:r>
+            <a:rPr lang="en-US" sz="2100" kern="1200" dirty="0"/>
+            <a:t>A way the FTSE appears service architectures</a:t>
+          </a:r>
+        </a:p>
+      </dsp:txBody>
+      <dsp:txXfrm>
+        <a:off x="4981732" y="2805351"/>
+        <a:ext cx="2727803" cy="929477"/>
+      </dsp:txXfrm>
+    </dsp:sp>
+  </dsp:spTree>
+</dsp:drawing>
+</file>
+
+<file path=ppt/diagrams/drawing6.xml><?xml version="1.0" encoding="utf-8"?>
+<dsp:drawing xmlns:dgm="http://schemas.openxmlformats.org/drawingml/2006/diagram" xmlns:dsp="http://schemas.microsoft.com/office/drawing/2008/diagram" xmlns:a="http://schemas.openxmlformats.org/drawingml/2006/main">
+  <dsp:spTree>
+    <dsp:nvGrpSpPr>
+      <dsp:cNvPr id="0" name=""/>
+      <dsp:cNvGrpSpPr/>
+    </dsp:nvGrpSpPr>
+    <dsp:grpSpPr/>
+    <dsp:sp modelId="{DCD01BC6-903A-4C8F-859F-02135485E15A}">
+      <dsp:nvSpPr>
+        <dsp:cNvPr id="0" name=""/>
+        <dsp:cNvSpPr/>
+      </dsp:nvSpPr>
+      <dsp:spPr>
+        <a:xfrm rot="5400000">
+          <a:off x="6731621" y="-2839081"/>
+          <a:ext cx="837972" cy="6729984"/>
+        </a:xfrm>
+        <a:prstGeom prst="round2SameRect">
+          <a:avLst/>
+        </a:prstGeom>
+        <a:solidFill>
+          <a:srgbClr val="009900">
+            <a:alpha val="20000"/>
+          </a:srgbClr>
+        </a:solidFill>
+        <a:ln w="12700" cap="flat" cmpd="sng" algn="ctr">
+          <a:solidFill>
+            <a:schemeClr val="accent1">
+              <a:alpha val="90000"/>
+              <a:tint val="40000"/>
+              <a:hueOff val="0"/>
+              <a:satOff val="0"/>
+              <a:lumOff val="0"/>
+              <a:alphaOff val="0"/>
+            </a:schemeClr>
+          </a:solidFill>
+          <a:prstDash val="solid"/>
+          <a:miter lim="800000"/>
+        </a:ln>
+        <a:effectLst/>
+      </dsp:spPr>
+      <dsp:style>
+        <a:lnRef idx="2">
+          <a:scrgbClr r="0" g="0" b="0"/>
+        </a:lnRef>
+        <a:fillRef idx="1">
+          <a:scrgbClr r="0" g="0" b="0"/>
+        </a:fillRef>
+        <a:effectRef idx="0">
+          <a:scrgbClr r="0" g="0" b="0"/>
+        </a:effectRef>
+        <a:fontRef idx="minor"/>
+      </dsp:style>
+      <dsp:txBody>
+        <a:bodyPr spcFirstLastPara="0" vert="horz" wrap="square" lIns="106680" tIns="53340" rIns="106680" bIns="53340" numCol="1" spcCol="1270" anchor="ctr" anchorCtr="0">
+          <a:noAutofit/>
+        </a:bodyPr>
+        <a:lstStyle/>
+        <a:p>
+          <a:pPr marL="285750" lvl="1" indent="-285750" algn="l" defTabSz="1244600" rtl="0">
+            <a:lnSpc>
+              <a:spcPct val="90000"/>
+            </a:lnSpc>
+            <a:spcBef>
+              <a:spcPct val="0"/>
+            </a:spcBef>
+            <a:spcAft>
+              <a:spcPct val="15000"/>
+            </a:spcAft>
+            <a:buChar char="••"/>
+          </a:pPr>
+          <a:r>
+            <a:rPr lang="en-US" sz="2800" kern="1200" smtClean="0"/>
+            <a:t>Forwards to a healthy instance of a service</a:t>
+          </a:r>
+          <a:endParaRPr lang="en-US" sz="2800" kern="1200"/>
+        </a:p>
+      </dsp:txBody>
+      <dsp:txXfrm rot="-5400000">
+        <a:off x="3785615" y="147831"/>
+        <a:ext cx="6689078" cy="756160"/>
+      </dsp:txXfrm>
+    </dsp:sp>
+    <dsp:sp modelId="{FDD677EF-0E3C-49F8-8598-022637CE81F4}">
+      <dsp:nvSpPr>
+        <dsp:cNvPr id="0" name=""/>
+        <dsp:cNvSpPr/>
+      </dsp:nvSpPr>
+      <dsp:spPr>
+        <a:xfrm>
+          <a:off x="0" y="2177"/>
+          <a:ext cx="3785616" cy="1047465"/>
+        </a:xfrm>
+        <a:prstGeom prst="roundRect">
+          <a:avLst/>
+        </a:prstGeom>
+        <a:solidFill>
+          <a:srgbClr val="009900"/>
+        </a:solidFill>
+        <a:ln w="12700" cap="flat" cmpd="sng" algn="ctr">
+          <a:solidFill>
+            <a:schemeClr val="lt1">
+              <a:hueOff val="0"/>
+              <a:satOff val="0"/>
+              <a:lumOff val="0"/>
+              <a:alphaOff val="0"/>
+            </a:schemeClr>
+          </a:solidFill>
+          <a:prstDash val="solid"/>
+          <a:miter lim="800000"/>
+        </a:ln>
+        <a:effectLst/>
+      </dsp:spPr>
+      <dsp:style>
+        <a:lnRef idx="2">
+          <a:scrgbClr r="0" g="0" b="0"/>
+        </a:lnRef>
+        <a:fillRef idx="1">
+          <a:scrgbClr r="0" g="0" b="0"/>
+        </a:fillRef>
+        <a:effectRef idx="0">
+          <a:scrgbClr r="0" g="0" b="0"/>
+        </a:effectRef>
+        <a:fontRef idx="minor">
+          <a:schemeClr val="lt1"/>
+        </a:fontRef>
+      </dsp:style>
+      <dsp:txBody>
+        <a:bodyPr spcFirstLastPara="0" vert="horz" wrap="square" lIns="152400" tIns="76200" rIns="152400" bIns="76200" numCol="1" spcCol="1270" anchor="ctr" anchorCtr="0">
+          <a:noAutofit/>
+        </a:bodyPr>
+        <a:lstStyle/>
+        <a:p>
+          <a:pPr lvl="0" algn="ctr" defTabSz="1778000" rtl="0">
+            <a:lnSpc>
+              <a:spcPct val="90000"/>
+            </a:lnSpc>
+            <a:spcBef>
+              <a:spcPct val="0"/>
+            </a:spcBef>
+            <a:spcAft>
+              <a:spcPct val="35000"/>
+            </a:spcAft>
+          </a:pPr>
+          <a:r>
+            <a:rPr lang="en-US" sz="4000" kern="1200" smtClean="0"/>
+            <a:t>Availability</a:t>
+          </a:r>
+          <a:endParaRPr lang="en-US" sz="4000" kern="1200"/>
+        </a:p>
+      </dsp:txBody>
+      <dsp:txXfrm>
+        <a:off x="51133" y="53310"/>
+        <a:ext cx="3683350" cy="945199"/>
+      </dsp:txXfrm>
+    </dsp:sp>
+    <dsp:sp modelId="{52A791C3-87B7-4E1C-A8A9-A3A63AC72CD2}">
+      <dsp:nvSpPr>
+        <dsp:cNvPr id="0" name=""/>
+        <dsp:cNvSpPr/>
+      </dsp:nvSpPr>
+      <dsp:spPr>
+        <a:xfrm rot="5400000">
+          <a:off x="6731621" y="-1739242"/>
+          <a:ext cx="837972" cy="6729984"/>
+        </a:xfrm>
+        <a:prstGeom prst="round2SameRect">
+          <a:avLst/>
+        </a:prstGeom>
+        <a:solidFill>
+          <a:srgbClr val="009900">
+            <a:alpha val="20000"/>
+          </a:srgbClr>
+        </a:solidFill>
+        <a:ln w="12700" cap="flat" cmpd="sng" algn="ctr">
+          <a:solidFill>
+            <a:schemeClr val="accent1">
+              <a:alpha val="90000"/>
+              <a:tint val="40000"/>
+              <a:hueOff val="0"/>
+              <a:satOff val="0"/>
+              <a:lumOff val="0"/>
+              <a:alphaOff val="0"/>
+            </a:schemeClr>
+          </a:solidFill>
+          <a:prstDash val="solid"/>
+          <a:miter lim="800000"/>
+        </a:ln>
+        <a:effectLst/>
+      </dsp:spPr>
+      <dsp:style>
+        <a:lnRef idx="2">
+          <a:scrgbClr r="0" g="0" b="0"/>
+        </a:lnRef>
+        <a:fillRef idx="1">
+          <a:scrgbClr r="0" g="0" b="0"/>
+        </a:fillRef>
+        <a:effectRef idx="0">
+          <a:scrgbClr r="0" g="0" b="0"/>
+        </a:effectRef>
+        <a:fontRef idx="minor"/>
+      </dsp:style>
+      <dsp:txBody>
+        <a:bodyPr spcFirstLastPara="0" vert="horz" wrap="square" lIns="106680" tIns="53340" rIns="106680" bIns="53340" numCol="1" spcCol="1270" anchor="ctr" anchorCtr="0">
+          <a:noAutofit/>
+        </a:bodyPr>
+        <a:lstStyle/>
+        <a:p>
+          <a:pPr marL="285750" lvl="1" indent="-285750" algn="l" defTabSz="1244600" rtl="0">
+            <a:lnSpc>
+              <a:spcPct val="90000"/>
+            </a:lnSpc>
+            <a:spcBef>
+              <a:spcPct val="0"/>
+            </a:spcBef>
+            <a:spcAft>
+              <a:spcPct val="15000"/>
+            </a:spcAft>
+            <a:buChar char="••"/>
+          </a:pPr>
+          <a:r>
+            <a:rPr lang="en-US" sz="2800" kern="1200" smtClean="0"/>
+            <a:t>Acts as a façade across multiple services</a:t>
+          </a:r>
+          <a:endParaRPr lang="en-US" sz="2800" kern="1200"/>
+        </a:p>
+      </dsp:txBody>
+      <dsp:txXfrm rot="-5400000">
+        <a:off x="3785615" y="1247670"/>
+        <a:ext cx="6689078" cy="756160"/>
+      </dsp:txXfrm>
+    </dsp:sp>
+    <dsp:sp modelId="{E65536A4-0338-480C-A6DC-38C8E8A18E2C}">
+      <dsp:nvSpPr>
+        <dsp:cNvPr id="0" name=""/>
+        <dsp:cNvSpPr/>
+      </dsp:nvSpPr>
+      <dsp:spPr>
+        <a:xfrm>
+          <a:off x="0" y="1102016"/>
+          <a:ext cx="3785616" cy="1047465"/>
+        </a:xfrm>
+        <a:prstGeom prst="roundRect">
+          <a:avLst/>
+        </a:prstGeom>
+        <a:solidFill>
+          <a:srgbClr val="009900"/>
+        </a:solidFill>
+        <a:ln w="12700" cap="flat" cmpd="sng" algn="ctr">
+          <a:solidFill>
+            <a:schemeClr val="lt1">
+              <a:hueOff val="0"/>
+              <a:satOff val="0"/>
+              <a:lumOff val="0"/>
+              <a:alphaOff val="0"/>
+            </a:schemeClr>
+          </a:solidFill>
+          <a:prstDash val="solid"/>
+          <a:miter lim="800000"/>
+        </a:ln>
+        <a:effectLst/>
+      </dsp:spPr>
+      <dsp:style>
+        <a:lnRef idx="2">
+          <a:scrgbClr r="0" g="0" b="0"/>
+        </a:lnRef>
+        <a:fillRef idx="1">
+          <a:scrgbClr r="0" g="0" b="0"/>
+        </a:fillRef>
+        <a:effectRef idx="0">
+          <a:scrgbClr r="0" g="0" b="0"/>
+        </a:effectRef>
+        <a:fontRef idx="minor">
+          <a:schemeClr val="lt1"/>
+        </a:fontRef>
+      </dsp:style>
+      <dsp:txBody>
+        <a:bodyPr spcFirstLastPara="0" vert="horz" wrap="square" lIns="152400" tIns="76200" rIns="152400" bIns="76200" numCol="1" spcCol="1270" anchor="ctr" anchorCtr="0">
+          <a:noAutofit/>
+        </a:bodyPr>
+        <a:lstStyle/>
+        <a:p>
+          <a:pPr lvl="0" algn="ctr" defTabSz="1778000" rtl="0">
+            <a:lnSpc>
+              <a:spcPct val="90000"/>
+            </a:lnSpc>
+            <a:spcBef>
+              <a:spcPct val="0"/>
+            </a:spcBef>
+            <a:spcAft>
+              <a:spcPct val="35000"/>
+            </a:spcAft>
+          </a:pPr>
+          <a:r>
+            <a:rPr lang="en-US" sz="4000" kern="1200" smtClean="0"/>
+            <a:t>Extensibility</a:t>
+          </a:r>
+          <a:endParaRPr lang="en-US" sz="4000" kern="1200"/>
+        </a:p>
+      </dsp:txBody>
+      <dsp:txXfrm>
+        <a:off x="51133" y="1153149"/>
+        <a:ext cx="3683350" cy="945199"/>
+      </dsp:txXfrm>
+    </dsp:sp>
+    <dsp:sp modelId="{643B856E-BACF-4651-98E3-FCD034DCEA0D}">
+      <dsp:nvSpPr>
+        <dsp:cNvPr id="0" name=""/>
+        <dsp:cNvSpPr/>
+      </dsp:nvSpPr>
+      <dsp:spPr>
+        <a:xfrm rot="5400000">
+          <a:off x="6731621" y="-639403"/>
+          <a:ext cx="837972" cy="6729984"/>
+        </a:xfrm>
+        <a:prstGeom prst="round2SameRect">
+          <a:avLst/>
+        </a:prstGeom>
+        <a:solidFill>
+          <a:srgbClr val="009900">
+            <a:alpha val="20000"/>
+          </a:srgbClr>
+        </a:solidFill>
+        <a:ln w="12700" cap="flat" cmpd="sng" algn="ctr">
+          <a:solidFill>
+            <a:schemeClr val="accent1">
+              <a:alpha val="90000"/>
+              <a:tint val="40000"/>
+              <a:hueOff val="0"/>
+              <a:satOff val="0"/>
+              <a:lumOff val="0"/>
+              <a:alphaOff val="0"/>
+            </a:schemeClr>
+          </a:solidFill>
+          <a:prstDash val="solid"/>
+          <a:miter lim="800000"/>
+        </a:ln>
+        <a:effectLst/>
+      </dsp:spPr>
+      <dsp:style>
+        <a:lnRef idx="2">
+          <a:scrgbClr r="0" g="0" b="0"/>
+        </a:lnRef>
+        <a:fillRef idx="1">
+          <a:scrgbClr r="0" g="0" b="0"/>
+        </a:fillRef>
+        <a:effectRef idx="0">
+          <a:scrgbClr r="0" g="0" b="0"/>
+        </a:effectRef>
+        <a:fontRef idx="minor"/>
+      </dsp:style>
+      <dsp:txBody>
+        <a:bodyPr spcFirstLastPara="0" vert="horz" wrap="square" lIns="106680" tIns="53340" rIns="106680" bIns="53340" numCol="1" spcCol="1270" anchor="ctr" anchorCtr="0">
+          <a:noAutofit/>
+        </a:bodyPr>
+        <a:lstStyle/>
+        <a:p>
+          <a:pPr marL="285750" lvl="1" indent="-285750" algn="l" defTabSz="1244600" rtl="0">
+            <a:lnSpc>
+              <a:spcPct val="90000"/>
+            </a:lnSpc>
+            <a:spcBef>
+              <a:spcPct val="0"/>
+            </a:spcBef>
+            <a:spcAft>
+              <a:spcPct val="15000"/>
+            </a:spcAft>
+            <a:buChar char="••"/>
+          </a:pPr>
+          <a:r>
+            <a:rPr lang="en-US" sz="2800" kern="1200" dirty="0" smtClean="0"/>
+            <a:t>Forwards to a new instance of a service</a:t>
+          </a:r>
+          <a:endParaRPr lang="en-US" sz="2800" kern="1200" dirty="0"/>
+        </a:p>
+      </dsp:txBody>
+      <dsp:txXfrm rot="-5400000">
+        <a:off x="3785615" y="2347509"/>
+        <a:ext cx="6689078" cy="756160"/>
+      </dsp:txXfrm>
+    </dsp:sp>
+    <dsp:sp modelId="{20FD0957-D800-4D6C-A0AE-FAECA012B13D}">
+      <dsp:nvSpPr>
+        <dsp:cNvPr id="0" name=""/>
+        <dsp:cNvSpPr/>
+      </dsp:nvSpPr>
+      <dsp:spPr>
+        <a:xfrm>
+          <a:off x="0" y="2201855"/>
+          <a:ext cx="3785616" cy="1047465"/>
+        </a:xfrm>
+        <a:prstGeom prst="roundRect">
+          <a:avLst/>
+        </a:prstGeom>
+        <a:solidFill>
+          <a:srgbClr val="009900"/>
+        </a:solidFill>
+        <a:ln w="12700" cap="flat" cmpd="sng" algn="ctr">
+          <a:solidFill>
+            <a:schemeClr val="lt1">
+              <a:hueOff val="0"/>
+              <a:satOff val="0"/>
+              <a:lumOff val="0"/>
+              <a:alphaOff val="0"/>
+            </a:schemeClr>
+          </a:solidFill>
+          <a:prstDash val="solid"/>
+          <a:miter lim="800000"/>
+        </a:ln>
+        <a:effectLst/>
+      </dsp:spPr>
+      <dsp:style>
+        <a:lnRef idx="2">
+          <a:scrgbClr r="0" g="0" b="0"/>
+        </a:lnRef>
+        <a:fillRef idx="1">
+          <a:scrgbClr r="0" g="0" b="0"/>
+        </a:fillRef>
+        <a:effectRef idx="0">
+          <a:scrgbClr r="0" g="0" b="0"/>
+        </a:effectRef>
+        <a:fontRef idx="minor">
+          <a:schemeClr val="lt1"/>
+        </a:fontRef>
+      </dsp:style>
+      <dsp:txBody>
+        <a:bodyPr spcFirstLastPara="0" vert="horz" wrap="square" lIns="152400" tIns="76200" rIns="152400" bIns="76200" numCol="1" spcCol="1270" anchor="ctr" anchorCtr="0">
+          <a:noAutofit/>
+        </a:bodyPr>
+        <a:lstStyle/>
+        <a:p>
+          <a:pPr lvl="0" algn="ctr" defTabSz="1778000" rtl="0">
+            <a:lnSpc>
+              <a:spcPct val="90000"/>
+            </a:lnSpc>
+            <a:spcBef>
+              <a:spcPct val="0"/>
+            </a:spcBef>
+            <a:spcAft>
+              <a:spcPct val="35000"/>
+            </a:spcAft>
+          </a:pPr>
+          <a:r>
+            <a:rPr lang="en-US" sz="4000" kern="1200" smtClean="0"/>
+            <a:t>Maintainability</a:t>
+          </a:r>
+          <a:endParaRPr lang="en-US" sz="4000" kern="1200"/>
+        </a:p>
+      </dsp:txBody>
+      <dsp:txXfrm>
+        <a:off x="51133" y="2252988"/>
+        <a:ext cx="3683350" cy="945199"/>
+      </dsp:txXfrm>
+    </dsp:sp>
+    <dsp:sp modelId="{32DD4CDC-0DAC-40A5-937C-0F1882E8EC71}">
+      <dsp:nvSpPr>
+        <dsp:cNvPr id="0" name=""/>
+        <dsp:cNvSpPr/>
+      </dsp:nvSpPr>
+      <dsp:spPr>
+        <a:xfrm rot="5400000">
+          <a:off x="6731621" y="460435"/>
+          <a:ext cx="837972" cy="6729984"/>
+        </a:xfrm>
+        <a:prstGeom prst="round2SameRect">
+          <a:avLst/>
+        </a:prstGeom>
+        <a:solidFill>
+          <a:srgbClr val="009900">
+            <a:alpha val="20000"/>
+          </a:srgbClr>
+        </a:solidFill>
+        <a:ln w="12700" cap="flat" cmpd="sng" algn="ctr">
+          <a:solidFill>
+            <a:schemeClr val="accent1">
+              <a:alpha val="90000"/>
+              <a:tint val="40000"/>
+              <a:hueOff val="0"/>
+              <a:satOff val="0"/>
+              <a:lumOff val="0"/>
+              <a:alphaOff val="0"/>
+            </a:schemeClr>
+          </a:solidFill>
+          <a:prstDash val="solid"/>
+          <a:miter lim="800000"/>
+        </a:ln>
+        <a:effectLst/>
+      </dsp:spPr>
+      <dsp:style>
+        <a:lnRef idx="2">
+          <a:scrgbClr r="0" g="0" b="0"/>
+        </a:lnRef>
+        <a:fillRef idx="1">
+          <a:scrgbClr r="0" g="0" b="0"/>
+        </a:fillRef>
+        <a:effectRef idx="0">
+          <a:scrgbClr r="0" g="0" b="0"/>
+        </a:effectRef>
+        <a:fontRef idx="minor"/>
+      </dsp:style>
+      <dsp:txBody>
+        <a:bodyPr spcFirstLastPara="0" vert="horz" wrap="square" lIns="106680" tIns="53340" rIns="106680" bIns="53340" numCol="1" spcCol="1270" anchor="ctr" anchorCtr="0">
+          <a:noAutofit/>
+        </a:bodyPr>
+        <a:lstStyle/>
+        <a:p>
+          <a:pPr marL="285750" lvl="1" indent="-285750" algn="l" defTabSz="1244600" rtl="0">
+            <a:lnSpc>
+              <a:spcPct val="90000"/>
+            </a:lnSpc>
+            <a:spcBef>
+              <a:spcPct val="0"/>
+            </a:spcBef>
+            <a:spcAft>
+              <a:spcPct val="15000"/>
+            </a:spcAft>
+            <a:buChar char="••"/>
+          </a:pPr>
+          <a:r>
+            <a:rPr lang="en-US" sz="2800" kern="1200" dirty="0" smtClean="0"/>
+            <a:t>Forwards to an idle instance of a service</a:t>
+          </a:r>
+          <a:endParaRPr lang="en-US" sz="2800" kern="1200" dirty="0"/>
+        </a:p>
+      </dsp:txBody>
+      <dsp:txXfrm rot="-5400000">
+        <a:off x="3785615" y="3447347"/>
+        <a:ext cx="6689078" cy="756160"/>
+      </dsp:txXfrm>
+    </dsp:sp>
+    <dsp:sp modelId="{ACBDE42E-10A9-47B2-BA21-E3D2C383B210}">
+      <dsp:nvSpPr>
+        <dsp:cNvPr id="0" name=""/>
+        <dsp:cNvSpPr/>
+      </dsp:nvSpPr>
+      <dsp:spPr>
+        <a:xfrm>
+          <a:off x="0" y="3301694"/>
+          <a:ext cx="3785616" cy="1047465"/>
+        </a:xfrm>
+        <a:prstGeom prst="roundRect">
+          <a:avLst/>
+        </a:prstGeom>
+        <a:solidFill>
+          <a:srgbClr val="009900"/>
+        </a:solidFill>
+        <a:ln w="12700" cap="flat" cmpd="sng" algn="ctr">
+          <a:solidFill>
+            <a:schemeClr val="lt1">
+              <a:hueOff val="0"/>
+              <a:satOff val="0"/>
+              <a:lumOff val="0"/>
+              <a:alphaOff val="0"/>
+            </a:schemeClr>
+          </a:solidFill>
+          <a:prstDash val="solid"/>
+          <a:miter lim="800000"/>
+        </a:ln>
+        <a:effectLst/>
+      </dsp:spPr>
+      <dsp:style>
+        <a:lnRef idx="2">
+          <a:scrgbClr r="0" g="0" b="0"/>
+        </a:lnRef>
+        <a:fillRef idx="1">
+          <a:scrgbClr r="0" g="0" b="0"/>
+        </a:fillRef>
+        <a:effectRef idx="0">
+          <a:scrgbClr r="0" g="0" b="0"/>
+        </a:effectRef>
+        <a:fontRef idx="minor">
+          <a:schemeClr val="lt1"/>
+        </a:fontRef>
+      </dsp:style>
+      <dsp:txBody>
+        <a:bodyPr spcFirstLastPara="0" vert="horz" wrap="square" lIns="152400" tIns="76200" rIns="152400" bIns="76200" numCol="1" spcCol="1270" anchor="ctr" anchorCtr="0">
+          <a:noAutofit/>
+        </a:bodyPr>
+        <a:lstStyle/>
+        <a:p>
+          <a:pPr lvl="0" algn="ctr" defTabSz="1778000" rtl="0">
+            <a:lnSpc>
+              <a:spcPct val="90000"/>
+            </a:lnSpc>
+            <a:spcBef>
+              <a:spcPct val="0"/>
+            </a:spcBef>
+            <a:spcAft>
+              <a:spcPct val="35000"/>
+            </a:spcAft>
+          </a:pPr>
+          <a:r>
+            <a:rPr lang="en-US" sz="4000" kern="1200" smtClean="0"/>
+            <a:t>Scalability</a:t>
+          </a:r>
+          <a:endParaRPr lang="en-US" sz="4000" kern="1200"/>
+        </a:p>
+      </dsp:txBody>
+      <dsp:txXfrm>
+        <a:off x="51133" y="3352827"/>
+        <a:ext cx="3683350" cy="945199"/>
       </dsp:txXfrm>
     </dsp:sp>
   </dsp:spTree>
@@ -9163,6 +12463,368 @@
 </dgm:layoutDef>
 </file>
 
+<file path=ppt/diagrams/layout5.xml><?xml version="1.0" encoding="utf-8"?>
+<dgm:layoutDef xmlns:dgm="http://schemas.openxmlformats.org/drawingml/2006/diagram" xmlns:a="http://schemas.openxmlformats.org/drawingml/2006/main" uniqueId="urn:microsoft.com/office/officeart/2005/8/layout/pyramid2">
+  <dgm:title val=""/>
+  <dgm:desc val=""/>
+  <dgm:catLst>
+    <dgm:cat type="pyramid" pri="3000"/>
+    <dgm:cat type="list" pri="21000"/>
+    <dgm:cat type="convert" pri="17000"/>
+  </dgm:catLst>
+  <dgm:sampData useDef="1">
+    <dgm:dataModel>
+      <dgm:ptLst/>
+      <dgm:bg/>
+      <dgm:whole/>
+    </dgm:dataModel>
+  </dgm:sampData>
+  <dgm:styleData useDef="1">
+    <dgm:dataModel>
+      <dgm:ptLst/>
+      <dgm:bg/>
+      <dgm:whole/>
+    </dgm:dataModel>
+  </dgm:styleData>
+  <dgm:clrData useDef="1">
+    <dgm:dataModel>
+      <dgm:ptLst/>
+      <dgm:bg/>
+      <dgm:whole/>
+    </dgm:dataModel>
+  </dgm:clrData>
+  <dgm:layoutNode name="compositeShape">
+    <dgm:alg type="composite"/>
+    <dgm:shape xmlns:r="http://schemas.openxmlformats.org/officeDocument/2006/relationships" r:blip="">
+      <dgm:adjLst/>
+    </dgm:shape>
+    <dgm:presOf/>
+    <dgm:varLst>
+      <dgm:dir/>
+      <dgm:resizeHandles/>
+    </dgm:varLst>
+    <dgm:choose name="Name0">
+      <dgm:if name="Name1" func="var" arg="dir" op="equ" val="norm">
+        <dgm:constrLst>
+          <dgm:constr type="w" for="ch" forName="pyramid" refType="h"/>
+          <dgm:constr type="h" for="ch" forName="pyramid" refType="h"/>
+          <dgm:constr type="h" for="ch" forName="theList" refType="h" fact="0.8"/>
+          <dgm:constr type="w" for="ch" forName="theList" refType="h" fact="0.65"/>
+          <dgm:constr type="ctrY" for="ch" forName="theList" refType="h" refFor="ch" refForName="pyramid" fact="0.5"/>
+          <dgm:constr type="l" for="ch" forName="theList" refType="w" refFor="ch" refForName="pyramid" fact="0.5"/>
+          <dgm:constr type="h" for="des" forName="aSpace" refType="h" fact="0.1"/>
+        </dgm:constrLst>
+      </dgm:if>
+      <dgm:else name="Name2">
+        <dgm:constrLst>
+          <dgm:constr type="w" for="ch" forName="pyramid" refType="h"/>
+          <dgm:constr type="h" for="ch" forName="pyramid" refType="h"/>
+          <dgm:constr type="h" for="ch" forName="theList" refType="h" fact="0.8"/>
+          <dgm:constr type="w" for="ch" forName="theList" refType="h" fact="0.65"/>
+          <dgm:constr type="ctrY" for="ch" forName="theList" refType="h" refFor="ch" refForName="pyramid" fact="0.5"/>
+          <dgm:constr type="r" for="ch" forName="theList" refType="w" refFor="ch" refForName="pyramid" fact="0.5"/>
+          <dgm:constr type="h" for="des" forName="aSpace" refType="h" fact="0.1"/>
+        </dgm:constrLst>
+      </dgm:else>
+    </dgm:choose>
+    <dgm:ruleLst/>
+    <dgm:choose name="Name3">
+      <dgm:if name="Name4" axis="ch" ptType="node" func="cnt" op="gte" val="1">
+        <dgm:layoutNode name="pyramid" styleLbl="node1">
+          <dgm:alg type="sp"/>
+          <dgm:shape xmlns:r="http://schemas.openxmlformats.org/officeDocument/2006/relationships" type="triangle" r:blip="">
+            <dgm:adjLst/>
+          </dgm:shape>
+          <dgm:presOf/>
+          <dgm:constrLst/>
+          <dgm:ruleLst/>
+        </dgm:layoutNode>
+        <dgm:layoutNode name="theList">
+          <dgm:alg type="lin">
+            <dgm:param type="linDir" val="fromT"/>
+          </dgm:alg>
+          <dgm:shape xmlns:r="http://schemas.openxmlformats.org/officeDocument/2006/relationships" r:blip="">
+            <dgm:adjLst/>
+          </dgm:shape>
+          <dgm:presOf/>
+          <dgm:constrLst>
+            <dgm:constr type="w" for="ch" forName="aNode" refType="w"/>
+            <dgm:constr type="h" for="ch" forName="aNode" refType="h"/>
+            <dgm:constr type="primFontSz" for="ch" ptType="node" op="equ"/>
+          </dgm:constrLst>
+          <dgm:ruleLst/>
+          <dgm:forEach name="aNodeForEach" axis="ch" ptType="node">
+            <dgm:layoutNode name="aNode" styleLbl="fgAcc1">
+              <dgm:varLst>
+                <dgm:bulletEnabled val="1"/>
+              </dgm:varLst>
+              <dgm:alg type="tx"/>
+              <dgm:shape xmlns:r="http://schemas.openxmlformats.org/officeDocument/2006/relationships" type="roundRect" r:blip="">
+                <dgm:adjLst/>
+              </dgm:shape>
+              <dgm:presOf axis="desOrSelf" ptType="node"/>
+              <dgm:constrLst>
+                <dgm:constr type="primFontSz" val="65"/>
+                <dgm:constr type="tMarg" refType="primFontSz" fact="0.3"/>
+                <dgm:constr type="bMarg" refType="primFontSz" fact="0.3"/>
+                <dgm:constr type="lMarg" refType="primFontSz" fact="0.3"/>
+                <dgm:constr type="rMarg" refType="primFontSz" fact="0.3"/>
+              </dgm:constrLst>
+              <dgm:ruleLst>
+                <dgm:rule type="primFontSz" val="5" fact="NaN" max="NaN"/>
+              </dgm:ruleLst>
+            </dgm:layoutNode>
+            <dgm:layoutNode name="aSpace">
+              <dgm:alg type="sp"/>
+              <dgm:shape xmlns:r="http://schemas.openxmlformats.org/officeDocument/2006/relationships" r:blip="">
+                <dgm:adjLst/>
+              </dgm:shape>
+              <dgm:presOf/>
+              <dgm:constrLst/>
+              <dgm:ruleLst/>
+            </dgm:layoutNode>
+          </dgm:forEach>
+        </dgm:layoutNode>
+      </dgm:if>
+      <dgm:else name="Name5"/>
+    </dgm:choose>
+  </dgm:layoutNode>
+</dgm:layoutDef>
+</file>
+
+<file path=ppt/diagrams/layout6.xml><?xml version="1.0" encoding="utf-8"?>
+<dgm:layoutDef xmlns:dgm="http://schemas.openxmlformats.org/drawingml/2006/diagram" xmlns:a="http://schemas.openxmlformats.org/drawingml/2006/main" uniqueId="urn:microsoft.com/office/officeart/2005/8/layout/vList5">
+  <dgm:title val=""/>
+  <dgm:desc val=""/>
+  <dgm:catLst>
+    <dgm:cat type="list" pri="15000"/>
+    <dgm:cat type="convert" pri="2000"/>
+  </dgm:catLst>
+  <dgm:sampData>
+    <dgm:dataModel>
+      <dgm:ptLst>
+        <dgm:pt modelId="0" type="doc"/>
+        <dgm:pt modelId="1">
+          <dgm:prSet phldr="1"/>
+        </dgm:pt>
+        <dgm:pt modelId="11">
+          <dgm:prSet phldr="1"/>
+        </dgm:pt>
+        <dgm:pt modelId="12">
+          <dgm:prSet phldr="1"/>
+        </dgm:pt>
+        <dgm:pt modelId="2">
+          <dgm:prSet phldr="1"/>
+        </dgm:pt>
+        <dgm:pt modelId="21">
+          <dgm:prSet phldr="1"/>
+        </dgm:pt>
+        <dgm:pt modelId="22">
+          <dgm:prSet phldr="1"/>
+        </dgm:pt>
+        <dgm:pt modelId="3">
+          <dgm:prSet phldr="1"/>
+        </dgm:pt>
+        <dgm:pt modelId="31">
+          <dgm:prSet phldr="1"/>
+        </dgm:pt>
+        <dgm:pt modelId="32">
+          <dgm:prSet phldr="1"/>
+        </dgm:pt>
+      </dgm:ptLst>
+      <dgm:cxnLst>
+        <dgm:cxn modelId="4" srcId="0" destId="1" srcOrd="0" destOrd="0"/>
+        <dgm:cxn modelId="5" srcId="0" destId="2" srcOrd="1" destOrd="0"/>
+        <dgm:cxn modelId="6" srcId="0" destId="3" srcOrd="2" destOrd="0"/>
+        <dgm:cxn modelId="13" srcId="1" destId="11" srcOrd="0" destOrd="0"/>
+        <dgm:cxn modelId="14" srcId="1" destId="12" srcOrd="1" destOrd="0"/>
+        <dgm:cxn modelId="23" srcId="2" destId="21" srcOrd="0" destOrd="0"/>
+        <dgm:cxn modelId="24" srcId="2" destId="22" srcOrd="1" destOrd="0"/>
+        <dgm:cxn modelId="33" srcId="3" destId="31" srcOrd="0" destOrd="0"/>
+        <dgm:cxn modelId="34" srcId="3" destId="32" srcOrd="1" destOrd="0"/>
+      </dgm:cxnLst>
+      <dgm:bg/>
+      <dgm:whole/>
+    </dgm:dataModel>
+  </dgm:sampData>
+  <dgm:styleData>
+    <dgm:dataModel>
+      <dgm:ptLst>
+        <dgm:pt modelId="0" type="doc"/>
+        <dgm:pt modelId="1"/>
+        <dgm:pt modelId="11"/>
+        <dgm:pt modelId="2"/>
+        <dgm:pt modelId="21"/>
+      </dgm:ptLst>
+      <dgm:cxnLst>
+        <dgm:cxn modelId="4" srcId="0" destId="1" srcOrd="0" destOrd="0"/>
+        <dgm:cxn modelId="5" srcId="0" destId="2" srcOrd="1" destOrd="0"/>
+        <dgm:cxn modelId="13" srcId="1" destId="11" srcOrd="0" destOrd="0"/>
+        <dgm:cxn modelId="23" srcId="2" destId="21" srcOrd="0" destOrd="0"/>
+      </dgm:cxnLst>
+      <dgm:bg/>
+      <dgm:whole/>
+    </dgm:dataModel>
+  </dgm:styleData>
+  <dgm:clrData>
+    <dgm:dataModel>
+      <dgm:ptLst>
+        <dgm:pt modelId="0" type="doc"/>
+        <dgm:pt modelId="1"/>
+        <dgm:pt modelId="11"/>
+        <dgm:pt modelId="2"/>
+        <dgm:pt modelId="21"/>
+        <dgm:pt modelId="3"/>
+        <dgm:pt modelId="31"/>
+        <dgm:pt modelId="4"/>
+        <dgm:pt modelId="41"/>
+      </dgm:ptLst>
+      <dgm:cxnLst>
+        <dgm:cxn modelId="5" srcId="0" destId="1" srcOrd="0" destOrd="0"/>
+        <dgm:cxn modelId="6" srcId="0" destId="2" srcOrd="1" destOrd="0"/>
+        <dgm:cxn modelId="7" srcId="0" destId="3" srcOrd="2" destOrd="0"/>
+        <dgm:cxn modelId="8" srcId="0" destId="4" srcOrd="3" destOrd="0"/>
+        <dgm:cxn modelId="13" srcId="1" destId="11" srcOrd="0" destOrd="0"/>
+        <dgm:cxn modelId="23" srcId="2" destId="21" srcOrd="0" destOrd="0"/>
+        <dgm:cxn modelId="33" srcId="3" destId="31" srcOrd="0" destOrd="0"/>
+        <dgm:cxn modelId="43" srcId="4" destId="41" srcOrd="0" destOrd="0"/>
+      </dgm:cxnLst>
+      <dgm:bg/>
+      <dgm:whole/>
+    </dgm:dataModel>
+  </dgm:clrData>
+  <dgm:layoutNode name="Name0">
+    <dgm:varLst>
+      <dgm:dir/>
+      <dgm:animLvl val="lvl"/>
+      <dgm:resizeHandles val="exact"/>
+    </dgm:varLst>
+    <dgm:choose name="Name1">
+      <dgm:if name="Name2" func="var" arg="dir" op="equ" val="norm">
+        <dgm:alg type="lin">
+          <dgm:param type="linDir" val="fromT"/>
+          <dgm:param type="nodeHorzAlign" val="l"/>
+        </dgm:alg>
+      </dgm:if>
+      <dgm:else name="Name3">
+        <dgm:alg type="lin">
+          <dgm:param type="linDir" val="fromT"/>
+          <dgm:param type="nodeHorzAlign" val="r"/>
+        </dgm:alg>
+      </dgm:else>
+    </dgm:choose>
+    <dgm:shape xmlns:r="http://schemas.openxmlformats.org/officeDocument/2006/relationships" r:blip="">
+      <dgm:adjLst/>
+    </dgm:shape>
+    <dgm:presOf/>
+    <dgm:constrLst>
+      <dgm:constr type="h" for="ch" forName="linNode" refType="h"/>
+      <dgm:constr type="w" for="ch" forName="linNode" refType="w"/>
+      <dgm:constr type="h" for="ch" forName="sp" refType="h" fact="0.05"/>
+      <dgm:constr type="primFontSz" for="des" forName="parentText" op="equ" val="65"/>
+      <dgm:constr type="secFontSz" for="des" forName="descendantText" op="equ"/>
+    </dgm:constrLst>
+    <dgm:ruleLst/>
+    <dgm:forEach name="Name4" axis="ch" ptType="node">
+      <dgm:layoutNode name="linNode">
+        <dgm:choose name="Name5">
+          <dgm:if name="Name6" func="var" arg="dir" op="equ" val="norm">
+            <dgm:alg type="lin">
+              <dgm:param type="linDir" val="fromL"/>
+            </dgm:alg>
+          </dgm:if>
+          <dgm:else name="Name7">
+            <dgm:alg type="lin">
+              <dgm:param type="linDir" val="fromR"/>
+            </dgm:alg>
+          </dgm:else>
+        </dgm:choose>
+        <dgm:shape xmlns:r="http://schemas.openxmlformats.org/officeDocument/2006/relationships" r:blip="">
+          <dgm:adjLst/>
+        </dgm:shape>
+        <dgm:presOf/>
+        <dgm:constrLst>
+          <dgm:constr type="w" for="ch" forName="parentText" refType="w" fact="0.36"/>
+          <dgm:constr type="w" for="ch" forName="descendantText" refType="w" fact="0.64"/>
+          <dgm:constr type="h" for="ch" forName="parentText" refType="h"/>
+          <dgm:constr type="h" for="ch" forName="descendantText" refType="h" refFor="ch" refForName="parentText" fact="0.8"/>
+        </dgm:constrLst>
+        <dgm:ruleLst/>
+        <dgm:layoutNode name="parentText">
+          <dgm:varLst>
+            <dgm:chMax val="1"/>
+            <dgm:bulletEnabled val="1"/>
+          </dgm:varLst>
+          <dgm:alg type="tx"/>
+          <dgm:shape xmlns:r="http://schemas.openxmlformats.org/officeDocument/2006/relationships" type="roundRect" r:blip="" zOrderOff="3">
+            <dgm:adjLst/>
+          </dgm:shape>
+          <dgm:presOf axis="self" ptType="node"/>
+          <dgm:constrLst>
+            <dgm:constr type="tMarg" refType="primFontSz" fact="0.15"/>
+            <dgm:constr type="bMarg" refType="primFontSz" fact="0.15"/>
+            <dgm:constr type="lMarg" refType="primFontSz" fact="0.3"/>
+            <dgm:constr type="rMarg" refType="primFontSz" fact="0.3"/>
+          </dgm:constrLst>
+          <dgm:ruleLst>
+            <dgm:rule type="primFontSz" val="5" fact="NaN" max="NaN"/>
+          </dgm:ruleLst>
+        </dgm:layoutNode>
+        <dgm:choose name="Name8">
+          <dgm:if name="Name9" axis="ch" ptType="node" func="cnt" op="gte" val="1">
+            <dgm:layoutNode name="descendantText" styleLbl="alignAccFollowNode1">
+              <dgm:varLst>
+                <dgm:bulletEnabled val="1"/>
+              </dgm:varLst>
+              <dgm:alg type="tx">
+                <dgm:param type="stBulletLvl" val="1"/>
+                <dgm:param type="txAnchorVertCh" val="mid"/>
+              </dgm:alg>
+              <dgm:choose name="Name10">
+                <dgm:if name="Name11" func="var" arg="dir" op="equ" val="norm">
+                  <dgm:shape xmlns:r="http://schemas.openxmlformats.org/officeDocument/2006/relationships" rot="90" type="round2SameRect" r:blip="">
+                    <dgm:adjLst/>
+                  </dgm:shape>
+                </dgm:if>
+                <dgm:else name="Name12">
+                  <dgm:shape xmlns:r="http://schemas.openxmlformats.org/officeDocument/2006/relationships" rot="-90" type="round2SameRect" r:blip="">
+                    <dgm:adjLst/>
+                  </dgm:shape>
+                </dgm:else>
+              </dgm:choose>
+              <dgm:presOf axis="des" ptType="node"/>
+              <dgm:constrLst>
+                <dgm:constr type="secFontSz" val="65"/>
+                <dgm:constr type="primFontSz" refType="secFontSz"/>
+                <dgm:constr type="lMarg" refType="secFontSz" fact="0.3"/>
+                <dgm:constr type="rMarg" refType="secFontSz" fact="0.3"/>
+                <dgm:constr type="tMarg" refType="secFontSz" fact="0.15"/>
+                <dgm:constr type="bMarg" refType="secFontSz" fact="0.15"/>
+              </dgm:constrLst>
+              <dgm:ruleLst>
+                <dgm:rule type="secFontSz" val="5" fact="NaN" max="NaN"/>
+              </dgm:ruleLst>
+            </dgm:layoutNode>
+          </dgm:if>
+          <dgm:else name="Name13"/>
+        </dgm:choose>
+      </dgm:layoutNode>
+      <dgm:forEach name="Name14" axis="followSib" ptType="sibTrans" cnt="1">
+        <dgm:layoutNode name="sp">
+          <dgm:alg type="sp"/>
+          <dgm:shape xmlns:r="http://schemas.openxmlformats.org/officeDocument/2006/relationships" r:blip="">
+            <dgm:adjLst/>
+          </dgm:shape>
+          <dgm:presOf/>
+          <dgm:constrLst/>
+          <dgm:ruleLst/>
+        </dgm:layoutNode>
+      </dgm:forEach>
+    </dgm:forEach>
+  </dgm:layoutNode>
+</dgm:layoutDef>
+</file>
+
 <file path=ppt/diagrams/quickStyle1.xml><?xml version="1.0" encoding="utf-8"?>
 <dgm:styleDef xmlns:dgm="http://schemas.openxmlformats.org/drawingml/2006/diagram" xmlns:a="http://schemas.openxmlformats.org/drawingml/2006/main" uniqueId="urn:microsoft.com/office/officeart/2005/8/quickstyle/simple1">
   <dgm:title val=""/>
@@ -13297,6 +16959,2507 @@
     </dgm:style>
   </dgm:styleLbl>
 </dgm:styleDef>
+</file>
+
+<file path=ppt/diagrams/quickStyle5.xml><?xml version="1.0" encoding="utf-8"?>
+<dgm:styleDef xmlns:dgm="http://schemas.openxmlformats.org/drawingml/2006/diagram" xmlns:a="http://schemas.openxmlformats.org/drawingml/2006/main" uniqueId="urn:microsoft.com/office/officeart/2005/8/quickstyle/simple1">
+  <dgm:title val=""/>
+  <dgm:desc val=""/>
+  <dgm:catLst>
+    <dgm:cat type="simple" pri="10100"/>
+  </dgm:catLst>
+  <dgm:scene3d>
+    <a:camera prst="orthographicFront"/>
+    <a:lightRig rig="threePt" dir="t"/>
+  </dgm:scene3d>
+  <dgm:styleLbl name="node0">
+    <dgm:scene3d>
+      <a:camera prst="orthographicFront"/>
+      <a:lightRig rig="threePt" dir="t"/>
+    </dgm:scene3d>
+    <dgm:sp3d/>
+    <dgm:txPr/>
+    <dgm:style>
+      <a:lnRef idx="2">
+        <a:scrgbClr r="0" g="0" b="0"/>
+      </a:lnRef>
+      <a:fillRef idx="1">
+        <a:scrgbClr r="0" g="0" b="0"/>
+      </a:fillRef>
+      <a:effectRef idx="0">
+        <a:scrgbClr r="0" g="0" b="0"/>
+      </a:effectRef>
+      <a:fontRef idx="minor">
+        <a:schemeClr val="lt1"/>
+      </a:fontRef>
+    </dgm:style>
+  </dgm:styleLbl>
+  <dgm:styleLbl name="lnNode1">
+    <dgm:scene3d>
+      <a:camera prst="orthographicFront"/>
+      <a:lightRig rig="threePt" dir="t"/>
+    </dgm:scene3d>
+    <dgm:sp3d/>
+    <dgm:txPr/>
+    <dgm:style>
+      <a:lnRef idx="2">
+        <a:scrgbClr r="0" g="0" b="0"/>
+      </a:lnRef>
+      <a:fillRef idx="1">
+        <a:scrgbClr r="0" g="0" b="0"/>
+      </a:fillRef>
+      <a:effectRef idx="0">
+        <a:scrgbClr r="0" g="0" b="0"/>
+      </a:effectRef>
+      <a:fontRef idx="minor">
+        <a:schemeClr val="lt1"/>
+      </a:fontRef>
+    </dgm:style>
+  </dgm:styleLbl>
+  <dgm:styleLbl name="vennNode1">
+    <dgm:scene3d>
+      <a:camera prst="orthographicFront"/>
+      <a:lightRig rig="threePt" dir="t"/>
+    </dgm:scene3d>
+    <dgm:sp3d/>
+    <dgm:txPr/>
+    <dgm:style>
+      <a:lnRef idx="2">
+        <a:scrgbClr r="0" g="0" b="0"/>
+      </a:lnRef>
+      <a:fillRef idx="1">
+        <a:scrgbClr r="0" g="0" b="0"/>
+      </a:fillRef>
+      <a:effectRef idx="0">
+        <a:scrgbClr r="0" g="0" b="0"/>
+      </a:effectRef>
+      <a:fontRef idx="minor">
+        <a:schemeClr val="tx1"/>
+      </a:fontRef>
+    </dgm:style>
+  </dgm:styleLbl>
+  <dgm:styleLbl name="alignNode1">
+    <dgm:scene3d>
+      <a:camera prst="orthographicFront"/>
+      <a:lightRig rig="threePt" dir="t"/>
+    </dgm:scene3d>
+    <dgm:sp3d/>
+    <dgm:txPr/>
+    <dgm:style>
+      <a:lnRef idx="2">
+        <a:scrgbClr r="0" g="0" b="0"/>
+      </a:lnRef>
+      <a:fillRef idx="1">
+        <a:scrgbClr r="0" g="0" b="0"/>
+      </a:fillRef>
+      <a:effectRef idx="0">
+        <a:scrgbClr r="0" g="0" b="0"/>
+      </a:effectRef>
+      <a:fontRef idx="minor">
+        <a:schemeClr val="lt1"/>
+      </a:fontRef>
+    </dgm:style>
+  </dgm:styleLbl>
+  <dgm:styleLbl name="node1">
+    <dgm:scene3d>
+      <a:camera prst="orthographicFront"/>
+      <a:lightRig rig="threePt" dir="t"/>
+    </dgm:scene3d>
+    <dgm:sp3d/>
+    <dgm:txPr/>
+    <dgm:style>
+      <a:lnRef idx="2">
+        <a:scrgbClr r="0" g="0" b="0"/>
+      </a:lnRef>
+      <a:fillRef idx="1">
+        <a:scrgbClr r="0" g="0" b="0"/>
+      </a:fillRef>
+      <a:effectRef idx="0">
+        <a:scrgbClr r="0" g="0" b="0"/>
+      </a:effectRef>
+      <a:fontRef idx="minor">
+        <a:schemeClr val="lt1"/>
+      </a:fontRef>
+    </dgm:style>
+  </dgm:styleLbl>
+  <dgm:styleLbl name="node2">
+    <dgm:scene3d>
+      <a:camera prst="orthographicFront"/>
+      <a:lightRig rig="threePt" dir="t"/>
+    </dgm:scene3d>
+    <dgm:sp3d/>
+    <dgm:txPr/>
+    <dgm:style>
+      <a:lnRef idx="2">
+        <a:scrgbClr r="0" g="0" b="0"/>
+      </a:lnRef>
+      <a:fillRef idx="1">
+        <a:scrgbClr r="0" g="0" b="0"/>
+      </a:fillRef>
+      <a:effectRef idx="0">
+        <a:scrgbClr r="0" g="0" b="0"/>
+      </a:effectRef>
+      <a:fontRef idx="minor">
+        <a:schemeClr val="lt1"/>
+      </a:fontRef>
+    </dgm:style>
+  </dgm:styleLbl>
+  <dgm:styleLbl name="node3">
+    <dgm:scene3d>
+      <a:camera prst="orthographicFront"/>
+      <a:lightRig rig="threePt" dir="t"/>
+    </dgm:scene3d>
+    <dgm:sp3d/>
+    <dgm:txPr/>
+    <dgm:style>
+      <a:lnRef idx="2">
+        <a:scrgbClr r="0" g="0" b="0"/>
+      </a:lnRef>
+      <a:fillRef idx="1">
+        <a:scrgbClr r="0" g="0" b="0"/>
+      </a:fillRef>
+      <a:effectRef idx="0">
+        <a:scrgbClr r="0" g="0" b="0"/>
+      </a:effectRef>
+      <a:fontRef idx="minor">
+        <a:schemeClr val="lt1"/>
+      </a:fontRef>
+    </dgm:style>
+  </dgm:styleLbl>
+  <dgm:styleLbl name="node4">
+    <dgm:scene3d>
+      <a:camera prst="orthographicFront"/>
+      <a:lightRig rig="threePt" dir="t"/>
+    </dgm:scene3d>
+    <dgm:sp3d/>
+    <dgm:txPr/>
+    <dgm:style>
+      <a:lnRef idx="2">
+        <a:scrgbClr r="0" g="0" b="0"/>
+      </a:lnRef>
+      <a:fillRef idx="1">
+        <a:scrgbClr r="0" g="0" b="0"/>
+      </a:fillRef>
+      <a:effectRef idx="0">
+        <a:scrgbClr r="0" g="0" b="0"/>
+      </a:effectRef>
+      <a:fontRef idx="minor">
+        <a:schemeClr val="lt1"/>
+      </a:fontRef>
+    </dgm:style>
+  </dgm:styleLbl>
+  <dgm:styleLbl name="fgImgPlace1">
+    <dgm:scene3d>
+      <a:camera prst="orthographicFront"/>
+      <a:lightRig rig="threePt" dir="t"/>
+    </dgm:scene3d>
+    <dgm:sp3d/>
+    <dgm:txPr/>
+    <dgm:style>
+      <a:lnRef idx="2">
+        <a:scrgbClr r="0" g="0" b="0"/>
+      </a:lnRef>
+      <a:fillRef idx="1">
+        <a:scrgbClr r="0" g="0" b="0"/>
+      </a:fillRef>
+      <a:effectRef idx="0">
+        <a:scrgbClr r="0" g="0" b="0"/>
+      </a:effectRef>
+      <a:fontRef idx="minor"/>
+    </dgm:style>
+  </dgm:styleLbl>
+  <dgm:styleLbl name="alignImgPlace1">
+    <dgm:scene3d>
+      <a:camera prst="orthographicFront"/>
+      <a:lightRig rig="threePt" dir="t"/>
+    </dgm:scene3d>
+    <dgm:sp3d/>
+    <dgm:txPr/>
+    <dgm:style>
+      <a:lnRef idx="2">
+        <a:scrgbClr r="0" g="0" b="0"/>
+      </a:lnRef>
+      <a:fillRef idx="1">
+        <a:scrgbClr r="0" g="0" b="0"/>
+      </a:fillRef>
+      <a:effectRef idx="0">
+        <a:scrgbClr r="0" g="0" b="0"/>
+      </a:effectRef>
+      <a:fontRef idx="minor"/>
+    </dgm:style>
+  </dgm:styleLbl>
+  <dgm:styleLbl name="bgImgPlace1">
+    <dgm:scene3d>
+      <a:camera prst="orthographicFront"/>
+      <a:lightRig rig="threePt" dir="t"/>
+    </dgm:scene3d>
+    <dgm:sp3d/>
+    <dgm:txPr/>
+    <dgm:style>
+      <a:lnRef idx="2">
+        <a:scrgbClr r="0" g="0" b="0"/>
+      </a:lnRef>
+      <a:fillRef idx="1">
+        <a:scrgbClr r="0" g="0" b="0"/>
+      </a:fillRef>
+      <a:effectRef idx="0">
+        <a:scrgbClr r="0" g="0" b="0"/>
+      </a:effectRef>
+      <a:fontRef idx="minor"/>
+    </dgm:style>
+  </dgm:styleLbl>
+  <dgm:styleLbl name="sibTrans2D1">
+    <dgm:scene3d>
+      <a:camera prst="orthographicFront"/>
+      <a:lightRig rig="threePt" dir="t"/>
+    </dgm:scene3d>
+    <dgm:sp3d/>
+    <dgm:txPr/>
+    <dgm:style>
+      <a:lnRef idx="0">
+        <a:scrgbClr r="0" g="0" b="0"/>
+      </a:lnRef>
+      <a:fillRef idx="1">
+        <a:scrgbClr r="0" g="0" b="0"/>
+      </a:fillRef>
+      <a:effectRef idx="0">
+        <a:scrgbClr r="0" g="0" b="0"/>
+      </a:effectRef>
+      <a:fontRef idx="minor">
+        <a:schemeClr val="lt1"/>
+      </a:fontRef>
+    </dgm:style>
+  </dgm:styleLbl>
+  <dgm:styleLbl name="fgSibTrans2D1">
+    <dgm:scene3d>
+      <a:camera prst="orthographicFront"/>
+      <a:lightRig rig="threePt" dir="t"/>
+    </dgm:scene3d>
+    <dgm:sp3d/>
+    <dgm:txPr/>
+    <dgm:style>
+      <a:lnRef idx="0">
+        <a:scrgbClr r="0" g="0" b="0"/>
+      </a:lnRef>
+      <a:fillRef idx="1">
+        <a:scrgbClr r="0" g="0" b="0"/>
+      </a:fillRef>
+      <a:effectRef idx="0">
+        <a:scrgbClr r="0" g="0" b="0"/>
+      </a:effectRef>
+      <a:fontRef idx="minor">
+        <a:schemeClr val="lt1"/>
+      </a:fontRef>
+    </dgm:style>
+  </dgm:styleLbl>
+  <dgm:styleLbl name="bgSibTrans2D1">
+    <dgm:scene3d>
+      <a:camera prst="orthographicFront"/>
+      <a:lightRig rig="threePt" dir="t"/>
+    </dgm:scene3d>
+    <dgm:sp3d/>
+    <dgm:txPr/>
+    <dgm:style>
+      <a:lnRef idx="0">
+        <a:scrgbClr r="0" g="0" b="0"/>
+      </a:lnRef>
+      <a:fillRef idx="1">
+        <a:scrgbClr r="0" g="0" b="0"/>
+      </a:fillRef>
+      <a:effectRef idx="0">
+        <a:scrgbClr r="0" g="0" b="0"/>
+      </a:effectRef>
+      <a:fontRef idx="minor">
+        <a:schemeClr val="lt1"/>
+      </a:fontRef>
+    </dgm:style>
+  </dgm:styleLbl>
+  <dgm:styleLbl name="sibTrans1D1">
+    <dgm:scene3d>
+      <a:camera prst="orthographicFront"/>
+      <a:lightRig rig="threePt" dir="t"/>
+    </dgm:scene3d>
+    <dgm:sp3d/>
+    <dgm:txPr/>
+    <dgm:style>
+      <a:lnRef idx="1">
+        <a:scrgbClr r="0" g="0" b="0"/>
+      </a:lnRef>
+      <a:fillRef idx="0">
+        <a:scrgbClr r="0" g="0" b="0"/>
+      </a:fillRef>
+      <a:effectRef idx="0">
+        <a:scrgbClr r="0" g="0" b="0"/>
+      </a:effectRef>
+      <a:fontRef idx="minor"/>
+    </dgm:style>
+  </dgm:styleLbl>
+  <dgm:styleLbl name="callout">
+    <dgm:scene3d>
+      <a:camera prst="orthographicFront"/>
+      <a:lightRig rig="threePt" dir="t"/>
+    </dgm:scene3d>
+    <dgm:sp3d/>
+    <dgm:txPr/>
+    <dgm:style>
+      <a:lnRef idx="2">
+        <a:scrgbClr r="0" g="0" b="0"/>
+      </a:lnRef>
+      <a:fillRef idx="1">
+        <a:scrgbClr r="0" g="0" b="0"/>
+      </a:fillRef>
+      <a:effectRef idx="0">
+        <a:scrgbClr r="0" g="0" b="0"/>
+      </a:effectRef>
+      <a:fontRef idx="minor"/>
+    </dgm:style>
+  </dgm:styleLbl>
+  <dgm:styleLbl name="asst0">
+    <dgm:scene3d>
+      <a:camera prst="orthographicFront"/>
+      <a:lightRig rig="threePt" dir="t"/>
+    </dgm:scene3d>
+    <dgm:sp3d/>
+    <dgm:txPr/>
+    <dgm:style>
+      <a:lnRef idx="2">
+        <a:scrgbClr r="0" g="0" b="0"/>
+      </a:lnRef>
+      <a:fillRef idx="1">
+        <a:scrgbClr r="0" g="0" b="0"/>
+      </a:fillRef>
+      <a:effectRef idx="0">
+        <a:scrgbClr r="0" g="0" b="0"/>
+      </a:effectRef>
+      <a:fontRef idx="minor">
+        <a:schemeClr val="lt1"/>
+      </a:fontRef>
+    </dgm:style>
+  </dgm:styleLbl>
+  <dgm:styleLbl name="asst1">
+    <dgm:scene3d>
+      <a:camera prst="orthographicFront"/>
+      <a:lightRig rig="threePt" dir="t"/>
+    </dgm:scene3d>
+    <dgm:sp3d/>
+    <dgm:txPr/>
+    <dgm:style>
+      <a:lnRef idx="2">
+        <a:scrgbClr r="0" g="0" b="0"/>
+      </a:lnRef>
+      <a:fillRef idx="1">
+        <a:scrgbClr r="0" g="0" b="0"/>
+      </a:fillRef>
+      <a:effectRef idx="0">
+        <a:scrgbClr r="0" g="0" b="0"/>
+      </a:effectRef>
+      <a:fontRef idx="minor">
+        <a:schemeClr val="lt1"/>
+      </a:fontRef>
+    </dgm:style>
+  </dgm:styleLbl>
+  <dgm:styleLbl name="asst2">
+    <dgm:scene3d>
+      <a:camera prst="orthographicFront"/>
+      <a:lightRig rig="threePt" dir="t"/>
+    </dgm:scene3d>
+    <dgm:sp3d/>
+    <dgm:txPr/>
+    <dgm:style>
+      <a:lnRef idx="2">
+        <a:scrgbClr r="0" g="0" b="0"/>
+      </a:lnRef>
+      <a:fillRef idx="1">
+        <a:scrgbClr r="0" g="0" b="0"/>
+      </a:fillRef>
+      <a:effectRef idx="0">
+        <a:scrgbClr r="0" g="0" b="0"/>
+      </a:effectRef>
+      <a:fontRef idx="minor">
+        <a:schemeClr val="lt1"/>
+      </a:fontRef>
+    </dgm:style>
+  </dgm:styleLbl>
+  <dgm:styleLbl name="asst3">
+    <dgm:scene3d>
+      <a:camera prst="orthographicFront"/>
+      <a:lightRig rig="threePt" dir="t"/>
+    </dgm:scene3d>
+    <dgm:sp3d/>
+    <dgm:txPr/>
+    <dgm:style>
+      <a:lnRef idx="2">
+        <a:scrgbClr r="0" g="0" b="0"/>
+      </a:lnRef>
+      <a:fillRef idx="1">
+        <a:scrgbClr r="0" g="0" b="0"/>
+      </a:fillRef>
+      <a:effectRef idx="0">
+        <a:scrgbClr r="0" g="0" b="0"/>
+      </a:effectRef>
+      <a:fontRef idx="minor">
+        <a:schemeClr val="lt1"/>
+      </a:fontRef>
+    </dgm:style>
+  </dgm:styleLbl>
+  <dgm:styleLbl name="asst4">
+    <dgm:scene3d>
+      <a:camera prst="orthographicFront"/>
+      <a:lightRig rig="threePt" dir="t"/>
+    </dgm:scene3d>
+    <dgm:sp3d/>
+    <dgm:txPr/>
+    <dgm:style>
+      <a:lnRef idx="2">
+        <a:scrgbClr r="0" g="0" b="0"/>
+      </a:lnRef>
+      <a:fillRef idx="1">
+        <a:scrgbClr r="0" g="0" b="0"/>
+      </a:fillRef>
+      <a:effectRef idx="0">
+        <a:scrgbClr r="0" g="0" b="0"/>
+      </a:effectRef>
+      <a:fontRef idx="minor">
+        <a:schemeClr val="lt1"/>
+      </a:fontRef>
+    </dgm:style>
+  </dgm:styleLbl>
+  <dgm:styleLbl name="parChTrans2D1">
+    <dgm:scene3d>
+      <a:camera prst="orthographicFront"/>
+      <a:lightRig rig="threePt" dir="t"/>
+    </dgm:scene3d>
+    <dgm:sp3d/>
+    <dgm:txPr/>
+    <dgm:style>
+      <a:lnRef idx="2">
+        <a:scrgbClr r="0" g="0" b="0"/>
+      </a:lnRef>
+      <a:fillRef idx="1">
+        <a:scrgbClr r="0" g="0" b="0"/>
+      </a:fillRef>
+      <a:effectRef idx="0">
+        <a:scrgbClr r="0" g="0" b="0"/>
+      </a:effectRef>
+      <a:fontRef idx="minor">
+        <a:schemeClr val="lt1"/>
+      </a:fontRef>
+    </dgm:style>
+  </dgm:styleLbl>
+  <dgm:styleLbl name="parChTrans2D2">
+    <dgm:scene3d>
+      <a:camera prst="orthographicFront"/>
+      <a:lightRig rig="threePt" dir="t"/>
+    </dgm:scene3d>
+    <dgm:sp3d/>
+    <dgm:txPr/>
+    <dgm:style>
+      <a:lnRef idx="2">
+        <a:scrgbClr r="0" g="0" b="0"/>
+      </a:lnRef>
+      <a:fillRef idx="1">
+        <a:scrgbClr r="0" g="0" b="0"/>
+      </a:fillRef>
+      <a:effectRef idx="0">
+        <a:scrgbClr r="0" g="0" b="0"/>
+      </a:effectRef>
+      <a:fontRef idx="minor">
+        <a:schemeClr val="lt1"/>
+      </a:fontRef>
+    </dgm:style>
+  </dgm:styleLbl>
+  <dgm:styleLbl name="parChTrans2D3">
+    <dgm:scene3d>
+      <a:camera prst="orthographicFront"/>
+      <a:lightRig rig="threePt" dir="t"/>
+    </dgm:scene3d>
+    <dgm:sp3d/>
+    <dgm:txPr/>
+    <dgm:style>
+      <a:lnRef idx="2">
+        <a:scrgbClr r="0" g="0" b="0"/>
+      </a:lnRef>
+      <a:fillRef idx="1">
+        <a:scrgbClr r="0" g="0" b="0"/>
+      </a:fillRef>
+      <a:effectRef idx="0">
+        <a:scrgbClr r="0" g="0" b="0"/>
+      </a:effectRef>
+      <a:fontRef idx="minor">
+        <a:schemeClr val="lt1"/>
+      </a:fontRef>
+    </dgm:style>
+  </dgm:styleLbl>
+  <dgm:styleLbl name="parChTrans2D4">
+    <dgm:scene3d>
+      <a:camera prst="orthographicFront"/>
+      <a:lightRig rig="threePt" dir="t"/>
+    </dgm:scene3d>
+    <dgm:sp3d/>
+    <dgm:txPr/>
+    <dgm:style>
+      <a:lnRef idx="2">
+        <a:scrgbClr r="0" g="0" b="0"/>
+      </a:lnRef>
+      <a:fillRef idx="1">
+        <a:scrgbClr r="0" g="0" b="0"/>
+      </a:fillRef>
+      <a:effectRef idx="0">
+        <a:scrgbClr r="0" g="0" b="0"/>
+      </a:effectRef>
+      <a:fontRef idx="minor">
+        <a:schemeClr val="lt1"/>
+      </a:fontRef>
+    </dgm:style>
+  </dgm:styleLbl>
+  <dgm:styleLbl name="parChTrans1D1">
+    <dgm:scene3d>
+      <a:camera prst="orthographicFront"/>
+      <a:lightRig rig="threePt" dir="t"/>
+    </dgm:scene3d>
+    <dgm:sp3d/>
+    <dgm:txPr/>
+    <dgm:style>
+      <a:lnRef idx="2">
+        <a:scrgbClr r="0" g="0" b="0"/>
+      </a:lnRef>
+      <a:fillRef idx="0">
+        <a:scrgbClr r="0" g="0" b="0"/>
+      </a:fillRef>
+      <a:effectRef idx="0">
+        <a:scrgbClr r="0" g="0" b="0"/>
+      </a:effectRef>
+      <a:fontRef idx="minor"/>
+    </dgm:style>
+  </dgm:styleLbl>
+  <dgm:styleLbl name="parChTrans1D2">
+    <dgm:scene3d>
+      <a:camera prst="orthographicFront"/>
+      <a:lightRig rig="threePt" dir="t"/>
+    </dgm:scene3d>
+    <dgm:sp3d/>
+    <dgm:txPr/>
+    <dgm:style>
+      <a:lnRef idx="2">
+        <a:scrgbClr r="0" g="0" b="0"/>
+      </a:lnRef>
+      <a:fillRef idx="0">
+        <a:scrgbClr r="0" g="0" b="0"/>
+      </a:fillRef>
+      <a:effectRef idx="0">
+        <a:scrgbClr r="0" g="0" b="0"/>
+      </a:effectRef>
+      <a:fontRef idx="minor"/>
+    </dgm:style>
+  </dgm:styleLbl>
+  <dgm:styleLbl name="parChTrans1D3">
+    <dgm:scene3d>
+      <a:camera prst="orthographicFront"/>
+      <a:lightRig rig="threePt" dir="t"/>
+    </dgm:scene3d>
+    <dgm:sp3d/>
+    <dgm:txPr/>
+    <dgm:style>
+      <a:lnRef idx="2">
+        <a:scrgbClr r="0" g="0" b="0"/>
+      </a:lnRef>
+      <a:fillRef idx="0">
+        <a:scrgbClr r="0" g="0" b="0"/>
+      </a:fillRef>
+      <a:effectRef idx="0">
+        <a:scrgbClr r="0" g="0" b="0"/>
+      </a:effectRef>
+      <a:fontRef idx="minor"/>
+    </dgm:style>
+  </dgm:styleLbl>
+  <dgm:styleLbl name="parChTrans1D4">
+    <dgm:scene3d>
+      <a:camera prst="orthographicFront"/>
+      <a:lightRig rig="threePt" dir="t"/>
+    </dgm:scene3d>
+    <dgm:sp3d/>
+    <dgm:txPr/>
+    <dgm:style>
+      <a:lnRef idx="2">
+        <a:scrgbClr r="0" g="0" b="0"/>
+      </a:lnRef>
+      <a:fillRef idx="0">
+        <a:scrgbClr r="0" g="0" b="0"/>
+      </a:fillRef>
+      <a:effectRef idx="0">
+        <a:scrgbClr r="0" g="0" b="0"/>
+      </a:effectRef>
+      <a:fontRef idx="minor"/>
+    </dgm:style>
+  </dgm:styleLbl>
+  <dgm:styleLbl name="fgAcc1">
+    <dgm:scene3d>
+      <a:camera prst="orthographicFront"/>
+      <a:lightRig rig="threePt" dir="t"/>
+    </dgm:scene3d>
+    <dgm:sp3d/>
+    <dgm:txPr/>
+    <dgm:style>
+      <a:lnRef idx="2">
+        <a:scrgbClr r="0" g="0" b="0"/>
+      </a:lnRef>
+      <a:fillRef idx="1">
+        <a:scrgbClr r="0" g="0" b="0"/>
+      </a:fillRef>
+      <a:effectRef idx="0">
+        <a:scrgbClr r="0" g="0" b="0"/>
+      </a:effectRef>
+      <a:fontRef idx="minor"/>
+    </dgm:style>
+  </dgm:styleLbl>
+  <dgm:styleLbl name="conFgAcc1">
+    <dgm:scene3d>
+      <a:camera prst="orthographicFront"/>
+      <a:lightRig rig="threePt" dir="t"/>
+    </dgm:scene3d>
+    <dgm:sp3d/>
+    <dgm:txPr/>
+    <dgm:style>
+      <a:lnRef idx="2">
+        <a:scrgbClr r="0" g="0" b="0"/>
+      </a:lnRef>
+      <a:fillRef idx="1">
+        <a:scrgbClr r="0" g="0" b="0"/>
+      </a:fillRef>
+      <a:effectRef idx="0">
+        <a:scrgbClr r="0" g="0" b="0"/>
+      </a:effectRef>
+      <a:fontRef idx="minor"/>
+    </dgm:style>
+  </dgm:styleLbl>
+  <dgm:styleLbl name="alignAcc1">
+    <dgm:scene3d>
+      <a:camera prst="orthographicFront"/>
+      <a:lightRig rig="threePt" dir="t"/>
+    </dgm:scene3d>
+    <dgm:sp3d/>
+    <dgm:txPr/>
+    <dgm:style>
+      <a:lnRef idx="2">
+        <a:scrgbClr r="0" g="0" b="0"/>
+      </a:lnRef>
+      <a:fillRef idx="1">
+        <a:scrgbClr r="0" g="0" b="0"/>
+      </a:fillRef>
+      <a:effectRef idx="0">
+        <a:scrgbClr r="0" g="0" b="0"/>
+      </a:effectRef>
+      <a:fontRef idx="minor"/>
+    </dgm:style>
+  </dgm:styleLbl>
+  <dgm:styleLbl name="trAlignAcc1">
+    <dgm:scene3d>
+      <a:camera prst="orthographicFront"/>
+      <a:lightRig rig="threePt" dir="t"/>
+    </dgm:scene3d>
+    <dgm:sp3d/>
+    <dgm:txPr/>
+    <dgm:style>
+      <a:lnRef idx="1">
+        <a:scrgbClr r="0" g="0" b="0"/>
+      </a:lnRef>
+      <a:fillRef idx="1">
+        <a:scrgbClr r="0" g="0" b="0"/>
+      </a:fillRef>
+      <a:effectRef idx="0">
+        <a:scrgbClr r="0" g="0" b="0"/>
+      </a:effectRef>
+      <a:fontRef idx="minor"/>
+    </dgm:style>
+  </dgm:styleLbl>
+  <dgm:styleLbl name="bgAcc1">
+    <dgm:scene3d>
+      <a:camera prst="orthographicFront"/>
+      <a:lightRig rig="threePt" dir="t"/>
+    </dgm:scene3d>
+    <dgm:sp3d/>
+    <dgm:txPr/>
+    <dgm:style>
+      <a:lnRef idx="2">
+        <a:scrgbClr r="0" g="0" b="0"/>
+      </a:lnRef>
+      <a:fillRef idx="1">
+        <a:scrgbClr r="0" g="0" b="0"/>
+      </a:fillRef>
+      <a:effectRef idx="0">
+        <a:scrgbClr r="0" g="0" b="0"/>
+      </a:effectRef>
+      <a:fontRef idx="minor"/>
+    </dgm:style>
+  </dgm:styleLbl>
+  <dgm:styleLbl name="solidFgAcc1">
+    <dgm:scene3d>
+      <a:camera prst="orthographicFront"/>
+      <a:lightRig rig="threePt" dir="t"/>
+    </dgm:scene3d>
+    <dgm:sp3d/>
+    <dgm:txPr/>
+    <dgm:style>
+      <a:lnRef idx="2">
+        <a:scrgbClr r="0" g="0" b="0"/>
+      </a:lnRef>
+      <a:fillRef idx="1">
+        <a:scrgbClr r="0" g="0" b="0"/>
+      </a:fillRef>
+      <a:effectRef idx="0">
+        <a:scrgbClr r="0" g="0" b="0"/>
+      </a:effectRef>
+      <a:fontRef idx="minor"/>
+    </dgm:style>
+  </dgm:styleLbl>
+  <dgm:styleLbl name="solidAlignAcc1">
+    <dgm:scene3d>
+      <a:camera prst="orthographicFront"/>
+      <a:lightRig rig="threePt" dir="t"/>
+    </dgm:scene3d>
+    <dgm:sp3d/>
+    <dgm:txPr/>
+    <dgm:style>
+      <a:lnRef idx="2">
+        <a:scrgbClr r="0" g="0" b="0"/>
+      </a:lnRef>
+      <a:fillRef idx="1">
+        <a:scrgbClr r="0" g="0" b="0"/>
+      </a:fillRef>
+      <a:effectRef idx="0">
+        <a:scrgbClr r="0" g="0" b="0"/>
+      </a:effectRef>
+      <a:fontRef idx="minor"/>
+    </dgm:style>
+  </dgm:styleLbl>
+  <dgm:styleLbl name="solidBgAcc1">
+    <dgm:scene3d>
+      <a:camera prst="orthographicFront"/>
+      <a:lightRig rig="threePt" dir="t"/>
+    </dgm:scene3d>
+    <dgm:sp3d/>
+    <dgm:txPr/>
+    <dgm:style>
+      <a:lnRef idx="2">
+        <a:scrgbClr r="0" g="0" b="0"/>
+      </a:lnRef>
+      <a:fillRef idx="1">
+        <a:scrgbClr r="0" g="0" b="0"/>
+      </a:fillRef>
+      <a:effectRef idx="0">
+        <a:scrgbClr r="0" g="0" b="0"/>
+      </a:effectRef>
+      <a:fontRef idx="minor"/>
+    </dgm:style>
+  </dgm:styleLbl>
+  <dgm:styleLbl name="fgAccFollowNode1">
+    <dgm:scene3d>
+      <a:camera prst="orthographicFront"/>
+      <a:lightRig rig="threePt" dir="t"/>
+    </dgm:scene3d>
+    <dgm:sp3d/>
+    <dgm:txPr/>
+    <dgm:style>
+      <a:lnRef idx="2">
+        <a:scrgbClr r="0" g="0" b="0"/>
+      </a:lnRef>
+      <a:fillRef idx="1">
+        <a:scrgbClr r="0" g="0" b="0"/>
+      </a:fillRef>
+      <a:effectRef idx="0">
+        <a:scrgbClr r="0" g="0" b="0"/>
+      </a:effectRef>
+      <a:fontRef idx="minor"/>
+    </dgm:style>
+  </dgm:styleLbl>
+  <dgm:styleLbl name="alignAccFollowNode1">
+    <dgm:scene3d>
+      <a:camera prst="orthographicFront"/>
+      <a:lightRig rig="threePt" dir="t"/>
+    </dgm:scene3d>
+    <dgm:sp3d/>
+    <dgm:txPr/>
+    <dgm:style>
+      <a:lnRef idx="2">
+        <a:scrgbClr r="0" g="0" b="0"/>
+      </a:lnRef>
+      <a:fillRef idx="1">
+        <a:scrgbClr r="0" g="0" b="0"/>
+      </a:fillRef>
+      <a:effectRef idx="0">
+        <a:scrgbClr r="0" g="0" b="0"/>
+      </a:effectRef>
+      <a:fontRef idx="minor"/>
+    </dgm:style>
+  </dgm:styleLbl>
+  <dgm:styleLbl name="bgAccFollowNode1">
+    <dgm:scene3d>
+      <a:camera prst="orthographicFront"/>
+      <a:lightRig rig="threePt" dir="t"/>
+    </dgm:scene3d>
+    <dgm:sp3d/>
+    <dgm:txPr/>
+    <dgm:style>
+      <a:lnRef idx="2">
+        <a:scrgbClr r="0" g="0" b="0"/>
+      </a:lnRef>
+      <a:fillRef idx="1">
+        <a:scrgbClr r="0" g="0" b="0"/>
+      </a:fillRef>
+      <a:effectRef idx="0">
+        <a:scrgbClr r="0" g="0" b="0"/>
+      </a:effectRef>
+      <a:fontRef idx="minor"/>
+    </dgm:style>
+  </dgm:styleLbl>
+  <dgm:styleLbl name="fgAcc0">
+    <dgm:scene3d>
+      <a:camera prst="orthographicFront"/>
+      <a:lightRig rig="threePt" dir="t"/>
+    </dgm:scene3d>
+    <dgm:sp3d/>
+    <dgm:txPr/>
+    <dgm:style>
+      <a:lnRef idx="2">
+        <a:scrgbClr r="0" g="0" b="0"/>
+      </a:lnRef>
+      <a:fillRef idx="1">
+        <a:scrgbClr r="0" g="0" b="0"/>
+      </a:fillRef>
+      <a:effectRef idx="0">
+        <a:scrgbClr r="0" g="0" b="0"/>
+      </a:effectRef>
+      <a:fontRef idx="minor"/>
+    </dgm:style>
+  </dgm:styleLbl>
+  <dgm:styleLbl name="fgAcc2">
+    <dgm:scene3d>
+      <a:camera prst="orthographicFront"/>
+      <a:lightRig rig="threePt" dir="t"/>
+    </dgm:scene3d>
+    <dgm:sp3d/>
+    <dgm:txPr/>
+    <dgm:style>
+      <a:lnRef idx="2">
+        <a:scrgbClr r="0" g="0" b="0"/>
+      </a:lnRef>
+      <a:fillRef idx="1">
+        <a:scrgbClr r="0" g="0" b="0"/>
+      </a:fillRef>
+      <a:effectRef idx="0">
+        <a:scrgbClr r="0" g="0" b="0"/>
+      </a:effectRef>
+      <a:fontRef idx="minor"/>
+    </dgm:style>
+  </dgm:styleLbl>
+  <dgm:styleLbl name="fgAcc3">
+    <dgm:scene3d>
+      <a:camera prst="orthographicFront"/>
+      <a:lightRig rig="threePt" dir="t"/>
+    </dgm:scene3d>
+    <dgm:sp3d/>
+    <dgm:txPr/>
+    <dgm:style>
+      <a:lnRef idx="2">
+        <a:scrgbClr r="0" g="0" b="0"/>
+      </a:lnRef>
+      <a:fillRef idx="1">
+        <a:scrgbClr r="0" g="0" b="0"/>
+      </a:fillRef>
+      <a:effectRef idx="0">
+        <a:scrgbClr r="0" g="0" b="0"/>
+      </a:effectRef>
+      <a:fontRef idx="minor"/>
+    </dgm:style>
+  </dgm:styleLbl>
+  <dgm:styleLbl name="fgAcc4">
+    <dgm:scene3d>
+      <a:camera prst="orthographicFront"/>
+      <a:lightRig rig="threePt" dir="t"/>
+    </dgm:scene3d>
+    <dgm:sp3d/>
+    <dgm:txPr/>
+    <dgm:style>
+      <a:lnRef idx="2">
+        <a:scrgbClr r="0" g="0" b="0"/>
+      </a:lnRef>
+      <a:fillRef idx="1">
+        <a:scrgbClr r="0" g="0" b="0"/>
+      </a:fillRef>
+      <a:effectRef idx="0">
+        <a:scrgbClr r="0" g="0" b="0"/>
+      </a:effectRef>
+      <a:fontRef idx="minor"/>
+    </dgm:style>
+  </dgm:styleLbl>
+  <dgm:styleLbl name="bgShp">
+    <dgm:scene3d>
+      <a:camera prst="orthographicFront"/>
+      <a:lightRig rig="threePt" dir="t"/>
+    </dgm:scene3d>
+    <dgm:sp3d/>
+    <dgm:txPr/>
+    <dgm:style>
+      <a:lnRef idx="0">
+        <a:scrgbClr r="0" g="0" b="0"/>
+      </a:lnRef>
+      <a:fillRef idx="1">
+        <a:scrgbClr r="0" g="0" b="0"/>
+      </a:fillRef>
+      <a:effectRef idx="0">
+        <a:scrgbClr r="0" g="0" b="0"/>
+      </a:effectRef>
+      <a:fontRef idx="minor"/>
+    </dgm:style>
+  </dgm:styleLbl>
+  <dgm:styleLbl name="dkBgShp">
+    <dgm:scene3d>
+      <a:camera prst="orthographicFront"/>
+      <a:lightRig rig="threePt" dir="t"/>
+    </dgm:scene3d>
+    <dgm:sp3d/>
+    <dgm:txPr/>
+    <dgm:style>
+      <a:lnRef idx="0">
+        <a:scrgbClr r="0" g="0" b="0"/>
+      </a:lnRef>
+      <a:fillRef idx="1">
+        <a:scrgbClr r="0" g="0" b="0"/>
+      </a:fillRef>
+      <a:effectRef idx="0">
+        <a:scrgbClr r="0" g="0" b="0"/>
+      </a:effectRef>
+      <a:fontRef idx="minor"/>
+    </dgm:style>
+  </dgm:styleLbl>
+  <dgm:styleLbl name="trBgShp">
+    <dgm:scene3d>
+      <a:camera prst="orthographicFront"/>
+      <a:lightRig rig="threePt" dir="t"/>
+    </dgm:scene3d>
+    <dgm:sp3d/>
+    <dgm:txPr/>
+    <dgm:style>
+      <a:lnRef idx="0">
+        <a:scrgbClr r="0" g="0" b="0"/>
+      </a:lnRef>
+      <a:fillRef idx="1">
+        <a:scrgbClr r="0" g="0" b="0"/>
+      </a:fillRef>
+      <a:effectRef idx="0">
+        <a:scrgbClr r="0" g="0" b="0"/>
+      </a:effectRef>
+      <a:fontRef idx="minor"/>
+    </dgm:style>
+  </dgm:styleLbl>
+  <dgm:styleLbl name="fgShp">
+    <dgm:scene3d>
+      <a:camera prst="orthographicFront"/>
+      <a:lightRig rig="threePt" dir="t"/>
+    </dgm:scene3d>
+    <dgm:sp3d/>
+    <dgm:txPr/>
+    <dgm:style>
+      <a:lnRef idx="2">
+        <a:scrgbClr r="0" g="0" b="0"/>
+      </a:lnRef>
+      <a:fillRef idx="1">
+        <a:scrgbClr r="0" g="0" b="0"/>
+      </a:fillRef>
+      <a:effectRef idx="0">
+        <a:scrgbClr r="0" g="0" b="0"/>
+      </a:effectRef>
+      <a:fontRef idx="minor"/>
+    </dgm:style>
+  </dgm:styleLbl>
+  <dgm:styleLbl name="revTx">
+    <dgm:scene3d>
+      <a:camera prst="orthographicFront"/>
+      <a:lightRig rig="threePt" dir="t"/>
+    </dgm:scene3d>
+    <dgm:sp3d/>
+    <dgm:txPr/>
+    <dgm:style>
+      <a:lnRef idx="0">
+        <a:scrgbClr r="0" g="0" b="0"/>
+      </a:lnRef>
+      <a:fillRef idx="0">
+        <a:scrgbClr r="0" g="0" b="0"/>
+      </a:fillRef>
+      <a:effectRef idx="0">
+        <a:scrgbClr r="0" g="0" b="0"/>
+      </a:effectRef>
+      <a:fontRef idx="minor"/>
+    </dgm:style>
+  </dgm:styleLbl>
+</dgm:styleDef>
+</file>
+
+<file path=ppt/diagrams/quickStyle6.xml><?xml version="1.0" encoding="utf-8"?>
+<dgm:styleDef xmlns:dgm="http://schemas.openxmlformats.org/drawingml/2006/diagram" xmlns:a="http://schemas.openxmlformats.org/drawingml/2006/main" uniqueId="urn:microsoft.com/office/officeart/2005/8/quickstyle/simple1">
+  <dgm:title val=""/>
+  <dgm:desc val=""/>
+  <dgm:catLst>
+    <dgm:cat type="simple" pri="10100"/>
+  </dgm:catLst>
+  <dgm:scene3d>
+    <a:camera prst="orthographicFront"/>
+    <a:lightRig rig="threePt" dir="t"/>
+  </dgm:scene3d>
+  <dgm:styleLbl name="node0">
+    <dgm:scene3d>
+      <a:camera prst="orthographicFront"/>
+      <a:lightRig rig="threePt" dir="t"/>
+    </dgm:scene3d>
+    <dgm:sp3d/>
+    <dgm:txPr/>
+    <dgm:style>
+      <a:lnRef idx="2">
+        <a:scrgbClr r="0" g="0" b="0"/>
+      </a:lnRef>
+      <a:fillRef idx="1">
+        <a:scrgbClr r="0" g="0" b="0"/>
+      </a:fillRef>
+      <a:effectRef idx="0">
+        <a:scrgbClr r="0" g="0" b="0"/>
+      </a:effectRef>
+      <a:fontRef idx="minor">
+        <a:schemeClr val="lt1"/>
+      </a:fontRef>
+    </dgm:style>
+  </dgm:styleLbl>
+  <dgm:styleLbl name="lnNode1">
+    <dgm:scene3d>
+      <a:camera prst="orthographicFront"/>
+      <a:lightRig rig="threePt" dir="t"/>
+    </dgm:scene3d>
+    <dgm:sp3d/>
+    <dgm:txPr/>
+    <dgm:style>
+      <a:lnRef idx="2">
+        <a:scrgbClr r="0" g="0" b="0"/>
+      </a:lnRef>
+      <a:fillRef idx="1">
+        <a:scrgbClr r="0" g="0" b="0"/>
+      </a:fillRef>
+      <a:effectRef idx="0">
+        <a:scrgbClr r="0" g="0" b="0"/>
+      </a:effectRef>
+      <a:fontRef idx="minor">
+        <a:schemeClr val="lt1"/>
+      </a:fontRef>
+    </dgm:style>
+  </dgm:styleLbl>
+  <dgm:styleLbl name="vennNode1">
+    <dgm:scene3d>
+      <a:camera prst="orthographicFront"/>
+      <a:lightRig rig="threePt" dir="t"/>
+    </dgm:scene3d>
+    <dgm:sp3d/>
+    <dgm:txPr/>
+    <dgm:style>
+      <a:lnRef idx="2">
+        <a:scrgbClr r="0" g="0" b="0"/>
+      </a:lnRef>
+      <a:fillRef idx="1">
+        <a:scrgbClr r="0" g="0" b="0"/>
+      </a:fillRef>
+      <a:effectRef idx="0">
+        <a:scrgbClr r="0" g="0" b="0"/>
+      </a:effectRef>
+      <a:fontRef idx="minor">
+        <a:schemeClr val="tx1"/>
+      </a:fontRef>
+    </dgm:style>
+  </dgm:styleLbl>
+  <dgm:styleLbl name="alignNode1">
+    <dgm:scene3d>
+      <a:camera prst="orthographicFront"/>
+      <a:lightRig rig="threePt" dir="t"/>
+    </dgm:scene3d>
+    <dgm:sp3d/>
+    <dgm:txPr/>
+    <dgm:style>
+      <a:lnRef idx="2">
+        <a:scrgbClr r="0" g="0" b="0"/>
+      </a:lnRef>
+      <a:fillRef idx="1">
+        <a:scrgbClr r="0" g="0" b="0"/>
+      </a:fillRef>
+      <a:effectRef idx="0">
+        <a:scrgbClr r="0" g="0" b="0"/>
+      </a:effectRef>
+      <a:fontRef idx="minor">
+        <a:schemeClr val="lt1"/>
+      </a:fontRef>
+    </dgm:style>
+  </dgm:styleLbl>
+  <dgm:styleLbl name="node1">
+    <dgm:scene3d>
+      <a:camera prst="orthographicFront"/>
+      <a:lightRig rig="threePt" dir="t"/>
+    </dgm:scene3d>
+    <dgm:sp3d/>
+    <dgm:txPr/>
+    <dgm:style>
+      <a:lnRef idx="2">
+        <a:scrgbClr r="0" g="0" b="0"/>
+      </a:lnRef>
+      <a:fillRef idx="1">
+        <a:scrgbClr r="0" g="0" b="0"/>
+      </a:fillRef>
+      <a:effectRef idx="0">
+        <a:scrgbClr r="0" g="0" b="0"/>
+      </a:effectRef>
+      <a:fontRef idx="minor">
+        <a:schemeClr val="lt1"/>
+      </a:fontRef>
+    </dgm:style>
+  </dgm:styleLbl>
+  <dgm:styleLbl name="node2">
+    <dgm:scene3d>
+      <a:camera prst="orthographicFront"/>
+      <a:lightRig rig="threePt" dir="t"/>
+    </dgm:scene3d>
+    <dgm:sp3d/>
+    <dgm:txPr/>
+    <dgm:style>
+      <a:lnRef idx="2">
+        <a:scrgbClr r="0" g="0" b="0"/>
+      </a:lnRef>
+      <a:fillRef idx="1">
+        <a:scrgbClr r="0" g="0" b="0"/>
+      </a:fillRef>
+      <a:effectRef idx="0">
+        <a:scrgbClr r="0" g="0" b="0"/>
+      </a:effectRef>
+      <a:fontRef idx="minor">
+        <a:schemeClr val="lt1"/>
+      </a:fontRef>
+    </dgm:style>
+  </dgm:styleLbl>
+  <dgm:styleLbl name="node3">
+    <dgm:scene3d>
+      <a:camera prst="orthographicFront"/>
+      <a:lightRig rig="threePt" dir="t"/>
+    </dgm:scene3d>
+    <dgm:sp3d/>
+    <dgm:txPr/>
+    <dgm:style>
+      <a:lnRef idx="2">
+        <a:scrgbClr r="0" g="0" b="0"/>
+      </a:lnRef>
+      <a:fillRef idx="1">
+        <a:scrgbClr r="0" g="0" b="0"/>
+      </a:fillRef>
+      <a:effectRef idx="0">
+        <a:scrgbClr r="0" g="0" b="0"/>
+      </a:effectRef>
+      <a:fontRef idx="minor">
+        <a:schemeClr val="lt1"/>
+      </a:fontRef>
+    </dgm:style>
+  </dgm:styleLbl>
+  <dgm:styleLbl name="node4">
+    <dgm:scene3d>
+      <a:camera prst="orthographicFront"/>
+      <a:lightRig rig="threePt" dir="t"/>
+    </dgm:scene3d>
+    <dgm:sp3d/>
+    <dgm:txPr/>
+    <dgm:style>
+      <a:lnRef idx="2">
+        <a:scrgbClr r="0" g="0" b="0"/>
+      </a:lnRef>
+      <a:fillRef idx="1">
+        <a:scrgbClr r="0" g="0" b="0"/>
+      </a:fillRef>
+      <a:effectRef idx="0">
+        <a:scrgbClr r="0" g="0" b="0"/>
+      </a:effectRef>
+      <a:fontRef idx="minor">
+        <a:schemeClr val="lt1"/>
+      </a:fontRef>
+    </dgm:style>
+  </dgm:styleLbl>
+  <dgm:styleLbl name="fgImgPlace1">
+    <dgm:scene3d>
+      <a:camera prst="orthographicFront"/>
+      <a:lightRig rig="threePt" dir="t"/>
+    </dgm:scene3d>
+    <dgm:sp3d/>
+    <dgm:txPr/>
+    <dgm:style>
+      <a:lnRef idx="2">
+        <a:scrgbClr r="0" g="0" b="0"/>
+      </a:lnRef>
+      <a:fillRef idx="1">
+        <a:scrgbClr r="0" g="0" b="0"/>
+      </a:fillRef>
+      <a:effectRef idx="0">
+        <a:scrgbClr r="0" g="0" b="0"/>
+      </a:effectRef>
+      <a:fontRef idx="minor"/>
+    </dgm:style>
+  </dgm:styleLbl>
+  <dgm:styleLbl name="alignImgPlace1">
+    <dgm:scene3d>
+      <a:camera prst="orthographicFront"/>
+      <a:lightRig rig="threePt" dir="t"/>
+    </dgm:scene3d>
+    <dgm:sp3d/>
+    <dgm:txPr/>
+    <dgm:style>
+      <a:lnRef idx="2">
+        <a:scrgbClr r="0" g="0" b="0"/>
+      </a:lnRef>
+      <a:fillRef idx="1">
+        <a:scrgbClr r="0" g="0" b="0"/>
+      </a:fillRef>
+      <a:effectRef idx="0">
+        <a:scrgbClr r="0" g="0" b="0"/>
+      </a:effectRef>
+      <a:fontRef idx="minor"/>
+    </dgm:style>
+  </dgm:styleLbl>
+  <dgm:styleLbl name="bgImgPlace1">
+    <dgm:scene3d>
+      <a:camera prst="orthographicFront"/>
+      <a:lightRig rig="threePt" dir="t"/>
+    </dgm:scene3d>
+    <dgm:sp3d/>
+    <dgm:txPr/>
+    <dgm:style>
+      <a:lnRef idx="2">
+        <a:scrgbClr r="0" g="0" b="0"/>
+      </a:lnRef>
+      <a:fillRef idx="1">
+        <a:scrgbClr r="0" g="0" b="0"/>
+      </a:fillRef>
+      <a:effectRef idx="0">
+        <a:scrgbClr r="0" g="0" b="0"/>
+      </a:effectRef>
+      <a:fontRef idx="minor"/>
+    </dgm:style>
+  </dgm:styleLbl>
+  <dgm:styleLbl name="sibTrans2D1">
+    <dgm:scene3d>
+      <a:camera prst="orthographicFront"/>
+      <a:lightRig rig="threePt" dir="t"/>
+    </dgm:scene3d>
+    <dgm:sp3d/>
+    <dgm:txPr/>
+    <dgm:style>
+      <a:lnRef idx="0">
+        <a:scrgbClr r="0" g="0" b="0"/>
+      </a:lnRef>
+      <a:fillRef idx="1">
+        <a:scrgbClr r="0" g="0" b="0"/>
+      </a:fillRef>
+      <a:effectRef idx="0">
+        <a:scrgbClr r="0" g="0" b="0"/>
+      </a:effectRef>
+      <a:fontRef idx="minor">
+        <a:schemeClr val="lt1"/>
+      </a:fontRef>
+    </dgm:style>
+  </dgm:styleLbl>
+  <dgm:styleLbl name="fgSibTrans2D1">
+    <dgm:scene3d>
+      <a:camera prst="orthographicFront"/>
+      <a:lightRig rig="threePt" dir="t"/>
+    </dgm:scene3d>
+    <dgm:sp3d/>
+    <dgm:txPr/>
+    <dgm:style>
+      <a:lnRef idx="0">
+        <a:scrgbClr r="0" g="0" b="0"/>
+      </a:lnRef>
+      <a:fillRef idx="1">
+        <a:scrgbClr r="0" g="0" b="0"/>
+      </a:fillRef>
+      <a:effectRef idx="0">
+        <a:scrgbClr r="0" g="0" b="0"/>
+      </a:effectRef>
+      <a:fontRef idx="minor">
+        <a:schemeClr val="lt1"/>
+      </a:fontRef>
+    </dgm:style>
+  </dgm:styleLbl>
+  <dgm:styleLbl name="bgSibTrans2D1">
+    <dgm:scene3d>
+      <a:camera prst="orthographicFront"/>
+      <a:lightRig rig="threePt" dir="t"/>
+    </dgm:scene3d>
+    <dgm:sp3d/>
+    <dgm:txPr/>
+    <dgm:style>
+      <a:lnRef idx="0">
+        <a:scrgbClr r="0" g="0" b="0"/>
+      </a:lnRef>
+      <a:fillRef idx="1">
+        <a:scrgbClr r="0" g="0" b="0"/>
+      </a:fillRef>
+      <a:effectRef idx="0">
+        <a:scrgbClr r="0" g="0" b="0"/>
+      </a:effectRef>
+      <a:fontRef idx="minor">
+        <a:schemeClr val="lt1"/>
+      </a:fontRef>
+    </dgm:style>
+  </dgm:styleLbl>
+  <dgm:styleLbl name="sibTrans1D1">
+    <dgm:scene3d>
+      <a:camera prst="orthographicFront"/>
+      <a:lightRig rig="threePt" dir="t"/>
+    </dgm:scene3d>
+    <dgm:sp3d/>
+    <dgm:txPr/>
+    <dgm:style>
+      <a:lnRef idx="1">
+        <a:scrgbClr r="0" g="0" b="0"/>
+      </a:lnRef>
+      <a:fillRef idx="0">
+        <a:scrgbClr r="0" g="0" b="0"/>
+      </a:fillRef>
+      <a:effectRef idx="0">
+        <a:scrgbClr r="0" g="0" b="0"/>
+      </a:effectRef>
+      <a:fontRef idx="minor"/>
+    </dgm:style>
+  </dgm:styleLbl>
+  <dgm:styleLbl name="callout">
+    <dgm:scene3d>
+      <a:camera prst="orthographicFront"/>
+      <a:lightRig rig="threePt" dir="t"/>
+    </dgm:scene3d>
+    <dgm:sp3d/>
+    <dgm:txPr/>
+    <dgm:style>
+      <a:lnRef idx="2">
+        <a:scrgbClr r="0" g="0" b="0"/>
+      </a:lnRef>
+      <a:fillRef idx="1">
+        <a:scrgbClr r="0" g="0" b="0"/>
+      </a:fillRef>
+      <a:effectRef idx="0">
+        <a:scrgbClr r="0" g="0" b="0"/>
+      </a:effectRef>
+      <a:fontRef idx="minor"/>
+    </dgm:style>
+  </dgm:styleLbl>
+  <dgm:styleLbl name="asst0">
+    <dgm:scene3d>
+      <a:camera prst="orthographicFront"/>
+      <a:lightRig rig="threePt" dir="t"/>
+    </dgm:scene3d>
+    <dgm:sp3d/>
+    <dgm:txPr/>
+    <dgm:style>
+      <a:lnRef idx="2">
+        <a:scrgbClr r="0" g="0" b="0"/>
+      </a:lnRef>
+      <a:fillRef idx="1">
+        <a:scrgbClr r="0" g="0" b="0"/>
+      </a:fillRef>
+      <a:effectRef idx="0">
+        <a:scrgbClr r="0" g="0" b="0"/>
+      </a:effectRef>
+      <a:fontRef idx="minor">
+        <a:schemeClr val="lt1"/>
+      </a:fontRef>
+    </dgm:style>
+  </dgm:styleLbl>
+  <dgm:styleLbl name="asst1">
+    <dgm:scene3d>
+      <a:camera prst="orthographicFront"/>
+      <a:lightRig rig="threePt" dir="t"/>
+    </dgm:scene3d>
+    <dgm:sp3d/>
+    <dgm:txPr/>
+    <dgm:style>
+      <a:lnRef idx="2">
+        <a:scrgbClr r="0" g="0" b="0"/>
+      </a:lnRef>
+      <a:fillRef idx="1">
+        <a:scrgbClr r="0" g="0" b="0"/>
+      </a:fillRef>
+      <a:effectRef idx="0">
+        <a:scrgbClr r="0" g="0" b="0"/>
+      </a:effectRef>
+      <a:fontRef idx="minor">
+        <a:schemeClr val="lt1"/>
+      </a:fontRef>
+    </dgm:style>
+  </dgm:styleLbl>
+  <dgm:styleLbl name="asst2">
+    <dgm:scene3d>
+      <a:camera prst="orthographicFront"/>
+      <a:lightRig rig="threePt" dir="t"/>
+    </dgm:scene3d>
+    <dgm:sp3d/>
+    <dgm:txPr/>
+    <dgm:style>
+      <a:lnRef idx="2">
+        <a:scrgbClr r="0" g="0" b="0"/>
+      </a:lnRef>
+      <a:fillRef idx="1">
+        <a:scrgbClr r="0" g="0" b="0"/>
+      </a:fillRef>
+      <a:effectRef idx="0">
+        <a:scrgbClr r="0" g="0" b="0"/>
+      </a:effectRef>
+      <a:fontRef idx="minor">
+        <a:schemeClr val="lt1"/>
+      </a:fontRef>
+    </dgm:style>
+  </dgm:styleLbl>
+  <dgm:styleLbl name="asst3">
+    <dgm:scene3d>
+      <a:camera prst="orthographicFront"/>
+      <a:lightRig rig="threePt" dir="t"/>
+    </dgm:scene3d>
+    <dgm:sp3d/>
+    <dgm:txPr/>
+    <dgm:style>
+      <a:lnRef idx="2">
+        <a:scrgbClr r="0" g="0" b="0"/>
+      </a:lnRef>
+      <a:fillRef idx="1">
+        <a:scrgbClr r="0" g="0" b="0"/>
+      </a:fillRef>
+      <a:effectRef idx="0">
+        <a:scrgbClr r="0" g="0" b="0"/>
+      </a:effectRef>
+      <a:fontRef idx="minor">
+        <a:schemeClr val="lt1"/>
+      </a:fontRef>
+    </dgm:style>
+  </dgm:styleLbl>
+  <dgm:styleLbl name="asst4">
+    <dgm:scene3d>
+      <a:camera prst="orthographicFront"/>
+      <a:lightRig rig="threePt" dir="t"/>
+    </dgm:scene3d>
+    <dgm:sp3d/>
+    <dgm:txPr/>
+    <dgm:style>
+      <a:lnRef idx="2">
+        <a:scrgbClr r="0" g="0" b="0"/>
+      </a:lnRef>
+      <a:fillRef idx="1">
+        <a:scrgbClr r="0" g="0" b="0"/>
+      </a:fillRef>
+      <a:effectRef idx="0">
+        <a:scrgbClr r="0" g="0" b="0"/>
+      </a:effectRef>
+      <a:fontRef idx="minor">
+        <a:schemeClr val="lt1"/>
+      </a:fontRef>
+    </dgm:style>
+  </dgm:styleLbl>
+  <dgm:styleLbl name="parChTrans2D1">
+    <dgm:scene3d>
+      <a:camera prst="orthographicFront"/>
+      <a:lightRig rig="threePt" dir="t"/>
+    </dgm:scene3d>
+    <dgm:sp3d/>
+    <dgm:txPr/>
+    <dgm:style>
+      <a:lnRef idx="2">
+        <a:scrgbClr r="0" g="0" b="0"/>
+      </a:lnRef>
+      <a:fillRef idx="1">
+        <a:scrgbClr r="0" g="0" b="0"/>
+      </a:fillRef>
+      <a:effectRef idx="0">
+        <a:scrgbClr r="0" g="0" b="0"/>
+      </a:effectRef>
+      <a:fontRef idx="minor">
+        <a:schemeClr val="lt1"/>
+      </a:fontRef>
+    </dgm:style>
+  </dgm:styleLbl>
+  <dgm:styleLbl name="parChTrans2D2">
+    <dgm:scene3d>
+      <a:camera prst="orthographicFront"/>
+      <a:lightRig rig="threePt" dir="t"/>
+    </dgm:scene3d>
+    <dgm:sp3d/>
+    <dgm:txPr/>
+    <dgm:style>
+      <a:lnRef idx="2">
+        <a:scrgbClr r="0" g="0" b="0"/>
+      </a:lnRef>
+      <a:fillRef idx="1">
+        <a:scrgbClr r="0" g="0" b="0"/>
+      </a:fillRef>
+      <a:effectRef idx="0">
+        <a:scrgbClr r="0" g="0" b="0"/>
+      </a:effectRef>
+      <a:fontRef idx="minor">
+        <a:schemeClr val="lt1"/>
+      </a:fontRef>
+    </dgm:style>
+  </dgm:styleLbl>
+  <dgm:styleLbl name="parChTrans2D3">
+    <dgm:scene3d>
+      <a:camera prst="orthographicFront"/>
+      <a:lightRig rig="threePt" dir="t"/>
+    </dgm:scene3d>
+    <dgm:sp3d/>
+    <dgm:txPr/>
+    <dgm:style>
+      <a:lnRef idx="2">
+        <a:scrgbClr r="0" g="0" b="0"/>
+      </a:lnRef>
+      <a:fillRef idx="1">
+        <a:scrgbClr r="0" g="0" b="0"/>
+      </a:fillRef>
+      <a:effectRef idx="0">
+        <a:scrgbClr r="0" g="0" b="0"/>
+      </a:effectRef>
+      <a:fontRef idx="minor">
+        <a:schemeClr val="lt1"/>
+      </a:fontRef>
+    </dgm:style>
+  </dgm:styleLbl>
+  <dgm:styleLbl name="parChTrans2D4">
+    <dgm:scene3d>
+      <a:camera prst="orthographicFront"/>
+      <a:lightRig rig="threePt" dir="t"/>
+    </dgm:scene3d>
+    <dgm:sp3d/>
+    <dgm:txPr/>
+    <dgm:style>
+      <a:lnRef idx="2">
+        <a:scrgbClr r="0" g="0" b="0"/>
+      </a:lnRef>
+      <a:fillRef idx="1">
+        <a:scrgbClr r="0" g="0" b="0"/>
+      </a:fillRef>
+      <a:effectRef idx="0">
+        <a:scrgbClr r="0" g="0" b="0"/>
+      </a:effectRef>
+      <a:fontRef idx="minor">
+        <a:schemeClr val="lt1"/>
+      </a:fontRef>
+    </dgm:style>
+  </dgm:styleLbl>
+  <dgm:styleLbl name="parChTrans1D1">
+    <dgm:scene3d>
+      <a:camera prst="orthographicFront"/>
+      <a:lightRig rig="threePt" dir="t"/>
+    </dgm:scene3d>
+    <dgm:sp3d/>
+    <dgm:txPr/>
+    <dgm:style>
+      <a:lnRef idx="2">
+        <a:scrgbClr r="0" g="0" b="0"/>
+      </a:lnRef>
+      <a:fillRef idx="0">
+        <a:scrgbClr r="0" g="0" b="0"/>
+      </a:fillRef>
+      <a:effectRef idx="0">
+        <a:scrgbClr r="0" g="0" b="0"/>
+      </a:effectRef>
+      <a:fontRef idx="minor"/>
+    </dgm:style>
+  </dgm:styleLbl>
+  <dgm:styleLbl name="parChTrans1D2">
+    <dgm:scene3d>
+      <a:camera prst="orthographicFront"/>
+      <a:lightRig rig="threePt" dir="t"/>
+    </dgm:scene3d>
+    <dgm:sp3d/>
+    <dgm:txPr/>
+    <dgm:style>
+      <a:lnRef idx="2">
+        <a:scrgbClr r="0" g="0" b="0"/>
+      </a:lnRef>
+      <a:fillRef idx="0">
+        <a:scrgbClr r="0" g="0" b="0"/>
+      </a:fillRef>
+      <a:effectRef idx="0">
+        <a:scrgbClr r="0" g="0" b="0"/>
+      </a:effectRef>
+      <a:fontRef idx="minor"/>
+    </dgm:style>
+  </dgm:styleLbl>
+  <dgm:styleLbl name="parChTrans1D3">
+    <dgm:scene3d>
+      <a:camera prst="orthographicFront"/>
+      <a:lightRig rig="threePt" dir="t"/>
+    </dgm:scene3d>
+    <dgm:sp3d/>
+    <dgm:txPr/>
+    <dgm:style>
+      <a:lnRef idx="2">
+        <a:scrgbClr r="0" g="0" b="0"/>
+      </a:lnRef>
+      <a:fillRef idx="0">
+        <a:scrgbClr r="0" g="0" b="0"/>
+      </a:fillRef>
+      <a:effectRef idx="0">
+        <a:scrgbClr r="0" g="0" b="0"/>
+      </a:effectRef>
+      <a:fontRef idx="minor"/>
+    </dgm:style>
+  </dgm:styleLbl>
+  <dgm:styleLbl name="parChTrans1D4">
+    <dgm:scene3d>
+      <a:camera prst="orthographicFront"/>
+      <a:lightRig rig="threePt" dir="t"/>
+    </dgm:scene3d>
+    <dgm:sp3d/>
+    <dgm:txPr/>
+    <dgm:style>
+      <a:lnRef idx="2">
+        <a:scrgbClr r="0" g="0" b="0"/>
+      </a:lnRef>
+      <a:fillRef idx="0">
+        <a:scrgbClr r="0" g="0" b="0"/>
+      </a:fillRef>
+      <a:effectRef idx="0">
+        <a:scrgbClr r="0" g="0" b="0"/>
+      </a:effectRef>
+      <a:fontRef idx="minor"/>
+    </dgm:style>
+  </dgm:styleLbl>
+  <dgm:styleLbl name="fgAcc1">
+    <dgm:scene3d>
+      <a:camera prst="orthographicFront"/>
+      <a:lightRig rig="threePt" dir="t"/>
+    </dgm:scene3d>
+    <dgm:sp3d/>
+    <dgm:txPr/>
+    <dgm:style>
+      <a:lnRef idx="2">
+        <a:scrgbClr r="0" g="0" b="0"/>
+      </a:lnRef>
+      <a:fillRef idx="1">
+        <a:scrgbClr r="0" g="0" b="0"/>
+      </a:fillRef>
+      <a:effectRef idx="0">
+        <a:scrgbClr r="0" g="0" b="0"/>
+      </a:effectRef>
+      <a:fontRef idx="minor"/>
+    </dgm:style>
+  </dgm:styleLbl>
+  <dgm:styleLbl name="conFgAcc1">
+    <dgm:scene3d>
+      <a:camera prst="orthographicFront"/>
+      <a:lightRig rig="threePt" dir="t"/>
+    </dgm:scene3d>
+    <dgm:sp3d/>
+    <dgm:txPr/>
+    <dgm:style>
+      <a:lnRef idx="2">
+        <a:scrgbClr r="0" g="0" b="0"/>
+      </a:lnRef>
+      <a:fillRef idx="1">
+        <a:scrgbClr r="0" g="0" b="0"/>
+      </a:fillRef>
+      <a:effectRef idx="0">
+        <a:scrgbClr r="0" g="0" b="0"/>
+      </a:effectRef>
+      <a:fontRef idx="minor"/>
+    </dgm:style>
+  </dgm:styleLbl>
+  <dgm:styleLbl name="alignAcc1">
+    <dgm:scene3d>
+      <a:camera prst="orthographicFront"/>
+      <a:lightRig rig="threePt" dir="t"/>
+    </dgm:scene3d>
+    <dgm:sp3d/>
+    <dgm:txPr/>
+    <dgm:style>
+      <a:lnRef idx="2">
+        <a:scrgbClr r="0" g="0" b="0"/>
+      </a:lnRef>
+      <a:fillRef idx="1">
+        <a:scrgbClr r="0" g="0" b="0"/>
+      </a:fillRef>
+      <a:effectRef idx="0">
+        <a:scrgbClr r="0" g="0" b="0"/>
+      </a:effectRef>
+      <a:fontRef idx="minor"/>
+    </dgm:style>
+  </dgm:styleLbl>
+  <dgm:styleLbl name="trAlignAcc1">
+    <dgm:scene3d>
+      <a:camera prst="orthographicFront"/>
+      <a:lightRig rig="threePt" dir="t"/>
+    </dgm:scene3d>
+    <dgm:sp3d/>
+    <dgm:txPr/>
+    <dgm:style>
+      <a:lnRef idx="1">
+        <a:scrgbClr r="0" g="0" b="0"/>
+      </a:lnRef>
+      <a:fillRef idx="1">
+        <a:scrgbClr r="0" g="0" b="0"/>
+      </a:fillRef>
+      <a:effectRef idx="0">
+        <a:scrgbClr r="0" g="0" b="0"/>
+      </a:effectRef>
+      <a:fontRef idx="minor"/>
+    </dgm:style>
+  </dgm:styleLbl>
+  <dgm:styleLbl name="bgAcc1">
+    <dgm:scene3d>
+      <a:camera prst="orthographicFront"/>
+      <a:lightRig rig="threePt" dir="t"/>
+    </dgm:scene3d>
+    <dgm:sp3d/>
+    <dgm:txPr/>
+    <dgm:style>
+      <a:lnRef idx="2">
+        <a:scrgbClr r="0" g="0" b="0"/>
+      </a:lnRef>
+      <a:fillRef idx="1">
+        <a:scrgbClr r="0" g="0" b="0"/>
+      </a:fillRef>
+      <a:effectRef idx="0">
+        <a:scrgbClr r="0" g="0" b="0"/>
+      </a:effectRef>
+      <a:fontRef idx="minor"/>
+    </dgm:style>
+  </dgm:styleLbl>
+  <dgm:styleLbl name="solidFgAcc1">
+    <dgm:scene3d>
+      <a:camera prst="orthographicFront"/>
+      <a:lightRig rig="threePt" dir="t"/>
+    </dgm:scene3d>
+    <dgm:sp3d/>
+    <dgm:txPr/>
+    <dgm:style>
+      <a:lnRef idx="2">
+        <a:scrgbClr r="0" g="0" b="0"/>
+      </a:lnRef>
+      <a:fillRef idx="1">
+        <a:scrgbClr r="0" g="0" b="0"/>
+      </a:fillRef>
+      <a:effectRef idx="0">
+        <a:scrgbClr r="0" g="0" b="0"/>
+      </a:effectRef>
+      <a:fontRef idx="minor"/>
+    </dgm:style>
+  </dgm:styleLbl>
+  <dgm:styleLbl name="solidAlignAcc1">
+    <dgm:scene3d>
+      <a:camera prst="orthographicFront"/>
+      <a:lightRig rig="threePt" dir="t"/>
+    </dgm:scene3d>
+    <dgm:sp3d/>
+    <dgm:txPr/>
+    <dgm:style>
+      <a:lnRef idx="2">
+        <a:scrgbClr r="0" g="0" b="0"/>
+      </a:lnRef>
+      <a:fillRef idx="1">
+        <a:scrgbClr r="0" g="0" b="0"/>
+      </a:fillRef>
+      <a:effectRef idx="0">
+        <a:scrgbClr r="0" g="0" b="0"/>
+      </a:effectRef>
+      <a:fontRef idx="minor"/>
+    </dgm:style>
+  </dgm:styleLbl>
+  <dgm:styleLbl name="solidBgAcc1">
+    <dgm:scene3d>
+      <a:camera prst="orthographicFront"/>
+      <a:lightRig rig="threePt" dir="t"/>
+    </dgm:scene3d>
+    <dgm:sp3d/>
+    <dgm:txPr/>
+    <dgm:style>
+      <a:lnRef idx="2">
+        <a:scrgbClr r="0" g="0" b="0"/>
+      </a:lnRef>
+      <a:fillRef idx="1">
+        <a:scrgbClr r="0" g="0" b="0"/>
+      </a:fillRef>
+      <a:effectRef idx="0">
+        <a:scrgbClr r="0" g="0" b="0"/>
+      </a:effectRef>
+      <a:fontRef idx="minor"/>
+    </dgm:style>
+  </dgm:styleLbl>
+  <dgm:styleLbl name="fgAccFollowNode1">
+    <dgm:scene3d>
+      <a:camera prst="orthographicFront"/>
+      <a:lightRig rig="threePt" dir="t"/>
+    </dgm:scene3d>
+    <dgm:sp3d/>
+    <dgm:txPr/>
+    <dgm:style>
+      <a:lnRef idx="2">
+        <a:scrgbClr r="0" g="0" b="0"/>
+      </a:lnRef>
+      <a:fillRef idx="1">
+        <a:scrgbClr r="0" g="0" b="0"/>
+      </a:fillRef>
+      <a:effectRef idx="0">
+        <a:scrgbClr r="0" g="0" b="0"/>
+      </a:effectRef>
+      <a:fontRef idx="minor"/>
+    </dgm:style>
+  </dgm:styleLbl>
+  <dgm:styleLbl name="alignAccFollowNode1">
+    <dgm:scene3d>
+      <a:camera prst="orthographicFront"/>
+      <a:lightRig rig="threePt" dir="t"/>
+    </dgm:scene3d>
+    <dgm:sp3d/>
+    <dgm:txPr/>
+    <dgm:style>
+      <a:lnRef idx="2">
+        <a:scrgbClr r="0" g="0" b="0"/>
+      </a:lnRef>
+      <a:fillRef idx="1">
+        <a:scrgbClr r="0" g="0" b="0"/>
+      </a:fillRef>
+      <a:effectRef idx="0">
+        <a:scrgbClr r="0" g="0" b="0"/>
+      </a:effectRef>
+      <a:fontRef idx="minor"/>
+    </dgm:style>
+  </dgm:styleLbl>
+  <dgm:styleLbl name="bgAccFollowNode1">
+    <dgm:scene3d>
+      <a:camera prst="orthographicFront"/>
+      <a:lightRig rig="threePt" dir="t"/>
+    </dgm:scene3d>
+    <dgm:sp3d/>
+    <dgm:txPr/>
+    <dgm:style>
+      <a:lnRef idx="2">
+        <a:scrgbClr r="0" g="0" b="0"/>
+      </a:lnRef>
+      <a:fillRef idx="1">
+        <a:scrgbClr r="0" g="0" b="0"/>
+      </a:fillRef>
+      <a:effectRef idx="0">
+        <a:scrgbClr r="0" g="0" b="0"/>
+      </a:effectRef>
+      <a:fontRef idx="minor"/>
+    </dgm:style>
+  </dgm:styleLbl>
+  <dgm:styleLbl name="fgAcc0">
+    <dgm:scene3d>
+      <a:camera prst="orthographicFront"/>
+      <a:lightRig rig="threePt" dir="t"/>
+    </dgm:scene3d>
+    <dgm:sp3d/>
+    <dgm:txPr/>
+    <dgm:style>
+      <a:lnRef idx="2">
+        <a:scrgbClr r="0" g="0" b="0"/>
+      </a:lnRef>
+      <a:fillRef idx="1">
+        <a:scrgbClr r="0" g="0" b="0"/>
+      </a:fillRef>
+      <a:effectRef idx="0">
+        <a:scrgbClr r="0" g="0" b="0"/>
+      </a:effectRef>
+      <a:fontRef idx="minor"/>
+    </dgm:style>
+  </dgm:styleLbl>
+  <dgm:styleLbl name="fgAcc2">
+    <dgm:scene3d>
+      <a:camera prst="orthographicFront"/>
+      <a:lightRig rig="threePt" dir="t"/>
+    </dgm:scene3d>
+    <dgm:sp3d/>
+    <dgm:txPr/>
+    <dgm:style>
+      <a:lnRef idx="2">
+        <a:scrgbClr r="0" g="0" b="0"/>
+      </a:lnRef>
+      <a:fillRef idx="1">
+        <a:scrgbClr r="0" g="0" b="0"/>
+      </a:fillRef>
+      <a:effectRef idx="0">
+        <a:scrgbClr r="0" g="0" b="0"/>
+      </a:effectRef>
+      <a:fontRef idx="minor"/>
+    </dgm:style>
+  </dgm:styleLbl>
+  <dgm:styleLbl name="fgAcc3">
+    <dgm:scene3d>
+      <a:camera prst="orthographicFront"/>
+      <a:lightRig rig="threePt" dir="t"/>
+    </dgm:scene3d>
+    <dgm:sp3d/>
+    <dgm:txPr/>
+    <dgm:style>
+      <a:lnRef idx="2">
+        <a:scrgbClr r="0" g="0" b="0"/>
+      </a:lnRef>
+      <a:fillRef idx="1">
+        <a:scrgbClr r="0" g="0" b="0"/>
+      </a:fillRef>
+      <a:effectRef idx="0">
+        <a:scrgbClr r="0" g="0" b="0"/>
+      </a:effectRef>
+      <a:fontRef idx="minor"/>
+    </dgm:style>
+  </dgm:styleLbl>
+  <dgm:styleLbl name="fgAcc4">
+    <dgm:scene3d>
+      <a:camera prst="orthographicFront"/>
+      <a:lightRig rig="threePt" dir="t"/>
+    </dgm:scene3d>
+    <dgm:sp3d/>
+    <dgm:txPr/>
+    <dgm:style>
+      <a:lnRef idx="2">
+        <a:scrgbClr r="0" g="0" b="0"/>
+      </a:lnRef>
+      <a:fillRef idx="1">
+        <a:scrgbClr r="0" g="0" b="0"/>
+      </a:fillRef>
+      <a:effectRef idx="0">
+        <a:scrgbClr r="0" g="0" b="0"/>
+      </a:effectRef>
+      <a:fontRef idx="minor"/>
+    </dgm:style>
+  </dgm:styleLbl>
+  <dgm:styleLbl name="bgShp">
+    <dgm:scene3d>
+      <a:camera prst="orthographicFront"/>
+      <a:lightRig rig="threePt" dir="t"/>
+    </dgm:scene3d>
+    <dgm:sp3d/>
+    <dgm:txPr/>
+    <dgm:style>
+      <a:lnRef idx="0">
+        <a:scrgbClr r="0" g="0" b="0"/>
+      </a:lnRef>
+      <a:fillRef idx="1">
+        <a:scrgbClr r="0" g="0" b="0"/>
+      </a:fillRef>
+      <a:effectRef idx="0">
+        <a:scrgbClr r="0" g="0" b="0"/>
+      </a:effectRef>
+      <a:fontRef idx="minor"/>
+    </dgm:style>
+  </dgm:styleLbl>
+  <dgm:styleLbl name="dkBgShp">
+    <dgm:scene3d>
+      <a:camera prst="orthographicFront"/>
+      <a:lightRig rig="threePt" dir="t"/>
+    </dgm:scene3d>
+    <dgm:sp3d/>
+    <dgm:txPr/>
+    <dgm:style>
+      <a:lnRef idx="0">
+        <a:scrgbClr r="0" g="0" b="0"/>
+      </a:lnRef>
+      <a:fillRef idx="1">
+        <a:scrgbClr r="0" g="0" b="0"/>
+      </a:fillRef>
+      <a:effectRef idx="0">
+        <a:scrgbClr r="0" g="0" b="0"/>
+      </a:effectRef>
+      <a:fontRef idx="minor"/>
+    </dgm:style>
+  </dgm:styleLbl>
+  <dgm:styleLbl name="trBgShp">
+    <dgm:scene3d>
+      <a:camera prst="orthographicFront"/>
+      <a:lightRig rig="threePt" dir="t"/>
+    </dgm:scene3d>
+    <dgm:sp3d/>
+    <dgm:txPr/>
+    <dgm:style>
+      <a:lnRef idx="0">
+        <a:scrgbClr r="0" g="0" b="0"/>
+      </a:lnRef>
+      <a:fillRef idx="1">
+        <a:scrgbClr r="0" g="0" b="0"/>
+      </a:fillRef>
+      <a:effectRef idx="0">
+        <a:scrgbClr r="0" g="0" b="0"/>
+      </a:effectRef>
+      <a:fontRef idx="minor"/>
+    </dgm:style>
+  </dgm:styleLbl>
+  <dgm:styleLbl name="fgShp">
+    <dgm:scene3d>
+      <a:camera prst="orthographicFront"/>
+      <a:lightRig rig="threePt" dir="t"/>
+    </dgm:scene3d>
+    <dgm:sp3d/>
+    <dgm:txPr/>
+    <dgm:style>
+      <a:lnRef idx="2">
+        <a:scrgbClr r="0" g="0" b="0"/>
+      </a:lnRef>
+      <a:fillRef idx="1">
+        <a:scrgbClr r="0" g="0" b="0"/>
+      </a:fillRef>
+      <a:effectRef idx="0">
+        <a:scrgbClr r="0" g="0" b="0"/>
+      </a:effectRef>
+      <a:fontRef idx="minor"/>
+    </dgm:style>
+  </dgm:styleLbl>
+  <dgm:styleLbl name="revTx">
+    <dgm:scene3d>
+      <a:camera prst="orthographicFront"/>
+      <a:lightRig rig="threePt" dir="t"/>
+    </dgm:scene3d>
+    <dgm:sp3d/>
+    <dgm:txPr/>
+    <dgm:style>
+      <a:lnRef idx="0">
+        <a:scrgbClr r="0" g="0" b="0"/>
+      </a:lnRef>
+      <a:fillRef idx="0">
+        <a:scrgbClr r="0" g="0" b="0"/>
+      </a:fillRef>
+      <a:effectRef idx="0">
+        <a:scrgbClr r="0" g="0" b="0"/>
+      </a:effectRef>
+      <a:fontRef idx="minor"/>
+    </dgm:style>
+  </dgm:styleLbl>
+</dgm:styleDef>
+</file>
+
+<file path=ppt/notesMasters/notesMaster1.xml><?xml version="1.0" encoding="utf-8"?>
+<p:notesMaster xmlns:a="http://schemas.openxmlformats.org/drawingml/2006/main" xmlns:r="http://schemas.openxmlformats.org/officeDocument/2006/relationships" xmlns:p="http://schemas.openxmlformats.org/presentationml/2006/main">
+  <p:cSld>
+    <p:bg>
+      <p:bgRef idx="1001">
+        <a:schemeClr val="bg1"/>
+      </p:bgRef>
+    </p:bg>
+    <p:spTree>
+      <p:nvGrpSpPr>
+        <p:cNvPr id="1" name=""/>
+        <p:cNvGrpSpPr/>
+        <p:nvPr/>
+      </p:nvGrpSpPr>
+      <p:grpSpPr>
+        <a:xfrm>
+          <a:off x="0" y="0"/>
+          <a:ext cx="0" cy="0"/>
+          <a:chOff x="0" y="0"/>
+          <a:chExt cx="0" cy="0"/>
+        </a:xfrm>
+      </p:grpSpPr>
+      <p:sp>
+        <p:nvSpPr>
+          <p:cNvPr id="2" name="Header Placeholder 1"/>
+          <p:cNvSpPr>
+            <a:spLocks noGrp="1"/>
+          </p:cNvSpPr>
+          <p:nvPr>
+            <p:ph type="hdr" sz="quarter"/>
+          </p:nvPr>
+        </p:nvSpPr>
+        <p:spPr>
+          <a:xfrm>
+            <a:off x="0" y="0"/>
+            <a:ext cx="2971800" cy="458788"/>
+          </a:xfrm>
+          <a:prstGeom prst="rect">
+            <a:avLst/>
+          </a:prstGeom>
+        </p:spPr>
+        <p:txBody>
+          <a:bodyPr vert="horz" lIns="91440" tIns="45720" rIns="91440" bIns="45720" rtlCol="0"/>
+          <a:lstStyle>
+            <a:lvl1pPr algn="l">
+              <a:defRPr sz="1200"/>
+            </a:lvl1pPr>
+          </a:lstStyle>
+          <a:p>
+            <a:endParaRPr lang="en-US"/>
+          </a:p>
+        </p:txBody>
+      </p:sp>
+      <p:sp>
+        <p:nvSpPr>
+          <p:cNvPr id="3" name="Date Placeholder 2"/>
+          <p:cNvSpPr>
+            <a:spLocks noGrp="1"/>
+          </p:cNvSpPr>
+          <p:nvPr>
+            <p:ph type="dt" idx="1"/>
+          </p:nvPr>
+        </p:nvSpPr>
+        <p:spPr>
+          <a:xfrm>
+            <a:off x="3884613" y="0"/>
+            <a:ext cx="2971800" cy="458788"/>
+          </a:xfrm>
+          <a:prstGeom prst="rect">
+            <a:avLst/>
+          </a:prstGeom>
+        </p:spPr>
+        <p:txBody>
+          <a:bodyPr vert="horz" lIns="91440" tIns="45720" rIns="91440" bIns="45720" rtlCol="0"/>
+          <a:lstStyle>
+            <a:lvl1pPr algn="r">
+              <a:defRPr sz="1200"/>
+            </a:lvl1pPr>
+          </a:lstStyle>
+          <a:p>
+            <a:fld id="{4F72BC9D-6610-4626-AD58-8BF3AAB808B6}" type="datetimeFigureOut">
+              <a:rPr lang="en-US" smtClean="0"/>
+              <a:t>2/20/2017</a:t>
+            </a:fld>
+            <a:endParaRPr lang="en-US"/>
+          </a:p>
+        </p:txBody>
+      </p:sp>
+      <p:sp>
+        <p:nvSpPr>
+          <p:cNvPr id="4" name="Slide Image Placeholder 3"/>
+          <p:cNvSpPr>
+            <a:spLocks noGrp="1" noRot="1" noChangeAspect="1"/>
+          </p:cNvSpPr>
+          <p:nvPr>
+            <p:ph type="sldImg" idx="2"/>
+          </p:nvPr>
+        </p:nvSpPr>
+        <p:spPr>
+          <a:xfrm>
+            <a:off x="685800" y="1143000"/>
+            <a:ext cx="5486400" cy="3086100"/>
+          </a:xfrm>
+          <a:prstGeom prst="rect">
+            <a:avLst/>
+          </a:prstGeom>
+          <a:noFill/>
+          <a:ln w="12700">
+            <a:solidFill>
+              <a:prstClr val="black"/>
+            </a:solidFill>
+          </a:ln>
+        </p:spPr>
+        <p:txBody>
+          <a:bodyPr vert="horz" lIns="91440" tIns="45720" rIns="91440" bIns="45720" rtlCol="0" anchor="ctr"/>
+          <a:lstStyle/>
+          <a:p>
+            <a:endParaRPr lang="en-US"/>
+          </a:p>
+        </p:txBody>
+      </p:sp>
+      <p:sp>
+        <p:nvSpPr>
+          <p:cNvPr id="5" name="Notes Placeholder 4"/>
+          <p:cNvSpPr>
+            <a:spLocks noGrp="1"/>
+          </p:cNvSpPr>
+          <p:nvPr>
+            <p:ph type="body" sz="quarter" idx="3"/>
+          </p:nvPr>
+        </p:nvSpPr>
+        <p:spPr>
+          <a:xfrm>
+            <a:off x="685800" y="4400550"/>
+            <a:ext cx="5486400" cy="3600450"/>
+          </a:xfrm>
+          <a:prstGeom prst="rect">
+            <a:avLst/>
+          </a:prstGeom>
+        </p:spPr>
+        <p:txBody>
+          <a:bodyPr vert="horz" lIns="91440" tIns="45720" rIns="91440" bIns="45720" rtlCol="0"/>
+          <a:lstStyle/>
+          <a:p>
+            <a:pPr lvl="0"/>
+            <a:r>
+              <a:rPr lang="en-US"/>
+              <a:t>Edit Master text styles</a:t>
+            </a:r>
+          </a:p>
+          <a:p>
+            <a:pPr lvl="1"/>
+            <a:r>
+              <a:rPr lang="en-US"/>
+              <a:t>Second level</a:t>
+            </a:r>
+          </a:p>
+          <a:p>
+            <a:pPr lvl="2"/>
+            <a:r>
+              <a:rPr lang="en-US"/>
+              <a:t>Third level</a:t>
+            </a:r>
+          </a:p>
+          <a:p>
+            <a:pPr lvl="3"/>
+            <a:r>
+              <a:rPr lang="en-US"/>
+              <a:t>Fourth level</a:t>
+            </a:r>
+          </a:p>
+          <a:p>
+            <a:pPr lvl="4"/>
+            <a:r>
+              <a:rPr lang="en-US"/>
+              <a:t>Fifth level</a:t>
+            </a:r>
+          </a:p>
+        </p:txBody>
+      </p:sp>
+      <p:sp>
+        <p:nvSpPr>
+          <p:cNvPr id="6" name="Footer Placeholder 5"/>
+          <p:cNvSpPr>
+            <a:spLocks noGrp="1"/>
+          </p:cNvSpPr>
+          <p:nvPr>
+            <p:ph type="ftr" sz="quarter" idx="4"/>
+          </p:nvPr>
+        </p:nvSpPr>
+        <p:spPr>
+          <a:xfrm>
+            <a:off x="0" y="8685213"/>
+            <a:ext cx="2971800" cy="458787"/>
+          </a:xfrm>
+          <a:prstGeom prst="rect">
+            <a:avLst/>
+          </a:prstGeom>
+        </p:spPr>
+        <p:txBody>
+          <a:bodyPr vert="horz" lIns="91440" tIns="45720" rIns="91440" bIns="45720" rtlCol="0" anchor="b"/>
+          <a:lstStyle>
+            <a:lvl1pPr algn="l">
+              <a:defRPr sz="1200"/>
+            </a:lvl1pPr>
+          </a:lstStyle>
+          <a:p>
+            <a:endParaRPr lang="en-US"/>
+          </a:p>
+        </p:txBody>
+      </p:sp>
+      <p:sp>
+        <p:nvSpPr>
+          <p:cNvPr id="7" name="Slide Number Placeholder 6"/>
+          <p:cNvSpPr>
+            <a:spLocks noGrp="1"/>
+          </p:cNvSpPr>
+          <p:nvPr>
+            <p:ph type="sldNum" sz="quarter" idx="5"/>
+          </p:nvPr>
+        </p:nvSpPr>
+        <p:spPr>
+          <a:xfrm>
+            <a:off x="3884613" y="8685213"/>
+            <a:ext cx="2971800" cy="458787"/>
+          </a:xfrm>
+          <a:prstGeom prst="rect">
+            <a:avLst/>
+          </a:prstGeom>
+        </p:spPr>
+        <p:txBody>
+          <a:bodyPr vert="horz" lIns="91440" tIns="45720" rIns="91440" bIns="45720" rtlCol="0" anchor="b"/>
+          <a:lstStyle>
+            <a:lvl1pPr algn="r">
+              <a:defRPr sz="1200"/>
+            </a:lvl1pPr>
+          </a:lstStyle>
+          <a:p>
+            <a:fld id="{1164D568-C9CE-4054-82EB-EEB595A5282C}" type="slidenum">
+              <a:rPr lang="en-US" smtClean="0"/>
+              <a:t>‹#›</a:t>
+            </a:fld>
+            <a:endParaRPr lang="en-US"/>
+          </a:p>
+        </p:txBody>
+      </p:sp>
+    </p:spTree>
+    <p:extLst>
+      <p:ext uri="{BB962C8B-B14F-4D97-AF65-F5344CB8AC3E}">
+        <p14:creationId xmlns:p14="http://schemas.microsoft.com/office/powerpoint/2010/main" val="104381284"/>
+      </p:ext>
+    </p:extLst>
+  </p:cSld>
+  <p:clrMap bg1="lt1" tx1="dk1" bg2="lt2" tx2="dk2" accent1="accent1" accent2="accent2" accent3="accent3" accent4="accent4" accent5="accent5" accent6="accent6" hlink="hlink" folHlink="folHlink"/>
+  <p:notesStyle>
+    <a:lvl1pPr marL="0" algn="l" defTabSz="914400" rtl="0" eaLnBrk="1" latinLnBrk="0" hangingPunct="1">
+      <a:defRPr sz="1200" kern="1200">
+        <a:solidFill>
+          <a:schemeClr val="tx1"/>
+        </a:solidFill>
+        <a:latin typeface="+mn-lt"/>
+        <a:ea typeface="+mn-ea"/>
+        <a:cs typeface="+mn-cs"/>
+      </a:defRPr>
+    </a:lvl1pPr>
+    <a:lvl2pPr marL="457200" algn="l" defTabSz="914400" rtl="0" eaLnBrk="1" latinLnBrk="0" hangingPunct="1">
+      <a:defRPr sz="1200" kern="1200">
+        <a:solidFill>
+          <a:schemeClr val="tx1"/>
+        </a:solidFill>
+        <a:latin typeface="+mn-lt"/>
+        <a:ea typeface="+mn-ea"/>
+        <a:cs typeface="+mn-cs"/>
+      </a:defRPr>
+    </a:lvl2pPr>
+    <a:lvl3pPr marL="914400" algn="l" defTabSz="914400" rtl="0" eaLnBrk="1" latinLnBrk="0" hangingPunct="1">
+      <a:defRPr sz="1200" kern="1200">
+        <a:solidFill>
+          <a:schemeClr val="tx1"/>
+        </a:solidFill>
+        <a:latin typeface="+mn-lt"/>
+        <a:ea typeface="+mn-ea"/>
+        <a:cs typeface="+mn-cs"/>
+      </a:defRPr>
+    </a:lvl3pPr>
+    <a:lvl4pPr marL="1371600" algn="l" defTabSz="914400" rtl="0" eaLnBrk="1" latinLnBrk="0" hangingPunct="1">
+      <a:defRPr sz="1200" kern="1200">
+        <a:solidFill>
+          <a:schemeClr val="tx1"/>
+        </a:solidFill>
+        <a:latin typeface="+mn-lt"/>
+        <a:ea typeface="+mn-ea"/>
+        <a:cs typeface="+mn-cs"/>
+      </a:defRPr>
+    </a:lvl4pPr>
+    <a:lvl5pPr marL="1828800" algn="l" defTabSz="914400" rtl="0" eaLnBrk="1" latinLnBrk="0" hangingPunct="1">
+      <a:defRPr sz="1200" kern="1200">
+        <a:solidFill>
+          <a:schemeClr val="tx1"/>
+        </a:solidFill>
+        <a:latin typeface="+mn-lt"/>
+        <a:ea typeface="+mn-ea"/>
+        <a:cs typeface="+mn-cs"/>
+      </a:defRPr>
+    </a:lvl5pPr>
+    <a:lvl6pPr marL="2286000" algn="l" defTabSz="914400" rtl="0" eaLnBrk="1" latinLnBrk="0" hangingPunct="1">
+      <a:defRPr sz="1200" kern="1200">
+        <a:solidFill>
+          <a:schemeClr val="tx1"/>
+        </a:solidFill>
+        <a:latin typeface="+mn-lt"/>
+        <a:ea typeface="+mn-ea"/>
+        <a:cs typeface="+mn-cs"/>
+      </a:defRPr>
+    </a:lvl6pPr>
+    <a:lvl7pPr marL="2743200" algn="l" defTabSz="914400" rtl="0" eaLnBrk="1" latinLnBrk="0" hangingPunct="1">
+      <a:defRPr sz="1200" kern="1200">
+        <a:solidFill>
+          <a:schemeClr val="tx1"/>
+        </a:solidFill>
+        <a:latin typeface="+mn-lt"/>
+        <a:ea typeface="+mn-ea"/>
+        <a:cs typeface="+mn-cs"/>
+      </a:defRPr>
+    </a:lvl7pPr>
+    <a:lvl8pPr marL="3200400" algn="l" defTabSz="914400" rtl="0" eaLnBrk="1" latinLnBrk="0" hangingPunct="1">
+      <a:defRPr sz="1200" kern="1200">
+        <a:solidFill>
+          <a:schemeClr val="tx1"/>
+        </a:solidFill>
+        <a:latin typeface="+mn-lt"/>
+        <a:ea typeface="+mn-ea"/>
+        <a:cs typeface="+mn-cs"/>
+      </a:defRPr>
+    </a:lvl8pPr>
+    <a:lvl9pPr marL="3657600" algn="l" defTabSz="914400" rtl="0" eaLnBrk="1" latinLnBrk="0" hangingPunct="1">
+      <a:defRPr sz="1200" kern="1200">
+        <a:solidFill>
+          <a:schemeClr val="tx1"/>
+        </a:solidFill>
+        <a:latin typeface="+mn-lt"/>
+        <a:ea typeface="+mn-ea"/>
+        <a:cs typeface="+mn-cs"/>
+      </a:defRPr>
+    </a:lvl9pPr>
+  </p:notesStyle>
+</p:notesMaster>
+</file>
+
+<file path=ppt/notesSlides/notesSlide1.xml><?xml version="1.0" encoding="utf-8"?>
+<p:notes xmlns:a="http://schemas.openxmlformats.org/drawingml/2006/main" xmlns:r="http://schemas.openxmlformats.org/officeDocument/2006/relationships" xmlns:p="http://schemas.openxmlformats.org/presentationml/2006/main">
+  <p:cSld>
+    <p:spTree>
+      <p:nvGrpSpPr>
+        <p:cNvPr id="1" name=""/>
+        <p:cNvGrpSpPr/>
+        <p:nvPr/>
+      </p:nvGrpSpPr>
+      <p:grpSpPr>
+        <a:xfrm>
+          <a:off x="0" y="0"/>
+          <a:ext cx="0" cy="0"/>
+          <a:chOff x="0" y="0"/>
+          <a:chExt cx="0" cy="0"/>
+        </a:xfrm>
+      </p:grpSpPr>
+      <p:sp>
+        <p:nvSpPr>
+          <p:cNvPr id="2" name="Slide Image Placeholder 1"/>
+          <p:cNvSpPr>
+            <a:spLocks noGrp="1" noRot="1" noChangeAspect="1"/>
+          </p:cNvSpPr>
+          <p:nvPr>
+            <p:ph type="sldImg"/>
+          </p:nvPr>
+        </p:nvSpPr>
+        <p:spPr/>
+      </p:sp>
+      <p:sp>
+        <p:nvSpPr>
+          <p:cNvPr id="3" name="Notes Placeholder 2"/>
+          <p:cNvSpPr>
+            <a:spLocks noGrp="1"/>
+          </p:cNvSpPr>
+          <p:nvPr>
+            <p:ph type="body" idx="1"/>
+          </p:nvPr>
+        </p:nvSpPr>
+        <p:spPr/>
+        <p:txBody>
+          <a:bodyPr/>
+          <a:lstStyle/>
+          <a:p>
+            <a:endParaRPr lang="en-US" dirty="0"/>
+          </a:p>
+        </p:txBody>
+      </p:sp>
+      <p:sp>
+        <p:nvSpPr>
+          <p:cNvPr id="4" name="Slide Number Placeholder 3"/>
+          <p:cNvSpPr>
+            <a:spLocks noGrp="1"/>
+          </p:cNvSpPr>
+          <p:nvPr>
+            <p:ph type="sldNum" sz="quarter" idx="10"/>
+          </p:nvPr>
+        </p:nvSpPr>
+        <p:spPr/>
+        <p:txBody>
+          <a:bodyPr/>
+          <a:lstStyle/>
+          <a:p>
+            <a:fld id="{1164D568-C9CE-4054-82EB-EEB595A5282C}" type="slidenum">
+              <a:rPr lang="en-US" smtClean="0"/>
+              <a:t>9</a:t>
+            </a:fld>
+            <a:endParaRPr lang="en-US"/>
+          </a:p>
+        </p:txBody>
+      </p:sp>
+    </p:spTree>
+    <p:extLst>
+      <p:ext uri="{BB962C8B-B14F-4D97-AF65-F5344CB8AC3E}">
+        <p14:creationId xmlns:p14="http://schemas.microsoft.com/office/powerpoint/2010/main" val="3985234139"/>
+      </p:ext>
+    </p:extLst>
+  </p:cSld>
+  <p:clrMapOvr>
+    <a:masterClrMapping/>
+  </p:clrMapOvr>
+</p:notes>
 </file>
 
 <file path=ppt/slideLayouts/slideLayout1.xml><?xml version="1.0" encoding="utf-8"?>
@@ -13344,7 +19507,6 @@
               <a:rPr lang="en-US"/>
               <a:t>Click to edit Master title style</a:t>
             </a:r>
-            <a:endParaRPr lang="en-US"/>
           </a:p>
         </p:txBody>
       </p:sp>
@@ -13409,7 +19571,6 @@
               <a:rPr lang="en-US"/>
               <a:t>Click to edit Master subtitle style</a:t>
             </a:r>
-            <a:endParaRPr lang="en-US"/>
           </a:p>
         </p:txBody>
       </p:sp>
@@ -13430,7 +19591,7 @@
           <a:p>
             <a:fld id="{4F5EFEF4-C580-473D-836A-A95710715EB0}" type="datetimeFigureOut">
               <a:rPr lang="en-US" smtClean="0"/>
-              <a:t>2/13/2017</a:t>
+              <a:t>2/20/2017</a:t>
             </a:fld>
             <a:endParaRPr lang="en-US"/>
           </a:p>
@@ -13527,7 +19688,6 @@
               <a:rPr lang="en-US"/>
               <a:t>Click to edit Master title style</a:t>
             </a:r>
-            <a:endParaRPr lang="en-US"/>
           </a:p>
         </p:txBody>
       </p:sp>
@@ -13579,7 +19739,6 @@
               <a:rPr lang="en-US"/>
               <a:t>Fifth level</a:t>
             </a:r>
-            <a:endParaRPr lang="en-US"/>
           </a:p>
         </p:txBody>
       </p:sp>
@@ -13600,7 +19759,7 @@
           <a:p>
             <a:fld id="{4F5EFEF4-C580-473D-836A-A95710715EB0}" type="datetimeFigureOut">
               <a:rPr lang="en-US" smtClean="0"/>
-              <a:t>2/13/2017</a:t>
+              <a:t>2/20/2017</a:t>
             </a:fld>
             <a:endParaRPr lang="en-US"/>
           </a:p>
@@ -13702,7 +19861,6 @@
               <a:rPr lang="en-US"/>
               <a:t>Click to edit Master title style</a:t>
             </a:r>
-            <a:endParaRPr lang="en-US"/>
           </a:p>
         </p:txBody>
       </p:sp>
@@ -13759,7 +19917,6 @@
               <a:rPr lang="en-US"/>
               <a:t>Fifth level</a:t>
             </a:r>
-            <a:endParaRPr lang="en-US"/>
           </a:p>
         </p:txBody>
       </p:sp>
@@ -13780,7 +19937,7 @@
           <a:p>
             <a:fld id="{4F5EFEF4-C580-473D-836A-A95710715EB0}" type="datetimeFigureOut">
               <a:rPr lang="en-US" smtClean="0"/>
-              <a:t>2/13/2017</a:t>
+              <a:t>2/20/2017</a:t>
             </a:fld>
             <a:endParaRPr lang="en-US"/>
           </a:p>
@@ -13877,7 +20034,6 @@
               <a:rPr lang="en-US"/>
               <a:t>Click to edit Master title style</a:t>
             </a:r>
-            <a:endParaRPr lang="en-US"/>
           </a:p>
         </p:txBody>
       </p:sp>
@@ -13929,7 +20085,6 @@
               <a:rPr lang="en-US"/>
               <a:t>Fifth level</a:t>
             </a:r>
-            <a:endParaRPr lang="en-US"/>
           </a:p>
         </p:txBody>
       </p:sp>
@@ -13950,7 +20105,7 @@
           <a:p>
             <a:fld id="{4F5EFEF4-C580-473D-836A-A95710715EB0}" type="datetimeFigureOut">
               <a:rPr lang="en-US" smtClean="0"/>
-              <a:t>2/13/2017</a:t>
+              <a:t>2/20/2017</a:t>
             </a:fld>
             <a:endParaRPr lang="en-US"/>
           </a:p>
@@ -14056,7 +20211,6 @@
               <a:rPr lang="en-US"/>
               <a:t>Click to edit Master title style</a:t>
             </a:r>
-            <a:endParaRPr lang="en-US"/>
           </a:p>
         </p:txBody>
       </p:sp>
@@ -14196,7 +20350,7 @@
           <a:p>
             <a:fld id="{4F5EFEF4-C580-473D-836A-A95710715EB0}" type="datetimeFigureOut">
               <a:rPr lang="en-US" smtClean="0"/>
-              <a:t>2/13/2017</a:t>
+              <a:t>2/20/2017</a:t>
             </a:fld>
             <a:endParaRPr lang="en-US"/>
           </a:p>
@@ -14293,7 +20447,6 @@
               <a:rPr lang="en-US"/>
               <a:t>Click to edit Master title style</a:t>
             </a:r>
-            <a:endParaRPr lang="en-US"/>
           </a:p>
         </p:txBody>
       </p:sp>
@@ -14350,7 +20503,6 @@
               <a:rPr lang="en-US"/>
               <a:t>Fifth level</a:t>
             </a:r>
-            <a:endParaRPr lang="en-US"/>
           </a:p>
         </p:txBody>
       </p:sp>
@@ -14407,7 +20559,6 @@
               <a:rPr lang="en-US"/>
               <a:t>Fifth level</a:t>
             </a:r>
-            <a:endParaRPr lang="en-US"/>
           </a:p>
         </p:txBody>
       </p:sp>
@@ -14428,7 +20579,7 @@
           <a:p>
             <a:fld id="{4F5EFEF4-C580-473D-836A-A95710715EB0}" type="datetimeFigureOut">
               <a:rPr lang="en-US" smtClean="0"/>
-              <a:t>2/13/2017</a:t>
+              <a:t>2/20/2017</a:t>
             </a:fld>
             <a:endParaRPr lang="en-US"/>
           </a:p>
@@ -14530,7 +20681,6 @@
               <a:rPr lang="en-US"/>
               <a:t>Click to edit Master title style</a:t>
             </a:r>
-            <a:endParaRPr lang="en-US"/>
           </a:p>
         </p:txBody>
       </p:sp>
@@ -14652,7 +20802,6 @@
               <a:rPr lang="en-US"/>
               <a:t>Fifth level</a:t>
             </a:r>
-            <a:endParaRPr lang="en-US"/>
           </a:p>
         </p:txBody>
       </p:sp>
@@ -14774,7 +20923,6 @@
               <a:rPr lang="en-US"/>
               <a:t>Fifth level</a:t>
             </a:r>
-            <a:endParaRPr lang="en-US"/>
           </a:p>
         </p:txBody>
       </p:sp>
@@ -14795,7 +20943,7 @@
           <a:p>
             <a:fld id="{4F5EFEF4-C580-473D-836A-A95710715EB0}" type="datetimeFigureOut">
               <a:rPr lang="en-US" smtClean="0"/>
-              <a:t>2/13/2017</a:t>
+              <a:t>2/20/2017</a:t>
             </a:fld>
             <a:endParaRPr lang="en-US"/>
           </a:p>
@@ -14892,7 +21040,6 @@
               <a:rPr lang="en-US"/>
               <a:t>Click to edit Master title style</a:t>
             </a:r>
-            <a:endParaRPr lang="en-US"/>
           </a:p>
         </p:txBody>
       </p:sp>
@@ -14913,7 +21060,7 @@
           <a:p>
             <a:fld id="{4F5EFEF4-C580-473D-836A-A95710715EB0}" type="datetimeFigureOut">
               <a:rPr lang="en-US" smtClean="0"/>
-              <a:t>2/13/2017</a:t>
+              <a:t>2/20/2017</a:t>
             </a:fld>
             <a:endParaRPr lang="en-US"/>
           </a:p>
@@ -15008,7 +21155,7 @@
           <a:p>
             <a:fld id="{4F5EFEF4-C580-473D-836A-A95710715EB0}" type="datetimeFigureOut">
               <a:rPr lang="en-US" smtClean="0"/>
-              <a:t>2/13/2017</a:t>
+              <a:t>2/20/2017</a:t>
             </a:fld>
             <a:endParaRPr lang="en-US"/>
           </a:p>
@@ -15114,7 +21261,6 @@
               <a:rPr lang="en-US"/>
               <a:t>Click to edit Master title style</a:t>
             </a:r>
-            <a:endParaRPr lang="en-US"/>
           </a:p>
         </p:txBody>
       </p:sp>
@@ -15199,7 +21345,6 @@
               <a:rPr lang="en-US"/>
               <a:t>Fifth level</a:t>
             </a:r>
-            <a:endParaRPr lang="en-US"/>
           </a:p>
         </p:txBody>
       </p:sp>
@@ -15285,7 +21430,7 @@
           <a:p>
             <a:fld id="{4F5EFEF4-C580-473D-836A-A95710715EB0}" type="datetimeFigureOut">
               <a:rPr lang="en-US" smtClean="0"/>
-              <a:t>2/13/2017</a:t>
+              <a:t>2/20/2017</a:t>
             </a:fld>
             <a:endParaRPr lang="en-US"/>
           </a:p>
@@ -15391,7 +21536,6 @@
               <a:rPr lang="en-US"/>
               <a:t>Click to edit Master title style</a:t>
             </a:r>
-            <a:endParaRPr lang="en-US"/>
           </a:p>
         </p:txBody>
       </p:sp>
@@ -15538,7 +21682,7 @@
           <a:p>
             <a:fld id="{4F5EFEF4-C580-473D-836A-A95710715EB0}" type="datetimeFigureOut">
               <a:rPr lang="en-US" smtClean="0"/>
-              <a:t>2/13/2017</a:t>
+              <a:t>2/20/2017</a:t>
             </a:fld>
             <a:endParaRPr lang="en-US"/>
           </a:p>
@@ -15650,7 +21794,6 @@
               <a:rPr lang="en-US"/>
               <a:t>Click to edit Master title style</a:t>
             </a:r>
-            <a:endParaRPr lang="en-US"/>
           </a:p>
         </p:txBody>
       </p:sp>
@@ -15712,7 +21855,6 @@
               <a:rPr lang="en-US"/>
               <a:t>Fifth level</a:t>
             </a:r>
-            <a:endParaRPr lang="en-US"/>
           </a:p>
         </p:txBody>
       </p:sp>
@@ -15751,7 +21893,7 @@
           <a:p>
             <a:fld id="{4F5EFEF4-C580-473D-836A-A95710715EB0}" type="datetimeFigureOut">
               <a:rPr lang="en-US" smtClean="0"/>
-              <a:t>2/13/2017</a:t>
+              <a:t>2/20/2017</a:t>
             </a:fld>
             <a:endParaRPr lang="en-US"/>
           </a:p>
@@ -16219,7 +22361,7 @@
                 <a14:useLocalDpi xmlns:a14="http://schemas.microsoft.com/office/drawing/2010/main" val="0"/>
               </a:ext>
               <a:ext uri="{96DAC541-7B7A-43D3-8B79-37D633B846F1}">
-                <asvg:svgBlip xmlns:asvg="http://schemas.microsoft.com/office/drawing/2016/SVG/main" r:embed="rId3"/>
+                <asvg:svgBlip xmlns:asvg="http://schemas.microsoft.com/office/drawing/2016/SVG/main" xmlns="" r:embed="rId3"/>
               </a:ext>
             </a:extLst>
           </a:blip>
@@ -16241,6 +22383,662 @@
     <p:extLst>
       <p:ext uri="{BB962C8B-B14F-4D97-AF65-F5344CB8AC3E}">
         <p14:creationId xmlns:p14="http://schemas.microsoft.com/office/powerpoint/2010/main" val="2202454931"/>
+      </p:ext>
+    </p:extLst>
+  </p:cSld>
+  <p:clrMapOvr>
+    <a:masterClrMapping/>
+  </p:clrMapOvr>
+</p:sld>
+</file>
+
+<file path=ppt/slides/slide10.xml><?xml version="1.0" encoding="utf-8"?>
+<p:sld xmlns:a="http://schemas.openxmlformats.org/drawingml/2006/main" xmlns:r="http://schemas.openxmlformats.org/officeDocument/2006/relationships" xmlns:p="http://schemas.openxmlformats.org/presentationml/2006/main">
+  <p:cSld>
+    <p:spTree>
+      <p:nvGrpSpPr>
+        <p:cNvPr id="1" name=""/>
+        <p:cNvGrpSpPr/>
+        <p:nvPr/>
+      </p:nvGrpSpPr>
+      <p:grpSpPr>
+        <a:xfrm>
+          <a:off x="0" y="0"/>
+          <a:ext cx="0" cy="0"/>
+          <a:chOff x="0" y="0"/>
+          <a:chExt cx="0" cy="0"/>
+        </a:xfrm>
+      </p:grpSpPr>
+      <p:sp>
+        <p:nvSpPr>
+          <p:cNvPr id="2" name="Title 1"/>
+          <p:cNvSpPr>
+            <a:spLocks noGrp="1"/>
+          </p:cNvSpPr>
+          <p:nvPr>
+            <p:ph type="title"/>
+          </p:nvPr>
+        </p:nvSpPr>
+        <p:spPr/>
+        <p:txBody>
+          <a:bodyPr/>
+          <a:lstStyle/>
+          <a:p>
+            <a:r>
+              <a:rPr lang="en-US" dirty="0"/>
+              <a:t>What are reverse proxies</a:t>
+            </a:r>
+          </a:p>
+        </p:txBody>
+      </p:sp>
+      <p:graphicFrame>
+        <p:nvGraphicFramePr>
+          <p:cNvPr id="7" name="Content Placeholder 6"/>
+          <p:cNvGraphicFramePr>
+            <a:graphicFrameLocks noGrp="1"/>
+          </p:cNvGraphicFramePr>
+          <p:nvPr>
+            <p:ph idx="1"/>
+            <p:extLst>
+              <p:ext uri="{D42A27DB-BD31-4B8C-83A1-F6EECF244321}">
+                <p14:modId xmlns:p14="http://schemas.microsoft.com/office/powerpoint/2010/main" val="1331791550"/>
+              </p:ext>
+            </p:extLst>
+          </p:nvPr>
+        </p:nvGraphicFramePr>
+        <p:xfrm>
+          <a:off x="838200" y="1825625"/>
+          <a:ext cx="10515600" cy="4351338"/>
+        </p:xfrm>
+        <a:graphic>
+          <a:graphicData uri="http://schemas.openxmlformats.org/drawingml/2006/diagram">
+            <dgm:relIds xmlns:dgm="http://schemas.openxmlformats.org/drawingml/2006/diagram" xmlns:r="http://schemas.openxmlformats.org/officeDocument/2006/relationships" r:dm="rId2" r:lo="rId3" r:qs="rId4" r:cs="rId5"/>
+          </a:graphicData>
+        </a:graphic>
+      </p:graphicFrame>
+    </p:spTree>
+    <p:extLst>
+      <p:ext uri="{BB962C8B-B14F-4D97-AF65-F5344CB8AC3E}">
+        <p14:creationId xmlns:p14="http://schemas.microsoft.com/office/powerpoint/2010/main" val="1953341338"/>
+      </p:ext>
+    </p:extLst>
+  </p:cSld>
+  <p:clrMapOvr>
+    <a:masterClrMapping/>
+  </p:clrMapOvr>
+  <p:timing>
+    <p:tnLst>
+      <p:par>
+        <p:cTn id="1" dur="indefinite" restart="never" nodeType="tmRoot">
+          <p:childTnLst>
+            <p:seq concurrent="1" nextAc="seek">
+              <p:cTn id="2" dur="indefinite" nodeType="mainSeq">
+                <p:childTnLst>
+                  <p:par>
+                    <p:cTn id="3" fill="hold">
+                      <p:stCondLst>
+                        <p:cond delay="indefinite"/>
+                      </p:stCondLst>
+                      <p:childTnLst>
+                        <p:par>
+                          <p:cTn id="4" fill="hold">
+                            <p:stCondLst>
+                              <p:cond delay="0"/>
+                            </p:stCondLst>
+                            <p:childTnLst>
+                              <p:par>
+                                <p:cTn id="5" presetID="1" presetClass="entr" presetSubtype="0" fill="hold" grpId="0" nodeType="clickEffect">
+                                  <p:stCondLst>
+                                    <p:cond delay="0"/>
+                                  </p:stCondLst>
+                                  <p:childTnLst>
+                                    <p:set>
+                                      <p:cBhvr>
+                                        <p:cTn id="6" dur="1" fill="hold">
+                                          <p:stCondLst>
+                                            <p:cond delay="0"/>
+                                          </p:stCondLst>
+                                        </p:cTn>
+                                        <p:tgtEl>
+                                          <p:spTgt spid="7">
+                                            <p:graphicEl>
+                                              <a:dgm id="{CA0FB76F-2ED5-4D2E-8232-E4023ED9DC9D}"/>
+                                            </p:graphicEl>
+                                          </p:spTgt>
+                                        </p:tgtEl>
+                                        <p:attrNameLst>
+                                          <p:attrName>style.visibility</p:attrName>
+                                        </p:attrNameLst>
+                                      </p:cBhvr>
+                                      <p:to>
+                                        <p:strVal val="visible"/>
+                                      </p:to>
+                                    </p:set>
+                                  </p:childTnLst>
+                                </p:cTn>
+                              </p:par>
+                              <p:par>
+                                <p:cTn id="7" presetID="1" presetClass="entr" presetSubtype="0" fill="hold" grpId="0" nodeType="withEffect">
+                                  <p:stCondLst>
+                                    <p:cond delay="0"/>
+                                  </p:stCondLst>
+                                  <p:childTnLst>
+                                    <p:set>
+                                      <p:cBhvr>
+                                        <p:cTn id="8" dur="1" fill="hold">
+                                          <p:stCondLst>
+                                            <p:cond delay="0"/>
+                                          </p:stCondLst>
+                                        </p:cTn>
+                                        <p:tgtEl>
+                                          <p:spTgt spid="7">
+                                            <p:graphicEl>
+                                              <a:dgm id="{0C6EB310-ACEB-4246-98AF-06ABBB64F767}"/>
+                                            </p:graphicEl>
+                                          </p:spTgt>
+                                        </p:tgtEl>
+                                        <p:attrNameLst>
+                                          <p:attrName>style.visibility</p:attrName>
+                                        </p:attrNameLst>
+                                      </p:cBhvr>
+                                      <p:to>
+                                        <p:strVal val="visible"/>
+                                      </p:to>
+                                    </p:set>
+                                  </p:childTnLst>
+                                </p:cTn>
+                              </p:par>
+                            </p:childTnLst>
+                          </p:cTn>
+                        </p:par>
+                      </p:childTnLst>
+                    </p:cTn>
+                  </p:par>
+                  <p:par>
+                    <p:cTn id="9" fill="hold">
+                      <p:stCondLst>
+                        <p:cond delay="indefinite"/>
+                      </p:stCondLst>
+                      <p:childTnLst>
+                        <p:par>
+                          <p:cTn id="10" fill="hold">
+                            <p:stCondLst>
+                              <p:cond delay="0"/>
+                            </p:stCondLst>
+                            <p:childTnLst>
+                              <p:par>
+                                <p:cTn id="11" presetID="1" presetClass="entr" presetSubtype="0" fill="hold" grpId="0" nodeType="clickEffect">
+                                  <p:stCondLst>
+                                    <p:cond delay="0"/>
+                                  </p:stCondLst>
+                                  <p:childTnLst>
+                                    <p:set>
+                                      <p:cBhvr>
+                                        <p:cTn id="12" dur="1" fill="hold">
+                                          <p:stCondLst>
+                                            <p:cond delay="0"/>
+                                          </p:stCondLst>
+                                        </p:cTn>
+                                        <p:tgtEl>
+                                          <p:spTgt spid="7">
+                                            <p:graphicEl>
+                                              <a:dgm id="{9AF756E9-0795-43E1-BF2F-8032EC9FEFA5}"/>
+                                            </p:graphicEl>
+                                          </p:spTgt>
+                                        </p:tgtEl>
+                                        <p:attrNameLst>
+                                          <p:attrName>style.visibility</p:attrName>
+                                        </p:attrNameLst>
+                                      </p:cBhvr>
+                                      <p:to>
+                                        <p:strVal val="visible"/>
+                                      </p:to>
+                                    </p:set>
+                                  </p:childTnLst>
+                                </p:cTn>
+                              </p:par>
+                            </p:childTnLst>
+                          </p:cTn>
+                        </p:par>
+                      </p:childTnLst>
+                    </p:cTn>
+                  </p:par>
+                  <p:par>
+                    <p:cTn id="13" fill="hold">
+                      <p:stCondLst>
+                        <p:cond delay="indefinite"/>
+                      </p:stCondLst>
+                      <p:childTnLst>
+                        <p:par>
+                          <p:cTn id="14" fill="hold">
+                            <p:stCondLst>
+                              <p:cond delay="0"/>
+                            </p:stCondLst>
+                            <p:childTnLst>
+                              <p:par>
+                                <p:cTn id="15" presetID="1" presetClass="entr" presetSubtype="0" fill="hold" grpId="0" nodeType="clickEffect">
+                                  <p:stCondLst>
+                                    <p:cond delay="0"/>
+                                  </p:stCondLst>
+                                  <p:childTnLst>
+                                    <p:set>
+                                      <p:cBhvr>
+                                        <p:cTn id="16" dur="1" fill="hold">
+                                          <p:stCondLst>
+                                            <p:cond delay="0"/>
+                                          </p:stCondLst>
+                                        </p:cTn>
+                                        <p:tgtEl>
+                                          <p:spTgt spid="7">
+                                            <p:graphicEl>
+                                              <a:dgm id="{7C2765B8-6B5C-413B-B08B-98E163D276C3}"/>
+                                            </p:graphicEl>
+                                          </p:spTgt>
+                                        </p:tgtEl>
+                                        <p:attrNameLst>
+                                          <p:attrName>style.visibility</p:attrName>
+                                        </p:attrNameLst>
+                                      </p:cBhvr>
+                                      <p:to>
+                                        <p:strVal val="visible"/>
+                                      </p:to>
+                                    </p:set>
+                                  </p:childTnLst>
+                                </p:cTn>
+                              </p:par>
+                            </p:childTnLst>
+                          </p:cTn>
+                        </p:par>
+                      </p:childTnLst>
+                    </p:cTn>
+                  </p:par>
+                </p:childTnLst>
+              </p:cTn>
+              <p:prevCondLst>
+                <p:cond evt="onPrev" delay="0">
+                  <p:tgtEl>
+                    <p:sldTgt/>
+                  </p:tgtEl>
+                </p:cond>
+              </p:prevCondLst>
+              <p:nextCondLst>
+                <p:cond evt="onNext" delay="0">
+                  <p:tgtEl>
+                    <p:sldTgt/>
+                  </p:tgtEl>
+                </p:cond>
+              </p:nextCondLst>
+            </p:seq>
+          </p:childTnLst>
+        </p:cTn>
+      </p:par>
+    </p:tnLst>
+    <p:bldLst>
+      <p:bldGraphic spid="7" grpId="0" uiExpand="1">
+        <p:bldSub>
+          <a:bldDgm bld="one"/>
+        </p:bldSub>
+      </p:bldGraphic>
+    </p:bldLst>
+  </p:timing>
+</p:sld>
+</file>
+
+<file path=ppt/slides/slide11.xml><?xml version="1.0" encoding="utf-8"?>
+<p:sld xmlns:a="http://schemas.openxmlformats.org/drawingml/2006/main" xmlns:r="http://schemas.openxmlformats.org/officeDocument/2006/relationships" xmlns:p="http://schemas.openxmlformats.org/presentationml/2006/main">
+  <p:cSld>
+    <p:spTree>
+      <p:nvGrpSpPr>
+        <p:cNvPr id="1" name=""/>
+        <p:cNvGrpSpPr/>
+        <p:nvPr/>
+      </p:nvGrpSpPr>
+      <p:grpSpPr>
+        <a:xfrm>
+          <a:off x="0" y="0"/>
+          <a:ext cx="0" cy="0"/>
+          <a:chOff x="0" y="0"/>
+          <a:chExt cx="0" cy="0"/>
+        </a:xfrm>
+      </p:grpSpPr>
+      <p:sp>
+        <p:nvSpPr>
+          <p:cNvPr id="2" name="Title 1"/>
+          <p:cNvSpPr>
+            <a:spLocks noGrp="1"/>
+          </p:cNvSpPr>
+          <p:nvPr>
+            <p:ph type="title"/>
+          </p:nvPr>
+        </p:nvSpPr>
+        <p:spPr/>
+        <p:txBody>
+          <a:bodyPr/>
+          <a:lstStyle/>
+          <a:p>
+            <a:r>
+              <a:rPr lang="en-US" dirty="0"/>
+              <a:t>Reverse </a:t>
+            </a:r>
+            <a:r>
+              <a:rPr lang="en-US" dirty="0" smtClean="0"/>
+              <a:t>Proxies—Patterns for some -</a:t>
+            </a:r>
+            <a:r>
+              <a:rPr lang="en-US" dirty="0" err="1"/>
+              <a:t>i</a:t>
+            </a:r>
+            <a:r>
+              <a:rPr lang="en-US" dirty="0" err="1" smtClean="0"/>
+              <a:t>lities</a:t>
+            </a:r>
+            <a:endParaRPr lang="en-US" dirty="0"/>
+          </a:p>
+        </p:txBody>
+      </p:sp>
+      <p:graphicFrame>
+        <p:nvGraphicFramePr>
+          <p:cNvPr id="4" name="Content Placeholder 3"/>
+          <p:cNvGraphicFramePr>
+            <a:graphicFrameLocks noGrp="1"/>
+          </p:cNvGraphicFramePr>
+          <p:nvPr>
+            <p:ph idx="1"/>
+            <p:extLst>
+              <p:ext uri="{D42A27DB-BD31-4B8C-83A1-F6EECF244321}">
+                <p14:modId xmlns:p14="http://schemas.microsoft.com/office/powerpoint/2010/main" val="1921074302"/>
+              </p:ext>
+            </p:extLst>
+          </p:nvPr>
+        </p:nvGraphicFramePr>
+        <p:xfrm>
+          <a:off x="838200" y="1825625"/>
+          <a:ext cx="10515600" cy="4351338"/>
+        </p:xfrm>
+        <a:graphic>
+          <a:graphicData uri="http://schemas.openxmlformats.org/drawingml/2006/diagram">
+            <dgm:relIds xmlns:dgm="http://schemas.openxmlformats.org/drawingml/2006/diagram" xmlns:r="http://schemas.openxmlformats.org/officeDocument/2006/relationships" r:dm="rId2" r:lo="rId3" r:qs="rId4" r:cs="rId5"/>
+          </a:graphicData>
+        </a:graphic>
+      </p:graphicFrame>
+    </p:spTree>
+    <p:extLst>
+      <p:ext uri="{BB962C8B-B14F-4D97-AF65-F5344CB8AC3E}">
+        <p14:creationId xmlns:p14="http://schemas.microsoft.com/office/powerpoint/2010/main" val="2355409519"/>
+      </p:ext>
+    </p:extLst>
+  </p:cSld>
+  <p:clrMapOvr>
+    <a:masterClrMapping/>
+  </p:clrMapOvr>
+</p:sld>
+</file>
+
+<file path=ppt/slides/slide12.xml><?xml version="1.0" encoding="utf-8"?>
+<p:sld xmlns:a="http://schemas.openxmlformats.org/drawingml/2006/main" xmlns:r="http://schemas.openxmlformats.org/officeDocument/2006/relationships" xmlns:p="http://schemas.openxmlformats.org/presentationml/2006/main">
+  <p:cSld>
+    <p:spTree>
+      <p:nvGrpSpPr>
+        <p:cNvPr id="1" name=""/>
+        <p:cNvGrpSpPr/>
+        <p:nvPr/>
+      </p:nvGrpSpPr>
+      <p:grpSpPr>
+        <a:xfrm>
+          <a:off x="0" y="0"/>
+          <a:ext cx="0" cy="0"/>
+          <a:chOff x="0" y="0"/>
+          <a:chExt cx="0" cy="0"/>
+        </a:xfrm>
+      </p:grpSpPr>
+      <p:sp>
+        <p:nvSpPr>
+          <p:cNvPr id="2" name="Title 1"/>
+          <p:cNvSpPr>
+            <a:spLocks noGrp="1"/>
+          </p:cNvSpPr>
+          <p:nvPr>
+            <p:ph type="title"/>
+          </p:nvPr>
+        </p:nvSpPr>
+        <p:spPr/>
+        <p:txBody>
+          <a:bodyPr/>
+          <a:lstStyle/>
+          <a:p>
+            <a:endParaRPr lang="en-US"/>
+          </a:p>
+        </p:txBody>
+      </p:sp>
+      <p:sp>
+        <p:nvSpPr>
+          <p:cNvPr id="3" name="Content Placeholder 2"/>
+          <p:cNvSpPr>
+            <a:spLocks noGrp="1"/>
+          </p:cNvSpPr>
+          <p:nvPr>
+            <p:ph idx="1"/>
+          </p:nvPr>
+        </p:nvSpPr>
+        <p:spPr/>
+        <p:txBody>
+          <a:bodyPr/>
+          <a:lstStyle/>
+          <a:p>
+            <a:endParaRPr lang="en-US"/>
+          </a:p>
+        </p:txBody>
+      </p:sp>
+    </p:spTree>
+    <p:extLst>
+      <p:ext uri="{BB962C8B-B14F-4D97-AF65-F5344CB8AC3E}">
+        <p14:creationId xmlns:p14="http://schemas.microsoft.com/office/powerpoint/2010/main" val="548492117"/>
+      </p:ext>
+    </p:extLst>
+  </p:cSld>
+  <p:clrMapOvr>
+    <a:masterClrMapping/>
+  </p:clrMapOvr>
+</p:sld>
+</file>
+
+<file path=ppt/slides/slide13.xml><?xml version="1.0" encoding="utf-8"?>
+<p:sld xmlns:a="http://schemas.openxmlformats.org/drawingml/2006/main" xmlns:r="http://schemas.openxmlformats.org/officeDocument/2006/relationships" xmlns:p="http://schemas.openxmlformats.org/presentationml/2006/main">
+  <p:cSld>
+    <p:spTree>
+      <p:nvGrpSpPr>
+        <p:cNvPr id="1" name=""/>
+        <p:cNvGrpSpPr/>
+        <p:nvPr/>
+      </p:nvGrpSpPr>
+      <p:grpSpPr>
+        <a:xfrm>
+          <a:off x="0" y="0"/>
+          <a:ext cx="0" cy="0"/>
+          <a:chOff x="0" y="0"/>
+          <a:chExt cx="0" cy="0"/>
+        </a:xfrm>
+      </p:grpSpPr>
+      <p:sp>
+        <p:nvSpPr>
+          <p:cNvPr id="2" name="Title 1"/>
+          <p:cNvSpPr>
+            <a:spLocks noGrp="1"/>
+          </p:cNvSpPr>
+          <p:nvPr>
+            <p:ph type="title"/>
+          </p:nvPr>
+        </p:nvSpPr>
+        <p:spPr/>
+        <p:txBody>
+          <a:bodyPr/>
+          <a:lstStyle/>
+          <a:p>
+            <a:r>
+              <a:rPr lang="en-US" dirty="0"/>
+              <a:t>NGINX </a:t>
+            </a:r>
+            <a:r>
+              <a:rPr lang="en-US" dirty="0" smtClean="0"/>
+              <a:t>OSS vs NGINX </a:t>
+            </a:r>
+            <a:r>
+              <a:rPr lang="en-US" dirty="0"/>
+              <a:t>Plus</a:t>
+            </a:r>
+            <a:r>
+              <a:rPr lang="en-US" dirty="0" smtClean="0"/>
+              <a:t> </a:t>
+            </a:r>
+            <a:endParaRPr lang="en-US" dirty="0"/>
+          </a:p>
+        </p:txBody>
+      </p:sp>
+      <p:sp>
+        <p:nvSpPr>
+          <p:cNvPr id="3" name="Content Placeholder 2"/>
+          <p:cNvSpPr>
+            <a:spLocks noGrp="1"/>
+          </p:cNvSpPr>
+          <p:nvPr>
+            <p:ph idx="1"/>
+          </p:nvPr>
+        </p:nvSpPr>
+        <p:spPr/>
+        <p:txBody>
+          <a:bodyPr/>
+          <a:lstStyle/>
+          <a:p>
+            <a:r>
+              <a:rPr lang="en-US" dirty="0"/>
+              <a:t>There are feature </a:t>
+            </a:r>
+            <a:r>
+              <a:rPr lang="en-US" dirty="0" smtClean="0"/>
+              <a:t>differences</a:t>
+            </a:r>
+          </a:p>
+          <a:p>
+            <a:pPr lvl="1"/>
+            <a:r>
+              <a:rPr lang="en-US" dirty="0" smtClean="0">
+                <a:hlinkClick r:id="rId2"/>
+              </a:rPr>
+              <a:t>https</a:t>
+            </a:r>
+            <a:r>
+              <a:rPr lang="en-US" dirty="0">
+                <a:hlinkClick r:id="rId2"/>
+              </a:rPr>
+              <a:t>://www.nginx.com/products/feature-matrix</a:t>
+            </a:r>
+            <a:r>
+              <a:rPr lang="en-US" dirty="0" smtClean="0">
+                <a:hlinkClick r:id="rId2"/>
+              </a:rPr>
+              <a:t>/</a:t>
+            </a:r>
+            <a:endParaRPr lang="en-US" dirty="0" smtClean="0"/>
+          </a:p>
+          <a:p>
+            <a:r>
+              <a:rPr lang="en-US" dirty="0" smtClean="0"/>
+              <a:t>The feature you want is in NGINX Plus</a:t>
+            </a:r>
+          </a:p>
+        </p:txBody>
+      </p:sp>
+    </p:spTree>
+    <p:extLst>
+      <p:ext uri="{BB962C8B-B14F-4D97-AF65-F5344CB8AC3E}">
+        <p14:creationId xmlns:p14="http://schemas.microsoft.com/office/powerpoint/2010/main" val="4122354114"/>
+      </p:ext>
+    </p:extLst>
+  </p:cSld>
+  <p:clrMapOvr>
+    <a:masterClrMapping/>
+  </p:clrMapOvr>
+</p:sld>
+</file>
+
+<file path=ppt/slides/slide14.xml><?xml version="1.0" encoding="utf-8"?>
+<p:sld xmlns:a="http://schemas.openxmlformats.org/drawingml/2006/main" xmlns:r="http://schemas.openxmlformats.org/officeDocument/2006/relationships" xmlns:p="http://schemas.openxmlformats.org/presentationml/2006/main">
+  <p:cSld>
+    <p:spTree>
+      <p:nvGrpSpPr>
+        <p:cNvPr id="1" name=""/>
+        <p:cNvGrpSpPr/>
+        <p:nvPr/>
+      </p:nvGrpSpPr>
+      <p:grpSpPr>
+        <a:xfrm>
+          <a:off x="0" y="0"/>
+          <a:ext cx="0" cy="0"/>
+          <a:chOff x="0" y="0"/>
+          <a:chExt cx="0" cy="0"/>
+        </a:xfrm>
+      </p:grpSpPr>
+      <p:sp>
+        <p:nvSpPr>
+          <p:cNvPr id="2" name="Title 1"/>
+          <p:cNvSpPr>
+            <a:spLocks noGrp="1"/>
+          </p:cNvSpPr>
+          <p:nvPr>
+            <p:ph type="title"/>
+          </p:nvPr>
+        </p:nvSpPr>
+        <p:spPr/>
+        <p:txBody>
+          <a:bodyPr/>
+          <a:lstStyle/>
+          <a:p>
+            <a:r>
+              <a:rPr lang="en-US" dirty="0" smtClean="0"/>
+              <a:t>Fortunately Open Source</a:t>
+            </a:r>
+            <a:endParaRPr lang="en-US" dirty="0"/>
+          </a:p>
+        </p:txBody>
+      </p:sp>
+      <p:sp>
+        <p:nvSpPr>
+          <p:cNvPr id="3" name="Content Placeholder 2"/>
+          <p:cNvSpPr>
+            <a:spLocks noGrp="1"/>
+          </p:cNvSpPr>
+          <p:nvPr>
+            <p:ph idx="1"/>
+          </p:nvPr>
+        </p:nvSpPr>
+        <p:spPr/>
+        <p:txBody>
+          <a:bodyPr/>
+          <a:lstStyle/>
+          <a:p>
+            <a:r>
+              <a:rPr lang="en-US" dirty="0" smtClean="0">
+                <a:hlinkClick r:id="rId2" tooltip="https://github.com/openresty/"/>
+              </a:rPr>
+              <a:t>OpenResty</a:t>
+            </a:r>
+            <a:endParaRPr lang="en-US" dirty="0" smtClean="0"/>
+          </a:p>
+          <a:p>
+            <a:r>
+              <a:rPr lang="en-US" dirty="0" smtClean="0">
+                <a:hlinkClick r:id="rId3" tooltip="https://github.com/alibaba/tengine"/>
+              </a:rPr>
+              <a:t>Tengine</a:t>
+            </a:r>
+            <a:endParaRPr lang="en-US" dirty="0"/>
+          </a:p>
+        </p:txBody>
+      </p:sp>
+    </p:spTree>
+    <p:extLst>
+      <p:ext uri="{BB962C8B-B14F-4D97-AF65-F5344CB8AC3E}">
+        <p14:creationId xmlns:p14="http://schemas.microsoft.com/office/powerpoint/2010/main" val="1349289222"/>
       </p:ext>
     </p:extLst>
   </p:cSld>
@@ -16672,6 +23470,12 @@
               </a:rPr>
               <a:t>dls314</a:t>
             </a:r>
+            <a:r>
+              <a:rPr lang="en-US" dirty="0">
+                <a:hlinkClick r:id="rId5"/>
+              </a:rPr>
+              <a:t/>
+            </a:r>
             <a:br>
               <a:rPr lang="en-US" dirty="0">
                 <a:hlinkClick r:id="rId5"/>
@@ -17088,7 +23892,6 @@
               <a:rPr lang="en-US" dirty="0"/>
               <a:t>NGINX—Early Software History</a:t>
             </a:r>
-            <a:endParaRPr lang="en-US" dirty="0"/>
           </a:p>
         </p:txBody>
       </p:sp>
@@ -18399,7 +25202,7 @@
             <p:ph idx="1"/>
             <p:extLst>
               <p:ext uri="{D42A27DB-BD31-4B8C-83A1-F6EECF244321}">
-                <p14:modId xmlns:p14="http://schemas.microsoft.com/office/powerpoint/2010/main" val="3083454226"/>
+                <p14:modId xmlns:p14="http://schemas.microsoft.com/office/powerpoint/2010/main" val="2957400738"/>
               </p:ext>
             </p:extLst>
           </p:nvPr>
@@ -18821,26 +25624,70 @@
           <a:bodyPr/>
           <a:lstStyle/>
           <a:p>
-            <a:endParaRPr lang="en-US" dirty="0"/>
+            <a:r>
+              <a:rPr lang="en-US" dirty="0"/>
+              <a:t>What are microservices</a:t>
+            </a:r>
           </a:p>
         </p:txBody>
       </p:sp>
-      <p:sp>
-        <p:nvSpPr>
-          <p:cNvPr id="5" name="Content Placeholder 4"/>
-          <p:cNvSpPr>
-            <a:spLocks noGrp="1"/>
-          </p:cNvSpPr>
+      <p:pic>
+        <p:nvPicPr>
+          <p:cNvPr id="12" name="Content Placeholder 11">
+            <a:hlinkClick r:id="rId3" tooltip="https://martinfowler.com/articles/microservices.html"/>
+          </p:cNvPr>
+          <p:cNvPicPr>
+            <a:picLocks noGrp="1" noChangeAspect="1"/>
+          </p:cNvPicPr>
           <p:nvPr>
             <p:ph idx="1"/>
           </p:nvPr>
+        </p:nvPicPr>
+        <p:blipFill>
+          <a:blip r:embed="rId4">
+            <a:extLst>
+              <a:ext uri="{28A0092B-C50C-407E-A947-70E740481C1C}">
+                <a14:useLocalDpi xmlns:a14="http://schemas.microsoft.com/office/drawing/2010/main" val="0"/>
+              </a:ext>
+            </a:extLst>
+          </a:blip>
+          <a:stretch>
+            <a:fillRect/>
+          </a:stretch>
+        </p:blipFill>
+        <p:spPr>
+          <a:xfrm>
+            <a:off x="2879306" y="1825625"/>
+            <a:ext cx="5886004" cy="3981104"/>
+          </a:xfrm>
+        </p:spPr>
+      </p:pic>
+      <p:sp>
+        <p:nvSpPr>
+          <p:cNvPr id="13" name="TextBox 12"/>
+          <p:cNvSpPr txBox="1"/>
+          <p:nvPr/>
         </p:nvSpPr>
-        <p:spPr/>
+        <p:spPr>
+          <a:xfrm>
+            <a:off x="838200" y="5807631"/>
+            <a:ext cx="10515600" cy="523220"/>
+          </a:xfrm>
+          <a:prstGeom prst="rect">
+            <a:avLst/>
+          </a:prstGeom>
+          <a:noFill/>
+        </p:spPr>
         <p:txBody>
-          <a:bodyPr/>
+          <a:bodyPr wrap="square" rtlCol="0">
+            <a:spAutoFit/>
+          </a:bodyPr>
           <a:lstStyle/>
           <a:p>
-            <a:endParaRPr lang="en-US"/>
+            <a:r>
+              <a:rPr lang="en-US" sz="2800" dirty="0"/>
+              <a:t>Let’s skip some of this discussion</a:t>
+            </a:r>
           </a:p>
         </p:txBody>
       </p:sp>
@@ -18854,6 +25701,84 @@
   <p:clrMapOvr>
     <a:masterClrMapping/>
   </p:clrMapOvr>
+  <p:timing>
+    <p:tnLst>
+      <p:par>
+        <p:cTn id="1" dur="indefinite" restart="never" nodeType="tmRoot">
+          <p:childTnLst>
+            <p:seq concurrent="1" nextAc="seek">
+              <p:cTn id="2" dur="indefinite" nodeType="mainSeq">
+                <p:childTnLst>
+                  <p:par>
+                    <p:cTn id="3" fill="hold">
+                      <p:stCondLst>
+                        <p:cond delay="indefinite"/>
+                      </p:stCondLst>
+                      <p:childTnLst>
+                        <p:par>
+                          <p:cTn id="4" fill="hold">
+                            <p:stCondLst>
+                              <p:cond delay="0"/>
+                            </p:stCondLst>
+                            <p:childTnLst>
+                              <p:par>
+                                <p:cTn id="5" presetID="1" presetClass="entr" presetSubtype="0" fill="hold" grpId="0" nodeType="clickEffect">
+                                  <p:stCondLst>
+                                    <p:cond delay="0"/>
+                                  </p:stCondLst>
+                                  <p:childTnLst>
+                                    <p:set>
+                                      <p:cBhvr>
+                                        <p:cTn id="6" dur="1" fill="hold">
+                                          <p:stCondLst>
+                                            <p:cond delay="0"/>
+                                          </p:stCondLst>
+                                        </p:cTn>
+                                        <p:tgtEl>
+                                          <p:spTgt spid="13"/>
+                                        </p:tgtEl>
+                                        <p:attrNameLst>
+                                          <p:attrName>style.visibility</p:attrName>
+                                        </p:attrNameLst>
+                                      </p:cBhvr>
+                                      <p:to>
+                                        <p:strVal val="visible"/>
+                                      </p:to>
+                                    </p:set>
+                                  </p:childTnLst>
+                                </p:cTn>
+                              </p:par>
+                            </p:childTnLst>
+                          </p:cTn>
+                        </p:par>
+                      </p:childTnLst>
+                    </p:cTn>
+                  </p:par>
+                </p:childTnLst>
+              </p:cTn>
+              <p:prevCondLst>
+                <p:cond evt="onPrev" delay="0">
+                  <p:tgtEl>
+                    <p:sldTgt/>
+                  </p:tgtEl>
+                </p:cond>
+              </p:prevCondLst>
+              <p:nextCondLst>
+                <p:cond evt="onNext" delay="0">
+                  <p:tgtEl>
+                    <p:sldTgt/>
+                  </p:tgtEl>
+                </p:cond>
+              </p:nextCondLst>
+            </p:seq>
+          </p:childTnLst>
+        </p:cTn>
+      </p:par>
+    </p:tnLst>
+    <p:bldLst>
+      <p:bldP spid="13" grpId="0"/>
+    </p:bldLst>
+  </p:timing>
 </p:sld>
 </file>
 
@@ -19150,4 +26075,299 @@
     </a:ext>
   </a:extLst>
 </a:theme>
+</file>
+
+<file path=ppt/theme/theme2.xml><?xml version="1.0" encoding="utf-8"?>
+<a:theme xmlns:a="http://schemas.openxmlformats.org/drawingml/2006/main" name="Office Theme">
+  <a:themeElements>
+    <a:clrScheme name="Office">
+      <a:dk1>
+        <a:sysClr val="windowText" lastClr="000000"/>
+      </a:dk1>
+      <a:lt1>
+        <a:sysClr val="window" lastClr="FFFFFF"/>
+      </a:lt1>
+      <a:dk2>
+        <a:srgbClr val="44546A"/>
+      </a:dk2>
+      <a:lt2>
+        <a:srgbClr val="E7E6E6"/>
+      </a:lt2>
+      <a:accent1>
+        <a:srgbClr val="4472C4"/>
+      </a:accent1>
+      <a:accent2>
+        <a:srgbClr val="ED7D31"/>
+      </a:accent2>
+      <a:accent3>
+        <a:srgbClr val="A5A5A5"/>
+      </a:accent3>
+      <a:accent4>
+        <a:srgbClr val="FFC000"/>
+      </a:accent4>
+      <a:accent5>
+        <a:srgbClr val="5B9BD5"/>
+      </a:accent5>
+      <a:accent6>
+        <a:srgbClr val="70AD47"/>
+      </a:accent6>
+      <a:hlink>
+        <a:srgbClr val="0563C1"/>
+      </a:hlink>
+      <a:folHlink>
+        <a:srgbClr val="954F72"/>
+      </a:folHlink>
+    </a:clrScheme>
+    <a:fontScheme name="Office">
+      <a:majorFont>
+        <a:latin typeface="Calibri Light" panose="020F0302020204030204"/>
+        <a:ea typeface=""/>
+        <a:cs typeface=""/>
+        <a:font script="Jpan" typeface="游ゴシック Light"/>
+        <a:font script="Hang" typeface="맑은 고딕"/>
+        <a:font script="Hans" typeface="等线 Light"/>
+        <a:font script="Hant" typeface="新細明體"/>
+        <a:font script="Arab" typeface="Times New Roman"/>
+        <a:font script="Hebr" typeface="Times New Roman"/>
+        <a:font script="Thai" typeface="Angsana New"/>
+        <a:font script="Ethi" typeface="Nyala"/>
+        <a:font script="Beng" typeface="Vrinda"/>
+        <a:font script="Gujr" typeface="Shruti"/>
+        <a:font script="Khmr" typeface="MoolBoran"/>
+        <a:font script="Knda" typeface="Tunga"/>
+        <a:font script="Guru" typeface="Raavi"/>
+        <a:font script="Cans" typeface="Euphemia"/>
+        <a:font script="Cher" typeface="Plantagenet Cherokee"/>
+        <a:font script="Yiii" typeface="Microsoft Yi Baiti"/>
+        <a:font script="Tibt" typeface="Microsoft Himalaya"/>
+        <a:font script="Thaa" typeface="MV Boli"/>
+        <a:font script="Deva" typeface="Mangal"/>
+        <a:font script="Telu" typeface="Gautami"/>
+        <a:font script="Taml" typeface="Latha"/>
+        <a:font script="Syrc" typeface="Estrangelo Edessa"/>
+        <a:font script="Orya" typeface="Kalinga"/>
+        <a:font script="Mlym" typeface="Kartika"/>
+        <a:font script="Laoo" typeface="DokChampa"/>
+        <a:font script="Sinh" typeface="Iskoola Pota"/>
+        <a:font script="Mong" typeface="Mongolian Baiti"/>
+        <a:font script="Viet" typeface="Times New Roman"/>
+        <a:font script="Uigh" typeface="Microsoft Uighur"/>
+        <a:font script="Geor" typeface="Sylfaen"/>
+        <a:font script="Armn" typeface="Arial"/>
+        <a:font script="Bugi" typeface="Leelawadee UI"/>
+        <a:font script="Bopo" typeface="Microsoft JhengHei"/>
+        <a:font script="Java" typeface="Javanese Text"/>
+        <a:font script="Lisu" typeface="Segoe UI"/>
+        <a:font script="Mymr" typeface="Myanmar Text"/>
+        <a:font script="Nkoo" typeface="Ebrima"/>
+        <a:font script="Olck" typeface="Nirmala UI"/>
+        <a:font script="Osma" typeface="Ebrima"/>
+        <a:font script="Phag" typeface="Phagspa"/>
+        <a:font script="Syrn" typeface="Estrangelo Edessa"/>
+        <a:font script="Syrj" typeface="Estrangelo Edessa"/>
+        <a:font script="Syre" typeface="Estrangelo Edessa"/>
+        <a:font script="Sora" typeface="Nirmala UI"/>
+        <a:font script="Tale" typeface="Microsoft Tai Le"/>
+        <a:font script="Talu" typeface="Microsoft New Tai Lue"/>
+        <a:font script="Tfng" typeface="Ebrima"/>
+      </a:majorFont>
+      <a:minorFont>
+        <a:latin typeface="Calibri" panose="020F0502020204030204"/>
+        <a:ea typeface=""/>
+        <a:cs typeface=""/>
+        <a:font script="Jpan" typeface="游ゴシック"/>
+        <a:font script="Hang" typeface="맑은 고딕"/>
+        <a:font script="Hans" typeface="等线"/>
+        <a:font script="Hant" typeface="新細明體"/>
+        <a:font script="Arab" typeface="Arial"/>
+        <a:font script="Hebr" typeface="Arial"/>
+        <a:font script="Thai" typeface="Cordia New"/>
+        <a:font script="Ethi" typeface="Nyala"/>
+        <a:font script="Beng" typeface="Vrinda"/>
+        <a:font script="Gujr" typeface="Shruti"/>
+        <a:font script="Khmr" typeface="DaunPenh"/>
+        <a:font script="Knda" typeface="Tunga"/>
+        <a:font script="Guru" typeface="Raavi"/>
+        <a:font script="Cans" typeface="Euphemia"/>
+        <a:font script="Cher" typeface="Plantagenet Cherokee"/>
+        <a:font script="Yiii" typeface="Microsoft Yi Baiti"/>
+        <a:font script="Tibt" typeface="Microsoft Himalaya"/>
+        <a:font script="Thaa" typeface="MV Boli"/>
+        <a:font script="Deva" typeface="Mangal"/>
+        <a:font script="Telu" typeface="Gautami"/>
+        <a:font script="Taml" typeface="Latha"/>
+        <a:font script="Syrc" typeface="Estrangelo Edessa"/>
+        <a:font script="Orya" typeface="Kalinga"/>
+        <a:font script="Mlym" typeface="Kartika"/>
+        <a:font script="Laoo" typeface="DokChampa"/>
+        <a:font script="Sinh" typeface="Iskoola Pota"/>
+        <a:font script="Mong" typeface="Mongolian Baiti"/>
+        <a:font script="Viet" typeface="Arial"/>
+        <a:font script="Uigh" typeface="Microsoft Uighur"/>
+        <a:font script="Geor" typeface="Sylfaen"/>
+        <a:font script="Armn" typeface="Arial"/>
+        <a:font script="Bugi" typeface="Leelawadee UI"/>
+        <a:font script="Bopo" typeface="Microsoft JhengHei"/>
+        <a:font script="Java" typeface="Javanese Text"/>
+        <a:font script="Lisu" typeface="Segoe UI"/>
+        <a:font script="Mymr" typeface="Myanmar Text"/>
+        <a:font script="Nkoo" typeface="Ebrima"/>
+        <a:font script="Olck" typeface="Nirmala UI"/>
+        <a:font script="Osma" typeface="Ebrima"/>
+        <a:font script="Phag" typeface="Phagspa"/>
+        <a:font script="Syrn" typeface="Estrangelo Edessa"/>
+        <a:font script="Syrj" typeface="Estrangelo Edessa"/>
+        <a:font script="Syre" typeface="Estrangelo Edessa"/>
+        <a:font script="Sora" typeface="Nirmala UI"/>
+        <a:font script="Tale" typeface="Microsoft Tai Le"/>
+        <a:font script="Talu" typeface="Microsoft New Tai Lue"/>
+        <a:font script="Tfng" typeface="Ebrima"/>
+      </a:minorFont>
+    </a:fontScheme>
+    <a:fmtScheme name="Office">
+      <a:fillStyleLst>
+        <a:solidFill>
+          <a:schemeClr val="phClr"/>
+        </a:solidFill>
+        <a:gradFill rotWithShape="1">
+          <a:gsLst>
+            <a:gs pos="0">
+              <a:schemeClr val="phClr">
+                <a:lumMod val="110000"/>
+                <a:satMod val="105000"/>
+                <a:tint val="67000"/>
+              </a:schemeClr>
+            </a:gs>
+            <a:gs pos="50000">
+              <a:schemeClr val="phClr">
+                <a:lumMod val="105000"/>
+                <a:satMod val="103000"/>
+                <a:tint val="73000"/>
+              </a:schemeClr>
+            </a:gs>
+            <a:gs pos="100000">
+              <a:schemeClr val="phClr">
+                <a:lumMod val="105000"/>
+                <a:satMod val="109000"/>
+                <a:tint val="81000"/>
+              </a:schemeClr>
+            </a:gs>
+          </a:gsLst>
+          <a:lin ang="5400000" scaled="0"/>
+        </a:gradFill>
+        <a:gradFill rotWithShape="1">
+          <a:gsLst>
+            <a:gs pos="0">
+              <a:schemeClr val="phClr">
+                <a:satMod val="103000"/>
+                <a:lumMod val="102000"/>
+                <a:tint val="94000"/>
+              </a:schemeClr>
+            </a:gs>
+            <a:gs pos="50000">
+              <a:schemeClr val="phClr">
+                <a:satMod val="110000"/>
+                <a:lumMod val="100000"/>
+                <a:shade val="100000"/>
+              </a:schemeClr>
+            </a:gs>
+            <a:gs pos="100000">
+              <a:schemeClr val="phClr">
+                <a:lumMod val="99000"/>
+                <a:satMod val="120000"/>
+                <a:shade val="78000"/>
+              </a:schemeClr>
+            </a:gs>
+          </a:gsLst>
+          <a:lin ang="5400000" scaled="0"/>
+        </a:gradFill>
+      </a:fillStyleLst>
+      <a:lnStyleLst>
+        <a:ln w="6350" cap="flat" cmpd="sng" algn="ctr">
+          <a:solidFill>
+            <a:schemeClr val="phClr"/>
+          </a:solidFill>
+          <a:prstDash val="solid"/>
+          <a:miter lim="800000"/>
+        </a:ln>
+        <a:ln w="12700" cap="flat" cmpd="sng" algn="ctr">
+          <a:solidFill>
+            <a:schemeClr val="phClr"/>
+          </a:solidFill>
+          <a:prstDash val="solid"/>
+          <a:miter lim="800000"/>
+        </a:ln>
+        <a:ln w="19050" cap="flat" cmpd="sng" algn="ctr">
+          <a:solidFill>
+            <a:schemeClr val="phClr"/>
+          </a:solidFill>
+          <a:prstDash val="solid"/>
+          <a:miter lim="800000"/>
+        </a:ln>
+      </a:lnStyleLst>
+      <a:effectStyleLst>
+        <a:effectStyle>
+          <a:effectLst/>
+        </a:effectStyle>
+        <a:effectStyle>
+          <a:effectLst/>
+        </a:effectStyle>
+        <a:effectStyle>
+          <a:effectLst>
+            <a:outerShdw blurRad="57150" dist="19050" dir="5400000" algn="ctr" rotWithShape="0">
+              <a:srgbClr val="000000">
+                <a:alpha val="63000"/>
+              </a:srgbClr>
+            </a:outerShdw>
+          </a:effectLst>
+        </a:effectStyle>
+      </a:effectStyleLst>
+      <a:bgFillStyleLst>
+        <a:solidFill>
+          <a:schemeClr val="phClr"/>
+        </a:solidFill>
+        <a:solidFill>
+          <a:schemeClr val="phClr">
+            <a:tint val="95000"/>
+            <a:satMod val="170000"/>
+          </a:schemeClr>
+        </a:solidFill>
+        <a:gradFill rotWithShape="1">
+          <a:gsLst>
+            <a:gs pos="0">
+              <a:schemeClr val="phClr">
+                <a:tint val="93000"/>
+                <a:satMod val="150000"/>
+                <a:shade val="98000"/>
+                <a:lumMod val="102000"/>
+              </a:schemeClr>
+            </a:gs>
+            <a:gs pos="50000">
+              <a:schemeClr val="phClr">
+                <a:tint val="98000"/>
+                <a:satMod val="130000"/>
+                <a:shade val="90000"/>
+                <a:lumMod val="103000"/>
+              </a:schemeClr>
+            </a:gs>
+            <a:gs pos="100000">
+              <a:schemeClr val="phClr">
+                <a:shade val="63000"/>
+                <a:satMod val="120000"/>
+              </a:schemeClr>
+            </a:gs>
+          </a:gsLst>
+          <a:lin ang="5400000" scaled="0"/>
+        </a:gradFill>
+      </a:bgFillStyleLst>
+    </a:fmtScheme>
+  </a:themeElements>
+  <a:objectDefaults/>
+  <a:extraClrSchemeLst/>
+  <a:extLst>
+    <a:ext uri="{05A4C25C-085E-4340-85A3-A5531E510DB2}">
+      <thm15:themeFamily xmlns:thm15="http://schemas.microsoft.com/office/thememl/2012/main" name="Office Theme" id="{62F939B6-93AF-4DB8-9C6B-D6C7DFDC589F}" vid="{4A3C46E8-61CC-4603-A589-7422A47A8E4A}"/>
+    </a:ext>
+  </a:extLst>
+</a:theme>
 </file>
--- a/presentation/presentation.pptx
+++ b/presentation/presentation.pptx
@@ -5,7 +5,7 @@
     <p:sldMasterId id="2147483648" r:id="rId1"/>
   </p:sldMasterIdLst>
   <p:notesMasterIdLst>
-    <p:notesMasterId r:id="rId16"/>
+    <p:notesMasterId r:id="rId17"/>
   </p:notesMasterIdLst>
   <p:sldIdLst>
     <p:sldId id="256" r:id="rId2"/>
@@ -20,8 +20,9 @@
     <p:sldId id="266" r:id="rId11"/>
     <p:sldId id="267" r:id="rId12"/>
     <p:sldId id="270" r:id="rId13"/>
-    <p:sldId id="268" r:id="rId14"/>
-    <p:sldId id="269" r:id="rId15"/>
+    <p:sldId id="271" r:id="rId14"/>
+    <p:sldId id="268" r:id="rId15"/>
+    <p:sldId id="269" r:id="rId16"/>
   </p:sldIdLst>
   <p:sldSz cx="12192000" cy="6858000"/>
   <p:notesSz cx="6858000" cy="9144000"/>
@@ -153,6 +154,7 @@
         <p14:section name="Implementing with NGINX" id="{3EB565D7-FC95-416D-836F-EF0C1F38F3C6}">
           <p14:sldIdLst>
             <p14:sldId id="270"/>
+            <p14:sldId id="271"/>
             <p14:sldId id="268"/>
             <p14:sldId id="269"/>
           </p14:sldIdLst>
@@ -5491,13 +5493,6 @@
         </dgm:presLayoutVars>
       </dgm:prSet>
       <dgm:spPr/>
-      <dgm:t>
-        <a:bodyPr/>
-        <a:lstStyle/>
-        <a:p>
-          <a:endParaRPr lang="en-US"/>
-        </a:p>
-      </dgm:t>
     </dgm:pt>
     <dgm:pt modelId="{184A9ABB-2525-488E-8E01-E8443D0626AF}" type="pres">
       <dgm:prSet presAssocID="{68DE6D88-04A2-49D5-B796-7689E35AE872}" presName="composite" presStyleCnt="0"/>
@@ -5512,13 +5507,6 @@
         </dgm:presLayoutVars>
       </dgm:prSet>
       <dgm:spPr/>
-      <dgm:t>
-        <a:bodyPr/>
-        <a:lstStyle/>
-        <a:p>
-          <a:endParaRPr lang="en-US"/>
-        </a:p>
-      </dgm:t>
     </dgm:pt>
     <dgm:pt modelId="{959B729B-2350-4B62-A776-9F5CDFF204DD}" type="pres">
       <dgm:prSet presAssocID="{68DE6D88-04A2-49D5-B796-7689E35AE872}" presName="desTx" presStyleLbl="revTx" presStyleIdx="0" presStyleCnt="5">
@@ -5527,13 +5515,6 @@
         </dgm:presLayoutVars>
       </dgm:prSet>
       <dgm:spPr/>
-      <dgm:t>
-        <a:bodyPr/>
-        <a:lstStyle/>
-        <a:p>
-          <a:endParaRPr lang="en-US"/>
-        </a:p>
-      </dgm:t>
     </dgm:pt>
     <dgm:pt modelId="{125E1069-2848-4723-9F87-DFA9D32256E6}" type="pres">
       <dgm:prSet presAssocID="{3CCF49FE-38CD-4C38-BAD6-7057E74B2C44}" presName="space" presStyleCnt="0"/>
@@ -5552,13 +5533,6 @@
         </dgm:presLayoutVars>
       </dgm:prSet>
       <dgm:spPr/>
-      <dgm:t>
-        <a:bodyPr/>
-        <a:lstStyle/>
-        <a:p>
-          <a:endParaRPr lang="en-US"/>
-        </a:p>
-      </dgm:t>
     </dgm:pt>
     <dgm:pt modelId="{2A516A8D-1025-4A7F-91FB-C550F4FF574B}" type="pres">
       <dgm:prSet presAssocID="{018EF147-01F6-4634-8192-6BEC8B1621F3}" presName="desTx" presStyleLbl="revTx" presStyleIdx="1" presStyleCnt="5">
@@ -5567,13 +5541,6 @@
         </dgm:presLayoutVars>
       </dgm:prSet>
       <dgm:spPr/>
-      <dgm:t>
-        <a:bodyPr/>
-        <a:lstStyle/>
-        <a:p>
-          <a:endParaRPr lang="en-US"/>
-        </a:p>
-      </dgm:t>
     </dgm:pt>
     <dgm:pt modelId="{130BE8C5-C12D-4321-BBC7-37240DE63C03}" type="pres">
       <dgm:prSet presAssocID="{0D7CE3FB-77BD-4A57-A7F0-94C0DD116D10}" presName="space" presStyleCnt="0"/>
@@ -5592,13 +5559,6 @@
         </dgm:presLayoutVars>
       </dgm:prSet>
       <dgm:spPr/>
-      <dgm:t>
-        <a:bodyPr/>
-        <a:lstStyle/>
-        <a:p>
-          <a:endParaRPr lang="en-US"/>
-        </a:p>
-      </dgm:t>
     </dgm:pt>
     <dgm:pt modelId="{58122DCD-5BDA-4622-8801-F57712FC5747}" type="pres">
       <dgm:prSet presAssocID="{6335AB6E-0764-4807-808B-EB5EE6801856}" presName="desTx" presStyleLbl="revTx" presStyleIdx="2" presStyleCnt="5">
@@ -5607,13 +5567,6 @@
         </dgm:presLayoutVars>
       </dgm:prSet>
       <dgm:spPr/>
-      <dgm:t>
-        <a:bodyPr/>
-        <a:lstStyle/>
-        <a:p>
-          <a:endParaRPr lang="en-US"/>
-        </a:p>
-      </dgm:t>
     </dgm:pt>
     <dgm:pt modelId="{76AAEAB7-78EE-4746-B0FA-C7FB243F2376}" type="pres">
       <dgm:prSet presAssocID="{60456CEA-3985-4CA4-BED1-C8131F7C393C}" presName="space" presStyleCnt="0"/>
@@ -5632,13 +5585,6 @@
         </dgm:presLayoutVars>
       </dgm:prSet>
       <dgm:spPr/>
-      <dgm:t>
-        <a:bodyPr/>
-        <a:lstStyle/>
-        <a:p>
-          <a:endParaRPr lang="en-US"/>
-        </a:p>
-      </dgm:t>
     </dgm:pt>
     <dgm:pt modelId="{2841C3B0-BA77-4ECC-8EB0-0D07D3E03FE0}" type="pres">
       <dgm:prSet presAssocID="{84282BA2-34AC-4DDF-88B8-83A2998F53A3}" presName="desTx" presStyleLbl="revTx" presStyleIdx="3" presStyleCnt="5">
@@ -5647,13 +5593,6 @@
         </dgm:presLayoutVars>
       </dgm:prSet>
       <dgm:spPr/>
-      <dgm:t>
-        <a:bodyPr/>
-        <a:lstStyle/>
-        <a:p>
-          <a:endParaRPr lang="en-US"/>
-        </a:p>
-      </dgm:t>
     </dgm:pt>
     <dgm:pt modelId="{424CFFCC-F2F7-46C0-BA3F-4CD9A277C415}" type="pres">
       <dgm:prSet presAssocID="{F1EFD665-0069-4AEE-B8CC-AFD5A3E394C7}" presName="space" presStyleCnt="0"/>
@@ -5672,13 +5611,6 @@
         </dgm:presLayoutVars>
       </dgm:prSet>
       <dgm:spPr/>
-      <dgm:t>
-        <a:bodyPr/>
-        <a:lstStyle/>
-        <a:p>
-          <a:endParaRPr lang="en-US"/>
-        </a:p>
-      </dgm:t>
     </dgm:pt>
     <dgm:pt modelId="{CFF1DBCA-9EC9-430A-8EF8-F0A278417308}" type="pres">
       <dgm:prSet presAssocID="{D2B221E1-C0D2-45BF-8222-CDDD73594675}" presName="desTx" presStyleLbl="revTx" presStyleIdx="4" presStyleCnt="5">
@@ -5687,61 +5619,54 @@
         </dgm:presLayoutVars>
       </dgm:prSet>
       <dgm:spPr/>
-      <dgm:t>
-        <a:bodyPr/>
-        <a:lstStyle/>
-        <a:p>
-          <a:endParaRPr lang="en-US"/>
-        </a:p>
-      </dgm:t>
     </dgm:pt>
   </dgm:ptLst>
   <dgm:cxnLst>
+    <dgm:cxn modelId="{58BFC102-B77B-4ADB-85C4-21D9EBC7CF4F}" type="presOf" srcId="{611DAB62-53F9-450C-8136-4DAC28E70557}" destId="{58122DCD-5BDA-4622-8801-F57712FC5747}" srcOrd="0" destOrd="2" presId="urn:microsoft.com/office/officeart/2005/8/layout/chevron1"/>
+    <dgm:cxn modelId="{5C603306-E5BC-4FDB-A0EE-5ECFE7DF96C6}" type="presOf" srcId="{9E617999-B7DF-4F14-88EB-C6512D1768D0}" destId="{2841C3B0-BA77-4ECC-8EB0-0D07D3E03FE0}" srcOrd="0" destOrd="3" presId="urn:microsoft.com/office/officeart/2005/8/layout/chevron1"/>
     <dgm:cxn modelId="{272A6F0B-4E51-427E-BE90-A58D2979BF18}" srcId="{32998375-D15A-4BC4-892E-9A6AE2AFA557}" destId="{68DE6D88-04A2-49D5-B796-7689E35AE872}" srcOrd="0" destOrd="0" parTransId="{23BF7361-80C5-43DF-84EB-60338ED25B3E}" sibTransId="{3CCF49FE-38CD-4C38-BAD6-7057E74B2C44}"/>
-    <dgm:cxn modelId="{C4C8D06A-94AD-411C-ADB2-E19E3E489257}" srcId="{84282BA2-34AC-4DDF-88B8-83A2998F53A3}" destId="{78C782F9-FD98-46E5-B903-8413AAD30963}" srcOrd="0" destOrd="0" parTransId="{419CB6C7-E732-4DC4-A28F-1D39635F7982}" sibTransId="{F4793A3A-1952-4633-8EE6-045CD282AFD5}"/>
-    <dgm:cxn modelId="{49DC4FA1-3130-4231-9D61-A736B00ABEAD}" srcId="{018EF147-01F6-4634-8192-6BEC8B1621F3}" destId="{F32819D2-DF7D-48E3-B348-7A85DA3A135D}" srcOrd="0" destOrd="0" parTransId="{69AF10EE-1040-46D4-BB8B-3615C847E9BB}" sibTransId="{1A083A09-AA33-4A16-A0F3-C6B5DEFAAC43}"/>
-    <dgm:cxn modelId="{393E8BBF-E415-42F2-BCBE-A5451F43B0AF}" srcId="{D2B221E1-C0D2-45BF-8222-CDDD73594675}" destId="{EDF94C4B-891C-4AFD-90B2-0FA8E6E65704}" srcOrd="3" destOrd="0" parTransId="{DFF08C46-B5A9-4F6A-B88E-F621708F9D57}" sibTransId="{94918599-0CD0-474A-BB06-EA4DEC61235A}"/>
+    <dgm:cxn modelId="{BE6E090E-DEE7-472B-B04D-FAADA91EFBAB}" type="presOf" srcId="{2D7AC616-69BB-44A7-9722-E91708AF5E51}" destId="{2841C3B0-BA77-4ECC-8EB0-0D07D3E03FE0}" srcOrd="0" destOrd="1" presId="urn:microsoft.com/office/officeart/2005/8/layout/chevron1"/>
+    <dgm:cxn modelId="{A0406916-09F1-42A7-83F5-FE1EC23AC486}" srcId="{6335AB6E-0764-4807-808B-EB5EE6801856}" destId="{1F8FE79B-E8CD-4C85-9455-9DE4B79123EC}" srcOrd="3" destOrd="0" parTransId="{1A337CEE-3AF3-4E4C-99A0-1F5379688379}" sibTransId="{F90C0551-F4A0-4E6E-8B3B-E9C81E829090}"/>
     <dgm:cxn modelId="{39CFFF17-4A65-45ED-94AD-9D6EFE84E524}" type="presOf" srcId="{78C782F9-FD98-46E5-B903-8413AAD30963}" destId="{2841C3B0-BA77-4ECC-8EB0-0D07D3E03FE0}" srcOrd="0" destOrd="0" presId="urn:microsoft.com/office/officeart/2005/8/layout/chevron1"/>
-    <dgm:cxn modelId="{666095F7-84FF-41D2-8239-5405B212E2F1}" type="presOf" srcId="{2145F4DD-51D6-4425-9953-AFD28509E518}" destId="{CFF1DBCA-9EC9-430A-8EF8-F0A278417308}" srcOrd="0" destOrd="2" presId="urn:microsoft.com/office/officeart/2005/8/layout/chevron1"/>
-    <dgm:cxn modelId="{1D54B24B-BF78-4F3E-8476-BA589CEBBB5A}" type="presOf" srcId="{EDF94C4B-891C-4AFD-90B2-0FA8E6E65704}" destId="{CFF1DBCA-9EC9-430A-8EF8-F0A278417308}" srcOrd="0" destOrd="3" presId="urn:microsoft.com/office/officeart/2005/8/layout/chevron1"/>
+    <dgm:cxn modelId="{C8DCA121-C3BA-4104-8B01-0AF4849FA051}" type="presOf" srcId="{77B212B0-DC42-403D-AF31-5E396525ED33}" destId="{58122DCD-5BDA-4622-8801-F57712FC5747}" srcOrd="0" destOrd="0" presId="urn:microsoft.com/office/officeart/2005/8/layout/chevron1"/>
     <dgm:cxn modelId="{1DBAA52E-7854-4B49-A25D-4DAADE989254}" srcId="{84282BA2-34AC-4DDF-88B8-83A2998F53A3}" destId="{2D7AC616-69BB-44A7-9722-E91708AF5E51}" srcOrd="1" destOrd="0" parTransId="{A336037B-BD5D-40DD-9F81-A63608C8C256}" sibTransId="{C6E478E0-CACF-41CE-8A63-C0E23CC48E05}"/>
-    <dgm:cxn modelId="{A97C8DF6-65D5-42FC-8373-A30A5F3DF117}" type="presOf" srcId="{E08DE3AE-603F-456C-8E89-4C9A2172C9DA}" destId="{CFF1DBCA-9EC9-430A-8EF8-F0A278417308}" srcOrd="0" destOrd="0" presId="urn:microsoft.com/office/officeart/2005/8/layout/chevron1"/>
-    <dgm:cxn modelId="{82AEAE9E-49F6-4F84-97BF-C649DBEADFE0}" type="presOf" srcId="{68DE6D88-04A2-49D5-B796-7689E35AE872}" destId="{1627EC6B-F153-4D27-9E10-9BCE4926C1E7}" srcOrd="0" destOrd="0" presId="urn:microsoft.com/office/officeart/2005/8/layout/chevron1"/>
-    <dgm:cxn modelId="{1ECDE986-726B-46EA-8F8D-2055C6745D67}" srcId="{68DE6D88-04A2-49D5-B796-7689E35AE872}" destId="{438210C1-9D2F-4104-AA80-E812A0025171}" srcOrd="0" destOrd="0" parTransId="{FF13BC18-22D6-4BE8-B265-037131A8BAA0}" sibTransId="{F6A4AE4B-EE56-4BD8-AF72-42EFA9B849CF}"/>
-    <dgm:cxn modelId="{5C603306-E5BC-4FDB-A0EE-5ECFE7DF96C6}" type="presOf" srcId="{9E617999-B7DF-4F14-88EB-C6512D1768D0}" destId="{2841C3B0-BA77-4ECC-8EB0-0D07D3E03FE0}" srcOrd="0" destOrd="3" presId="urn:microsoft.com/office/officeart/2005/8/layout/chevron1"/>
-    <dgm:cxn modelId="{5844BDD5-4354-4607-B31E-D95244A550BF}" srcId="{6335AB6E-0764-4807-808B-EB5EE6801856}" destId="{611DAB62-53F9-450C-8136-4DAC28E70557}" srcOrd="2" destOrd="0" parTransId="{56A9076E-BA5B-4B37-B1AD-28DEA4DD5074}" sibTransId="{742D1EE4-14F0-4ED2-A1BF-83BB3F783C69}"/>
-    <dgm:cxn modelId="{844CA6BD-C5B1-4AF6-BA2E-C10BD0EB9275}" type="presOf" srcId="{32998375-D15A-4BC4-892E-9A6AE2AFA557}" destId="{F3B35A96-05A0-46FC-BA20-15DB7EB755B3}" srcOrd="0" destOrd="0" presId="urn:microsoft.com/office/officeart/2005/8/layout/chevron1"/>
-    <dgm:cxn modelId="{B7188A54-75FF-4A33-8D18-F785C0C68FDB}" type="presOf" srcId="{D2B221E1-C0D2-45BF-8222-CDDD73594675}" destId="{9A8208C1-2047-42D6-BF98-0EB6F1B77095}" srcOrd="0" destOrd="0" presId="urn:microsoft.com/office/officeart/2005/8/layout/chevron1"/>
-    <dgm:cxn modelId="{A0406916-09F1-42A7-83F5-FE1EC23AC486}" srcId="{6335AB6E-0764-4807-808B-EB5EE6801856}" destId="{1F8FE79B-E8CD-4C85-9455-9DE4B79123EC}" srcOrd="3" destOrd="0" parTransId="{1A337CEE-3AF3-4E4C-99A0-1F5379688379}" sibTransId="{F90C0551-F4A0-4E6E-8B3B-E9C81E829090}"/>
-    <dgm:cxn modelId="{30E65A87-9E9B-451C-ABAC-1678EA6BE935}" srcId="{D2B221E1-C0D2-45BF-8222-CDDD73594675}" destId="{ECE0473C-B067-4814-9C5B-C6A453FA02EC}" srcOrd="1" destOrd="0" parTransId="{2D9AE95B-FD7D-4F1C-AA65-B5C8729FE260}" sibTransId="{A06B897F-4F30-4819-A666-9175F83F2F1A}"/>
-    <dgm:cxn modelId="{B24A5FE9-3D6D-41C4-846F-02B76367D3EB}" srcId="{6335AB6E-0764-4807-808B-EB5EE6801856}" destId="{8AF131E4-1E45-428E-9935-B7E89BFC5F61}" srcOrd="1" destOrd="0" parTransId="{2D9E6CF4-D238-4AAE-AEBF-FCA6B3EE46DF}" sibTransId="{25E22972-3591-477B-B4DD-CA62BE293826}"/>
-    <dgm:cxn modelId="{51936FC8-5B19-4999-ADDC-26496F5B6B75}" type="presOf" srcId="{73F49FF4-E07D-46BD-BC78-C25476FECFED}" destId="{2841C3B0-BA77-4ECC-8EB0-0D07D3E03FE0}" srcOrd="0" destOrd="2" presId="urn:microsoft.com/office/officeart/2005/8/layout/chevron1"/>
-    <dgm:cxn modelId="{5317C6C6-5434-4E54-893A-84D68858F362}" type="presOf" srcId="{39D20CF8-9231-4A6B-B989-EDC1030248E7}" destId="{58122DCD-5BDA-4622-8801-F57712FC5747}" srcOrd="0" destOrd="4" presId="urn:microsoft.com/office/officeart/2005/8/layout/chevron1"/>
-    <dgm:cxn modelId="{BE6E090E-DEE7-472B-B04D-FAADA91EFBAB}" type="presOf" srcId="{2D7AC616-69BB-44A7-9722-E91708AF5E51}" destId="{2841C3B0-BA77-4ECC-8EB0-0D07D3E03FE0}" srcOrd="0" destOrd="1" presId="urn:microsoft.com/office/officeart/2005/8/layout/chevron1"/>
     <dgm:cxn modelId="{EB1E482F-E243-476A-A184-6D0FFBA33BD8}" type="presOf" srcId="{6335AB6E-0764-4807-808B-EB5EE6801856}" destId="{10783724-3F34-4754-86D4-6732399E80F8}" srcOrd="0" destOrd="0" presId="urn:microsoft.com/office/officeart/2005/8/layout/chevron1"/>
-    <dgm:cxn modelId="{C502707C-E236-40F1-9378-D71600D8BE02}" type="presOf" srcId="{1F8FE79B-E8CD-4C85-9455-9DE4B79123EC}" destId="{58122DCD-5BDA-4622-8801-F57712FC5747}" srcOrd="0" destOrd="3" presId="urn:microsoft.com/office/officeart/2005/8/layout/chevron1"/>
-    <dgm:cxn modelId="{72649167-5036-49A2-82E5-B798428EF9D8}" type="presOf" srcId="{84282BA2-34AC-4DDF-88B8-83A2998F53A3}" destId="{59CE589D-CE7F-451D-B8CB-BF46CC65DC71}" srcOrd="0" destOrd="0" presId="urn:microsoft.com/office/officeart/2005/8/layout/chevron1"/>
-    <dgm:cxn modelId="{660F9AF1-9ABA-4736-8DE0-350DAFADE860}" type="presOf" srcId="{F32819D2-DF7D-48E3-B348-7A85DA3A135D}" destId="{2A516A8D-1025-4A7F-91FB-C550F4FF574B}" srcOrd="0" destOrd="0" presId="urn:microsoft.com/office/officeart/2005/8/layout/chevron1"/>
-    <dgm:cxn modelId="{C8DCA121-C3BA-4104-8B01-0AF4849FA051}" type="presOf" srcId="{77B212B0-DC42-403D-AF31-5E396525ED33}" destId="{58122DCD-5BDA-4622-8801-F57712FC5747}" srcOrd="0" destOrd="0" presId="urn:microsoft.com/office/officeart/2005/8/layout/chevron1"/>
-    <dgm:cxn modelId="{2BB960FD-2425-4639-97D6-22AF2B024107}" type="presOf" srcId="{ECE0473C-B067-4814-9C5B-C6A453FA02EC}" destId="{CFF1DBCA-9EC9-430A-8EF8-F0A278417308}" srcOrd="0" destOrd="1" presId="urn:microsoft.com/office/officeart/2005/8/layout/chevron1"/>
-    <dgm:cxn modelId="{535AA3A6-A16A-4D39-AA63-A5B2AB699FF7}" type="presOf" srcId="{438210C1-9D2F-4104-AA80-E812A0025171}" destId="{959B729B-2350-4B62-A776-9F5CDFF204DD}" srcOrd="0" destOrd="0" presId="urn:microsoft.com/office/officeart/2005/8/layout/chevron1"/>
-    <dgm:cxn modelId="{0C5F11FC-B924-451D-9485-7F35C106AABD}" srcId="{32998375-D15A-4BC4-892E-9A6AE2AFA557}" destId="{D2B221E1-C0D2-45BF-8222-CDDD73594675}" srcOrd="4" destOrd="0" parTransId="{1BA2595F-A7DC-4A10-AF74-BF5638DDFFB1}" sibTransId="{B40AAA7D-44DA-4892-9CFE-C5D26D728157}"/>
-    <dgm:cxn modelId="{CE2072D4-94F9-4276-851D-7C88553C7FEC}" srcId="{84282BA2-34AC-4DDF-88B8-83A2998F53A3}" destId="{9E617999-B7DF-4F14-88EB-C6512D1768D0}" srcOrd="3" destOrd="0" parTransId="{BAAD8650-6C4B-4196-8B48-55792F2A60B7}" sibTransId="{271733AE-DBAD-4C7D-B942-6D67EE15FE89}"/>
-    <dgm:cxn modelId="{9CC43B9F-1AA1-4045-A843-0D75F74266F8}" type="presOf" srcId="{018EF147-01F6-4634-8192-6BEC8B1621F3}" destId="{C41001BC-6889-4AF2-96DA-BC93E107F2E3}" srcOrd="0" destOrd="0" presId="urn:microsoft.com/office/officeart/2005/8/layout/chevron1"/>
-    <dgm:cxn modelId="{74FC3F50-D45C-4070-AFC4-D4743CFEAAFB}" srcId="{32998375-D15A-4BC4-892E-9A6AE2AFA557}" destId="{018EF147-01F6-4634-8192-6BEC8B1621F3}" srcOrd="1" destOrd="0" parTransId="{195EF582-E92C-49F0-88B2-362049E5F1D6}" sibTransId="{0D7CE3FB-77BD-4A57-A7F0-94C0DD116D10}"/>
     <dgm:cxn modelId="{0011DC37-5FD4-4E06-958B-C12711BC5101}" srcId="{6335AB6E-0764-4807-808B-EB5EE6801856}" destId="{77B212B0-DC42-403D-AF31-5E396525ED33}" srcOrd="0" destOrd="0" parTransId="{7FBBCBC2-EEA9-475B-8314-93BD1BAB71FE}" sibTransId="{F64EA81F-008F-4407-8450-E86991E3FC24}"/>
     <dgm:cxn modelId="{13F27438-62B2-4236-9011-60FD496DEAA1}" srcId="{6335AB6E-0764-4807-808B-EB5EE6801856}" destId="{39D20CF8-9231-4A6B-B989-EDC1030248E7}" srcOrd="4" destOrd="0" parTransId="{0019F33A-4620-4F70-B73B-9C305E0CF7FC}" sibTransId="{0B647C7A-1E9F-49C7-BA8C-73FC8454294F}"/>
-    <dgm:cxn modelId="{3BD525E4-1ACC-473C-A692-EF60C1A8BF44}" srcId="{D2B221E1-C0D2-45BF-8222-CDDD73594675}" destId="{2145F4DD-51D6-4425-9953-AFD28509E518}" srcOrd="2" destOrd="0" parTransId="{007B5A75-BAF2-48B5-A97C-320FE06B95E5}" sibTransId="{1214E918-0AAD-468F-953A-0D026E4469FC}"/>
-    <dgm:cxn modelId="{1C76FD7B-0240-48D3-ADBA-1E63F25D1025}" srcId="{84282BA2-34AC-4DDF-88B8-83A2998F53A3}" destId="{73F49FF4-E07D-46BD-BC78-C25476FECFED}" srcOrd="2" destOrd="0" parTransId="{438B8A81-0BCD-4CD6-B35C-0A395FEBAE5A}" sibTransId="{B9D01CEF-CA87-4078-BAFC-F9652264D212}"/>
-    <dgm:cxn modelId="{2AF3A36C-C275-40E9-91C8-0479CE653141}" srcId="{018EF147-01F6-4634-8192-6BEC8B1621F3}" destId="{46825662-B893-425E-A309-AC44D144DE2B}" srcOrd="1" destOrd="0" parTransId="{3CA1127C-21E5-434C-9F07-74FF028E5D46}" sibTransId="{1AB138D9-505E-404D-919C-E99C86C43858}"/>
     <dgm:cxn modelId="{54370A3B-18AD-4DDD-9DFF-E60648FA3AA7}" type="presOf" srcId="{46825662-B893-425E-A309-AC44D144DE2B}" destId="{2A516A8D-1025-4A7F-91FB-C550F4FF574B}" srcOrd="0" destOrd="1" presId="urn:microsoft.com/office/officeart/2005/8/layout/chevron1"/>
     <dgm:cxn modelId="{B3471541-FE3A-4DB9-ABE9-8B51CAB418B7}" srcId="{018EF147-01F6-4634-8192-6BEC8B1621F3}" destId="{3570FFD0-9F5B-438E-8697-622BAC172912}" srcOrd="2" destOrd="0" parTransId="{3A00ECB5-D407-4DF9-A768-F811C7B880BC}" sibTransId="{EEFD4F63-DBEA-48EF-ACDF-4F0CAD159FBC}"/>
-    <dgm:cxn modelId="{58BFC102-B77B-4ADB-85C4-21D9EBC7CF4F}" type="presOf" srcId="{611DAB62-53F9-450C-8136-4DAC28E70557}" destId="{58122DCD-5BDA-4622-8801-F57712FC5747}" srcOrd="0" destOrd="2" presId="urn:microsoft.com/office/officeart/2005/8/layout/chevron1"/>
+    <dgm:cxn modelId="{EB8F6344-3493-477E-9492-0CE497A28859}" type="presOf" srcId="{3570FFD0-9F5B-438E-8697-622BAC172912}" destId="{2A516A8D-1025-4A7F-91FB-C550F4FF574B}" srcOrd="0" destOrd="2" presId="urn:microsoft.com/office/officeart/2005/8/layout/chevron1"/>
+    <dgm:cxn modelId="{72649167-5036-49A2-82E5-B798428EF9D8}" type="presOf" srcId="{84282BA2-34AC-4DDF-88B8-83A2998F53A3}" destId="{59CE589D-CE7F-451D-B8CB-BF46CC65DC71}" srcOrd="0" destOrd="0" presId="urn:microsoft.com/office/officeart/2005/8/layout/chevron1"/>
+    <dgm:cxn modelId="{C4C8D06A-94AD-411C-ADB2-E19E3E489257}" srcId="{84282BA2-34AC-4DDF-88B8-83A2998F53A3}" destId="{78C782F9-FD98-46E5-B903-8413AAD30963}" srcOrd="0" destOrd="0" parTransId="{419CB6C7-E732-4DC4-A28F-1D39635F7982}" sibTransId="{F4793A3A-1952-4633-8EE6-045CD282AFD5}"/>
+    <dgm:cxn modelId="{1D54B24B-BF78-4F3E-8476-BA589CEBBB5A}" type="presOf" srcId="{EDF94C4B-891C-4AFD-90B2-0FA8E6E65704}" destId="{CFF1DBCA-9EC9-430A-8EF8-F0A278417308}" srcOrd="0" destOrd="3" presId="urn:microsoft.com/office/officeart/2005/8/layout/chevron1"/>
+    <dgm:cxn modelId="{2AF3A36C-C275-40E9-91C8-0479CE653141}" srcId="{018EF147-01F6-4634-8192-6BEC8B1621F3}" destId="{46825662-B893-425E-A309-AC44D144DE2B}" srcOrd="1" destOrd="0" parTransId="{3CA1127C-21E5-434C-9F07-74FF028E5D46}" sibTransId="{1AB138D9-505E-404D-919C-E99C86C43858}"/>
+    <dgm:cxn modelId="{74FC3F50-D45C-4070-AFC4-D4743CFEAAFB}" srcId="{32998375-D15A-4BC4-892E-9A6AE2AFA557}" destId="{018EF147-01F6-4634-8192-6BEC8B1621F3}" srcOrd="1" destOrd="0" parTransId="{195EF582-E92C-49F0-88B2-362049E5F1D6}" sibTransId="{0D7CE3FB-77BD-4A57-A7F0-94C0DD116D10}"/>
+    <dgm:cxn modelId="{B7188A54-75FF-4A33-8D18-F785C0C68FDB}" type="presOf" srcId="{D2B221E1-C0D2-45BF-8222-CDDD73594675}" destId="{9A8208C1-2047-42D6-BF98-0EB6F1B77095}" srcOrd="0" destOrd="0" presId="urn:microsoft.com/office/officeart/2005/8/layout/chevron1"/>
+    <dgm:cxn modelId="{1C76FD7B-0240-48D3-ADBA-1E63F25D1025}" srcId="{84282BA2-34AC-4DDF-88B8-83A2998F53A3}" destId="{73F49FF4-E07D-46BD-BC78-C25476FECFED}" srcOrd="2" destOrd="0" parTransId="{438B8A81-0BCD-4CD6-B35C-0A395FEBAE5A}" sibTransId="{B9D01CEF-CA87-4078-BAFC-F9652264D212}"/>
+    <dgm:cxn modelId="{C502707C-E236-40F1-9378-D71600D8BE02}" type="presOf" srcId="{1F8FE79B-E8CD-4C85-9455-9DE4B79123EC}" destId="{58122DCD-5BDA-4622-8801-F57712FC5747}" srcOrd="0" destOrd="3" presId="urn:microsoft.com/office/officeart/2005/8/layout/chevron1"/>
+    <dgm:cxn modelId="{1ECDE986-726B-46EA-8F8D-2055C6745D67}" srcId="{68DE6D88-04A2-49D5-B796-7689E35AE872}" destId="{438210C1-9D2F-4104-AA80-E812A0025171}" srcOrd="0" destOrd="0" parTransId="{FF13BC18-22D6-4BE8-B265-037131A8BAA0}" sibTransId="{F6A4AE4B-EE56-4BD8-AF72-42EFA9B849CF}"/>
+    <dgm:cxn modelId="{30E65A87-9E9B-451C-ABAC-1678EA6BE935}" srcId="{D2B221E1-C0D2-45BF-8222-CDDD73594675}" destId="{ECE0473C-B067-4814-9C5B-C6A453FA02EC}" srcOrd="1" destOrd="0" parTransId="{2D9AE95B-FD7D-4F1C-AA65-B5C8729FE260}" sibTransId="{A06B897F-4F30-4819-A666-9175F83F2F1A}"/>
+    <dgm:cxn modelId="{82AEAE9E-49F6-4F84-97BF-C649DBEADFE0}" type="presOf" srcId="{68DE6D88-04A2-49D5-B796-7689E35AE872}" destId="{1627EC6B-F153-4D27-9E10-9BCE4926C1E7}" srcOrd="0" destOrd="0" presId="urn:microsoft.com/office/officeart/2005/8/layout/chevron1"/>
+    <dgm:cxn modelId="{9CC43B9F-1AA1-4045-A843-0D75F74266F8}" type="presOf" srcId="{018EF147-01F6-4634-8192-6BEC8B1621F3}" destId="{C41001BC-6889-4AF2-96DA-BC93E107F2E3}" srcOrd="0" destOrd="0" presId="urn:microsoft.com/office/officeart/2005/8/layout/chevron1"/>
+    <dgm:cxn modelId="{49DC4FA1-3130-4231-9D61-A736B00ABEAD}" srcId="{018EF147-01F6-4634-8192-6BEC8B1621F3}" destId="{F32819D2-DF7D-48E3-B348-7A85DA3A135D}" srcOrd="0" destOrd="0" parTransId="{69AF10EE-1040-46D4-BB8B-3615C847E9BB}" sibTransId="{1A083A09-AA33-4A16-A0F3-C6B5DEFAAC43}"/>
     <dgm:cxn modelId="{DEB897A4-82D5-48BC-9430-E796BA87050D}" srcId="{32998375-D15A-4BC4-892E-9A6AE2AFA557}" destId="{84282BA2-34AC-4DDF-88B8-83A2998F53A3}" srcOrd="3" destOrd="0" parTransId="{BC0E694C-5ABA-43C1-9689-C66A1097E87C}" sibTransId="{F1EFD665-0069-4AEE-B8CC-AFD5A3E394C7}"/>
+    <dgm:cxn modelId="{535AA3A6-A16A-4D39-AA63-A5B2AB699FF7}" type="presOf" srcId="{438210C1-9D2F-4104-AA80-E812A0025171}" destId="{959B729B-2350-4B62-A776-9F5CDFF204DD}" srcOrd="0" destOrd="0" presId="urn:microsoft.com/office/officeart/2005/8/layout/chevron1"/>
     <dgm:cxn modelId="{A70624AD-025E-42FF-9CA4-223AD7853C80}" type="presOf" srcId="{8AF131E4-1E45-428E-9935-B7E89BFC5F61}" destId="{58122DCD-5BDA-4622-8801-F57712FC5747}" srcOrd="0" destOrd="1" presId="urn:microsoft.com/office/officeart/2005/8/layout/chevron1"/>
-    <dgm:cxn modelId="{EB8F6344-3493-477E-9492-0CE497A28859}" type="presOf" srcId="{3570FFD0-9F5B-438E-8697-622BAC172912}" destId="{2A516A8D-1025-4A7F-91FB-C550F4FF574B}" srcOrd="0" destOrd="2" presId="urn:microsoft.com/office/officeart/2005/8/layout/chevron1"/>
+    <dgm:cxn modelId="{844CA6BD-C5B1-4AF6-BA2E-C10BD0EB9275}" type="presOf" srcId="{32998375-D15A-4BC4-892E-9A6AE2AFA557}" destId="{F3B35A96-05A0-46FC-BA20-15DB7EB755B3}" srcOrd="0" destOrd="0" presId="urn:microsoft.com/office/officeart/2005/8/layout/chevron1"/>
+    <dgm:cxn modelId="{393E8BBF-E415-42F2-BCBE-A5451F43B0AF}" srcId="{D2B221E1-C0D2-45BF-8222-CDDD73594675}" destId="{EDF94C4B-891C-4AFD-90B2-0FA8E6E65704}" srcOrd="3" destOrd="0" parTransId="{DFF08C46-B5A9-4F6A-B88E-F621708F9D57}" sibTransId="{94918599-0CD0-474A-BB06-EA4DEC61235A}"/>
+    <dgm:cxn modelId="{5317C6C6-5434-4E54-893A-84D68858F362}" type="presOf" srcId="{39D20CF8-9231-4A6B-B989-EDC1030248E7}" destId="{58122DCD-5BDA-4622-8801-F57712FC5747}" srcOrd="0" destOrd="4" presId="urn:microsoft.com/office/officeart/2005/8/layout/chevron1"/>
+    <dgm:cxn modelId="{51936FC8-5B19-4999-ADDC-26496F5B6B75}" type="presOf" srcId="{73F49FF4-E07D-46BD-BC78-C25476FECFED}" destId="{2841C3B0-BA77-4ECC-8EB0-0D07D3E03FE0}" srcOrd="0" destOrd="2" presId="urn:microsoft.com/office/officeart/2005/8/layout/chevron1"/>
+    <dgm:cxn modelId="{CE2072D4-94F9-4276-851D-7C88553C7FEC}" srcId="{84282BA2-34AC-4DDF-88B8-83A2998F53A3}" destId="{9E617999-B7DF-4F14-88EB-C6512D1768D0}" srcOrd="3" destOrd="0" parTransId="{BAAD8650-6C4B-4196-8B48-55792F2A60B7}" sibTransId="{271733AE-DBAD-4C7D-B942-6D67EE15FE89}"/>
+    <dgm:cxn modelId="{5844BDD5-4354-4607-B31E-D95244A550BF}" srcId="{6335AB6E-0764-4807-808B-EB5EE6801856}" destId="{611DAB62-53F9-450C-8136-4DAC28E70557}" srcOrd="2" destOrd="0" parTransId="{56A9076E-BA5B-4B37-B1AD-28DEA4DD5074}" sibTransId="{742D1EE4-14F0-4ED2-A1BF-83BB3F783C69}"/>
+    <dgm:cxn modelId="{3BD525E4-1ACC-473C-A692-EF60C1A8BF44}" srcId="{D2B221E1-C0D2-45BF-8222-CDDD73594675}" destId="{2145F4DD-51D6-4425-9953-AFD28509E518}" srcOrd="2" destOrd="0" parTransId="{007B5A75-BAF2-48B5-A97C-320FE06B95E5}" sibTransId="{1214E918-0AAD-468F-953A-0D026E4469FC}"/>
+    <dgm:cxn modelId="{B24A5FE9-3D6D-41C4-846F-02B76367D3EB}" srcId="{6335AB6E-0764-4807-808B-EB5EE6801856}" destId="{8AF131E4-1E45-428E-9935-B7E89BFC5F61}" srcOrd="1" destOrd="0" parTransId="{2D9E6CF4-D238-4AAE-AEBF-FCA6B3EE46DF}" sibTransId="{25E22972-3591-477B-B4DD-CA62BE293826}"/>
+    <dgm:cxn modelId="{660F9AF1-9ABA-4736-8DE0-350DAFADE860}" type="presOf" srcId="{F32819D2-DF7D-48E3-B348-7A85DA3A135D}" destId="{2A516A8D-1025-4A7F-91FB-C550F4FF574B}" srcOrd="0" destOrd="0" presId="urn:microsoft.com/office/officeart/2005/8/layout/chevron1"/>
     <dgm:cxn modelId="{305769F5-15C8-4ADB-AD6B-53855038BF96}" srcId="{32998375-D15A-4BC4-892E-9A6AE2AFA557}" destId="{6335AB6E-0764-4807-808B-EB5EE6801856}" srcOrd="2" destOrd="0" parTransId="{7A4C103D-392F-4965-A7D5-57E0FD42363E}" sibTransId="{60456CEA-3985-4CA4-BED1-C8131F7C393C}"/>
+    <dgm:cxn modelId="{A97C8DF6-65D5-42FC-8373-A30A5F3DF117}" type="presOf" srcId="{E08DE3AE-603F-456C-8E89-4C9A2172C9DA}" destId="{CFF1DBCA-9EC9-430A-8EF8-F0A278417308}" srcOrd="0" destOrd="0" presId="urn:microsoft.com/office/officeart/2005/8/layout/chevron1"/>
+    <dgm:cxn modelId="{666095F7-84FF-41D2-8239-5405B212E2F1}" type="presOf" srcId="{2145F4DD-51D6-4425-9953-AFD28509E518}" destId="{CFF1DBCA-9EC9-430A-8EF8-F0A278417308}" srcOrd="0" destOrd="2" presId="urn:microsoft.com/office/officeart/2005/8/layout/chevron1"/>
+    <dgm:cxn modelId="{0C5F11FC-B924-451D-9485-7F35C106AABD}" srcId="{32998375-D15A-4BC4-892E-9A6AE2AFA557}" destId="{D2B221E1-C0D2-45BF-8222-CDDD73594675}" srcOrd="4" destOrd="0" parTransId="{1BA2595F-A7DC-4A10-AF74-BF5638DDFFB1}" sibTransId="{B40AAA7D-44DA-4892-9CFE-C5D26D728157}"/>
     <dgm:cxn modelId="{CFDCAFFC-C395-411B-8BA1-6A5308D8024D}" srcId="{D2B221E1-C0D2-45BF-8222-CDDD73594675}" destId="{E08DE3AE-603F-456C-8E89-4C9A2172C9DA}" srcOrd="0" destOrd="0" parTransId="{93FB6870-733E-412F-8C1E-8A6C37648502}" sibTransId="{3C09ED3A-BC3E-446C-8455-DACE65A9B817}"/>
+    <dgm:cxn modelId="{2BB960FD-2425-4639-97D6-22AF2B024107}" type="presOf" srcId="{ECE0473C-B067-4814-9C5B-C6A453FA02EC}" destId="{CFF1DBCA-9EC9-430A-8EF8-F0A278417308}" srcOrd="0" destOrd="1" presId="urn:microsoft.com/office/officeart/2005/8/layout/chevron1"/>
     <dgm:cxn modelId="{7E2F5483-5C9D-4075-9644-B11CE4C8159C}" type="presParOf" srcId="{F3B35A96-05A0-46FC-BA20-15DB7EB755B3}" destId="{184A9ABB-2525-488E-8E01-E8443D0626AF}" srcOrd="0" destOrd="0" presId="urn:microsoft.com/office/officeart/2005/8/layout/chevron1"/>
     <dgm:cxn modelId="{EC26FA5E-932F-4EA7-A67E-F98CBDF7D9AF}" type="presParOf" srcId="{184A9ABB-2525-488E-8E01-E8443D0626AF}" destId="{1627EC6B-F153-4D27-9E10-9BCE4926C1E7}" srcOrd="0" destOrd="0" presId="urn:microsoft.com/office/officeart/2005/8/layout/chevron1"/>
     <dgm:cxn modelId="{94109975-984D-4E62-9159-FF21C789B950}" type="presParOf" srcId="{184A9ABB-2525-488E-8E01-E8443D0626AF}" destId="{959B729B-2350-4B62-A776-9F5CDFF204DD}" srcOrd="1" destOrd="0" presId="urn:microsoft.com/office/officeart/2005/8/layout/chevron1"/>
@@ -6048,13 +5973,6 @@
         </dgm:presLayoutVars>
       </dgm:prSet>
       <dgm:spPr/>
-      <dgm:t>
-        <a:bodyPr/>
-        <a:lstStyle/>
-        <a:p>
-          <a:endParaRPr lang="en-US"/>
-        </a:p>
-      </dgm:t>
     </dgm:pt>
     <dgm:pt modelId="{94B42A6D-3B27-453F-821F-24C172122C39}" type="pres">
       <dgm:prSet presAssocID="{20AF3E6B-FD54-4748-AA36-C0511E96CF0B}" presName="composite" presStyleCnt="0"/>
@@ -6069,13 +5987,6 @@
         </dgm:presLayoutVars>
       </dgm:prSet>
       <dgm:spPr/>
-      <dgm:t>
-        <a:bodyPr/>
-        <a:lstStyle/>
-        <a:p>
-          <a:endParaRPr lang="en-US"/>
-        </a:p>
-      </dgm:t>
     </dgm:pt>
     <dgm:pt modelId="{BB2D26E7-1744-448D-AB20-2FEF4B21F9F9}" type="pres">
       <dgm:prSet presAssocID="{20AF3E6B-FD54-4748-AA36-C0511E96CF0B}" presName="desTx" presStyleLbl="revTx" presStyleIdx="0" presStyleCnt="3">
@@ -6084,13 +5995,6 @@
         </dgm:presLayoutVars>
       </dgm:prSet>
       <dgm:spPr/>
-      <dgm:t>
-        <a:bodyPr/>
-        <a:lstStyle/>
-        <a:p>
-          <a:endParaRPr lang="en-US"/>
-        </a:p>
-      </dgm:t>
     </dgm:pt>
     <dgm:pt modelId="{DB1DFEEF-A2BA-4ECB-943F-C8C238707777}" type="pres">
       <dgm:prSet presAssocID="{85D00BCB-8B87-4F14-AAA0-F22B2B016A32}" presName="space" presStyleCnt="0"/>
@@ -6109,13 +6013,6 @@
         </dgm:presLayoutVars>
       </dgm:prSet>
       <dgm:spPr/>
-      <dgm:t>
-        <a:bodyPr/>
-        <a:lstStyle/>
-        <a:p>
-          <a:endParaRPr lang="en-US"/>
-        </a:p>
-      </dgm:t>
     </dgm:pt>
     <dgm:pt modelId="{A495E15A-2DCA-48A7-A75E-6EDEAFD462FF}" type="pres">
       <dgm:prSet presAssocID="{CEC65E64-6567-4BA0-B199-21D6F9CBE879}" presName="desTx" presStyleLbl="revTx" presStyleIdx="1" presStyleCnt="3">
@@ -6124,13 +6021,6 @@
         </dgm:presLayoutVars>
       </dgm:prSet>
       <dgm:spPr/>
-      <dgm:t>
-        <a:bodyPr/>
-        <a:lstStyle/>
-        <a:p>
-          <a:endParaRPr lang="en-US"/>
-        </a:p>
-      </dgm:t>
     </dgm:pt>
     <dgm:pt modelId="{9DF637CD-7DDD-4510-AE45-D700CC567902}" type="pres">
       <dgm:prSet presAssocID="{EB268C27-01A2-4A66-A2BC-E71D18A8B075}" presName="space" presStyleCnt="0"/>
@@ -6149,13 +6039,6 @@
         </dgm:presLayoutVars>
       </dgm:prSet>
       <dgm:spPr/>
-      <dgm:t>
-        <a:bodyPr/>
-        <a:lstStyle/>
-        <a:p>
-          <a:endParaRPr lang="en-US"/>
-        </a:p>
-      </dgm:t>
     </dgm:pt>
     <dgm:pt modelId="{35954328-C5FD-403D-BF01-8821CC6B6030}" type="pres">
       <dgm:prSet presAssocID="{66422112-1C33-493F-9899-FB4A63ACF65C}" presName="desTx" presStyleLbl="revTx" presStyleIdx="2" presStyleCnt="3">
@@ -6164,29 +6047,22 @@
         </dgm:presLayoutVars>
       </dgm:prSet>
       <dgm:spPr/>
-      <dgm:t>
-        <a:bodyPr/>
-        <a:lstStyle/>
-        <a:p>
-          <a:endParaRPr lang="en-US"/>
-        </a:p>
-      </dgm:t>
     </dgm:pt>
   </dgm:ptLst>
   <dgm:cxnLst>
+    <dgm:cxn modelId="{5E8F2D0B-7B8A-47FF-A67E-5C1B7C3B9BF8}" type="presOf" srcId="{EFD36C90-74F5-48F2-BF21-F90670B7F374}" destId="{35954328-C5FD-403D-BF01-8821CC6B6030}" srcOrd="0" destOrd="0" presId="urn:microsoft.com/office/officeart/2005/8/layout/chevron1"/>
+    <dgm:cxn modelId="{E2A8061B-F236-4CC9-8CFD-91BC89A1EF05}" srcId="{383C1A40-146C-4DC7-8557-D68C846E6227}" destId="{CEC65E64-6567-4BA0-B199-21D6F9CBE879}" srcOrd="1" destOrd="0" parTransId="{8699F4E9-66B9-46EC-A3DC-AE411EE821EA}" sibTransId="{EB268C27-01A2-4A66-A2BC-E71D18A8B075}"/>
+    <dgm:cxn modelId="{00D0391E-04E5-4004-900C-BFAB73A65A0D}" srcId="{383C1A40-146C-4DC7-8557-D68C846E6227}" destId="{66422112-1C33-493F-9899-FB4A63ACF65C}" srcOrd="2" destOrd="0" parTransId="{7CAECE5E-5229-43A0-AEF6-FBDC9F70902F}" sibTransId="{606617C1-6173-4A0F-AB33-CD8899D49367}"/>
     <dgm:cxn modelId="{E8B30725-EA87-47EE-A9BA-22653AAC6C11}" type="presOf" srcId="{66422112-1C33-493F-9899-FB4A63ACF65C}" destId="{D1090E24-489B-4FC2-BF67-931A99015F4B}" srcOrd="0" destOrd="0" presId="urn:microsoft.com/office/officeart/2005/8/layout/chevron1"/>
+    <dgm:cxn modelId="{22AA2C28-A3E7-4448-B226-97837191365E}" type="presOf" srcId="{CEC65E64-6567-4BA0-B199-21D6F9CBE879}" destId="{7F30D152-0FA3-4723-B754-CA617D691D24}" srcOrd="0" destOrd="0" presId="urn:microsoft.com/office/officeart/2005/8/layout/chevron1"/>
+    <dgm:cxn modelId="{62623B37-68E4-4CDC-B03E-4F4247F1DBA5}" srcId="{383C1A40-146C-4DC7-8557-D68C846E6227}" destId="{20AF3E6B-FD54-4748-AA36-C0511E96CF0B}" srcOrd="0" destOrd="0" parTransId="{7C73CF03-81BA-4DF9-B77C-6AC62503CACB}" sibTransId="{85D00BCB-8B87-4F14-AAA0-F22B2B016A32}"/>
+    <dgm:cxn modelId="{20323C4E-52B3-44D1-8904-37E93A81665A}" srcId="{20AF3E6B-FD54-4748-AA36-C0511E96CF0B}" destId="{8F22701A-C679-4A26-93A5-4737031FD637}" srcOrd="0" destOrd="0" parTransId="{1214BF36-7D1A-473E-980E-1F09F340C896}" sibTransId="{CC7A1C5B-326A-4E10-9350-0334F0BA590D}"/>
     <dgm:cxn modelId="{08D3F69B-9D88-4CD5-A778-D64E0F520D55}" type="presOf" srcId="{D0F6C7A1-B795-4BC9-B728-30A7F3B61305}" destId="{A495E15A-2DCA-48A7-A75E-6EDEAFD462FF}" srcOrd="0" destOrd="0" presId="urn:microsoft.com/office/officeart/2005/8/layout/chevron1"/>
+    <dgm:cxn modelId="{4D1D22A3-8527-4209-8896-CB84C680A679}" type="presOf" srcId="{20AF3E6B-FD54-4748-AA36-C0511E96CF0B}" destId="{6A47AA96-41CF-4090-9DC6-2E50F727FB92}" srcOrd="0" destOrd="0" presId="urn:microsoft.com/office/officeart/2005/8/layout/chevron1"/>
+    <dgm:cxn modelId="{182EB0B8-6C50-44F5-99AB-F2F97963F751}" srcId="{66422112-1C33-493F-9899-FB4A63ACF65C}" destId="{EFD36C90-74F5-48F2-BF21-F90670B7F374}" srcOrd="0" destOrd="0" parTransId="{D69C702E-0908-46F2-937F-938E0AD4866E}" sibTransId="{89903E48-D417-4BD9-99F2-001A3F65D29A}"/>
+    <dgm:cxn modelId="{FA7608CC-E8E7-4410-A03C-4410BAA0A76B}" type="presOf" srcId="{8F22701A-C679-4A26-93A5-4737031FD637}" destId="{BB2D26E7-1744-448D-AB20-2FEF4B21F9F9}" srcOrd="0" destOrd="0" presId="urn:microsoft.com/office/officeart/2005/8/layout/chevron1"/>
+    <dgm:cxn modelId="{2CE278E8-DC51-4CC3-B617-A294A225D41D}" srcId="{CEC65E64-6567-4BA0-B199-21D6F9CBE879}" destId="{D0F6C7A1-B795-4BC9-B728-30A7F3B61305}" srcOrd="0" destOrd="0" parTransId="{480610F8-1F84-4923-A8B1-886D13415662}" sibTransId="{F9FE12B1-175D-4FB6-9D95-E0839F6E43D2}"/>
     <dgm:cxn modelId="{2B263EF4-F79F-4778-9625-2C26AF62A25F}" type="presOf" srcId="{383C1A40-146C-4DC7-8557-D68C846E6227}" destId="{A8CDE6F4-1E72-4542-8196-8E91EB181487}" srcOrd="0" destOrd="0" presId="urn:microsoft.com/office/officeart/2005/8/layout/chevron1"/>
-    <dgm:cxn modelId="{22AA2C28-A3E7-4448-B226-97837191365E}" type="presOf" srcId="{CEC65E64-6567-4BA0-B199-21D6F9CBE879}" destId="{7F30D152-0FA3-4723-B754-CA617D691D24}" srcOrd="0" destOrd="0" presId="urn:microsoft.com/office/officeart/2005/8/layout/chevron1"/>
-    <dgm:cxn modelId="{00D0391E-04E5-4004-900C-BFAB73A65A0D}" srcId="{383C1A40-146C-4DC7-8557-D68C846E6227}" destId="{66422112-1C33-493F-9899-FB4A63ACF65C}" srcOrd="2" destOrd="0" parTransId="{7CAECE5E-5229-43A0-AEF6-FBDC9F70902F}" sibTransId="{606617C1-6173-4A0F-AB33-CD8899D49367}"/>
-    <dgm:cxn modelId="{62623B37-68E4-4CDC-B03E-4F4247F1DBA5}" srcId="{383C1A40-146C-4DC7-8557-D68C846E6227}" destId="{20AF3E6B-FD54-4748-AA36-C0511E96CF0B}" srcOrd="0" destOrd="0" parTransId="{7C73CF03-81BA-4DF9-B77C-6AC62503CACB}" sibTransId="{85D00BCB-8B87-4F14-AAA0-F22B2B016A32}"/>
-    <dgm:cxn modelId="{4D1D22A3-8527-4209-8896-CB84C680A679}" type="presOf" srcId="{20AF3E6B-FD54-4748-AA36-C0511E96CF0B}" destId="{6A47AA96-41CF-4090-9DC6-2E50F727FB92}" srcOrd="0" destOrd="0" presId="urn:microsoft.com/office/officeart/2005/8/layout/chevron1"/>
-    <dgm:cxn modelId="{2CE278E8-DC51-4CC3-B617-A294A225D41D}" srcId="{CEC65E64-6567-4BA0-B199-21D6F9CBE879}" destId="{D0F6C7A1-B795-4BC9-B728-30A7F3B61305}" srcOrd="0" destOrd="0" parTransId="{480610F8-1F84-4923-A8B1-886D13415662}" sibTransId="{F9FE12B1-175D-4FB6-9D95-E0839F6E43D2}"/>
-    <dgm:cxn modelId="{20323C4E-52B3-44D1-8904-37E93A81665A}" srcId="{20AF3E6B-FD54-4748-AA36-C0511E96CF0B}" destId="{8F22701A-C679-4A26-93A5-4737031FD637}" srcOrd="0" destOrd="0" parTransId="{1214BF36-7D1A-473E-980E-1F09F340C896}" sibTransId="{CC7A1C5B-326A-4E10-9350-0334F0BA590D}"/>
-    <dgm:cxn modelId="{FA7608CC-E8E7-4410-A03C-4410BAA0A76B}" type="presOf" srcId="{8F22701A-C679-4A26-93A5-4737031FD637}" destId="{BB2D26E7-1744-448D-AB20-2FEF4B21F9F9}" srcOrd="0" destOrd="0" presId="urn:microsoft.com/office/officeart/2005/8/layout/chevron1"/>
-    <dgm:cxn modelId="{182EB0B8-6C50-44F5-99AB-F2F97963F751}" srcId="{66422112-1C33-493F-9899-FB4A63ACF65C}" destId="{EFD36C90-74F5-48F2-BF21-F90670B7F374}" srcOrd="0" destOrd="0" parTransId="{D69C702E-0908-46F2-937F-938E0AD4866E}" sibTransId="{89903E48-D417-4BD9-99F2-001A3F65D29A}"/>
-    <dgm:cxn modelId="{E2A8061B-F236-4CC9-8CFD-91BC89A1EF05}" srcId="{383C1A40-146C-4DC7-8557-D68C846E6227}" destId="{CEC65E64-6567-4BA0-B199-21D6F9CBE879}" srcOrd="1" destOrd="0" parTransId="{8699F4E9-66B9-46EC-A3DC-AE411EE821EA}" sibTransId="{EB268C27-01A2-4A66-A2BC-E71D18A8B075}"/>
-    <dgm:cxn modelId="{5E8F2D0B-7B8A-47FF-A67E-5C1B7C3B9BF8}" type="presOf" srcId="{EFD36C90-74F5-48F2-BF21-F90670B7F374}" destId="{35954328-C5FD-403D-BF01-8821CC6B6030}" srcOrd="0" destOrd="0" presId="urn:microsoft.com/office/officeart/2005/8/layout/chevron1"/>
     <dgm:cxn modelId="{DBCA6FBB-2565-4B35-A3EA-FC35FB7683AC}" type="presParOf" srcId="{A8CDE6F4-1E72-4542-8196-8E91EB181487}" destId="{94B42A6D-3B27-453F-821F-24C172122C39}" srcOrd="0" destOrd="0" presId="urn:microsoft.com/office/officeart/2005/8/layout/chevron1"/>
     <dgm:cxn modelId="{CA385290-55A7-460C-AA56-7864177B61A8}" type="presParOf" srcId="{94B42A6D-3B27-453F-821F-24C172122C39}" destId="{6A47AA96-41CF-4090-9DC6-2E50F727FB92}" srcOrd="0" destOrd="0" presId="urn:microsoft.com/office/officeart/2005/8/layout/chevron1"/>
     <dgm:cxn modelId="{BE43F6AF-B332-41C5-8585-66F058A50049}" type="presParOf" srcId="{94B42A6D-3B27-453F-821F-24C172122C39}" destId="{BB2D26E7-1744-448D-AB20-2FEF4B21F9F9}" srcOrd="1" destOrd="0" presId="urn:microsoft.com/office/officeart/2005/8/layout/chevron1"/>
@@ -6940,13 +6816,6 @@
         </dgm:presLayoutVars>
       </dgm:prSet>
       <dgm:spPr/>
-      <dgm:t>
-        <a:bodyPr/>
-        <a:lstStyle/>
-        <a:p>
-          <a:endParaRPr lang="en-US"/>
-        </a:p>
-      </dgm:t>
     </dgm:pt>
     <dgm:pt modelId="{B80987EF-CA39-45DD-A169-2820D8BFE499}" type="pres">
       <dgm:prSet presAssocID="{39C5CE5C-0FC3-4DF3-A437-926CB8D59061}" presName="composite" presStyleCnt="0"/>
@@ -6961,13 +6830,6 @@
         </dgm:presLayoutVars>
       </dgm:prSet>
       <dgm:spPr/>
-      <dgm:t>
-        <a:bodyPr/>
-        <a:lstStyle/>
-        <a:p>
-          <a:endParaRPr lang="en-US"/>
-        </a:p>
-      </dgm:t>
     </dgm:pt>
     <dgm:pt modelId="{276AD895-5DAD-4D83-8EAC-ABCCF854EC9C}" type="pres">
       <dgm:prSet presAssocID="{39C5CE5C-0FC3-4DF3-A437-926CB8D59061}" presName="desTx" presStyleLbl="alignAccFollowNode1" presStyleIdx="0" presStyleCnt="3">
@@ -6976,13 +6838,6 @@
         </dgm:presLayoutVars>
       </dgm:prSet>
       <dgm:spPr/>
-      <dgm:t>
-        <a:bodyPr/>
-        <a:lstStyle/>
-        <a:p>
-          <a:endParaRPr lang="en-US"/>
-        </a:p>
-      </dgm:t>
     </dgm:pt>
     <dgm:pt modelId="{31303D90-94D9-4C0E-8740-129AE5460355}" type="pres">
       <dgm:prSet presAssocID="{4E16AFE4-477F-4E69-BDEB-F38DD5C949CB}" presName="space" presStyleCnt="0"/>
@@ -7001,13 +6856,6 @@
         </dgm:presLayoutVars>
       </dgm:prSet>
       <dgm:spPr/>
-      <dgm:t>
-        <a:bodyPr/>
-        <a:lstStyle/>
-        <a:p>
-          <a:endParaRPr lang="en-US"/>
-        </a:p>
-      </dgm:t>
     </dgm:pt>
     <dgm:pt modelId="{9A2AB9A9-8981-4605-A3F9-C986271F2BE9}" type="pres">
       <dgm:prSet presAssocID="{222474A1-98CA-45F2-BECB-C59287F215D7}" presName="desTx" presStyleLbl="alignAccFollowNode1" presStyleIdx="1" presStyleCnt="3">
@@ -7016,13 +6864,6 @@
         </dgm:presLayoutVars>
       </dgm:prSet>
       <dgm:spPr/>
-      <dgm:t>
-        <a:bodyPr/>
-        <a:lstStyle/>
-        <a:p>
-          <a:endParaRPr lang="en-US"/>
-        </a:p>
-      </dgm:t>
     </dgm:pt>
     <dgm:pt modelId="{72363030-3F56-4037-AB67-0AF085243EDA}" type="pres">
       <dgm:prSet presAssocID="{6EEB42F9-9FA4-45CA-BC56-CE46496B758A}" presName="space" presStyleCnt="0"/>
@@ -7041,13 +6882,6 @@
         </dgm:presLayoutVars>
       </dgm:prSet>
       <dgm:spPr/>
-      <dgm:t>
-        <a:bodyPr/>
-        <a:lstStyle/>
-        <a:p>
-          <a:endParaRPr lang="en-US"/>
-        </a:p>
-      </dgm:t>
     </dgm:pt>
     <dgm:pt modelId="{5591D56E-8775-4297-9F61-FBC4B6929FA0}" type="pres">
       <dgm:prSet presAssocID="{F0A48FE8-8AF7-4A3D-9E81-40CE6182E9DD}" presName="desTx" presStyleLbl="alignAccFollowNode1" presStyleIdx="2" presStyleCnt="3">
@@ -7056,51 +6890,44 @@
         </dgm:presLayoutVars>
       </dgm:prSet>
       <dgm:spPr/>
-      <dgm:t>
-        <a:bodyPr/>
-        <a:lstStyle/>
-        <a:p>
-          <a:endParaRPr lang="en-US"/>
-        </a:p>
-      </dgm:t>
     </dgm:pt>
   </dgm:ptLst>
   <dgm:cxnLst>
+    <dgm:cxn modelId="{CFF06019-1E9C-48A2-A761-AA319FFB2B8A}" type="presOf" srcId="{A69D16B7-560D-4DF2-8E7F-F5B81F4A866B}" destId="{276AD895-5DAD-4D83-8EAC-ABCCF854EC9C}" srcOrd="0" destOrd="2" presId="urn:microsoft.com/office/officeart/2005/8/layout/hList1"/>
+    <dgm:cxn modelId="{153DEB27-777C-41AE-BA09-0D4DC8D3C930}" type="presOf" srcId="{3F344EC9-27A1-402D-A49F-8E0048F134DB}" destId="{9A2AB9A9-8981-4605-A3F9-C986271F2BE9}" srcOrd="0" destOrd="6" presId="urn:microsoft.com/office/officeart/2005/8/layout/hList1"/>
+    <dgm:cxn modelId="{E674EA2A-7AF4-4606-88B5-0F57C5A3E4D8}" type="presOf" srcId="{01CD54CB-6D1B-47F6-8180-B525D4D45AFB}" destId="{5591D56E-8775-4297-9F61-FBC4B6929FA0}" srcOrd="0" destOrd="0" presId="urn:microsoft.com/office/officeart/2005/8/layout/hList1"/>
     <dgm:cxn modelId="{7D55093C-4799-40CB-B4AB-6E6C3DB70271}" srcId="{F0A48FE8-8AF7-4A3D-9E81-40CE6182E9DD}" destId="{01CD54CB-6D1B-47F6-8180-B525D4D45AFB}" srcOrd="0" destOrd="0" parTransId="{8F4483D3-D476-43FA-8DFE-6B63D96E051F}" sibTransId="{E36B3E84-4C6F-408E-906B-3EEBF2005A3F}"/>
-    <dgm:cxn modelId="{B6B23652-DECF-41E0-8B5A-2A535F0A2605}" type="presOf" srcId="{2551E94D-B105-431D-8E31-232748C65AAF}" destId="{276AD895-5DAD-4D83-8EAC-ABCCF854EC9C}" srcOrd="0" destOrd="4" presId="urn:microsoft.com/office/officeart/2005/8/layout/hList1"/>
-    <dgm:cxn modelId="{6DA8AE6D-10BD-4E81-9E1D-8FC28F8471D9}" srcId="{39C5CE5C-0FC3-4DF3-A437-926CB8D59061}" destId="{2551E94D-B105-431D-8E31-232748C65AAF}" srcOrd="4" destOrd="0" parTransId="{8644648E-5E19-41F4-B0FF-C3DD8BF682B8}" sibTransId="{216766EF-FA24-469B-8B66-7E423DF7CB21}"/>
-    <dgm:cxn modelId="{E674EA2A-7AF4-4606-88B5-0F57C5A3E4D8}" type="presOf" srcId="{01CD54CB-6D1B-47F6-8180-B525D4D45AFB}" destId="{5591D56E-8775-4297-9F61-FBC4B6929FA0}" srcOrd="0" destOrd="0" presId="urn:microsoft.com/office/officeart/2005/8/layout/hList1"/>
+    <dgm:cxn modelId="{361C9D3E-E433-4C99-A827-725FB4549CF5}" type="presOf" srcId="{237C6206-B50D-40C9-9724-135522A98B34}" destId="{F8D18828-22C2-4EDB-8EC7-03C491B5FA94}" srcOrd="0" destOrd="0" presId="urn:microsoft.com/office/officeart/2005/8/layout/hList1"/>
     <dgm:cxn modelId="{98139F3F-3B77-42B6-8C09-7FAC5DE0003E}" type="presOf" srcId="{CCB3ACAD-775C-45E4-BD9E-9AD0294A7D12}" destId="{9A2AB9A9-8981-4605-A3F9-C986271F2BE9}" srcOrd="0" destOrd="1" presId="urn:microsoft.com/office/officeart/2005/8/layout/hList1"/>
     <dgm:cxn modelId="{21C3BE40-08C4-40CF-AB31-D338E7C070EB}" srcId="{39C5CE5C-0FC3-4DF3-A437-926CB8D59061}" destId="{53ED3BEA-A453-4B8C-9556-E8417EA6B850}" srcOrd="1" destOrd="0" parTransId="{E47A7587-EE94-4633-A930-A2D2FDD7C0BD}" sibTransId="{F46C2F3C-F5FA-4701-B29E-001EEAF9787D}"/>
+    <dgm:cxn modelId="{A09DCB5B-64BD-4734-8D99-71561DFC1496}" type="presOf" srcId="{DF9ADCFB-E26B-43FB-B720-178BE2650701}" destId="{9A2AB9A9-8981-4605-A3F9-C986271F2BE9}" srcOrd="0" destOrd="2" presId="urn:microsoft.com/office/officeart/2005/8/layout/hList1"/>
+    <dgm:cxn modelId="{6532275E-9CF2-493D-90CE-8457542DBE82}" type="presOf" srcId="{53ED3BEA-A453-4B8C-9556-E8417EA6B850}" destId="{276AD895-5DAD-4D83-8EAC-ABCCF854EC9C}" srcOrd="0" destOrd="1" presId="urn:microsoft.com/office/officeart/2005/8/layout/hList1"/>
+    <dgm:cxn modelId="{7A576167-0C48-4E64-9EEE-87970443DEDA}" srcId="{237C6206-B50D-40C9-9724-135522A98B34}" destId="{222474A1-98CA-45F2-BECB-C59287F215D7}" srcOrd="1" destOrd="0" parTransId="{51F6EB32-51EA-4A43-917E-10F314D12CBC}" sibTransId="{6EEB42F9-9FA4-45CA-BC56-CE46496B758A}"/>
+    <dgm:cxn modelId="{B40C1E6C-E38B-4AEC-A446-49E361675182}" srcId="{222474A1-98CA-45F2-BECB-C59287F215D7}" destId="{87DF6CC5-FE52-4361-8FA5-D41E9370538C}" srcOrd="3" destOrd="0" parTransId="{A9C53A82-C4AE-4997-9313-6C88B7F41AA1}" sibTransId="{7ADE3079-440C-4BA4-B7DC-80C293E55320}"/>
+    <dgm:cxn modelId="{6DA8AE6D-10BD-4E81-9E1D-8FC28F8471D9}" srcId="{39C5CE5C-0FC3-4DF3-A437-926CB8D59061}" destId="{2551E94D-B105-431D-8E31-232748C65AAF}" srcOrd="4" destOrd="0" parTransId="{8644648E-5E19-41F4-B0FF-C3DD8BF682B8}" sibTransId="{216766EF-FA24-469B-8B66-7E423DF7CB21}"/>
+    <dgm:cxn modelId="{B6B23652-DECF-41E0-8B5A-2A535F0A2605}" type="presOf" srcId="{2551E94D-B105-431D-8E31-232748C65AAF}" destId="{276AD895-5DAD-4D83-8EAC-ABCCF854EC9C}" srcOrd="0" destOrd="4" presId="urn:microsoft.com/office/officeart/2005/8/layout/hList1"/>
+    <dgm:cxn modelId="{FE812373-6699-420F-B221-907B0492D4BC}" srcId="{39C5CE5C-0FC3-4DF3-A437-926CB8D59061}" destId="{A69D16B7-560D-4DF2-8E7F-F5B81F4A866B}" srcOrd="2" destOrd="0" parTransId="{72E183FF-3007-41D7-8A39-D56111CF600C}" sibTransId="{588B67F2-837F-45DA-A842-98039B39BA32}"/>
     <dgm:cxn modelId="{45BF3575-0C66-4501-BBDE-E499B23E7F0D}" type="presOf" srcId="{39C5CE5C-0FC3-4DF3-A437-926CB8D59061}" destId="{58A77292-9C70-4153-A2C2-4FCB82C48DE5}" srcOrd="0" destOrd="0" presId="urn:microsoft.com/office/officeart/2005/8/layout/hList1"/>
-    <dgm:cxn modelId="{B40C1E6C-E38B-4AEC-A446-49E361675182}" srcId="{222474A1-98CA-45F2-BECB-C59287F215D7}" destId="{87DF6CC5-FE52-4361-8FA5-D41E9370538C}" srcOrd="3" destOrd="0" parTransId="{A9C53A82-C4AE-4997-9313-6C88B7F41AA1}" sibTransId="{7ADE3079-440C-4BA4-B7DC-80C293E55320}"/>
-    <dgm:cxn modelId="{361C9D3E-E433-4C99-A827-725FB4549CF5}" type="presOf" srcId="{237C6206-B50D-40C9-9724-135522A98B34}" destId="{F8D18828-22C2-4EDB-8EC7-03C491B5FA94}" srcOrd="0" destOrd="0" presId="urn:microsoft.com/office/officeart/2005/8/layout/hList1"/>
+    <dgm:cxn modelId="{DFFA1859-65EE-4034-9FFA-D3803567B87C}" type="presOf" srcId="{FD31FCC2-31D2-4832-80EB-AEB597825F10}" destId="{276AD895-5DAD-4D83-8EAC-ABCCF854EC9C}" srcOrd="0" destOrd="3" presId="urn:microsoft.com/office/officeart/2005/8/layout/hList1"/>
+    <dgm:cxn modelId="{FBC0F682-65AF-4FD3-BDC6-D2F01BB77DCE}" srcId="{222474A1-98CA-45F2-BECB-C59287F215D7}" destId="{CEB171B9-59A1-4C35-B8EE-87EE4A48C9B7}" srcOrd="0" destOrd="0" parTransId="{E470DD94-274C-43C1-9453-332C5A31D5B3}" sibTransId="{899D9D30-9318-4C2B-A6AE-654B99FA601C}"/>
+    <dgm:cxn modelId="{2AB2DB83-3C3E-4DE0-A662-03B1C22B5BF3}" srcId="{237C6206-B50D-40C9-9724-135522A98B34}" destId="{F0A48FE8-8AF7-4A3D-9E81-40CE6182E9DD}" srcOrd="2" destOrd="0" parTransId="{39EC3928-0614-4DC5-B76D-5E3140FF8213}" sibTransId="{F7CB08F2-3558-4310-BBFA-93AD2BAAE42C}"/>
     <dgm:cxn modelId="{352F3A84-A4C1-49BD-BB3D-06A5455447DC}" srcId="{222474A1-98CA-45F2-BECB-C59287F215D7}" destId="{B1793364-2D76-4396-9F9E-1E5DE596A027}" srcOrd="5" destOrd="0" parTransId="{8F185903-A082-4895-B0F2-3E40E07DD66A}" sibTransId="{9A4CDC5D-7CF9-4C21-85DF-A28910AB1E66}"/>
+    <dgm:cxn modelId="{12FD9C8E-35F8-4E4C-A366-73BA45A9CAB7}" type="presOf" srcId="{222474A1-98CA-45F2-BECB-C59287F215D7}" destId="{54207CA8-121C-459C-B566-EF5EE22C7831}" srcOrd="0" destOrd="0" presId="urn:microsoft.com/office/officeart/2005/8/layout/hList1"/>
     <dgm:cxn modelId="{503995A4-C2A7-4062-AA19-65AE4C7A136C}" type="presOf" srcId="{87DF6CC5-FE52-4361-8FA5-D41E9370538C}" destId="{9A2AB9A9-8981-4605-A3F9-C986271F2BE9}" srcOrd="0" destOrd="3" presId="urn:microsoft.com/office/officeart/2005/8/layout/hList1"/>
-    <dgm:cxn modelId="{2AB2DB83-3C3E-4DE0-A662-03B1C22B5BF3}" srcId="{237C6206-B50D-40C9-9724-135522A98B34}" destId="{F0A48FE8-8AF7-4A3D-9E81-40CE6182E9DD}" srcOrd="2" destOrd="0" parTransId="{39EC3928-0614-4DC5-B76D-5E3140FF8213}" sibTransId="{F7CB08F2-3558-4310-BBFA-93AD2BAAE42C}"/>
+    <dgm:cxn modelId="{A3FB6FAE-ADDD-4832-974B-BF6CE69D3885}" srcId="{222474A1-98CA-45F2-BECB-C59287F215D7}" destId="{3F344EC9-27A1-402D-A49F-8E0048F134DB}" srcOrd="6" destOrd="0" parTransId="{78ADD878-B624-4DDB-8D2F-30B0EC013DD9}" sibTransId="{6780C210-06AF-4E96-B18E-24ED36367969}"/>
+    <dgm:cxn modelId="{3893D5B0-9C3D-49F0-9D32-2CD7CB63510D}" type="presOf" srcId="{F0A48FE8-8AF7-4A3D-9E81-40CE6182E9DD}" destId="{45B88E1D-EF77-4085-8324-FC64D6CEBBFC}" srcOrd="0" destOrd="0" presId="urn:microsoft.com/office/officeart/2005/8/layout/hList1"/>
+    <dgm:cxn modelId="{98588DB6-4A79-4452-BE4D-E7CF577F566B}" srcId="{39C5CE5C-0FC3-4DF3-A437-926CB8D59061}" destId="{FD31FCC2-31D2-4832-80EB-AEB597825F10}" srcOrd="3" destOrd="0" parTransId="{42FCB107-DB9C-4A72-BB95-F0DFE115B3E6}" sibTransId="{3F3377DB-7FD3-482A-93C0-4D9E0A237C14}"/>
+    <dgm:cxn modelId="{4A1A8AB7-3E8D-4F1D-91FB-017206EA4187}" srcId="{237C6206-B50D-40C9-9724-135522A98B34}" destId="{39C5CE5C-0FC3-4DF3-A437-926CB8D59061}" srcOrd="0" destOrd="0" parTransId="{CECE8A3F-9298-425B-B52B-05578E9BB64B}" sibTransId="{4E16AFE4-477F-4E69-BDEB-F38DD5C949CB}"/>
+    <dgm:cxn modelId="{8EB6E2C8-6671-401E-8F6B-85D8D5CF5D18}" type="presOf" srcId="{4FB586A2-095C-4BE0-BDFE-C03A626E2DD5}" destId="{276AD895-5DAD-4D83-8EAC-ABCCF854EC9C}" srcOrd="0" destOrd="0" presId="urn:microsoft.com/office/officeart/2005/8/layout/hList1"/>
+    <dgm:cxn modelId="{AE6A7CD1-B057-4D2C-B306-85D202BA6A14}" type="presOf" srcId="{CEB171B9-59A1-4C35-B8EE-87EE4A48C9B7}" destId="{9A2AB9A9-8981-4605-A3F9-C986271F2BE9}" srcOrd="0" destOrd="0" presId="urn:microsoft.com/office/officeart/2005/8/layout/hList1"/>
     <dgm:cxn modelId="{6E28BCD2-979B-484D-AFAB-285BC4DA33BD}" type="presOf" srcId="{0C411DAB-1234-4087-9083-9E8720F5D016}" destId="{5591D56E-8775-4297-9F61-FBC4B6929FA0}" srcOrd="0" destOrd="1" presId="urn:microsoft.com/office/officeart/2005/8/layout/hList1"/>
-    <dgm:cxn modelId="{8EB6E2C8-6671-401E-8F6B-85D8D5CF5D18}" type="presOf" srcId="{4FB586A2-095C-4BE0-BDFE-C03A626E2DD5}" destId="{276AD895-5DAD-4D83-8EAC-ABCCF854EC9C}" srcOrd="0" destOrd="0" presId="urn:microsoft.com/office/officeart/2005/8/layout/hList1"/>
+    <dgm:cxn modelId="{806A24D8-3469-4A66-9933-35BECB683AE2}" srcId="{39C5CE5C-0FC3-4DF3-A437-926CB8D59061}" destId="{4FB586A2-095C-4BE0-BDFE-C03A626E2DD5}" srcOrd="0" destOrd="0" parTransId="{B6655F0D-AC4A-45CD-A4F2-8BC471716246}" sibTransId="{DBF864A0-A4BD-46CB-A0EC-3DF7720E4DB6}"/>
+    <dgm:cxn modelId="{F393ADDE-E093-4C31-A951-E72038C761F9}" srcId="{F0A48FE8-8AF7-4A3D-9E81-40CE6182E9DD}" destId="{0C411DAB-1234-4087-9083-9E8720F5D016}" srcOrd="1" destOrd="0" parTransId="{EAA83057-FCF1-4DE5-9D35-14B492C2A268}" sibTransId="{4309A5F5-6DEB-484C-8AD2-120FF42C3728}"/>
     <dgm:cxn modelId="{0527E8E1-97F9-4806-9C78-4F182A792944}" srcId="{222474A1-98CA-45F2-BECB-C59287F215D7}" destId="{DF9ADCFB-E26B-43FB-B720-178BE2650701}" srcOrd="2" destOrd="0" parTransId="{A94BA846-F0F7-49FC-B78B-D62115AD38CF}" sibTransId="{48B757E0-308C-4302-94E0-A2FB831F8543}"/>
+    <dgm:cxn modelId="{0FB6C4E9-6413-45C5-B6DC-AD2EC2CAD09C}" type="presOf" srcId="{80E0F872-8BDF-40F1-A2FD-1F0E975CAB8B}" destId="{9A2AB9A9-8981-4605-A3F9-C986271F2BE9}" srcOrd="0" destOrd="4" presId="urn:microsoft.com/office/officeart/2005/8/layout/hList1"/>
     <dgm:cxn modelId="{5D8E3DF8-1E20-44CD-B8E0-C0E95C5190F4}" type="presOf" srcId="{B1793364-2D76-4396-9F9E-1E5DE596A027}" destId="{9A2AB9A9-8981-4605-A3F9-C986271F2BE9}" srcOrd="0" destOrd="5" presId="urn:microsoft.com/office/officeart/2005/8/layout/hList1"/>
-    <dgm:cxn modelId="{3893D5B0-9C3D-49F0-9D32-2CD7CB63510D}" type="presOf" srcId="{F0A48FE8-8AF7-4A3D-9E81-40CE6182E9DD}" destId="{45B88E1D-EF77-4085-8324-FC64D6CEBBFC}" srcOrd="0" destOrd="0" presId="urn:microsoft.com/office/officeart/2005/8/layout/hList1"/>
-    <dgm:cxn modelId="{A3FB6FAE-ADDD-4832-974B-BF6CE69D3885}" srcId="{222474A1-98CA-45F2-BECB-C59287F215D7}" destId="{3F344EC9-27A1-402D-A49F-8E0048F134DB}" srcOrd="6" destOrd="0" parTransId="{78ADD878-B624-4DDB-8D2F-30B0EC013DD9}" sibTransId="{6780C210-06AF-4E96-B18E-24ED36367969}"/>
-    <dgm:cxn modelId="{DFFA1859-65EE-4034-9FFA-D3803567B87C}" type="presOf" srcId="{FD31FCC2-31D2-4832-80EB-AEB597825F10}" destId="{276AD895-5DAD-4D83-8EAC-ABCCF854EC9C}" srcOrd="0" destOrd="3" presId="urn:microsoft.com/office/officeart/2005/8/layout/hList1"/>
-    <dgm:cxn modelId="{7A576167-0C48-4E64-9EEE-87970443DEDA}" srcId="{237C6206-B50D-40C9-9724-135522A98B34}" destId="{222474A1-98CA-45F2-BECB-C59287F215D7}" srcOrd="1" destOrd="0" parTransId="{51F6EB32-51EA-4A43-917E-10F314D12CBC}" sibTransId="{6EEB42F9-9FA4-45CA-BC56-CE46496B758A}"/>
-    <dgm:cxn modelId="{6532275E-9CF2-493D-90CE-8457542DBE82}" type="presOf" srcId="{53ED3BEA-A453-4B8C-9556-E8417EA6B850}" destId="{276AD895-5DAD-4D83-8EAC-ABCCF854EC9C}" srcOrd="0" destOrd="1" presId="urn:microsoft.com/office/officeart/2005/8/layout/hList1"/>
-    <dgm:cxn modelId="{A09DCB5B-64BD-4734-8D99-71561DFC1496}" type="presOf" srcId="{DF9ADCFB-E26B-43FB-B720-178BE2650701}" destId="{9A2AB9A9-8981-4605-A3F9-C986271F2BE9}" srcOrd="0" destOrd="2" presId="urn:microsoft.com/office/officeart/2005/8/layout/hList1"/>
-    <dgm:cxn modelId="{153DEB27-777C-41AE-BA09-0D4DC8D3C930}" type="presOf" srcId="{3F344EC9-27A1-402D-A49F-8E0048F134DB}" destId="{9A2AB9A9-8981-4605-A3F9-C986271F2BE9}" srcOrd="0" destOrd="6" presId="urn:microsoft.com/office/officeart/2005/8/layout/hList1"/>
-    <dgm:cxn modelId="{F393ADDE-E093-4C31-A951-E72038C761F9}" srcId="{F0A48FE8-8AF7-4A3D-9E81-40CE6182E9DD}" destId="{0C411DAB-1234-4087-9083-9E8720F5D016}" srcOrd="1" destOrd="0" parTransId="{EAA83057-FCF1-4DE5-9D35-14B492C2A268}" sibTransId="{4309A5F5-6DEB-484C-8AD2-120FF42C3728}"/>
-    <dgm:cxn modelId="{AE6A7CD1-B057-4D2C-B306-85D202BA6A14}" type="presOf" srcId="{CEB171B9-59A1-4C35-B8EE-87EE4A48C9B7}" destId="{9A2AB9A9-8981-4605-A3F9-C986271F2BE9}" srcOrd="0" destOrd="0" presId="urn:microsoft.com/office/officeart/2005/8/layout/hList1"/>
-    <dgm:cxn modelId="{4A1A8AB7-3E8D-4F1D-91FB-017206EA4187}" srcId="{237C6206-B50D-40C9-9724-135522A98B34}" destId="{39C5CE5C-0FC3-4DF3-A437-926CB8D59061}" srcOrd="0" destOrd="0" parTransId="{CECE8A3F-9298-425B-B52B-05578E9BB64B}" sibTransId="{4E16AFE4-477F-4E69-BDEB-F38DD5C949CB}"/>
-    <dgm:cxn modelId="{CFF06019-1E9C-48A2-A761-AA319FFB2B8A}" type="presOf" srcId="{A69D16B7-560D-4DF2-8E7F-F5B81F4A866B}" destId="{276AD895-5DAD-4D83-8EAC-ABCCF854EC9C}" srcOrd="0" destOrd="2" presId="urn:microsoft.com/office/officeart/2005/8/layout/hList1"/>
-    <dgm:cxn modelId="{FE812373-6699-420F-B221-907B0492D4BC}" srcId="{39C5CE5C-0FC3-4DF3-A437-926CB8D59061}" destId="{A69D16B7-560D-4DF2-8E7F-F5B81F4A866B}" srcOrd="2" destOrd="0" parTransId="{72E183FF-3007-41D7-8A39-D56111CF600C}" sibTransId="{588B67F2-837F-45DA-A842-98039B39BA32}"/>
+    <dgm:cxn modelId="{30B264FB-D804-403F-A40B-8C56F6941B30}" srcId="{222474A1-98CA-45F2-BECB-C59287F215D7}" destId="{80E0F872-8BDF-40F1-A2FD-1F0E975CAB8B}" srcOrd="4" destOrd="0" parTransId="{BDFB5012-7E71-4FA0-A6B2-8DAB25EBE8BE}" sibTransId="{C38726AB-296F-448C-8C6C-D3A9B9A97F89}"/>
     <dgm:cxn modelId="{BF2287FC-99D8-4F1F-ABB9-AF77097416A3}" srcId="{222474A1-98CA-45F2-BECB-C59287F215D7}" destId="{CCB3ACAD-775C-45E4-BD9E-9AD0294A7D12}" srcOrd="1" destOrd="0" parTransId="{35CAD2FD-53A1-4334-A992-5BA1FFA0AF81}" sibTransId="{0F8B1596-E15E-4B34-90B8-9489F6FFAD3F}"/>
-    <dgm:cxn modelId="{30B264FB-D804-403F-A40B-8C56F6941B30}" srcId="{222474A1-98CA-45F2-BECB-C59287F215D7}" destId="{80E0F872-8BDF-40F1-A2FD-1F0E975CAB8B}" srcOrd="4" destOrd="0" parTransId="{BDFB5012-7E71-4FA0-A6B2-8DAB25EBE8BE}" sibTransId="{C38726AB-296F-448C-8C6C-D3A9B9A97F89}"/>
-    <dgm:cxn modelId="{98588DB6-4A79-4452-BE4D-E7CF577F566B}" srcId="{39C5CE5C-0FC3-4DF3-A437-926CB8D59061}" destId="{FD31FCC2-31D2-4832-80EB-AEB597825F10}" srcOrd="3" destOrd="0" parTransId="{42FCB107-DB9C-4A72-BB95-F0DFE115B3E6}" sibTransId="{3F3377DB-7FD3-482A-93C0-4D9E0A237C14}"/>
-    <dgm:cxn modelId="{12FD9C8E-35F8-4E4C-A366-73BA45A9CAB7}" type="presOf" srcId="{222474A1-98CA-45F2-BECB-C59287F215D7}" destId="{54207CA8-121C-459C-B566-EF5EE22C7831}" srcOrd="0" destOrd="0" presId="urn:microsoft.com/office/officeart/2005/8/layout/hList1"/>
-    <dgm:cxn modelId="{806A24D8-3469-4A66-9933-35BECB683AE2}" srcId="{39C5CE5C-0FC3-4DF3-A437-926CB8D59061}" destId="{4FB586A2-095C-4BE0-BDFE-C03A626E2DD5}" srcOrd="0" destOrd="0" parTransId="{B6655F0D-AC4A-45CD-A4F2-8BC471716246}" sibTransId="{DBF864A0-A4BD-46CB-A0EC-3DF7720E4DB6}"/>
-    <dgm:cxn modelId="{0FB6C4E9-6413-45C5-B6DC-AD2EC2CAD09C}" type="presOf" srcId="{80E0F872-8BDF-40F1-A2FD-1F0E975CAB8B}" destId="{9A2AB9A9-8981-4605-A3F9-C986271F2BE9}" srcOrd="0" destOrd="4" presId="urn:microsoft.com/office/officeart/2005/8/layout/hList1"/>
-    <dgm:cxn modelId="{FBC0F682-65AF-4FD3-BDC6-D2F01BB77DCE}" srcId="{222474A1-98CA-45F2-BECB-C59287F215D7}" destId="{CEB171B9-59A1-4C35-B8EE-87EE4A48C9B7}" srcOrd="0" destOrd="0" parTransId="{E470DD94-274C-43C1-9453-332C5A31D5B3}" sibTransId="{899D9D30-9318-4C2B-A6AE-654B99FA601C}"/>
     <dgm:cxn modelId="{E664F869-58A2-4995-82C6-1C60E47CDDFE}" type="presParOf" srcId="{F8D18828-22C2-4EDB-8EC7-03C491B5FA94}" destId="{B80987EF-CA39-45DD-A169-2820D8BFE499}" srcOrd="0" destOrd="0" presId="urn:microsoft.com/office/officeart/2005/8/layout/hList1"/>
     <dgm:cxn modelId="{B1327E57-9946-4DBD-A6A3-062DFBFBCF2E}" type="presParOf" srcId="{B80987EF-CA39-45DD-A169-2820D8BFE499}" destId="{58A77292-9C70-4153-A2C2-4FCB82C48DE5}" srcOrd="0" destOrd="0" presId="urn:microsoft.com/office/officeart/2005/8/layout/hList1"/>
     <dgm:cxn modelId="{A8C81B4B-82E5-43EE-9382-F82057315B10}" type="presParOf" srcId="{B80987EF-CA39-45DD-A169-2820D8BFE499}" destId="{276AD895-5DAD-4D83-8EAC-ABCCF854EC9C}" srcOrd="1" destOrd="0" presId="urn:microsoft.com/office/officeart/2005/8/layout/hList1"/>
@@ -7372,13 +7199,6 @@
         </dgm:presLayoutVars>
       </dgm:prSet>
       <dgm:spPr/>
-      <dgm:t>
-        <a:bodyPr/>
-        <a:lstStyle/>
-        <a:p>
-          <a:endParaRPr lang="en-US"/>
-        </a:p>
-      </dgm:t>
     </dgm:pt>
     <dgm:pt modelId="{A5D63A99-08EB-417C-A349-995BF449EC8E}" type="pres">
       <dgm:prSet presAssocID="{FE97DF1C-948D-46D8-8594-1961D12B7D76}" presName="linNode" presStyleCnt="0"/>
@@ -7392,13 +7212,6 @@
         </dgm:presLayoutVars>
       </dgm:prSet>
       <dgm:spPr/>
-      <dgm:t>
-        <a:bodyPr/>
-        <a:lstStyle/>
-        <a:p>
-          <a:endParaRPr lang="en-US"/>
-        </a:p>
-      </dgm:t>
     </dgm:pt>
     <dgm:pt modelId="{1C8F4E76-3448-4399-82D6-002EE60A21FD}" type="pres">
       <dgm:prSet presAssocID="{FE97DF1C-948D-46D8-8594-1961D12B7D76}" presName="descendantText" presStyleLbl="alignAccFollowNode1" presStyleIdx="0" presStyleCnt="2">
@@ -7407,13 +7220,6 @@
         </dgm:presLayoutVars>
       </dgm:prSet>
       <dgm:spPr/>
-      <dgm:t>
-        <a:bodyPr/>
-        <a:lstStyle/>
-        <a:p>
-          <a:endParaRPr lang="en-US"/>
-        </a:p>
-      </dgm:t>
     </dgm:pt>
     <dgm:pt modelId="{F98E4DB0-4CFE-4AA7-867C-332FFA50BAFA}" type="pres">
       <dgm:prSet presAssocID="{C7338612-1F39-4263-9AA1-CDF9AAB442E9}" presName="sp" presStyleCnt="0"/>
@@ -7431,13 +7237,6 @@
         </dgm:presLayoutVars>
       </dgm:prSet>
       <dgm:spPr/>
-      <dgm:t>
-        <a:bodyPr/>
-        <a:lstStyle/>
-        <a:p>
-          <a:endParaRPr lang="en-US"/>
-        </a:p>
-      </dgm:t>
     </dgm:pt>
     <dgm:pt modelId="{3EF00413-2AB7-4C85-946D-17AF1EA2F809}" type="pres">
       <dgm:prSet presAssocID="{5361500D-D195-4AE9-BFCB-987389689A30}" presName="descendantText" presStyleLbl="alignAccFollowNode1" presStyleIdx="1" presStyleCnt="2">
@@ -7446,27 +7245,20 @@
         </dgm:presLayoutVars>
       </dgm:prSet>
       <dgm:spPr/>
-      <dgm:t>
-        <a:bodyPr/>
-        <a:lstStyle/>
-        <a:p>
-          <a:endParaRPr lang="en-US"/>
-        </a:p>
-      </dgm:t>
     </dgm:pt>
   </dgm:ptLst>
   <dgm:cxnLst>
+    <dgm:cxn modelId="{986ED61C-C075-4A25-96B7-8B55877FB8D6}" type="presOf" srcId="{52110297-3205-4965-8BD8-DBBAACC51AF8}" destId="{40A8B910-DB3A-4389-88F8-7EF211C482B1}" srcOrd="0" destOrd="0" presId="urn:microsoft.com/office/officeart/2005/8/layout/vList5"/>
+    <dgm:cxn modelId="{93761626-E9C6-4C0D-A77C-97371BC201A4}" srcId="{52110297-3205-4965-8BD8-DBBAACC51AF8}" destId="{5361500D-D195-4AE9-BFCB-987389689A30}" srcOrd="1" destOrd="0" parTransId="{EE058614-0149-4A61-9894-528DF25EED83}" sibTransId="{358CE0DC-E73A-4551-9137-4516D9826380}"/>
+    <dgm:cxn modelId="{F137B245-13B5-490E-B10A-589945D1837C}" srcId="{FE97DF1C-948D-46D8-8594-1961D12B7D76}" destId="{C2F537F7-1A7D-4EB2-BCC6-78FF53E7160F}" srcOrd="0" destOrd="0" parTransId="{3630ABD9-AC7C-468D-AF8A-2983BBE8FEC0}" sibTransId="{A24DD465-3414-4C74-BF13-7E25074A32DB}"/>
+    <dgm:cxn modelId="{B209276D-8B61-47EC-91B9-92678987FD48}" type="presOf" srcId="{C2F537F7-1A7D-4EB2-BCC6-78FF53E7160F}" destId="{1C8F4E76-3448-4399-82D6-002EE60A21FD}" srcOrd="0" destOrd="0" presId="urn:microsoft.com/office/officeart/2005/8/layout/vList5"/>
+    <dgm:cxn modelId="{B0BF7B57-D5E3-4FA0-8411-9DF9206CBBCB}" type="presOf" srcId="{D7EEEE8E-1A5B-451B-BB23-681B567B9238}" destId="{3EF00413-2AB7-4C85-946D-17AF1EA2F809}" srcOrd="0" destOrd="0" presId="urn:microsoft.com/office/officeart/2005/8/layout/vList5"/>
+    <dgm:cxn modelId="{48949BBE-847A-4FC1-9D31-0EEC29D53801}" type="presOf" srcId="{5361500D-D195-4AE9-BFCB-987389689A30}" destId="{56E9793E-B615-4D54-9CB4-E5840159CFED}" srcOrd="0" destOrd="0" presId="urn:microsoft.com/office/officeart/2005/8/layout/vList5"/>
+    <dgm:cxn modelId="{D1DDF3C1-8D4B-42F9-816B-63EA5AEDFF02}" srcId="{52110297-3205-4965-8BD8-DBBAACC51AF8}" destId="{FE97DF1C-948D-46D8-8594-1961D12B7D76}" srcOrd="0" destOrd="0" parTransId="{34225816-51CE-4570-B4A1-75E4215052A0}" sibTransId="{C7338612-1F39-4263-9AA1-CDF9AAB442E9}"/>
     <dgm:cxn modelId="{630845D4-9CF1-4900-B86B-4980F0F8DF38}" srcId="{FE97DF1C-948D-46D8-8594-1961D12B7D76}" destId="{9FC7585D-7B56-4994-A620-B9C9F2A9D030}" srcOrd="1" destOrd="0" parTransId="{D6D31C9F-ADB1-4B60-81E2-9DE19182FD0B}" sibTransId="{7DAEEB45-9D5A-4972-9452-642BE92A733E}"/>
-    <dgm:cxn modelId="{B0BF7B57-D5E3-4FA0-8411-9DF9206CBBCB}" type="presOf" srcId="{D7EEEE8E-1A5B-451B-BB23-681B567B9238}" destId="{3EF00413-2AB7-4C85-946D-17AF1EA2F809}" srcOrd="0" destOrd="0" presId="urn:microsoft.com/office/officeart/2005/8/layout/vList5"/>
     <dgm:cxn modelId="{BF9354DD-08CF-42BB-B4C4-11EC293BE886}" type="presOf" srcId="{FE97DF1C-948D-46D8-8594-1961D12B7D76}" destId="{D97F5EA5-23A9-4A06-A33A-C1678726C507}" srcOrd="0" destOrd="0" presId="urn:microsoft.com/office/officeart/2005/8/layout/vList5"/>
-    <dgm:cxn modelId="{B209276D-8B61-47EC-91B9-92678987FD48}" type="presOf" srcId="{C2F537F7-1A7D-4EB2-BCC6-78FF53E7160F}" destId="{1C8F4E76-3448-4399-82D6-002EE60A21FD}" srcOrd="0" destOrd="0" presId="urn:microsoft.com/office/officeart/2005/8/layout/vList5"/>
+    <dgm:cxn modelId="{241538E5-6CE7-4AB3-A518-3C928DC99473}" type="presOf" srcId="{9FC7585D-7B56-4994-A620-B9C9F2A9D030}" destId="{1C8F4E76-3448-4399-82D6-002EE60A21FD}" srcOrd="0" destOrd="1" presId="urn:microsoft.com/office/officeart/2005/8/layout/vList5"/>
     <dgm:cxn modelId="{628190E8-951E-443A-8BCD-E08B7E56C904}" srcId="{5361500D-D195-4AE9-BFCB-987389689A30}" destId="{D7EEEE8E-1A5B-451B-BB23-681B567B9238}" srcOrd="0" destOrd="0" parTransId="{55DF471F-E46F-4A55-905A-3EE44893991B}" sibTransId="{E796CEC6-B841-4B7A-B840-367C1B11F55E}"/>
-    <dgm:cxn modelId="{93761626-E9C6-4C0D-A77C-97371BC201A4}" srcId="{52110297-3205-4965-8BD8-DBBAACC51AF8}" destId="{5361500D-D195-4AE9-BFCB-987389689A30}" srcOrd="1" destOrd="0" parTransId="{EE058614-0149-4A61-9894-528DF25EED83}" sibTransId="{358CE0DC-E73A-4551-9137-4516D9826380}"/>
-    <dgm:cxn modelId="{48949BBE-847A-4FC1-9D31-0EEC29D53801}" type="presOf" srcId="{5361500D-D195-4AE9-BFCB-987389689A30}" destId="{56E9793E-B615-4D54-9CB4-E5840159CFED}" srcOrd="0" destOrd="0" presId="urn:microsoft.com/office/officeart/2005/8/layout/vList5"/>
-    <dgm:cxn modelId="{F137B245-13B5-490E-B10A-589945D1837C}" srcId="{FE97DF1C-948D-46D8-8594-1961D12B7D76}" destId="{C2F537F7-1A7D-4EB2-BCC6-78FF53E7160F}" srcOrd="0" destOrd="0" parTransId="{3630ABD9-AC7C-468D-AF8A-2983BBE8FEC0}" sibTransId="{A24DD465-3414-4C74-BF13-7E25074A32DB}"/>
-    <dgm:cxn modelId="{986ED61C-C075-4A25-96B7-8B55877FB8D6}" type="presOf" srcId="{52110297-3205-4965-8BD8-DBBAACC51AF8}" destId="{40A8B910-DB3A-4389-88F8-7EF211C482B1}" srcOrd="0" destOrd="0" presId="urn:microsoft.com/office/officeart/2005/8/layout/vList5"/>
-    <dgm:cxn modelId="{D1DDF3C1-8D4B-42F9-816B-63EA5AEDFF02}" srcId="{52110297-3205-4965-8BD8-DBBAACC51AF8}" destId="{FE97DF1C-948D-46D8-8594-1961D12B7D76}" srcOrd="0" destOrd="0" parTransId="{34225816-51CE-4570-B4A1-75E4215052A0}" sibTransId="{C7338612-1F39-4263-9AA1-CDF9AAB442E9}"/>
-    <dgm:cxn modelId="{241538E5-6CE7-4AB3-A518-3C928DC99473}" type="presOf" srcId="{9FC7585D-7B56-4994-A620-B9C9F2A9D030}" destId="{1C8F4E76-3448-4399-82D6-002EE60A21FD}" srcOrd="0" destOrd="1" presId="urn:microsoft.com/office/officeart/2005/8/layout/vList5"/>
     <dgm:cxn modelId="{DE87EA03-02D5-4B9D-A1C0-847D76EBA490}" type="presParOf" srcId="{40A8B910-DB3A-4389-88F8-7EF211C482B1}" destId="{A5D63A99-08EB-417C-A349-995BF449EC8E}" srcOrd="0" destOrd="0" presId="urn:microsoft.com/office/officeart/2005/8/layout/vList5"/>
     <dgm:cxn modelId="{9766DF4C-DF8C-463D-B888-2441F9C5C9B3}" type="presParOf" srcId="{A5D63A99-08EB-417C-A349-995BF449EC8E}" destId="{D97F5EA5-23A9-4A06-A33A-C1678726C507}" srcOrd="0" destOrd="0" presId="urn:microsoft.com/office/officeart/2005/8/layout/vList5"/>
     <dgm:cxn modelId="{AF82DA17-2465-479A-8337-15FC9667BC5A}" type="presParOf" srcId="{A5D63A99-08EB-417C-A349-995BF449EC8E}" destId="{1C8F4E76-3448-4399-82D6-002EE60A21FD}" srcOrd="1" destOrd="0" presId="urn:microsoft.com/office/officeart/2005/8/layout/vList5"/>
@@ -7555,7 +7347,7 @@
         <a:lstStyle/>
         <a:p>
           <a:r>
-            <a:rPr lang="en-US"/>
+            <a:rPr lang="en-US" dirty="0"/>
             <a:t>A level of indirection in service architectures</a:t>
           </a:r>
         </a:p>
@@ -7598,7 +7390,17 @@
         <a:p>
           <a:r>
             <a:rPr lang="en-US" dirty="0"/>
-            <a:t>A way the FTSE appears service architectures</a:t>
+            <a:t>A way the </a:t>
+          </a:r>
+          <a:r>
+            <a:rPr lang="en-US" dirty="0">
+              <a:hlinkClick xmlns:r="http://schemas.openxmlformats.org/officeDocument/2006/relationships" r:id="rId1" tooltip="https://en.wikipedia.org/wiki/Fundamental_theorem_of_software_engineering"/>
+            </a:rPr>
+            <a:t>FTSE</a:t>
+          </a:r>
+          <a:r>
+            <a:rPr lang="en-US" dirty="0"/>
+            <a:t> appears in service architectures</a:t>
           </a:r>
         </a:p>
       </dgm:t>
@@ -7640,13 +7442,6 @@
         </dgm:presLayoutVars>
       </dgm:prSet>
       <dgm:spPr/>
-      <dgm:t>
-        <a:bodyPr/>
-        <a:lstStyle/>
-        <a:p>
-          <a:endParaRPr lang="en-US"/>
-        </a:p>
-      </dgm:t>
     </dgm:pt>
     <dgm:pt modelId="{CA0FB76F-2ED5-4D2E-8232-E4023ED9DC9D}" type="pres">
       <dgm:prSet presAssocID="{95896E60-28F8-4058-A351-6E5779FE9EF7}" presName="pyramid" presStyleLbl="node1" presStyleIdx="0" presStyleCnt="1"/>
@@ -7667,13 +7462,6 @@
         </dgm:presLayoutVars>
       </dgm:prSet>
       <dgm:spPr/>
-      <dgm:t>
-        <a:bodyPr/>
-        <a:lstStyle/>
-        <a:p>
-          <a:endParaRPr lang="en-US"/>
-        </a:p>
-      </dgm:t>
     </dgm:pt>
     <dgm:pt modelId="{AA1B171C-847A-4615-8619-7BC69D50F831}" type="pres">
       <dgm:prSet presAssocID="{B45E8DA1-A97D-4820-8D1B-E5878DE22B74}" presName="aSpace" presStyleCnt="0"/>
@@ -7686,13 +7474,6 @@
         </dgm:presLayoutVars>
       </dgm:prSet>
       <dgm:spPr/>
-      <dgm:t>
-        <a:bodyPr/>
-        <a:lstStyle/>
-        <a:p>
-          <a:endParaRPr lang="en-US"/>
-        </a:p>
-      </dgm:t>
     </dgm:pt>
     <dgm:pt modelId="{EE8CE9DD-5F49-4C01-B85C-378C2579D1EB}" type="pres">
       <dgm:prSet presAssocID="{9B149A5C-AB06-4B4F-A6A1-B30CB97D8EC8}" presName="aSpace" presStyleCnt="0"/>
@@ -7705,13 +7486,6 @@
         </dgm:presLayoutVars>
       </dgm:prSet>
       <dgm:spPr/>
-      <dgm:t>
-        <a:bodyPr/>
-        <a:lstStyle/>
-        <a:p>
-          <a:endParaRPr lang="en-US"/>
-        </a:p>
-      </dgm:t>
     </dgm:pt>
     <dgm:pt modelId="{322F6CDE-1182-4154-B3AD-52E75C2F0E69}" type="pres">
       <dgm:prSet presAssocID="{4589897E-FC78-4817-B241-6C3FE27BE24D}" presName="aSpace" presStyleCnt="0"/>
@@ -7719,13 +7493,13 @@
     </dgm:pt>
   </dgm:ptLst>
   <dgm:cxnLst>
-    <dgm:cxn modelId="{C761FEEA-8735-488A-9AF5-26B0A5E96334}" srcId="{95896E60-28F8-4058-A351-6E5779FE9EF7}" destId="{B45E8DA1-A97D-4820-8D1B-E5878DE22B74}" srcOrd="0" destOrd="0" parTransId="{970E9AF9-8A99-4350-990B-B8DF9E9D8DD2}" sibTransId="{3CA4266F-CB0D-4663-B23F-6E619675A9E1}"/>
-    <dgm:cxn modelId="{D58479F2-619C-4DA3-8CA2-3922A51599DC}" type="presOf" srcId="{B45E8DA1-A97D-4820-8D1B-E5878DE22B74}" destId="{0C6EB310-ACEB-4246-98AF-06ABBB64F767}" srcOrd="0" destOrd="0" presId="urn:microsoft.com/office/officeart/2005/8/layout/pyramid2"/>
+    <dgm:cxn modelId="{5F137E4A-A113-4ECF-9E90-512D05F66640}" type="presOf" srcId="{4589897E-FC78-4817-B241-6C3FE27BE24D}" destId="{7C2765B8-6B5C-413B-B08B-98E163D276C3}" srcOrd="0" destOrd="0" presId="urn:microsoft.com/office/officeart/2005/8/layout/pyramid2"/>
     <dgm:cxn modelId="{790AC26C-D7B2-4219-B457-659C3D613768}" srcId="{95896E60-28F8-4058-A351-6E5779FE9EF7}" destId="{4589897E-FC78-4817-B241-6C3FE27BE24D}" srcOrd="2" destOrd="0" parTransId="{A63DF015-3E49-4F29-B9AF-3A65B07460F2}" sibTransId="{8047B2CF-9C7F-49D0-A4CD-A523A9121A3B}"/>
     <dgm:cxn modelId="{461528AC-97B0-40E2-ABAA-1CC05D80541A}" srcId="{95896E60-28F8-4058-A351-6E5779FE9EF7}" destId="{9B149A5C-AB06-4B4F-A6A1-B30CB97D8EC8}" srcOrd="1" destOrd="0" parTransId="{D9FD6005-B657-4959-ACEF-AF78E567F3C6}" sibTransId="{5C14037D-7070-413B-B68B-501AD6EC5500}"/>
     <dgm:cxn modelId="{569B4AD5-C974-49B9-8EA6-0FC05BA5411B}" type="presOf" srcId="{95896E60-28F8-4058-A351-6E5779FE9EF7}" destId="{17D97C03-9EA0-4E60-BCBB-AC3B37278518}" srcOrd="0" destOrd="0" presId="urn:microsoft.com/office/officeart/2005/8/layout/pyramid2"/>
-    <dgm:cxn modelId="{5F137E4A-A113-4ECF-9E90-512D05F66640}" type="presOf" srcId="{4589897E-FC78-4817-B241-6C3FE27BE24D}" destId="{7C2765B8-6B5C-413B-B08B-98E163D276C3}" srcOrd="0" destOrd="0" presId="urn:microsoft.com/office/officeart/2005/8/layout/pyramid2"/>
+    <dgm:cxn modelId="{C761FEEA-8735-488A-9AF5-26B0A5E96334}" srcId="{95896E60-28F8-4058-A351-6E5779FE9EF7}" destId="{B45E8DA1-A97D-4820-8D1B-E5878DE22B74}" srcOrd="0" destOrd="0" parTransId="{970E9AF9-8A99-4350-990B-B8DF9E9D8DD2}" sibTransId="{3CA4266F-CB0D-4663-B23F-6E619675A9E1}"/>
     <dgm:cxn modelId="{4B0F69F1-CE9A-4A08-94B1-FDFF3211AFC8}" type="presOf" srcId="{9B149A5C-AB06-4B4F-A6A1-B30CB97D8EC8}" destId="{9AF756E9-0795-43E1-BF2F-8032EC9FEFA5}" srcOrd="0" destOrd="0" presId="urn:microsoft.com/office/officeart/2005/8/layout/pyramid2"/>
+    <dgm:cxn modelId="{D58479F2-619C-4DA3-8CA2-3922A51599DC}" type="presOf" srcId="{B45E8DA1-A97D-4820-8D1B-E5878DE22B74}" destId="{0C6EB310-ACEB-4246-98AF-06ABBB64F767}" srcOrd="0" destOrd="0" presId="urn:microsoft.com/office/officeart/2005/8/layout/pyramid2"/>
     <dgm:cxn modelId="{B607EC13-1083-43AB-A693-51DD77B41547}" type="presParOf" srcId="{17D97C03-9EA0-4E60-BCBB-AC3B37278518}" destId="{CA0FB76F-2ED5-4D2E-8232-E4023ED9DC9D}" srcOrd="0" destOrd="0" presId="urn:microsoft.com/office/officeart/2005/8/layout/pyramid2"/>
     <dgm:cxn modelId="{03459366-FD62-48D5-B400-411B1E057CC6}" type="presParOf" srcId="{17D97C03-9EA0-4E60-BCBB-AC3B37278518}" destId="{A61E1AE6-9F35-48FF-A360-EC65E44A1ADF}" srcOrd="1" destOrd="0" presId="urn:microsoft.com/office/officeart/2005/8/layout/pyramid2"/>
     <dgm:cxn modelId="{328D7887-E00C-4AFD-B080-7AEA2EFC8807}" type="presParOf" srcId="{A61E1AE6-9F35-48FF-A360-EC65E44A1ADF}" destId="{0C6EB310-ACEB-4246-98AF-06ABBB64F767}" srcOrd="0" destOrd="0" presId="urn:microsoft.com/office/officeart/2005/8/layout/pyramid2"/>
@@ -7772,10 +7546,9 @@
         <a:p>
           <a:pPr rtl="0"/>
           <a:r>
-            <a:rPr lang="en-US" smtClean="0"/>
+            <a:rPr lang="en-US"/>
             <a:t>Availability</a:t>
           </a:r>
-          <a:endParaRPr lang="en-US"/>
         </a:p>
       </dgm:t>
     </dgm:pt>
@@ -7816,10 +7589,9 @@
         <a:p>
           <a:pPr rtl="0"/>
           <a:r>
-            <a:rPr lang="en-US" smtClean="0"/>
+            <a:rPr lang="en-US"/>
             <a:t>Forwards to a healthy instance of a service</a:t>
           </a:r>
-          <a:endParaRPr lang="en-US"/>
         </a:p>
       </dgm:t>
     </dgm:pt>
@@ -7858,10 +7630,9 @@
         <a:p>
           <a:pPr rtl="0"/>
           <a:r>
-            <a:rPr lang="en-US" smtClean="0"/>
+            <a:rPr lang="en-US"/>
             <a:t>Extensibility</a:t>
           </a:r>
-          <a:endParaRPr lang="en-US"/>
         </a:p>
       </dgm:t>
     </dgm:pt>
@@ -7902,10 +7673,9 @@
         <a:p>
           <a:pPr rtl="0"/>
           <a:r>
-            <a:rPr lang="en-US" smtClean="0"/>
+            <a:rPr lang="en-US"/>
             <a:t>Acts as a façade across multiple services</a:t>
           </a:r>
-          <a:endParaRPr lang="en-US"/>
         </a:p>
       </dgm:t>
     </dgm:pt>
@@ -7944,10 +7714,9 @@
         <a:p>
           <a:pPr rtl="0"/>
           <a:r>
-            <a:rPr lang="en-US" smtClean="0"/>
+            <a:rPr lang="en-US"/>
             <a:t>Maintainability</a:t>
           </a:r>
-          <a:endParaRPr lang="en-US"/>
         </a:p>
       </dgm:t>
     </dgm:pt>
@@ -7988,10 +7757,9 @@
         <a:p>
           <a:pPr rtl="0"/>
           <a:r>
-            <a:rPr lang="en-US" dirty="0" smtClean="0"/>
+            <a:rPr lang="en-US" dirty="0"/>
             <a:t>Forwards to a new instance of a service</a:t>
           </a:r>
-          <a:endParaRPr lang="en-US" dirty="0"/>
         </a:p>
       </dgm:t>
     </dgm:pt>
@@ -8030,10 +7798,9 @@
         <a:p>
           <a:pPr rtl="0"/>
           <a:r>
-            <a:rPr lang="en-US" smtClean="0"/>
+            <a:rPr lang="en-US"/>
             <a:t>Scalability</a:t>
           </a:r>
-          <a:endParaRPr lang="en-US"/>
         </a:p>
       </dgm:t>
     </dgm:pt>
@@ -8074,10 +7841,9 @@
         <a:p>
           <a:pPr rtl="0"/>
           <a:r>
-            <a:rPr lang="en-US" dirty="0" smtClean="0"/>
+            <a:rPr lang="en-US" dirty="0"/>
             <a:t>Forwards to an idle instance of a service</a:t>
           </a:r>
-          <a:endParaRPr lang="en-US" dirty="0"/>
         </a:p>
       </dgm:t>
     </dgm:pt>
@@ -8211,23 +7977,23 @@
     </dgm:pt>
   </dgm:ptLst>
   <dgm:cxnLst>
-    <dgm:cxn modelId="{D2FEDBBA-6834-4F30-9646-55623FFDF76B}" srcId="{3ACC3B6D-BEE5-454C-B570-19511F9C9EB4}" destId="{0A37445E-F9C5-4B4F-B0E8-7E13A0EE91AF}" srcOrd="2" destOrd="0" parTransId="{5832096E-9B58-467C-A5D0-EB1E5421D429}" sibTransId="{BC54F827-9C43-429C-BD4E-3268871802EA}"/>
-    <dgm:cxn modelId="{2656ED8C-A3CE-43FB-8B62-274AF15289A5}" srcId="{3ACC3B6D-BEE5-454C-B570-19511F9C9EB4}" destId="{DAC9D637-AAEA-4B43-826B-DFC3EF5FD2CF}" srcOrd="1" destOrd="0" parTransId="{A54BC06C-7598-4B88-9E61-67E7456F2A0E}" sibTransId="{98E845F1-90AF-4F59-A9D3-D1C60579DED2}"/>
-    <dgm:cxn modelId="{B0BC2EBB-4F4E-41A8-BDEB-F401696E4704}" type="presOf" srcId="{9B71D15D-9120-405E-8BB6-142B5EFDF388}" destId="{FDD677EF-0E3C-49F8-8598-022637CE81F4}" srcOrd="0" destOrd="0" presId="urn:microsoft.com/office/officeart/2005/8/layout/vList5"/>
-    <dgm:cxn modelId="{3B47EDBA-0675-4CB6-97C8-7E12A074BD89}" srcId="{DAC9D637-AAEA-4B43-826B-DFC3EF5FD2CF}" destId="{0576A9F0-9F99-4393-8BD8-4A969A9CDFC5}" srcOrd="0" destOrd="0" parTransId="{DE3AAFAC-B9B0-4CDC-B297-FE6658F8FEA7}" sibTransId="{8A164DAB-2A1E-4223-BE6E-83AEE7923AFC}"/>
+    <dgm:cxn modelId="{0B6CC307-4957-4AD6-9C7E-51BC8C42F260}" type="presOf" srcId="{DAC9D637-AAEA-4B43-826B-DFC3EF5FD2CF}" destId="{E65536A4-0338-480C-A6DC-38C8E8A18E2C}" srcOrd="0" destOrd="0" presId="urn:microsoft.com/office/officeart/2005/8/layout/vList5"/>
     <dgm:cxn modelId="{ADE9A916-4814-437A-A6BC-7D43B13E4751}" type="presOf" srcId="{3C89EA1A-7F2F-40F2-8C10-90D9D6B92B42}" destId="{ACBDE42E-10A9-47B2-BA21-E3D2C383B210}" srcOrd="0" destOrd="0" presId="urn:microsoft.com/office/officeart/2005/8/layout/vList5"/>
-    <dgm:cxn modelId="{890136B2-556A-482F-BA31-7293D916F823}" srcId="{0A37445E-F9C5-4B4F-B0E8-7E13A0EE91AF}" destId="{8910D42F-F9DB-42CB-9D77-0A316D090474}" srcOrd="0" destOrd="0" parTransId="{0AA12F38-9E42-4374-B883-02C8279869B3}" sibTransId="{A3525230-AE8D-4190-AFF5-16CAF69D4747}"/>
+    <dgm:cxn modelId="{3F2B7518-E531-4B86-BB60-2DD6FEDC6F88}" srcId="{9B71D15D-9120-405E-8BB6-142B5EFDF388}" destId="{68DA7DE8-65D1-4EA1-8C0E-8AB73DAFE5BC}" srcOrd="0" destOrd="0" parTransId="{394DF358-18DB-48E3-8122-6CC8240D7362}" sibTransId="{326A0D99-985F-41B6-AD41-27EBCFC69919}"/>
     <dgm:cxn modelId="{A6CB5034-8D3F-449C-BE1A-73CC3416C26A}" type="presOf" srcId="{8910D42F-F9DB-42CB-9D77-0A316D090474}" destId="{643B856E-BACF-4651-98E3-FCD034DCEA0D}" srcOrd="0" destOrd="0" presId="urn:microsoft.com/office/officeart/2005/8/layout/vList5"/>
+    <dgm:cxn modelId="{B9B6F450-474B-45AF-B79C-DA06B80AA13A}" type="presOf" srcId="{3ACC3B6D-BEE5-454C-B570-19511F9C9EB4}" destId="{642FB630-E2D8-4876-AF42-3505B4A6CD4A}" srcOrd="0" destOrd="0" presId="urn:microsoft.com/office/officeart/2005/8/layout/vList5"/>
     <dgm:cxn modelId="{D2E47478-F8BF-41D9-875A-165E1199655E}" srcId="{3ACC3B6D-BEE5-454C-B570-19511F9C9EB4}" destId="{3C89EA1A-7F2F-40F2-8C10-90D9D6B92B42}" srcOrd="3" destOrd="0" parTransId="{45FABF67-B4A6-4796-AD16-1B8C64EAF785}" sibTransId="{ED57698D-408A-4A6D-B6AF-0715D7BB766D}"/>
     <dgm:cxn modelId="{ADB8B55A-8FBB-40F2-AC95-819CE7389ABD}" type="presOf" srcId="{68DA7DE8-65D1-4EA1-8C0E-8AB73DAFE5BC}" destId="{DCD01BC6-903A-4C8F-859F-02135485E15A}" srcOrd="0" destOrd="0" presId="urn:microsoft.com/office/officeart/2005/8/layout/vList5"/>
-    <dgm:cxn modelId="{B9B6F450-474B-45AF-B79C-DA06B80AA13A}" type="presOf" srcId="{3ACC3B6D-BEE5-454C-B570-19511F9C9EB4}" destId="{642FB630-E2D8-4876-AF42-3505B4A6CD4A}" srcOrd="0" destOrd="0" presId="urn:microsoft.com/office/officeart/2005/8/layout/vList5"/>
+    <dgm:cxn modelId="{2656ED8C-A3CE-43FB-8B62-274AF15289A5}" srcId="{3ACC3B6D-BEE5-454C-B570-19511F9C9EB4}" destId="{DAC9D637-AAEA-4B43-826B-DFC3EF5FD2CF}" srcOrd="1" destOrd="0" parTransId="{A54BC06C-7598-4B88-9E61-67E7456F2A0E}" sibTransId="{98E845F1-90AF-4F59-A9D3-D1C60579DED2}"/>
+    <dgm:cxn modelId="{42FEC596-5F5A-4A12-BBB4-37F958A9D659}" srcId="{3ACC3B6D-BEE5-454C-B570-19511F9C9EB4}" destId="{9B71D15D-9120-405E-8BB6-142B5EFDF388}" srcOrd="0" destOrd="0" parTransId="{956A2200-6C66-49B7-A956-3CBFF667A968}" sibTransId="{FE1C427A-4536-4CAE-A4A9-7F7A98E95EE0}"/>
+    <dgm:cxn modelId="{CF8AC197-703F-49F2-9FD2-4D24DD589C97}" type="presOf" srcId="{0A37445E-F9C5-4B4F-B0E8-7E13A0EE91AF}" destId="{20FD0957-D800-4D6C-A0AE-FAECA012B13D}" srcOrd="0" destOrd="0" presId="urn:microsoft.com/office/officeart/2005/8/layout/vList5"/>
+    <dgm:cxn modelId="{890136B2-556A-482F-BA31-7293D916F823}" srcId="{0A37445E-F9C5-4B4F-B0E8-7E13A0EE91AF}" destId="{8910D42F-F9DB-42CB-9D77-0A316D090474}" srcOrd="0" destOrd="0" parTransId="{0AA12F38-9E42-4374-B883-02C8279869B3}" sibTransId="{A3525230-AE8D-4190-AFF5-16CAF69D4747}"/>
+    <dgm:cxn modelId="{D2FEDBBA-6834-4F30-9646-55623FFDF76B}" srcId="{3ACC3B6D-BEE5-454C-B570-19511F9C9EB4}" destId="{0A37445E-F9C5-4B4F-B0E8-7E13A0EE91AF}" srcOrd="2" destOrd="0" parTransId="{5832096E-9B58-467C-A5D0-EB1E5421D429}" sibTransId="{BC54F827-9C43-429C-BD4E-3268871802EA}"/>
+    <dgm:cxn modelId="{3B47EDBA-0675-4CB6-97C8-7E12A074BD89}" srcId="{DAC9D637-AAEA-4B43-826B-DFC3EF5FD2CF}" destId="{0576A9F0-9F99-4393-8BD8-4A969A9CDFC5}" srcOrd="0" destOrd="0" parTransId="{DE3AAFAC-B9B0-4CDC-B297-FE6658F8FEA7}" sibTransId="{8A164DAB-2A1E-4223-BE6E-83AEE7923AFC}"/>
+    <dgm:cxn modelId="{B0BC2EBB-4F4E-41A8-BDEB-F401696E4704}" type="presOf" srcId="{9B71D15D-9120-405E-8BB6-142B5EFDF388}" destId="{FDD677EF-0E3C-49F8-8598-022637CE81F4}" srcOrd="0" destOrd="0" presId="urn:microsoft.com/office/officeart/2005/8/layout/vList5"/>
+    <dgm:cxn modelId="{DCE951BD-F10F-4FFB-83D4-A84D5A713DDB}" srcId="{3C89EA1A-7F2F-40F2-8C10-90D9D6B92B42}" destId="{2DA62378-F3BF-4F13-969D-30987941077F}" srcOrd="0" destOrd="0" parTransId="{E2024B98-B9F7-4214-9885-27114A1910B1}" sibTransId="{F4513E63-5D0B-46A7-AB10-5308D5734945}"/>
     <dgm:cxn modelId="{C435D7DD-D479-478A-A7B7-288B8A490600}" type="presOf" srcId="{0576A9F0-9F99-4393-8BD8-4A969A9CDFC5}" destId="{52A791C3-87B7-4E1C-A8A9-A3A63AC72CD2}" srcOrd="0" destOrd="0" presId="urn:microsoft.com/office/officeart/2005/8/layout/vList5"/>
     <dgm:cxn modelId="{A69A47FA-0EDB-45AC-A32F-E4CD50A15562}" type="presOf" srcId="{2DA62378-F3BF-4F13-969D-30987941077F}" destId="{32DD4CDC-0DAC-40A5-937C-0F1882E8EC71}" srcOrd="0" destOrd="0" presId="urn:microsoft.com/office/officeart/2005/8/layout/vList5"/>
-    <dgm:cxn modelId="{3F2B7518-E531-4B86-BB60-2DD6FEDC6F88}" srcId="{9B71D15D-9120-405E-8BB6-142B5EFDF388}" destId="{68DA7DE8-65D1-4EA1-8C0E-8AB73DAFE5BC}" srcOrd="0" destOrd="0" parTransId="{394DF358-18DB-48E3-8122-6CC8240D7362}" sibTransId="{326A0D99-985F-41B6-AD41-27EBCFC69919}"/>
-    <dgm:cxn modelId="{42FEC596-5F5A-4A12-BBB4-37F958A9D659}" srcId="{3ACC3B6D-BEE5-454C-B570-19511F9C9EB4}" destId="{9B71D15D-9120-405E-8BB6-142B5EFDF388}" srcOrd="0" destOrd="0" parTransId="{956A2200-6C66-49B7-A956-3CBFF667A968}" sibTransId="{FE1C427A-4536-4CAE-A4A9-7F7A98E95EE0}"/>
-    <dgm:cxn modelId="{CF8AC197-703F-49F2-9FD2-4D24DD589C97}" type="presOf" srcId="{0A37445E-F9C5-4B4F-B0E8-7E13A0EE91AF}" destId="{20FD0957-D800-4D6C-A0AE-FAECA012B13D}" srcOrd="0" destOrd="0" presId="urn:microsoft.com/office/officeart/2005/8/layout/vList5"/>
-    <dgm:cxn modelId="{0B6CC307-4957-4AD6-9C7E-51BC8C42F260}" type="presOf" srcId="{DAC9D637-AAEA-4B43-826B-DFC3EF5FD2CF}" destId="{E65536A4-0338-480C-A6DC-38C8E8A18E2C}" srcOrd="0" destOrd="0" presId="urn:microsoft.com/office/officeart/2005/8/layout/vList5"/>
-    <dgm:cxn modelId="{DCE951BD-F10F-4FFB-83D4-A84D5A713DDB}" srcId="{3C89EA1A-7F2F-40F2-8C10-90D9D6B92B42}" destId="{2DA62378-F3BF-4F13-969D-30987941077F}" srcOrd="0" destOrd="0" parTransId="{E2024B98-B9F7-4214-9885-27114A1910B1}" sibTransId="{F4513E63-5D0B-46A7-AB10-5308D5734945}"/>
     <dgm:cxn modelId="{2709EED5-C2EE-4C56-B7AB-0F209DA8621A}" type="presParOf" srcId="{642FB630-E2D8-4876-AF42-3505B4A6CD4A}" destId="{1BF7304C-4E49-489B-8243-88E9D893BA99}" srcOrd="0" destOrd="0" presId="urn:microsoft.com/office/officeart/2005/8/layout/vList5"/>
     <dgm:cxn modelId="{A6309852-25EB-4AFF-86D3-B508F0FE509C}" type="presParOf" srcId="{1BF7304C-4E49-489B-8243-88E9D893BA99}" destId="{FDD677EF-0E3C-49F8-8598-022637CE81F4}" srcOrd="0" destOrd="0" presId="urn:microsoft.com/office/officeart/2005/8/layout/vList5"/>
     <dgm:cxn modelId="{F454C094-FE7F-45DD-8C9A-1B2A4E2B2233}" type="presParOf" srcId="{1BF7304C-4E49-489B-8243-88E9D893BA99}" destId="{DCD01BC6-903A-4C8F-859F-02135485E15A}" srcOrd="1" destOrd="0" presId="urn:microsoft.com/office/officeart/2005/8/layout/vList5"/>
@@ -8269,7 +8035,7 @@
       </dsp:nvSpPr>
       <dsp:spPr>
         <a:xfrm>
-          <a:off x="3263" y="739683"/>
+          <a:off x="3263" y="622484"/>
           <a:ext cx="2274614" cy="909845"/>
         </a:xfrm>
         <a:prstGeom prst="chevron">
@@ -8314,7 +8080,7 @@
         </a:bodyPr>
         <a:lstStyle/>
         <a:p>
-          <a:pPr lvl="0" algn="ctr" defTabSz="1022350">
+          <a:pPr marL="0" lvl="0" indent="0" algn="ctr" defTabSz="1022350">
             <a:lnSpc>
               <a:spcPct val="90000"/>
             </a:lnSpc>
@@ -8324,6 +8090,7 @@
             <a:spcAft>
               <a:spcPct val="35000"/>
             </a:spcAft>
+            <a:buNone/>
           </a:pPr>
           <a:r>
             <a:rPr lang="en-US" sz="2300" kern="1200" dirty="0"/>
@@ -8332,7 +8099,7 @@
         </a:p>
       </dsp:txBody>
       <dsp:txXfrm>
-        <a:off x="458186" y="739683"/>
+        <a:off x="458186" y="622484"/>
         <a:ext cx="1364769" cy="909845"/>
       </dsp:txXfrm>
     </dsp:sp>
@@ -8343,7 +8110,7 @@
       </dsp:nvSpPr>
       <dsp:spPr>
         <a:xfrm>
-          <a:off x="3263" y="1763259"/>
+          <a:off x="3263" y="1646061"/>
           <a:ext cx="1819691" cy="1848394"/>
         </a:xfrm>
         <a:prstGeom prst="rect">
@@ -8383,7 +8150,7 @@
             <a:spcAft>
               <a:spcPct val="15000"/>
             </a:spcAft>
-            <a:buChar char="••"/>
+            <a:buChar char="•"/>
           </a:pPr>
           <a:r>
             <a:rPr lang="en-US" sz="2300" kern="1200" dirty="0"/>
@@ -8392,7 +8159,7 @@
         </a:p>
       </dsp:txBody>
       <dsp:txXfrm>
-        <a:off x="3263" y="1763259"/>
+        <a:off x="3263" y="1646061"/>
         <a:ext cx="1819691" cy="1848394"/>
       </dsp:txXfrm>
     </dsp:sp>
@@ -8403,7 +8170,7 @@
       </dsp:nvSpPr>
       <dsp:spPr>
         <a:xfrm>
-          <a:off x="2061878" y="739683"/>
+          <a:off x="2061878" y="622484"/>
           <a:ext cx="2274614" cy="909845"/>
         </a:xfrm>
         <a:prstGeom prst="chevron">
@@ -8448,7 +8215,7 @@
         </a:bodyPr>
         <a:lstStyle/>
         <a:p>
-          <a:pPr lvl="0" algn="ctr" defTabSz="1022350">
+          <a:pPr marL="0" lvl="0" indent="0" algn="ctr" defTabSz="1022350">
             <a:lnSpc>
               <a:spcPct val="90000"/>
             </a:lnSpc>
@@ -8458,6 +8225,7 @@
             <a:spcAft>
               <a:spcPct val="35000"/>
             </a:spcAft>
+            <a:buNone/>
           </a:pPr>
           <a:r>
             <a:rPr lang="en-US" sz="2300" kern="1200"/>
@@ -8466,7 +8234,7 @@
         </a:p>
       </dsp:txBody>
       <dsp:txXfrm>
-        <a:off x="2516801" y="739683"/>
+        <a:off x="2516801" y="622484"/>
         <a:ext cx="1364769" cy="909845"/>
       </dsp:txXfrm>
     </dsp:sp>
@@ -8477,7 +8245,7 @@
       </dsp:nvSpPr>
       <dsp:spPr>
         <a:xfrm>
-          <a:off x="2061878" y="1763259"/>
+          <a:off x="2061878" y="1646061"/>
           <a:ext cx="1819691" cy="1848394"/>
         </a:xfrm>
         <a:prstGeom prst="rect">
@@ -8517,7 +8285,7 @@
             <a:spcAft>
               <a:spcPct val="15000"/>
             </a:spcAft>
-            <a:buChar char="••"/>
+            <a:buChar char="•"/>
           </a:pPr>
           <a:r>
             <a:rPr lang="en-US" sz="2300" kern="1200" dirty="0"/>
@@ -8535,7 +8303,7 @@
             <a:spcAft>
               <a:spcPct val="15000"/>
             </a:spcAft>
-            <a:buChar char="••"/>
+            <a:buChar char="•"/>
           </a:pPr>
           <a:r>
             <a:rPr lang="en-US" sz="2300" kern="1200" dirty="0"/>
@@ -8553,7 +8321,7 @@
             <a:spcAft>
               <a:spcPct val="15000"/>
             </a:spcAft>
-            <a:buChar char="••"/>
+            <a:buChar char="•"/>
           </a:pPr>
           <a:r>
             <a:rPr lang="en-US" sz="2300" kern="1200"/>
@@ -8562,7 +8330,7 @@
         </a:p>
       </dsp:txBody>
       <dsp:txXfrm>
-        <a:off x="2061878" y="1763259"/>
+        <a:off x="2061878" y="1646061"/>
         <a:ext cx="1819691" cy="1848394"/>
       </dsp:txXfrm>
     </dsp:sp>
@@ -8573,7 +8341,7 @@
       </dsp:nvSpPr>
       <dsp:spPr>
         <a:xfrm>
-          <a:off x="4120492" y="739683"/>
+          <a:off x="4120492" y="622484"/>
           <a:ext cx="2274614" cy="909845"/>
         </a:xfrm>
         <a:prstGeom prst="chevron">
@@ -8618,7 +8386,7 @@
         </a:bodyPr>
         <a:lstStyle/>
         <a:p>
-          <a:pPr lvl="0" algn="ctr" defTabSz="1022350">
+          <a:pPr marL="0" lvl="0" indent="0" algn="ctr" defTabSz="1022350">
             <a:lnSpc>
               <a:spcPct val="90000"/>
             </a:lnSpc>
@@ -8628,6 +8396,7 @@
             <a:spcAft>
               <a:spcPct val="35000"/>
             </a:spcAft>
+            <a:buNone/>
           </a:pPr>
           <a:r>
             <a:rPr lang="en-US" sz="2300" kern="1200"/>
@@ -8636,7 +8405,7 @@
         </a:p>
       </dsp:txBody>
       <dsp:txXfrm>
-        <a:off x="4575415" y="739683"/>
+        <a:off x="4575415" y="622484"/>
         <a:ext cx="1364769" cy="909845"/>
       </dsp:txXfrm>
     </dsp:sp>
@@ -8647,7 +8416,7 @@
       </dsp:nvSpPr>
       <dsp:spPr>
         <a:xfrm>
-          <a:off x="4120492" y="1763259"/>
+          <a:off x="4120492" y="1646061"/>
           <a:ext cx="1819691" cy="1848394"/>
         </a:xfrm>
         <a:prstGeom prst="rect">
@@ -8687,7 +8456,7 @@
             <a:spcAft>
               <a:spcPct val="15000"/>
             </a:spcAft>
-            <a:buChar char="••"/>
+            <a:buChar char="•"/>
           </a:pPr>
           <a:r>
             <a:rPr lang="en-US" sz="2300" kern="1200"/>
@@ -8705,7 +8474,7 @@
             <a:spcAft>
               <a:spcPct val="15000"/>
             </a:spcAft>
-            <a:buChar char="••"/>
+            <a:buChar char="•"/>
           </a:pPr>
           <a:r>
             <a:rPr lang="en-US" sz="2300" kern="1200"/>
@@ -8723,7 +8492,7 @@
             <a:spcAft>
               <a:spcPct val="15000"/>
             </a:spcAft>
-            <a:buChar char="••"/>
+            <a:buChar char="•"/>
           </a:pPr>
           <a:r>
             <a:rPr lang="en-US" sz="2300" kern="1200"/>
@@ -8741,7 +8510,7 @@
             <a:spcAft>
               <a:spcPct val="15000"/>
             </a:spcAft>
-            <a:buChar char="••"/>
+            <a:buChar char="•"/>
           </a:pPr>
           <a:r>
             <a:rPr lang="en-US" sz="2300" kern="1200" dirty="0"/>
@@ -8759,7 +8528,7 @@
             <a:spcAft>
               <a:spcPct val="15000"/>
             </a:spcAft>
-            <a:buChar char="••"/>
+            <a:buChar char="•"/>
           </a:pPr>
           <a:r>
             <a:rPr lang="en-US" sz="2300" kern="1200"/>
@@ -8768,7 +8537,7 @@
         </a:p>
       </dsp:txBody>
       <dsp:txXfrm>
-        <a:off x="4120492" y="1763259"/>
+        <a:off x="4120492" y="1646061"/>
         <a:ext cx="1819691" cy="1848394"/>
       </dsp:txXfrm>
     </dsp:sp>
@@ -8779,7 +8548,7 @@
       </dsp:nvSpPr>
       <dsp:spPr>
         <a:xfrm>
-          <a:off x="6179107" y="739683"/>
+          <a:off x="6179107" y="622484"/>
           <a:ext cx="2274614" cy="909845"/>
         </a:xfrm>
         <a:prstGeom prst="chevron">
@@ -8824,7 +8593,7 @@
         </a:bodyPr>
         <a:lstStyle/>
         <a:p>
-          <a:pPr lvl="0" algn="ctr" defTabSz="1022350">
+          <a:pPr marL="0" lvl="0" indent="0" algn="ctr" defTabSz="1022350">
             <a:lnSpc>
               <a:spcPct val="90000"/>
             </a:lnSpc>
@@ -8834,6 +8603,7 @@
             <a:spcAft>
               <a:spcPct val="35000"/>
             </a:spcAft>
+            <a:buNone/>
           </a:pPr>
           <a:r>
             <a:rPr lang="en-US" sz="2300" kern="1200"/>
@@ -8842,7 +8612,7 @@
         </a:p>
       </dsp:txBody>
       <dsp:txXfrm>
-        <a:off x="6634030" y="739683"/>
+        <a:off x="6634030" y="622484"/>
         <a:ext cx="1364769" cy="909845"/>
       </dsp:txXfrm>
     </dsp:sp>
@@ -8853,7 +8623,7 @@
       </dsp:nvSpPr>
       <dsp:spPr>
         <a:xfrm>
-          <a:off x="6179107" y="1763259"/>
+          <a:off x="6179107" y="1646061"/>
           <a:ext cx="1819691" cy="1848394"/>
         </a:xfrm>
         <a:prstGeom prst="rect">
@@ -8893,7 +8663,7 @@
             <a:spcAft>
               <a:spcPct val="15000"/>
             </a:spcAft>
-            <a:buChar char="••"/>
+            <a:buChar char="•"/>
           </a:pPr>
           <a:r>
             <a:rPr lang="en-US" sz="2300" kern="1200"/>
@@ -8911,7 +8681,7 @@
             <a:spcAft>
               <a:spcPct val="15000"/>
             </a:spcAft>
-            <a:buChar char="••"/>
+            <a:buChar char="•"/>
           </a:pPr>
           <a:r>
             <a:rPr lang="en-US" sz="2300" kern="1200"/>
@@ -8929,7 +8699,7 @@
             <a:spcAft>
               <a:spcPct val="15000"/>
             </a:spcAft>
-            <a:buChar char="••"/>
+            <a:buChar char="•"/>
           </a:pPr>
           <a:r>
             <a:rPr lang="en-US" sz="2300" kern="1200" dirty="0"/>
@@ -8947,7 +8717,7 @@
             <a:spcAft>
               <a:spcPct val="15000"/>
             </a:spcAft>
-            <a:buChar char="••"/>
+            <a:buChar char="•"/>
           </a:pPr>
           <a:r>
             <a:rPr lang="en-US" sz="2300" kern="1200"/>
@@ -8956,7 +8726,7 @@
         </a:p>
       </dsp:txBody>
       <dsp:txXfrm>
-        <a:off x="6179107" y="1763259"/>
+        <a:off x="6179107" y="1646061"/>
         <a:ext cx="1819691" cy="1848394"/>
       </dsp:txXfrm>
     </dsp:sp>
@@ -8967,7 +8737,7 @@
       </dsp:nvSpPr>
       <dsp:spPr>
         <a:xfrm>
-          <a:off x="8237721" y="739683"/>
+          <a:off x="8237721" y="622484"/>
           <a:ext cx="2274614" cy="909845"/>
         </a:xfrm>
         <a:prstGeom prst="chevron">
@@ -9010,7 +8780,7 @@
         </a:bodyPr>
         <a:lstStyle/>
         <a:p>
-          <a:pPr lvl="0" algn="ctr" defTabSz="1022350">
+          <a:pPr marL="0" lvl="0" indent="0" algn="ctr" defTabSz="1022350">
             <a:lnSpc>
               <a:spcPct val="90000"/>
             </a:lnSpc>
@@ -9020,6 +8790,7 @@
             <a:spcAft>
               <a:spcPct val="35000"/>
             </a:spcAft>
+            <a:buNone/>
           </a:pPr>
           <a:r>
             <a:rPr lang="en-US" sz="2300" kern="1200" dirty="0"/>
@@ -9028,7 +8799,7 @@
         </a:p>
       </dsp:txBody>
       <dsp:txXfrm>
-        <a:off x="8692644" y="739683"/>
+        <a:off x="8692644" y="622484"/>
         <a:ext cx="1364769" cy="909845"/>
       </dsp:txXfrm>
     </dsp:sp>
@@ -9039,7 +8810,7 @@
       </dsp:nvSpPr>
       <dsp:spPr>
         <a:xfrm>
-          <a:off x="8237721" y="1763259"/>
+          <a:off x="8237721" y="1646061"/>
           <a:ext cx="1819691" cy="1848394"/>
         </a:xfrm>
         <a:prstGeom prst="rect">
@@ -9079,7 +8850,7 @@
             <a:spcAft>
               <a:spcPct val="15000"/>
             </a:spcAft>
-            <a:buChar char="••"/>
+            <a:buChar char="•"/>
           </a:pPr>
           <a:r>
             <a:rPr lang="en-US" sz="2300" kern="1200"/>
@@ -9097,7 +8868,7 @@
             <a:spcAft>
               <a:spcPct val="15000"/>
             </a:spcAft>
-            <a:buChar char="••"/>
+            <a:buChar char="•"/>
           </a:pPr>
           <a:r>
             <a:rPr lang="en-US" sz="2300" kern="1200"/>
@@ -9115,7 +8886,7 @@
             <a:spcAft>
               <a:spcPct val="15000"/>
             </a:spcAft>
-            <a:buChar char="••"/>
+            <a:buChar char="•"/>
           </a:pPr>
           <a:r>
             <a:rPr lang="en-US" sz="2300" kern="1200"/>
@@ -9133,7 +8904,7 @@
             <a:spcAft>
               <a:spcPct val="15000"/>
             </a:spcAft>
-            <a:buChar char="••"/>
+            <a:buChar char="•"/>
           </a:pPr>
           <a:r>
             <a:rPr lang="en-US" sz="2300" kern="1200"/>
@@ -9142,7 +8913,7 @@
         </a:p>
       </dsp:txBody>
       <dsp:txXfrm>
-        <a:off x="8237721" y="1763259"/>
+        <a:off x="8237721" y="1646061"/>
         <a:ext cx="1819691" cy="1848394"/>
       </dsp:txXfrm>
     </dsp:sp>
@@ -9210,7 +8981,7 @@
         </a:bodyPr>
         <a:lstStyle/>
         <a:p>
-          <a:pPr lvl="0" algn="ctr" defTabSz="1244600">
+          <a:pPr marL="0" lvl="0" indent="0" algn="ctr" defTabSz="1244600">
             <a:lnSpc>
               <a:spcPct val="90000"/>
             </a:lnSpc>
@@ -9220,6 +8991,7 @@
             <a:spcAft>
               <a:spcPct val="35000"/>
             </a:spcAft>
+            <a:buNone/>
           </a:pPr>
           <a:r>
             <a:rPr lang="en-US" sz="2800" kern="1200" dirty="0"/>
@@ -9286,7 +9058,7 @@
             <a:spcAft>
               <a:spcPct val="15000"/>
             </a:spcAft>
-            <a:buChar char="••"/>
+            <a:buChar char="•"/>
           </a:pPr>
           <a:r>
             <a:rPr lang="en-US" sz="2800" kern="1200" dirty="0"/>
@@ -9351,7 +9123,7 @@
         </a:bodyPr>
         <a:lstStyle/>
         <a:p>
-          <a:pPr lvl="0" algn="ctr" defTabSz="1244600">
+          <a:pPr marL="0" lvl="0" indent="0" algn="ctr" defTabSz="1244600">
             <a:lnSpc>
               <a:spcPct val="90000"/>
             </a:lnSpc>
@@ -9361,6 +9133,7 @@
             <a:spcAft>
               <a:spcPct val="35000"/>
             </a:spcAft>
+            <a:buNone/>
           </a:pPr>
           <a:r>
             <a:rPr lang="en-US" sz="2800" kern="1200" dirty="0"/>
@@ -9427,7 +9200,7 @@
             <a:spcAft>
               <a:spcPct val="15000"/>
             </a:spcAft>
-            <a:buChar char="••"/>
+            <a:buChar char="•"/>
           </a:pPr>
           <a:r>
             <a:rPr lang="en-US" sz="2800" kern="1200" dirty="0"/>
@@ -9490,7 +9263,7 @@
         </a:bodyPr>
         <a:lstStyle/>
         <a:p>
-          <a:pPr lvl="0" algn="ctr" defTabSz="1244600">
+          <a:pPr marL="0" lvl="0" indent="0" algn="ctr" defTabSz="1244600">
             <a:lnSpc>
               <a:spcPct val="90000"/>
             </a:lnSpc>
@@ -9500,6 +9273,7 @@
             <a:spcAft>
               <a:spcPct val="35000"/>
             </a:spcAft>
+            <a:buNone/>
           </a:pPr>
           <a:r>
             <a:rPr lang="en-US" sz="2800" kern="1200" dirty="0"/>
@@ -9566,7 +9340,7 @@
             <a:spcAft>
               <a:spcPct val="15000"/>
             </a:spcAft>
-            <a:buChar char="••"/>
+            <a:buChar char="•"/>
           </a:pPr>
           <a:r>
             <a:rPr lang="en-US" sz="2800" kern="1200" dirty="0"/>
@@ -9641,7 +9415,7 @@
         </a:bodyPr>
         <a:lstStyle/>
         <a:p>
-          <a:pPr lvl="0" algn="ctr" defTabSz="1066800">
+          <a:pPr marL="0" lvl="0" indent="0" algn="ctr" defTabSz="1066800">
             <a:lnSpc>
               <a:spcPct val="90000"/>
             </a:lnSpc>
@@ -9651,6 +9425,7 @@
             <a:spcAft>
               <a:spcPct val="35000"/>
             </a:spcAft>
+            <a:buNone/>
           </a:pPr>
           <a:r>
             <a:rPr lang="en-US" sz="2400" kern="1200" dirty="0"/>
@@ -9725,7 +9500,7 @@
             <a:spcAft>
               <a:spcPct val="15000"/>
             </a:spcAft>
-            <a:buChar char="••"/>
+            <a:buChar char="•"/>
           </a:pPr>
           <a:r>
             <a:rPr lang="en-US" sz="2400" kern="1200"/>
@@ -9743,7 +9518,7 @@
             <a:spcAft>
               <a:spcPct val="15000"/>
             </a:spcAft>
-            <a:buChar char="••"/>
+            <a:buChar char="•"/>
           </a:pPr>
           <a:r>
             <a:rPr lang="en-US" sz="2400" kern="1200"/>
@@ -9761,7 +9536,7 @@
             <a:spcAft>
               <a:spcPct val="15000"/>
             </a:spcAft>
-            <a:buChar char="••"/>
+            <a:buChar char="•"/>
           </a:pPr>
           <a:r>
             <a:rPr lang="en-US" sz="2400" kern="1200"/>
@@ -9779,7 +9554,7 @@
             <a:spcAft>
               <a:spcPct val="15000"/>
             </a:spcAft>
-            <a:buChar char="••"/>
+            <a:buChar char="•"/>
           </a:pPr>
           <a:r>
             <a:rPr lang="en-US" sz="2400" kern="1200"/>
@@ -9797,7 +9572,7 @@
             <a:spcAft>
               <a:spcPct val="15000"/>
             </a:spcAft>
-            <a:buChar char="••"/>
+            <a:buChar char="•"/>
           </a:pPr>
           <a:r>
             <a:rPr lang="en-US" sz="2400" kern="1200"/>
@@ -9860,7 +9635,7 @@
         </a:bodyPr>
         <a:lstStyle/>
         <a:p>
-          <a:pPr lvl="0" algn="ctr" defTabSz="1066800">
+          <a:pPr marL="0" lvl="0" indent="0" algn="ctr" defTabSz="1066800">
             <a:lnSpc>
               <a:spcPct val="90000"/>
             </a:lnSpc>
@@ -9870,6 +9645,7 @@
             <a:spcAft>
               <a:spcPct val="35000"/>
             </a:spcAft>
+            <a:buNone/>
           </a:pPr>
           <a:r>
             <a:rPr lang="en-US" sz="2400" kern="1200" dirty="0"/>
@@ -9944,7 +9720,7 @@
             <a:spcAft>
               <a:spcPct val="15000"/>
             </a:spcAft>
-            <a:buChar char="••"/>
+            <a:buChar char="•"/>
           </a:pPr>
           <a:r>
             <a:rPr lang="en-US" sz="2400" kern="1200"/>
@@ -9962,7 +9738,7 @@
             <a:spcAft>
               <a:spcPct val="15000"/>
             </a:spcAft>
-            <a:buChar char="••"/>
+            <a:buChar char="•"/>
           </a:pPr>
           <a:r>
             <a:rPr lang="en-US" sz="2400" kern="1200"/>
@@ -9980,7 +9756,7 @@
             <a:spcAft>
               <a:spcPct val="15000"/>
             </a:spcAft>
-            <a:buChar char="••"/>
+            <a:buChar char="•"/>
           </a:pPr>
           <a:r>
             <a:rPr lang="en-US" sz="2400" kern="1200"/>
@@ -9998,7 +9774,7 @@
             <a:spcAft>
               <a:spcPct val="15000"/>
             </a:spcAft>
-            <a:buChar char="••"/>
+            <a:buChar char="•"/>
           </a:pPr>
           <a:r>
             <a:rPr lang="en-US" sz="2400" kern="1200"/>
@@ -10016,7 +9792,7 @@
             <a:spcAft>
               <a:spcPct val="15000"/>
             </a:spcAft>
-            <a:buChar char="••"/>
+            <a:buChar char="•"/>
           </a:pPr>
           <a:r>
             <a:rPr lang="en-US" sz="2400" kern="1200"/>
@@ -10034,7 +9810,7 @@
             <a:spcAft>
               <a:spcPct val="15000"/>
             </a:spcAft>
-            <a:buChar char="••"/>
+            <a:buChar char="•"/>
           </a:pPr>
           <a:r>
             <a:rPr lang="en-US" sz="2400" kern="1200"/>
@@ -10052,7 +9828,7 @@
             <a:spcAft>
               <a:spcPct val="15000"/>
             </a:spcAft>
-            <a:buChar char="••"/>
+            <a:buChar char="•"/>
           </a:pPr>
           <a:r>
             <a:rPr lang="en-US" sz="2400" kern="1200"/>
@@ -10115,7 +9891,7 @@
         </a:bodyPr>
         <a:lstStyle/>
         <a:p>
-          <a:pPr lvl="0" algn="ctr" defTabSz="1066800">
+          <a:pPr marL="0" lvl="0" indent="0" algn="ctr" defTabSz="1066800">
             <a:lnSpc>
               <a:spcPct val="90000"/>
             </a:lnSpc>
@@ -10125,6 +9901,7 @@
             <a:spcAft>
               <a:spcPct val="35000"/>
             </a:spcAft>
+            <a:buNone/>
           </a:pPr>
           <a:r>
             <a:rPr lang="en-US" sz="2400" kern="1200" dirty="0"/>
@@ -10199,7 +9976,7 @@
             <a:spcAft>
               <a:spcPct val="15000"/>
             </a:spcAft>
-            <a:buChar char="••"/>
+            <a:buChar char="•"/>
           </a:pPr>
           <a:r>
             <a:rPr lang="en-US" sz="2400" kern="1200" dirty="0"/>
@@ -10217,7 +9994,7 @@
             <a:spcAft>
               <a:spcPct val="15000"/>
             </a:spcAft>
-            <a:buChar char="••"/>
+            <a:buChar char="•"/>
           </a:pPr>
           <a:r>
             <a:rPr lang="en-US" sz="2400" kern="1200" dirty="0"/>
@@ -10304,7 +10081,7 @@
             <a:spcAft>
               <a:spcPct val="15000"/>
             </a:spcAft>
-            <a:buChar char="••"/>
+            <a:buNone/>
           </a:pPr>
           <a:r>
             <a:rPr lang="en-US" sz="2000" i="1" kern="1200" dirty="0"/>
@@ -10330,7 +10107,7 @@
             <a:spcAft>
               <a:spcPct val="15000"/>
             </a:spcAft>
-            <a:buChar char="••"/>
+            <a:buNone/>
           </a:pPr>
           <a:r>
             <a:rPr lang="en-US" sz="2400" kern="1200" dirty="0">
@@ -10396,7 +10173,7 @@
         </a:bodyPr>
         <a:lstStyle/>
         <a:p>
-          <a:pPr lvl="0" algn="ctr" defTabSz="2266950">
+          <a:pPr marL="0" lvl="0" indent="0" algn="ctr" defTabSz="2266950">
             <a:lnSpc>
               <a:spcPct val="90000"/>
             </a:lnSpc>
@@ -10406,6 +10183,7 @@
             <a:spcAft>
               <a:spcPct val="35000"/>
             </a:spcAft>
+            <a:buNone/>
           </a:pPr>
           <a:r>
             <a:rPr lang="en-US" sz="5100" kern="1200" dirty="0"/>
@@ -10480,7 +10258,7 @@
             <a:spcAft>
               <a:spcPct val="15000"/>
             </a:spcAft>
-            <a:buChar char="••"/>
+            <a:buNone/>
           </a:pPr>
           <a:r>
             <a:rPr lang="en-US" sz="2400" kern="1200" dirty="0"/>
@@ -10543,7 +10321,7 @@
         </a:bodyPr>
         <a:lstStyle/>
         <a:p>
-          <a:pPr lvl="0" algn="ctr" defTabSz="2266950">
+          <a:pPr marL="0" lvl="0" indent="0" algn="ctr" defTabSz="2266950">
             <a:lnSpc>
               <a:spcPct val="90000"/>
             </a:lnSpc>
@@ -10553,6 +10331,7 @@
             <a:spcAft>
               <a:spcPct val="35000"/>
             </a:spcAft>
+            <a:buNone/>
           </a:pPr>
           <a:r>
             <a:rPr lang="en-US" sz="5100" kern="1200" dirty="0"/>
@@ -10671,7 +10450,7 @@
         </a:bodyPr>
         <a:lstStyle/>
         <a:p>
-          <a:pPr lvl="0" algn="ctr" defTabSz="933450">
+          <a:pPr marL="0" lvl="0" indent="0" algn="ctr" defTabSz="933450">
             <a:lnSpc>
               <a:spcPct val="90000"/>
             </a:lnSpc>
@@ -10681,6 +10460,7 @@
             <a:spcAft>
               <a:spcPct val="35000"/>
             </a:spcAft>
+            <a:buNone/>
           </a:pPr>
           <a:r>
             <a:rPr lang="en-US" sz="2100" kern="1200"/>
@@ -10742,7 +10522,7 @@
         </a:bodyPr>
         <a:lstStyle/>
         <a:p>
-          <a:pPr lvl="0" algn="ctr" defTabSz="933450">
+          <a:pPr marL="0" lvl="0" indent="0" algn="ctr" defTabSz="933450">
             <a:lnSpc>
               <a:spcPct val="90000"/>
             </a:lnSpc>
@@ -10752,9 +10532,10 @@
             <a:spcAft>
               <a:spcPct val="35000"/>
             </a:spcAft>
+            <a:buNone/>
           </a:pPr>
           <a:r>
-            <a:rPr lang="en-US" sz="2100" kern="1200"/>
+            <a:rPr lang="en-US" sz="2100" kern="1200" dirty="0"/>
             <a:t>A level of indirection in service architectures</a:t>
           </a:r>
         </a:p>
@@ -10813,7 +10594,7 @@
         </a:bodyPr>
         <a:lstStyle/>
         <a:p>
-          <a:pPr lvl="0" algn="ctr" defTabSz="933450">
+          <a:pPr marL="0" lvl="0" indent="0" algn="ctr" defTabSz="933450">
             <a:lnSpc>
               <a:spcPct val="90000"/>
             </a:lnSpc>
@@ -10823,10 +10604,21 @@
             <a:spcAft>
               <a:spcPct val="35000"/>
             </a:spcAft>
+            <a:buNone/>
           </a:pPr>
           <a:r>
             <a:rPr lang="en-US" sz="2100" kern="1200" dirty="0"/>
-            <a:t>A way the FTSE appears service architectures</a:t>
+            <a:t>A way the </a:t>
+          </a:r>
+          <a:r>
+            <a:rPr lang="en-US" sz="2100" kern="1200" dirty="0">
+              <a:hlinkClick xmlns:r="http://schemas.openxmlformats.org/officeDocument/2006/relationships" r:id="rId1" tooltip="https://en.wikipedia.org/wiki/Fundamental_theorem_of_software_engineering"/>
+            </a:rPr>
+            <a:t>FTSE</a:t>
+          </a:r>
+          <a:r>
+            <a:rPr lang="en-US" sz="2100" kern="1200" dirty="0"/>
+            <a:t> appears in service architectures</a:t>
           </a:r>
         </a:p>
       </dsp:txBody>
@@ -10909,13 +10701,12 @@
             <a:spcAft>
               <a:spcPct val="15000"/>
             </a:spcAft>
-            <a:buChar char="••"/>
+            <a:buChar char="•"/>
           </a:pPr>
           <a:r>
-            <a:rPr lang="en-US" sz="2800" kern="1200" smtClean="0"/>
+            <a:rPr lang="en-US" sz="2800" kern="1200"/>
             <a:t>Forwards to a healthy instance of a service</a:t>
           </a:r>
-          <a:endParaRPr lang="en-US" sz="2800" kern="1200"/>
         </a:p>
       </dsp:txBody>
       <dsp:txXfrm rot="-5400000">
@@ -10973,7 +10764,7 @@
         </a:bodyPr>
         <a:lstStyle/>
         <a:p>
-          <a:pPr lvl="0" algn="ctr" defTabSz="1778000" rtl="0">
+          <a:pPr marL="0" lvl="0" indent="0" algn="ctr" defTabSz="1778000" rtl="0">
             <a:lnSpc>
               <a:spcPct val="90000"/>
             </a:lnSpc>
@@ -10983,12 +10774,12 @@
             <a:spcAft>
               <a:spcPct val="35000"/>
             </a:spcAft>
+            <a:buNone/>
           </a:pPr>
           <a:r>
-            <a:rPr lang="en-US" sz="4000" kern="1200" smtClean="0"/>
+            <a:rPr lang="en-US" sz="4000" kern="1200"/>
             <a:t>Availability</a:t>
           </a:r>
-          <a:endParaRPr lang="en-US" sz="4000" kern="1200"/>
         </a:p>
       </dsp:txBody>
       <dsp:txXfrm>
@@ -11058,13 +10849,12 @@
             <a:spcAft>
               <a:spcPct val="15000"/>
             </a:spcAft>
-            <a:buChar char="••"/>
+            <a:buChar char="•"/>
           </a:pPr>
           <a:r>
-            <a:rPr lang="en-US" sz="2800" kern="1200" smtClean="0"/>
+            <a:rPr lang="en-US" sz="2800" kern="1200"/>
             <a:t>Acts as a façade across multiple services</a:t>
           </a:r>
-          <a:endParaRPr lang="en-US" sz="2800" kern="1200"/>
         </a:p>
       </dsp:txBody>
       <dsp:txXfrm rot="-5400000">
@@ -11122,7 +10912,7 @@
         </a:bodyPr>
         <a:lstStyle/>
         <a:p>
-          <a:pPr lvl="0" algn="ctr" defTabSz="1778000" rtl="0">
+          <a:pPr marL="0" lvl="0" indent="0" algn="ctr" defTabSz="1778000" rtl="0">
             <a:lnSpc>
               <a:spcPct val="90000"/>
             </a:lnSpc>
@@ -11132,12 +10922,12 @@
             <a:spcAft>
               <a:spcPct val="35000"/>
             </a:spcAft>
+            <a:buNone/>
           </a:pPr>
           <a:r>
-            <a:rPr lang="en-US" sz="4000" kern="1200" smtClean="0"/>
+            <a:rPr lang="en-US" sz="4000" kern="1200"/>
             <a:t>Extensibility</a:t>
           </a:r>
-          <a:endParaRPr lang="en-US" sz="4000" kern="1200"/>
         </a:p>
       </dsp:txBody>
       <dsp:txXfrm>
@@ -11207,13 +10997,12 @@
             <a:spcAft>
               <a:spcPct val="15000"/>
             </a:spcAft>
-            <a:buChar char="••"/>
+            <a:buChar char="•"/>
           </a:pPr>
           <a:r>
-            <a:rPr lang="en-US" sz="2800" kern="1200" dirty="0" smtClean="0"/>
+            <a:rPr lang="en-US" sz="2800" kern="1200" dirty="0"/>
             <a:t>Forwards to a new instance of a service</a:t>
           </a:r>
-          <a:endParaRPr lang="en-US" sz="2800" kern="1200" dirty="0"/>
         </a:p>
       </dsp:txBody>
       <dsp:txXfrm rot="-5400000">
@@ -11271,7 +11060,7 @@
         </a:bodyPr>
         <a:lstStyle/>
         <a:p>
-          <a:pPr lvl="0" algn="ctr" defTabSz="1778000" rtl="0">
+          <a:pPr marL="0" lvl="0" indent="0" algn="ctr" defTabSz="1778000" rtl="0">
             <a:lnSpc>
               <a:spcPct val="90000"/>
             </a:lnSpc>
@@ -11281,12 +11070,12 @@
             <a:spcAft>
               <a:spcPct val="35000"/>
             </a:spcAft>
+            <a:buNone/>
           </a:pPr>
           <a:r>
-            <a:rPr lang="en-US" sz="4000" kern="1200" smtClean="0"/>
+            <a:rPr lang="en-US" sz="4000" kern="1200"/>
             <a:t>Maintainability</a:t>
           </a:r>
-          <a:endParaRPr lang="en-US" sz="4000" kern="1200"/>
         </a:p>
       </dsp:txBody>
       <dsp:txXfrm>
@@ -11356,13 +11145,12 @@
             <a:spcAft>
               <a:spcPct val="15000"/>
             </a:spcAft>
-            <a:buChar char="••"/>
+            <a:buChar char="•"/>
           </a:pPr>
           <a:r>
-            <a:rPr lang="en-US" sz="2800" kern="1200" dirty="0" smtClean="0"/>
+            <a:rPr lang="en-US" sz="2800" kern="1200" dirty="0"/>
             <a:t>Forwards to an idle instance of a service</a:t>
           </a:r>
-          <a:endParaRPr lang="en-US" sz="2800" kern="1200" dirty="0"/>
         </a:p>
       </dsp:txBody>
       <dsp:txXfrm rot="-5400000">
@@ -11420,7 +11208,7 @@
         </a:bodyPr>
         <a:lstStyle/>
         <a:p>
-          <a:pPr lvl="0" algn="ctr" defTabSz="1778000" rtl="0">
+          <a:pPr marL="0" lvl="0" indent="0" algn="ctr" defTabSz="1778000" rtl="0">
             <a:lnSpc>
               <a:spcPct val="90000"/>
             </a:lnSpc>
@@ -11430,12 +11218,12 @@
             <a:spcAft>
               <a:spcPct val="35000"/>
             </a:spcAft>
+            <a:buNone/>
           </a:pPr>
           <a:r>
-            <a:rPr lang="en-US" sz="4000" kern="1200" smtClean="0"/>
+            <a:rPr lang="en-US" sz="4000" kern="1200"/>
             <a:t>Scalability</a:t>
           </a:r>
-          <a:endParaRPr lang="en-US" sz="4000" kern="1200"/>
         </a:p>
       </dsp:txBody>
       <dsp:txXfrm>
@@ -19111,7 +18899,7 @@
           <a:p>
             <a:fld id="{4F72BC9D-6610-4626-AD58-8BF3AAB808B6}" type="datetimeFigureOut">
               <a:rPr lang="en-US" smtClean="0"/>
-              <a:t>2/20/2017</a:t>
+              <a:t>3/6/2017</a:t>
             </a:fld>
             <a:endParaRPr lang="en-US"/>
           </a:p>
@@ -19591,7 +19379,7 @@
           <a:p>
             <a:fld id="{4F5EFEF4-C580-473D-836A-A95710715EB0}" type="datetimeFigureOut">
               <a:rPr lang="en-US" smtClean="0"/>
-              <a:t>2/20/2017</a:t>
+              <a:t>3/6/2017</a:t>
             </a:fld>
             <a:endParaRPr lang="en-US"/>
           </a:p>
@@ -19759,7 +19547,7 @@
           <a:p>
             <a:fld id="{4F5EFEF4-C580-473D-836A-A95710715EB0}" type="datetimeFigureOut">
               <a:rPr lang="en-US" smtClean="0"/>
-              <a:t>2/20/2017</a:t>
+              <a:t>3/6/2017</a:t>
             </a:fld>
             <a:endParaRPr lang="en-US"/>
           </a:p>
@@ -19937,7 +19725,7 @@
           <a:p>
             <a:fld id="{4F5EFEF4-C580-473D-836A-A95710715EB0}" type="datetimeFigureOut">
               <a:rPr lang="en-US" smtClean="0"/>
-              <a:t>2/20/2017</a:t>
+              <a:t>3/6/2017</a:t>
             </a:fld>
             <a:endParaRPr lang="en-US"/>
           </a:p>
@@ -20105,7 +19893,7 @@
           <a:p>
             <a:fld id="{4F5EFEF4-C580-473D-836A-A95710715EB0}" type="datetimeFigureOut">
               <a:rPr lang="en-US" smtClean="0"/>
-              <a:t>2/20/2017</a:t>
+              <a:t>3/6/2017</a:t>
             </a:fld>
             <a:endParaRPr lang="en-US"/>
           </a:p>
@@ -20350,7 +20138,7 @@
           <a:p>
             <a:fld id="{4F5EFEF4-C580-473D-836A-A95710715EB0}" type="datetimeFigureOut">
               <a:rPr lang="en-US" smtClean="0"/>
-              <a:t>2/20/2017</a:t>
+              <a:t>3/6/2017</a:t>
             </a:fld>
             <a:endParaRPr lang="en-US"/>
           </a:p>
@@ -20579,7 +20367,7 @@
           <a:p>
             <a:fld id="{4F5EFEF4-C580-473D-836A-A95710715EB0}" type="datetimeFigureOut">
               <a:rPr lang="en-US" smtClean="0"/>
-              <a:t>2/20/2017</a:t>
+              <a:t>3/6/2017</a:t>
             </a:fld>
             <a:endParaRPr lang="en-US"/>
           </a:p>
@@ -20943,7 +20731,7 @@
           <a:p>
             <a:fld id="{4F5EFEF4-C580-473D-836A-A95710715EB0}" type="datetimeFigureOut">
               <a:rPr lang="en-US" smtClean="0"/>
-              <a:t>2/20/2017</a:t>
+              <a:t>3/6/2017</a:t>
             </a:fld>
             <a:endParaRPr lang="en-US"/>
           </a:p>
@@ -21060,7 +20848,7 @@
           <a:p>
             <a:fld id="{4F5EFEF4-C580-473D-836A-A95710715EB0}" type="datetimeFigureOut">
               <a:rPr lang="en-US" smtClean="0"/>
-              <a:t>2/20/2017</a:t>
+              <a:t>3/6/2017</a:t>
             </a:fld>
             <a:endParaRPr lang="en-US"/>
           </a:p>
@@ -21155,7 +20943,7 @@
           <a:p>
             <a:fld id="{4F5EFEF4-C580-473D-836A-A95710715EB0}" type="datetimeFigureOut">
               <a:rPr lang="en-US" smtClean="0"/>
-              <a:t>2/20/2017</a:t>
+              <a:t>3/6/2017</a:t>
             </a:fld>
             <a:endParaRPr lang="en-US"/>
           </a:p>
@@ -21430,7 +21218,7 @@
           <a:p>
             <a:fld id="{4F5EFEF4-C580-473D-836A-A95710715EB0}" type="datetimeFigureOut">
               <a:rPr lang="en-US" smtClean="0"/>
-              <a:t>2/20/2017</a:t>
+              <a:t>3/6/2017</a:t>
             </a:fld>
             <a:endParaRPr lang="en-US"/>
           </a:p>
@@ -21682,7 +21470,7 @@
           <a:p>
             <a:fld id="{4F5EFEF4-C580-473D-836A-A95710715EB0}" type="datetimeFigureOut">
               <a:rPr lang="en-US" smtClean="0"/>
-              <a:t>2/20/2017</a:t>
+              <a:t>3/6/2017</a:t>
             </a:fld>
             <a:endParaRPr lang="en-US"/>
           </a:p>
@@ -21893,7 +21681,7 @@
           <a:p>
             <a:fld id="{4F5EFEF4-C580-473D-836A-A95710715EB0}" type="datetimeFigureOut">
               <a:rPr lang="en-US" smtClean="0"/>
-              <a:t>2/20/2017</a:t>
+              <a:t>3/6/2017</a:t>
             </a:fld>
             <a:endParaRPr lang="en-US"/>
           </a:p>
@@ -22361,7 +22149,7 @@
                 <a14:useLocalDpi xmlns:a14="http://schemas.microsoft.com/office/drawing/2010/main" val="0"/>
               </a:ext>
               <a:ext uri="{96DAC541-7B7A-43D3-8B79-37D633B846F1}">
-                <asvg:svgBlip xmlns:asvg="http://schemas.microsoft.com/office/drawing/2016/SVG/main" xmlns="" r:embed="rId3"/>
+                <asvg:svgBlip xmlns:asvg="http://schemas.microsoft.com/office/drawing/2016/SVG/main" r:embed="rId3"/>
               </a:ext>
             </a:extLst>
           </a:blip>
@@ -22441,7 +22229,7 @@
             <p:ph idx="1"/>
             <p:extLst>
               <p:ext uri="{D42A27DB-BD31-4B8C-83A1-F6EECF244321}">
-                <p14:modId xmlns:p14="http://schemas.microsoft.com/office/powerpoint/2010/main" val="1331791550"/>
+                <p14:modId xmlns:p14="http://schemas.microsoft.com/office/powerpoint/2010/main" val="725678188"/>
               </p:ext>
             </p:extLst>
           </p:nvPr>
@@ -22466,221 +22254,6 @@
   <p:clrMapOvr>
     <a:masterClrMapping/>
   </p:clrMapOvr>
-  <p:timing>
-    <p:tnLst>
-      <p:par>
-        <p:cTn id="1" dur="indefinite" restart="never" nodeType="tmRoot">
-          <p:childTnLst>
-            <p:seq concurrent="1" nextAc="seek">
-              <p:cTn id="2" dur="indefinite" nodeType="mainSeq">
-                <p:childTnLst>
-                  <p:par>
-                    <p:cTn id="3" fill="hold">
-                      <p:stCondLst>
-                        <p:cond delay="indefinite"/>
-                      </p:stCondLst>
-                      <p:childTnLst>
-                        <p:par>
-                          <p:cTn id="4" fill="hold">
-                            <p:stCondLst>
-                              <p:cond delay="0"/>
-                            </p:stCondLst>
-                            <p:childTnLst>
-                              <p:par>
-                                <p:cTn id="5" presetID="1" presetClass="entr" presetSubtype="0" fill="hold" grpId="0" nodeType="clickEffect">
-                                  <p:stCondLst>
-                                    <p:cond delay="0"/>
-                                  </p:stCondLst>
-                                  <p:childTnLst>
-                                    <p:set>
-                                      <p:cBhvr>
-                                        <p:cTn id="6" dur="1" fill="hold">
-                                          <p:stCondLst>
-                                            <p:cond delay="0"/>
-                                          </p:stCondLst>
-                                        </p:cTn>
-                                        <p:tgtEl>
-                                          <p:spTgt spid="7">
-                                            <p:graphicEl>
-                                              <a:dgm id="{CA0FB76F-2ED5-4D2E-8232-E4023ED9DC9D}"/>
-                                            </p:graphicEl>
-                                          </p:spTgt>
-                                        </p:tgtEl>
-                                        <p:attrNameLst>
-                                          <p:attrName>style.visibility</p:attrName>
-                                        </p:attrNameLst>
-                                      </p:cBhvr>
-                                      <p:to>
-                                        <p:strVal val="visible"/>
-                                      </p:to>
-                                    </p:set>
-                                  </p:childTnLst>
-                                </p:cTn>
-                              </p:par>
-                              <p:par>
-                                <p:cTn id="7" presetID="1" presetClass="entr" presetSubtype="0" fill="hold" grpId="0" nodeType="withEffect">
-                                  <p:stCondLst>
-                                    <p:cond delay="0"/>
-                                  </p:stCondLst>
-                                  <p:childTnLst>
-                                    <p:set>
-                                      <p:cBhvr>
-                                        <p:cTn id="8" dur="1" fill="hold">
-                                          <p:stCondLst>
-                                            <p:cond delay="0"/>
-                                          </p:stCondLst>
-                                        </p:cTn>
-                                        <p:tgtEl>
-                                          <p:spTgt spid="7">
-                                            <p:graphicEl>
-                                              <a:dgm id="{0C6EB310-ACEB-4246-98AF-06ABBB64F767}"/>
-                                            </p:graphicEl>
-                                          </p:spTgt>
-                                        </p:tgtEl>
-                                        <p:attrNameLst>
-                                          <p:attrName>style.visibility</p:attrName>
-                                        </p:attrNameLst>
-                                      </p:cBhvr>
-                                      <p:to>
-                                        <p:strVal val="visible"/>
-                                      </p:to>
-                                    </p:set>
-                                  </p:childTnLst>
-                                </p:cTn>
-                              </p:par>
-                            </p:childTnLst>
-                          </p:cTn>
-                        </p:par>
-                      </p:childTnLst>
-                    </p:cTn>
-                  </p:par>
-                  <p:par>
-                    <p:cTn id="9" fill="hold">
-                      <p:stCondLst>
-                        <p:cond delay="indefinite"/>
-                      </p:stCondLst>
-                      <p:childTnLst>
-                        <p:par>
-                          <p:cTn id="10" fill="hold">
-                            <p:stCondLst>
-                              <p:cond delay="0"/>
-                            </p:stCondLst>
-                            <p:childTnLst>
-                              <p:par>
-                                <p:cTn id="11" presetID="1" presetClass="entr" presetSubtype="0" fill="hold" grpId="0" nodeType="clickEffect">
-                                  <p:stCondLst>
-                                    <p:cond delay="0"/>
-                                  </p:stCondLst>
-                                  <p:childTnLst>
-                                    <p:set>
-                                      <p:cBhvr>
-                                        <p:cTn id="12" dur="1" fill="hold">
-                                          <p:stCondLst>
-                                            <p:cond delay="0"/>
-                                          </p:stCondLst>
-                                        </p:cTn>
-                                        <p:tgtEl>
-                                          <p:spTgt spid="7">
-                                            <p:graphicEl>
-                                              <a:dgm id="{9AF756E9-0795-43E1-BF2F-8032EC9FEFA5}"/>
-                                            </p:graphicEl>
-                                          </p:spTgt>
-                                        </p:tgtEl>
-                                        <p:attrNameLst>
-                                          <p:attrName>style.visibility</p:attrName>
-                                        </p:attrNameLst>
-                                      </p:cBhvr>
-                                      <p:to>
-                                        <p:strVal val="visible"/>
-                                      </p:to>
-                                    </p:set>
-                                  </p:childTnLst>
-                                </p:cTn>
-                              </p:par>
-                            </p:childTnLst>
-                          </p:cTn>
-                        </p:par>
-                      </p:childTnLst>
-                    </p:cTn>
-                  </p:par>
-                  <p:par>
-                    <p:cTn id="13" fill="hold">
-                      <p:stCondLst>
-                        <p:cond delay="indefinite"/>
-                      </p:stCondLst>
-                      <p:childTnLst>
-                        <p:par>
-                          <p:cTn id="14" fill="hold">
-                            <p:stCondLst>
-                              <p:cond delay="0"/>
-                            </p:stCondLst>
-                            <p:childTnLst>
-                              <p:par>
-                                <p:cTn id="15" presetID="1" presetClass="entr" presetSubtype="0" fill="hold" grpId="0" nodeType="clickEffect">
-                                  <p:stCondLst>
-                                    <p:cond delay="0"/>
-                                  </p:stCondLst>
-                                  <p:childTnLst>
-                                    <p:set>
-                                      <p:cBhvr>
-                                        <p:cTn id="16" dur="1" fill="hold">
-                                          <p:stCondLst>
-                                            <p:cond delay="0"/>
-                                          </p:stCondLst>
-                                        </p:cTn>
-                                        <p:tgtEl>
-                                          <p:spTgt spid="7">
-                                            <p:graphicEl>
-                                              <a:dgm id="{7C2765B8-6B5C-413B-B08B-98E163D276C3}"/>
-                                            </p:graphicEl>
-                                          </p:spTgt>
-                                        </p:tgtEl>
-                                        <p:attrNameLst>
-                                          <p:attrName>style.visibility</p:attrName>
-                                        </p:attrNameLst>
-                                      </p:cBhvr>
-                                      <p:to>
-                                        <p:strVal val="visible"/>
-                                      </p:to>
-                                    </p:set>
-                                  </p:childTnLst>
-                                </p:cTn>
-                              </p:par>
-                            </p:childTnLst>
-                          </p:cTn>
-                        </p:par>
-                      </p:childTnLst>
-                    </p:cTn>
-                  </p:par>
-                </p:childTnLst>
-              </p:cTn>
-              <p:prevCondLst>
-                <p:cond evt="onPrev" delay="0">
-                  <p:tgtEl>
-                    <p:sldTgt/>
-                  </p:tgtEl>
-                </p:cond>
-              </p:prevCondLst>
-              <p:nextCondLst>
-                <p:cond evt="onNext" delay="0">
-                  <p:tgtEl>
-                    <p:sldTgt/>
-                  </p:tgtEl>
-                </p:cond>
-              </p:nextCondLst>
-            </p:seq>
-          </p:childTnLst>
-        </p:cTn>
-      </p:par>
-    </p:tnLst>
-    <p:bldLst>
-      <p:bldGraphic spid="7" grpId="0" uiExpand="1">
-        <p:bldSub>
-          <a:bldDgm bld="one"/>
-        </p:bldSub>
-      </p:bldGraphic>
-    </p:bldLst>
-  </p:timing>
 </p:sld>
 </file>
 
@@ -22718,19 +22291,11 @@
           <a:p>
             <a:r>
               <a:rPr lang="en-US" dirty="0"/>
-              <a:t>Reverse </a:t>
-            </a:r>
-            <a:r>
-              <a:rPr lang="en-US" dirty="0" smtClean="0"/>
-              <a:t>Proxies—Patterns for some -</a:t>
+              <a:t>Reverse Proxies—Patterns for some -</a:t>
             </a:r>
             <a:r>
               <a:rPr lang="en-US" dirty="0" err="1"/>
-              <a:t>i</a:t>
-            </a:r>
-            <a:r>
-              <a:rPr lang="en-US" dirty="0" err="1" smtClean="0"/>
-              <a:t>lities</a:t>
+              <a:t>ilities</a:t>
             </a:r>
             <a:endParaRPr lang="en-US" dirty="0"/>
           </a:p>
@@ -22806,7 +22371,10 @@
           <a:bodyPr/>
           <a:lstStyle/>
           <a:p>
-            <a:endParaRPr lang="en-US"/>
+            <a:r>
+              <a:rPr lang="en-US" dirty="0"/>
+              <a:t>NGINX—Configuration for Reverse Proxy</a:t>
+            </a:r>
           </a:p>
         </p:txBody>
       </p:sp>
@@ -22820,12 +22388,107 @@
             <p:ph idx="1"/>
           </p:nvPr>
         </p:nvSpPr>
-        <p:spPr/>
+        <p:spPr>
+          <a:xfrm>
+            <a:off x="838200" y="1825625"/>
+            <a:ext cx="10515600" cy="4348752"/>
+          </a:xfrm>
+        </p:spPr>
         <p:txBody>
           <a:bodyPr/>
           <a:lstStyle/>
           <a:p>
-            <a:endParaRPr lang="en-US"/>
+            <a:r>
+              <a:rPr lang="en-US" dirty="0"/>
+              <a:t>Configuration file is </a:t>
+            </a:r>
+            <a:r>
+              <a:rPr lang="en-US" dirty="0">
+                <a:latin typeface="Courier New" panose="02070309020205020404" pitchFamily="49" charset="0"/>
+                <a:cs typeface="Courier New" panose="02070309020205020404" pitchFamily="49" charset="0"/>
+              </a:rPr>
+              <a:t>nginx.conf</a:t>
+            </a:r>
+          </a:p>
+          <a:p>
+            <a:pPr marL="457200" lvl="1" indent="0">
+              <a:buNone/>
+            </a:pPr>
+            <a:r>
+              <a:rPr lang="en-US" dirty="0">
+                <a:latin typeface="Courier New" panose="02070309020205020404" pitchFamily="49" charset="0"/>
+                <a:cs typeface="Courier New" panose="02070309020205020404" pitchFamily="49" charset="0"/>
+              </a:rPr>
+              <a:t>/etc/nginx</a:t>
+            </a:r>
+          </a:p>
+          <a:p>
+            <a:r>
+              <a:rPr lang="en-US" dirty="0"/>
+              <a:t>NGINX modules are configured by directives in contexts</a:t>
+            </a:r>
+          </a:p>
+          <a:p>
+            <a:r>
+              <a:rPr lang="en-US" dirty="0"/>
+              <a:t>Configuration files </a:t>
+            </a:r>
+            <a:r>
+              <a:rPr lang="en-US" dirty="0">
+                <a:hlinkClick r:id="rId2" tooltip="https://nginx.org/en/docs/ngx_core_module.html#include"/>
+              </a:rPr>
+              <a:t>include</a:t>
+            </a:r>
+            <a:r>
+              <a:rPr lang="en-US" dirty="0"/>
+              <a:t> configuration files</a:t>
+            </a:r>
+          </a:p>
+          <a:p>
+            <a:r>
+              <a:rPr lang="en-US" dirty="0"/>
+              <a:t>You’ll mostly work within contexts like</a:t>
+            </a:r>
+          </a:p>
+          <a:p>
+            <a:pPr lvl="1"/>
+            <a:r>
+              <a:rPr lang="en-US" dirty="0">
+                <a:hlinkClick r:id="rId3" tooltip="https://nginx.org/en/docs/http/ngx_http_core_module.html#http"/>
+              </a:rPr>
+              <a:t>http</a:t>
+            </a:r>
+            <a:r>
+              <a:rPr lang="en-US" dirty="0"/>
+              <a:t>, </a:t>
+            </a:r>
+            <a:r>
+              <a:rPr lang="en-US" dirty="0">
+                <a:hlinkClick r:id="rId4" tooltip="https://nginx.org/en/docs/http/ngx_http_core_module.html#location"/>
+              </a:rPr>
+              <a:t>location</a:t>
+            </a:r>
+            <a:r>
+              <a:rPr lang="en-US" dirty="0"/>
+              <a:t>, </a:t>
+            </a:r>
+            <a:r>
+              <a:rPr lang="en-US" dirty="0">
+                <a:hlinkClick r:id="rId5" tooltip="https://nginx.org/en/docs/http/ngx_http_core_module.html#server"/>
+              </a:rPr>
+              <a:t>server</a:t>
+            </a:r>
+            <a:r>
+              <a:rPr lang="en-US" dirty="0"/>
+              <a:t>, </a:t>
+            </a:r>
+            <a:r>
+              <a:rPr lang="en-US" dirty="0">
+                <a:hlinkClick r:id="rId6" tooltip="https://nginx.org/en/docs/http/ngx_http_upstream_module.html#upstream"/>
+              </a:rPr>
+              <a:t>upstream</a:t>
+            </a:r>
+            <a:endParaRPr lang="en-US" dirty="0"/>
           </a:p>
         </p:txBody>
       </p:sp>
@@ -22876,21 +22539,8 @@
           <a:p>
             <a:r>
               <a:rPr lang="en-US" dirty="0"/>
-              <a:t>NGINX </a:t>
+              <a:t>NGINX—Configuration Examples</a:t>
             </a:r>
-            <a:r>
-              <a:rPr lang="en-US" dirty="0" smtClean="0"/>
-              <a:t>OSS vs NGINX </a:t>
-            </a:r>
-            <a:r>
-              <a:rPr lang="en-US" dirty="0"/>
-              <a:t>Plus</a:t>
-            </a:r>
-            <a:r>
-              <a:rPr lang="en-US" dirty="0" smtClean="0"/>
-              <a:t> </a:t>
-            </a:r>
-            <a:endParaRPr lang="en-US" dirty="0"/>
           </a:p>
         </p:txBody>
       </p:sp>
@@ -22906,52 +22556,111 @@
         </p:nvSpPr>
         <p:spPr/>
         <p:txBody>
-          <a:bodyPr/>
+          <a:bodyPr>
+            <a:normAutofit/>
+          </a:bodyPr>
           <a:lstStyle/>
           <a:p>
             <a:r>
               <a:rPr lang="en-US" dirty="0"/>
-              <a:t>There are feature </a:t>
-            </a:r>
-            <a:r>
-              <a:rPr lang="en-US" dirty="0" smtClean="0"/>
-              <a:t>differences</a:t>
+              <a:t>Default configuration in the official Docker image for nginx</a:t>
             </a:r>
           </a:p>
           <a:p>
             <a:pPr lvl="1"/>
             <a:r>
-              <a:rPr lang="en-US" dirty="0" smtClean="0">
-                <a:hlinkClick r:id="rId2"/>
-              </a:rPr>
-              <a:t>https</a:t>
+              <a:rPr lang="en-US" dirty="0" err="1"/>
+              <a:t>TriDis-NginxOverview</a:t>
             </a:r>
             <a:r>
-              <a:rPr lang="en-US" dirty="0">
-                <a:hlinkClick r:id="rId2"/>
-              </a:rPr>
-              <a:t>://www.nginx.com/products/feature-matrix</a:t>
+              <a:rPr lang="en-US" dirty="0"/>
+              <a:t>\example-nginx\reference-nginx-mainline-jessie</a:t>
             </a:r>
-            <a:r>
-              <a:rPr lang="en-US" dirty="0" smtClean="0">
-                <a:hlinkClick r:id="rId2"/>
-              </a:rPr>
-              <a:t>/</a:t>
-            </a:r>
-            <a:endParaRPr lang="en-US" dirty="0" smtClean="0"/>
           </a:p>
           <a:p>
             <a:r>
-              <a:rPr lang="en-US" dirty="0" smtClean="0"/>
-              <a:t>The feature you want is in NGINX Plus</a:t>
+              <a:rPr lang="en-US" dirty="0"/>
+              <a:t>Reverse proxy configuration using an upstream block</a:t>
             </a:r>
+          </a:p>
+          <a:p>
+            <a:pPr lvl="1"/>
+            <a:r>
+              <a:rPr lang="en-US" dirty="0" err="1"/>
+              <a:t>TriDis-NginxOverview</a:t>
+            </a:r>
+            <a:r>
+              <a:rPr lang="en-US" dirty="0"/>
+              <a:t>\example-nginx\example-nginx-reverse-proxy-upstream</a:t>
+            </a:r>
+          </a:p>
+          <a:p>
+            <a:r>
+              <a:rPr lang="en-US" dirty="0"/>
+              <a:t>Reverse proxy configuration using a resolved location</a:t>
+            </a:r>
+          </a:p>
+          <a:p>
+            <a:pPr lvl="1"/>
+            <a:r>
+              <a:rPr lang="en-US" dirty="0" err="1"/>
+              <a:t>TriDis-NginxOverview</a:t>
+            </a:r>
+            <a:r>
+              <a:rPr lang="en-US" dirty="0"/>
+              <a:t>\</a:t>
+            </a:r>
+            <a:r>
+              <a:rPr lang="en-US" dirty="0" err="1"/>
+              <a:t>example.nginx</a:t>
+            </a:r>
+            <a:r>
+              <a:rPr lang="en-US" dirty="0"/>
+              <a:t>\example-nginx-resolved-reverse-proxy</a:t>
+            </a:r>
+          </a:p>
+          <a:p>
+            <a:r>
+              <a:rPr lang="en-US" dirty="0"/>
+              <a:t>SSL termination and proxy using a resolved location</a:t>
+            </a:r>
+          </a:p>
+          <a:p>
+            <a:pPr lvl="1"/>
+            <a:r>
+              <a:rPr lang="en-US" dirty="0" err="1"/>
+              <a:t>TriDis-NginxOverview</a:t>
+            </a:r>
+            <a:r>
+              <a:rPr lang="en-US" dirty="0"/>
+              <a:t>\</a:t>
+            </a:r>
+            <a:r>
+              <a:rPr lang="en-US" dirty="0" err="1"/>
+              <a:t>example.nginx</a:t>
+            </a:r>
+            <a:r>
+              <a:rPr lang="en-US" dirty="0"/>
+              <a:t>\example-nginx-</a:t>
+            </a:r>
+            <a:r>
+              <a:rPr lang="en-US" dirty="0" err="1"/>
+              <a:t>ssl</a:t>
+            </a:r>
+            <a:r>
+              <a:rPr lang="en-US" dirty="0"/>
+              <a:t>-termination</a:t>
+            </a:r>
+          </a:p>
+          <a:p>
+            <a:endParaRPr lang="en-US" dirty="0"/>
           </a:p>
         </p:txBody>
       </p:sp>
     </p:spTree>
     <p:extLst>
       <p:ext uri="{BB962C8B-B14F-4D97-AF65-F5344CB8AC3E}">
-        <p14:creationId xmlns:p14="http://schemas.microsoft.com/office/powerpoint/2010/main" val="4122354114"/>
+        <p14:creationId xmlns:p14="http://schemas.microsoft.com/office/powerpoint/2010/main" val="3460821191"/>
       </p:ext>
     </p:extLst>
   </p:cSld>
@@ -22994,8 +22703,12 @@
           <a:lstStyle/>
           <a:p>
             <a:r>
-              <a:rPr lang="en-US" dirty="0" smtClean="0"/>
-              <a:t>Fortunately Open Source</a:t>
+              <a:rPr lang="en-US" dirty="0"/>
+              <a:t>NGINX Plus vs </a:t>
+            </a:r>
+            <a:r>
+              <a:rPr lang="en-US" dirty="0"/>
+              <a:t>nginx oss</a:t>
             </a:r>
             <a:endParaRPr lang="en-US" dirty="0"/>
           </a:p>
@@ -23017,20 +22730,187 @@
           <a:lstStyle/>
           <a:p>
             <a:r>
-              <a:rPr lang="en-US" dirty="0" smtClean="0">
-                <a:hlinkClick r:id="rId2" tooltip="https://github.com/openresty/"/>
+              <a:rPr lang="en-US" dirty="0"/>
+              <a:t>There are feature differences</a:t>
+            </a:r>
+          </a:p>
+          <a:p>
+            <a:pPr lvl="1"/>
+            <a:r>
+              <a:rPr lang="en-US" dirty="0">
+                <a:hlinkClick r:id="rId2"/>
+              </a:rPr>
+              <a:t>https://www.nginx.com/products/feature-matrix/</a:t>
+            </a:r>
+            <a:endParaRPr lang="en-US" dirty="0"/>
+          </a:p>
+          <a:p>
+            <a:r>
+              <a:rPr lang="en-US" dirty="0"/>
+              <a:t>The feature you want is in NGINX Plus</a:t>
+            </a:r>
+          </a:p>
+          <a:p>
+            <a:pPr lvl="1"/>
+            <a:r>
+              <a:rPr lang="en-US" dirty="0"/>
+              <a:t>Make </a:t>
+            </a:r>
+            <a:r>
+              <a:rPr lang="en-US" dirty="0">
+                <a:hlinkClick r:id="rId3" tooltip="https://nginx.org/en/docs/http/ngx_http_upstream_module.html"/>
+              </a:rPr>
+              <a:t>upstream</a:t>
+            </a:r>
+            <a:r>
+              <a:rPr lang="en-US" dirty="0"/>
+              <a:t> useful</a:t>
+            </a:r>
+          </a:p>
+          <a:p>
+            <a:pPr lvl="1"/>
+            <a:r>
+              <a:rPr lang="en-US" dirty="0"/>
+              <a:t>JWT Authentication / </a:t>
+            </a:r>
+            <a:r>
+              <a:rPr lang="en-US" dirty="0" err="1"/>
+              <a:t>OpenID</a:t>
+            </a:r>
+            <a:r>
+              <a:rPr lang="en-US" dirty="0"/>
+              <a:t> Connect SSO</a:t>
+            </a:r>
+          </a:p>
+        </p:txBody>
+      </p:sp>
+    </p:spTree>
+    <p:extLst>
+      <p:ext uri="{BB962C8B-B14F-4D97-AF65-F5344CB8AC3E}">
+        <p14:creationId xmlns:p14="http://schemas.microsoft.com/office/powerpoint/2010/main" val="4122354114"/>
+      </p:ext>
+    </p:extLst>
+  </p:cSld>
+  <p:clrMapOvr>
+    <a:masterClrMapping/>
+  </p:clrMapOvr>
+</p:sld>
+</file>
+
+<file path=ppt/slides/slide15.xml><?xml version="1.0" encoding="utf-8"?>
+<p:sld xmlns:a="http://schemas.openxmlformats.org/drawingml/2006/main" xmlns:r="http://schemas.openxmlformats.org/officeDocument/2006/relationships" xmlns:p="http://schemas.openxmlformats.org/presentationml/2006/main">
+  <p:cSld>
+    <p:spTree>
+      <p:nvGrpSpPr>
+        <p:cNvPr id="1" name=""/>
+        <p:cNvGrpSpPr/>
+        <p:nvPr/>
+      </p:nvGrpSpPr>
+      <p:grpSpPr>
+        <a:xfrm>
+          <a:off x="0" y="0"/>
+          <a:ext cx="0" cy="0"/>
+          <a:chOff x="0" y="0"/>
+          <a:chExt cx="0" cy="0"/>
+        </a:xfrm>
+      </p:grpSpPr>
+      <p:sp>
+        <p:nvSpPr>
+          <p:cNvPr id="2" name="Title 1"/>
+          <p:cNvSpPr>
+            <a:spLocks noGrp="1"/>
+          </p:cNvSpPr>
+          <p:nvPr>
+            <p:ph type="title"/>
+          </p:nvPr>
+        </p:nvSpPr>
+        <p:spPr/>
+        <p:txBody>
+          <a:bodyPr/>
+          <a:lstStyle/>
+          <a:p>
+            <a:r>
+              <a:rPr lang="en-US" dirty="0"/>
+              <a:t>Fortunately Open Source</a:t>
+            </a:r>
+          </a:p>
+        </p:txBody>
+      </p:sp>
+      <p:sp>
+        <p:nvSpPr>
+          <p:cNvPr id="3" name="Content Placeholder 2"/>
+          <p:cNvSpPr>
+            <a:spLocks noGrp="1"/>
+          </p:cNvSpPr>
+          <p:nvPr>
+            <p:ph idx="1"/>
+          </p:nvPr>
+        </p:nvSpPr>
+        <p:spPr/>
+        <p:txBody>
+          <a:bodyPr/>
+          <a:lstStyle/>
+          <a:p>
+            <a:r>
+              <a:rPr lang="en-US" dirty="0"/>
+              <a:t>NGINX OSS forks</a:t>
+            </a:r>
+          </a:p>
+          <a:p>
+            <a:pPr lvl="1"/>
+            <a:r>
+              <a:rPr lang="en-US" dirty="0">
+                <a:hlinkClick r:id="rId2" tooltip="https://openresty.org/en/"/>
               </a:rPr>
               <a:t>OpenResty</a:t>
             </a:r>
-            <a:endParaRPr lang="en-US" dirty="0" smtClean="0"/>
+            <a:endParaRPr lang="en-US" dirty="0"/>
           </a:p>
           <a:p>
+            <a:pPr lvl="1"/>
             <a:r>
-              <a:rPr lang="en-US" dirty="0" smtClean="0">
+              <a:rPr lang="en-US" dirty="0">
                 <a:hlinkClick r:id="rId3" tooltip="https://github.com/alibaba/tengine"/>
               </a:rPr>
               <a:t>Tengine</a:t>
             </a:r>
+            <a:endParaRPr lang="en-US" dirty="0"/>
+          </a:p>
+          <a:p>
+            <a:r>
+              <a:rPr lang="en-US" dirty="0">
+                <a:hlinkClick r:id="rId4" tooltip="http://www.haproxy.org/"/>
+              </a:rPr>
+              <a:t>HAProxy</a:t>
+            </a:r>
+            <a:endParaRPr lang="en-US" dirty="0"/>
+          </a:p>
+          <a:p>
+            <a:pPr lvl="1"/>
+            <a:r>
+              <a:rPr lang="en-US" dirty="0"/>
+              <a:t>HAProxy + </a:t>
+            </a:r>
+            <a:r>
+              <a:rPr lang="en-US" dirty="0">
+                <a:hlinkClick r:id="rId5" tooltip="https://github.com/hashicorp/consul-template"/>
+              </a:rPr>
+              <a:t>Consul-Template</a:t>
+            </a:r>
+            <a:endParaRPr lang="en-US" dirty="0"/>
+          </a:p>
+          <a:p>
+            <a:pPr lvl="2"/>
+            <a:r>
+              <a:rPr lang="en-US" dirty="0">
+                <a:hlinkClick r:id="rId6"/>
+              </a:rPr>
+              <a:t>https://sirile.github.io/2015/05/18/using-haproxy-and-consul-for-dynamic-service-discovery-on-docker.html</a:t>
+            </a:r>
+            <a:endParaRPr lang="en-US" dirty="0"/>
+          </a:p>
+          <a:p>
+            <a:pPr lvl="1"/>
             <a:endParaRPr lang="en-US" dirty="0"/>
           </a:p>
         </p:txBody>
@@ -23205,72 +23085,6 @@
           </a:p>
         </p:txBody>
       </p:sp>
-      <p:sp>
-        <p:nvSpPr>
-          <p:cNvPr id="14" name="Text Placeholder 13"/>
-          <p:cNvSpPr>
-            <a:spLocks noGrp="1"/>
-          </p:cNvSpPr>
-          <p:nvPr>
-            <p:ph type="body" sz="half" idx="2"/>
-          </p:nvPr>
-        </p:nvSpPr>
-        <p:spPr>
-          <a:xfrm>
-            <a:off x="4965431" y="2438400"/>
-            <a:ext cx="6586489" cy="1665207"/>
-          </a:xfrm>
-        </p:spPr>
-        <p:txBody>
-          <a:bodyPr vert="horz" lIns="91440" tIns="45720" rIns="91440" bIns="45720" rtlCol="0">
-            <a:normAutofit/>
-          </a:bodyPr>
-          <a:lstStyle/>
-          <a:p>
-            <a:r>
-              <a:rPr lang="en-US" sz="2000" dirty="0"/>
-              <a:t>Steve and AIS</a:t>
-            </a:r>
-            <a:br>
-              <a:rPr lang="en-US" sz="2000" dirty="0"/>
-            </a:br>
-            <a:r>
-              <a:rPr lang="en-US" sz="2000" dirty="0"/>
-              <a:t>Thank you for hosting</a:t>
-            </a:r>
-          </a:p>
-        </p:txBody>
-      </p:sp>
-      <p:pic>
-        <p:nvPicPr>
-          <p:cNvPr id="17" name="Picture 16"/>
-          <p:cNvPicPr>
-            <a:picLocks noChangeAspect="1"/>
-          </p:cNvPicPr>
-          <p:nvPr/>
-        </p:nvPicPr>
-        <p:blipFill>
-          <a:blip r:embed="rId3">
-            <a:extLst>
-              <a:ext uri="{28A0092B-C50C-407E-A947-70E740481C1C}">
-                <a14:useLocalDpi xmlns:a14="http://schemas.microsoft.com/office/drawing/2010/main" val="0"/>
-              </a:ext>
-            </a:extLst>
-          </a:blip>
-          <a:stretch>
-            <a:fillRect/>
-          </a:stretch>
-        </p:blipFill>
-        <p:spPr>
-          <a:xfrm>
-            <a:off x="8506737" y="2437375"/>
-            <a:ext cx="2883557" cy="1143260"/>
-          </a:xfrm>
-          <a:prstGeom prst="rect">
-            <a:avLst/>
-          </a:prstGeom>
-        </p:spPr>
-      </p:pic>
       <p:sp>
         <p:nvSpPr>
           <p:cNvPr id="21" name="Text Placeholder 13"/>
@@ -23460,34 +23274,47 @@
             <a:pPr algn="r"/>
             <a:r>
               <a:rPr lang="en-US" dirty="0">
-                <a:hlinkClick r:id="rId4"/>
+                <a:hlinkClick r:id="rId3"/>
               </a:rPr>
               <a:t>@</a:t>
             </a:r>
             <a:r>
               <a:rPr lang="en-US" u="sng" dirty="0">
-                <a:hlinkClick r:id="rId4"/>
+                <a:hlinkClick r:id="rId3"/>
               </a:rPr>
               <a:t>dls314</a:t>
             </a:r>
-            <a:r>
-              <a:rPr lang="en-US" dirty="0">
-                <a:hlinkClick r:id="rId5"/>
-              </a:rPr>
-              <a:t/>
-            </a:r>
             <a:br>
               <a:rPr lang="en-US" dirty="0">
-                <a:hlinkClick r:id="rId5"/>
+                <a:hlinkClick r:id="rId4"/>
               </a:rPr>
             </a:br>
             <a:r>
               <a:rPr lang="en-US" dirty="0">
-                <a:hlinkClick r:id="rId5"/>
+                <a:hlinkClick r:id="rId4"/>
               </a:rPr>
               <a:t>https://github.com/dls314/TriDis-NginxOverview</a:t>
             </a:r>
             <a:endParaRPr lang="en-US" dirty="0"/>
+          </a:p>
+        </p:txBody>
+      </p:sp>
+      <p:sp>
+        <p:nvSpPr>
+          <p:cNvPr id="3" name="Text Placeholder 2"/>
+          <p:cNvSpPr>
+            <a:spLocks noGrp="1"/>
+          </p:cNvSpPr>
+          <p:nvPr>
+            <p:ph type="body" sz="half" idx="2"/>
+          </p:nvPr>
+        </p:nvSpPr>
+        <p:spPr/>
+        <p:txBody>
+          <a:bodyPr/>
+          <a:lstStyle/>
+          <a:p>
+            <a:endParaRPr lang="en-US"/>
           </a:p>
         </p:txBody>
       </p:sp>
@@ -23572,7 +23399,7 @@
           <a:p>
             <a:r>
               <a:rPr lang="en-US" dirty="0"/>
-              <a:t>An eponymous open source product—NGINX OSS</a:t>
+              <a:t>An eponymous open source product—nginx oss</a:t>
             </a:r>
           </a:p>
           <a:p>
@@ -23587,21 +23414,6 @@
               <a:t>A web server, which can also be used as a reverse proxy, load balancer, and HTTP cache.</a:t>
             </a:r>
           </a:p>
-          <a:p>
-            <a:pPr marL="0" indent="0">
-              <a:buNone/>
-            </a:pPr>
-            <a:endParaRPr lang="en-US" dirty="0"/>
-          </a:p>
-          <a:p>
-            <a:pPr marL="0" indent="0">
-              <a:buNone/>
-            </a:pPr>
-            <a:r>
-              <a:rPr lang="en-US" dirty="0"/>
-              <a:t>Another web server?</a:t>
-            </a:r>
-          </a:p>
         </p:txBody>
       </p:sp>
     </p:spTree>
@@ -23614,245 +23426,6 @@
   <p:clrMapOvr>
     <a:masterClrMapping/>
   </p:clrMapOvr>
-  <p:timing>
-    <p:tnLst>
-      <p:par>
-        <p:cTn id="1" dur="indefinite" restart="never" nodeType="tmRoot">
-          <p:childTnLst>
-            <p:seq concurrent="1" nextAc="seek">
-              <p:cTn id="2" dur="indefinite" nodeType="mainSeq">
-                <p:childTnLst>
-                  <p:par>
-                    <p:cTn id="3" fill="hold">
-                      <p:stCondLst>
-                        <p:cond delay="indefinite"/>
-                      </p:stCondLst>
-                      <p:childTnLst>
-                        <p:par>
-                          <p:cTn id="4" fill="hold">
-                            <p:stCondLst>
-                              <p:cond delay="0"/>
-                            </p:stCondLst>
-                            <p:childTnLst>
-                              <p:par>
-                                <p:cTn id="5" presetID="1" presetClass="entr" presetSubtype="0" fill="hold" nodeType="clickEffect">
-                                  <p:stCondLst>
-                                    <p:cond delay="0"/>
-                                  </p:stCondLst>
-                                  <p:childTnLst>
-                                    <p:set>
-                                      <p:cBhvr>
-                                        <p:cTn id="6" dur="1" fill="hold">
-                                          <p:stCondLst>
-                                            <p:cond delay="0"/>
-                                          </p:stCondLst>
-                                        </p:cTn>
-                                        <p:tgtEl>
-                                          <p:spTgt spid="9">
-                                            <p:txEl>
-                                              <p:pRg st="0" end="0"/>
-                                            </p:txEl>
-                                          </p:spTgt>
-                                        </p:tgtEl>
-                                        <p:attrNameLst>
-                                          <p:attrName>style.visibility</p:attrName>
-                                        </p:attrNameLst>
-                                      </p:cBhvr>
-                                      <p:to>
-                                        <p:strVal val="visible"/>
-                                      </p:to>
-                                    </p:set>
-                                  </p:childTnLst>
-                                </p:cTn>
-                              </p:par>
-                              <p:par>
-                                <p:cTn id="7" presetID="1" presetClass="entr" presetSubtype="0" fill="hold" nodeType="withEffect">
-                                  <p:stCondLst>
-                                    <p:cond delay="0"/>
-                                  </p:stCondLst>
-                                  <p:childTnLst>
-                                    <p:set>
-                                      <p:cBhvr>
-                                        <p:cTn id="8" dur="1" fill="hold">
-                                          <p:stCondLst>
-                                            <p:cond delay="0"/>
-                                          </p:stCondLst>
-                                        </p:cTn>
-                                        <p:tgtEl>
-                                          <p:spTgt spid="9">
-                                            <p:txEl>
-                                              <p:pRg st="1" end="1"/>
-                                            </p:txEl>
-                                          </p:spTgt>
-                                        </p:tgtEl>
-                                        <p:attrNameLst>
-                                          <p:attrName>style.visibility</p:attrName>
-                                        </p:attrNameLst>
-                                      </p:cBhvr>
-                                      <p:to>
-                                        <p:strVal val="visible"/>
-                                      </p:to>
-                                    </p:set>
-                                  </p:childTnLst>
-                                </p:cTn>
-                              </p:par>
-                              <p:par>
-                                <p:cTn id="9" presetID="1" presetClass="entr" presetSubtype="0" fill="hold" nodeType="withEffect">
-                                  <p:stCondLst>
-                                    <p:cond delay="0"/>
-                                  </p:stCondLst>
-                                  <p:childTnLst>
-                                    <p:set>
-                                      <p:cBhvr>
-                                        <p:cTn id="10" dur="1" fill="hold">
-                                          <p:stCondLst>
-                                            <p:cond delay="0"/>
-                                          </p:stCondLst>
-                                        </p:cTn>
-                                        <p:tgtEl>
-                                          <p:spTgt spid="9">
-                                            <p:txEl>
-                                              <p:pRg st="2" end="2"/>
-                                            </p:txEl>
-                                          </p:spTgt>
-                                        </p:tgtEl>
-                                        <p:attrNameLst>
-                                          <p:attrName>style.visibility</p:attrName>
-                                        </p:attrNameLst>
-                                      </p:cBhvr>
-                                      <p:to>
-                                        <p:strVal val="visible"/>
-                                      </p:to>
-                                    </p:set>
-                                  </p:childTnLst>
-                                </p:cTn>
-                              </p:par>
-                            </p:childTnLst>
-                          </p:cTn>
-                        </p:par>
-                      </p:childTnLst>
-                    </p:cTn>
-                  </p:par>
-                  <p:par>
-                    <p:cTn id="11" fill="hold">
-                      <p:stCondLst>
-                        <p:cond delay="indefinite"/>
-                      </p:stCondLst>
-                      <p:childTnLst>
-                        <p:par>
-                          <p:cTn id="12" fill="hold">
-                            <p:stCondLst>
-                              <p:cond delay="0"/>
-                            </p:stCondLst>
-                            <p:childTnLst>
-                              <p:par>
-                                <p:cTn id="13" presetID="1" presetClass="entr" presetSubtype="0" fill="hold" nodeType="clickEffect">
-                                  <p:stCondLst>
-                                    <p:cond delay="0"/>
-                                  </p:stCondLst>
-                                  <p:childTnLst>
-                                    <p:set>
-                                      <p:cBhvr>
-                                        <p:cTn id="14" dur="1" fill="hold">
-                                          <p:stCondLst>
-                                            <p:cond delay="0"/>
-                                          </p:stCondLst>
-                                        </p:cTn>
-                                        <p:tgtEl>
-                                          <p:spTgt spid="9">
-                                            <p:txEl>
-                                              <p:pRg st="4" end="4"/>
-                                            </p:txEl>
-                                          </p:spTgt>
-                                        </p:tgtEl>
-                                        <p:attrNameLst>
-                                          <p:attrName>style.visibility</p:attrName>
-                                        </p:attrNameLst>
-                                      </p:cBhvr>
-                                      <p:to>
-                                        <p:strVal val="visible"/>
-                                      </p:to>
-                                    </p:set>
-                                  </p:childTnLst>
-                                </p:cTn>
-                              </p:par>
-                            </p:childTnLst>
-                          </p:cTn>
-                        </p:par>
-                      </p:childTnLst>
-                    </p:cTn>
-                  </p:par>
-                  <p:par>
-                    <p:cTn id="15" fill="hold">
-                      <p:stCondLst>
-                        <p:cond delay="indefinite"/>
-                      </p:stCondLst>
-                      <p:childTnLst>
-                        <p:par>
-                          <p:cTn id="16" fill="hold">
-                            <p:stCondLst>
-                              <p:cond delay="0"/>
-                            </p:stCondLst>
-                            <p:childTnLst>
-                              <p:par>
-                                <p:cTn id="17" presetID="1" presetClass="entr" presetSubtype="0" fill="hold" nodeType="clickEffect">
-                                  <p:stCondLst>
-                                    <p:cond delay="0"/>
-                                  </p:stCondLst>
-                                  <p:childTnLst>
-                                    <p:set>
-                                      <p:cBhvr>
-                                        <p:cTn id="18" dur="1" fill="hold">
-                                          <p:stCondLst>
-                                            <p:cond delay="0"/>
-                                          </p:stCondLst>
-                                        </p:cTn>
-                                        <p:tgtEl>
-                                          <p:spTgt spid="9">
-                                            <p:txEl>
-                                              <p:pRg st="6" end="6"/>
-                                            </p:txEl>
-                                          </p:spTgt>
-                                        </p:tgtEl>
-                                        <p:attrNameLst>
-                                          <p:attrName>style.visibility</p:attrName>
-                                        </p:attrNameLst>
-                                      </p:cBhvr>
-                                      <p:to>
-                                        <p:strVal val="visible"/>
-                                      </p:to>
-                                    </p:set>
-                                  </p:childTnLst>
-                                </p:cTn>
-                              </p:par>
-                            </p:childTnLst>
-                          </p:cTn>
-                        </p:par>
-                      </p:childTnLst>
-                    </p:cTn>
-                  </p:par>
-                </p:childTnLst>
-              </p:cTn>
-              <p:prevCondLst>
-                <p:cond evt="onPrev" delay="0">
-                  <p:tgtEl>
-                    <p:sldTgt/>
-                  </p:tgtEl>
-                </p:cond>
-              </p:prevCondLst>
-              <p:nextCondLst>
-                <p:cond evt="onNext" delay="0">
-                  <p:tgtEl>
-                    <p:sldTgt/>
-                  </p:tgtEl>
-                </p:cond>
-              </p:nextCondLst>
-            </p:seq>
-          </p:childTnLst>
-        </p:cTn>
-      </p:par>
-    </p:tnLst>
-  </p:timing>
 </p:sld>
 </file>
 
@@ -23905,14 +23478,14 @@
             <p:ph idx="1"/>
             <p:extLst>
               <p:ext uri="{D42A27DB-BD31-4B8C-83A1-F6EECF244321}">
-                <p14:modId xmlns:p14="http://schemas.microsoft.com/office/powerpoint/2010/main" val="500168939"/>
+                <p14:modId xmlns:p14="http://schemas.microsoft.com/office/powerpoint/2010/main" val="3003681057"/>
               </p:ext>
             </p:extLst>
           </p:nvPr>
         </p:nvGraphicFramePr>
         <p:xfrm>
-          <a:off x="838200" y="1825625"/>
-          <a:ext cx="10515600" cy="4351338"/>
+          <a:off x="838200" y="2060020"/>
+          <a:ext cx="10515600" cy="4116941"/>
         </p:xfrm>
         <a:graphic>
           <a:graphicData uri="http://schemas.openxmlformats.org/drawingml/2006/diagram">
@@ -23920,6 +23493,38 @@
           </a:graphicData>
         </a:graphic>
       </p:graphicFrame>
+      <p:sp>
+        <p:nvSpPr>
+          <p:cNvPr id="4" name="TextBox 3"/>
+          <p:cNvSpPr txBox="1"/>
+          <p:nvPr/>
+        </p:nvSpPr>
+        <p:spPr>
+          <a:xfrm>
+            <a:off x="838200" y="1690688"/>
+            <a:ext cx="2956835" cy="369332"/>
+          </a:xfrm>
+          <a:prstGeom prst="rect">
+            <a:avLst/>
+          </a:prstGeom>
+          <a:noFill/>
+        </p:spPr>
+        <p:txBody>
+          <a:bodyPr wrap="none" rtlCol="0">
+            <a:spAutoFit/>
+          </a:bodyPr>
+          <a:lstStyle/>
+          <a:p>
+            <a:r>
+              <a:rPr lang="en-US" dirty="0">
+                <a:hlinkClick r:id="rId7"/>
+              </a:rPr>
+              <a:t>https://nginx.org/en/changes</a:t>
+            </a:r>
+            <a:endParaRPr lang="en-US" dirty="0"/>
+          </a:p>
+        </p:txBody>
+      </p:sp>
     </p:spTree>
     <p:extLst>
       <p:ext uri="{BB962C8B-B14F-4D97-AF65-F5344CB8AC3E}">
@@ -23930,443 +23535,6 @@
   <p:clrMapOvr>
     <a:masterClrMapping/>
   </p:clrMapOvr>
-  <p:timing>
-    <p:tnLst>
-      <p:par>
-        <p:cTn id="1" dur="indefinite" restart="never" nodeType="tmRoot">
-          <p:childTnLst>
-            <p:seq concurrent="1" nextAc="seek">
-              <p:cTn id="2" dur="indefinite" nodeType="mainSeq">
-                <p:childTnLst>
-                  <p:par>
-                    <p:cTn id="3" fill="hold">
-                      <p:stCondLst>
-                        <p:cond delay="indefinite"/>
-                      </p:stCondLst>
-                      <p:childTnLst>
-                        <p:par>
-                          <p:cTn id="4" fill="hold">
-                            <p:stCondLst>
-                              <p:cond delay="0"/>
-                            </p:stCondLst>
-                            <p:childTnLst>
-                              <p:par>
-                                <p:cTn id="5" presetID="1" presetClass="entr" presetSubtype="0" fill="hold" grpId="0" nodeType="clickEffect">
-                                  <p:stCondLst>
-                                    <p:cond delay="0"/>
-                                  </p:stCondLst>
-                                  <p:childTnLst>
-                                    <p:set>
-                                      <p:cBhvr>
-                                        <p:cTn id="6" dur="1" fill="hold">
-                                          <p:stCondLst>
-                                            <p:cond delay="0"/>
-                                          </p:stCondLst>
-                                        </p:cTn>
-                                        <p:tgtEl>
-                                          <p:spTgt spid="9">
-                                            <p:graphicEl>
-                                              <a:dgm id="{1627EC6B-F153-4D27-9E10-9BCE4926C1E7}"/>
-                                            </p:graphicEl>
-                                          </p:spTgt>
-                                        </p:tgtEl>
-                                        <p:attrNameLst>
-                                          <p:attrName>style.visibility</p:attrName>
-                                        </p:attrNameLst>
-                                      </p:cBhvr>
-                                      <p:to>
-                                        <p:strVal val="visible"/>
-                                      </p:to>
-                                    </p:set>
-                                  </p:childTnLst>
-                                </p:cTn>
-                              </p:par>
-                              <p:par>
-                                <p:cTn id="7" presetID="1" presetClass="entr" presetSubtype="0" fill="hold" grpId="0" nodeType="withEffect">
-                                  <p:stCondLst>
-                                    <p:cond delay="0"/>
-                                  </p:stCondLst>
-                                  <p:childTnLst>
-                                    <p:set>
-                                      <p:cBhvr>
-                                        <p:cTn id="8" dur="1" fill="hold">
-                                          <p:stCondLst>
-                                            <p:cond delay="0"/>
-                                          </p:stCondLst>
-                                        </p:cTn>
-                                        <p:tgtEl>
-                                          <p:spTgt spid="9">
-                                            <p:graphicEl>
-                                              <a:dgm id="{959B729B-2350-4B62-A776-9F5CDFF204DD}"/>
-                                            </p:graphicEl>
-                                          </p:spTgt>
-                                        </p:tgtEl>
-                                        <p:attrNameLst>
-                                          <p:attrName>style.visibility</p:attrName>
-                                        </p:attrNameLst>
-                                      </p:cBhvr>
-                                      <p:to>
-                                        <p:strVal val="visible"/>
-                                      </p:to>
-                                    </p:set>
-                                  </p:childTnLst>
-                                </p:cTn>
-                              </p:par>
-                            </p:childTnLst>
-                          </p:cTn>
-                        </p:par>
-                      </p:childTnLst>
-                    </p:cTn>
-                  </p:par>
-                  <p:par>
-                    <p:cTn id="9" fill="hold">
-                      <p:stCondLst>
-                        <p:cond delay="indefinite"/>
-                      </p:stCondLst>
-                      <p:childTnLst>
-                        <p:par>
-                          <p:cTn id="10" fill="hold">
-                            <p:stCondLst>
-                              <p:cond delay="0"/>
-                            </p:stCondLst>
-                            <p:childTnLst>
-                              <p:par>
-                                <p:cTn id="11" presetID="1" presetClass="entr" presetSubtype="0" fill="hold" grpId="0" nodeType="clickEffect">
-                                  <p:stCondLst>
-                                    <p:cond delay="0"/>
-                                  </p:stCondLst>
-                                  <p:childTnLst>
-                                    <p:set>
-                                      <p:cBhvr>
-                                        <p:cTn id="12" dur="1" fill="hold">
-                                          <p:stCondLst>
-                                            <p:cond delay="0"/>
-                                          </p:stCondLst>
-                                        </p:cTn>
-                                        <p:tgtEl>
-                                          <p:spTgt spid="9">
-                                            <p:graphicEl>
-                                              <a:dgm id="{C41001BC-6889-4AF2-96DA-BC93E107F2E3}"/>
-                                            </p:graphicEl>
-                                          </p:spTgt>
-                                        </p:tgtEl>
-                                        <p:attrNameLst>
-                                          <p:attrName>style.visibility</p:attrName>
-                                        </p:attrNameLst>
-                                      </p:cBhvr>
-                                      <p:to>
-                                        <p:strVal val="visible"/>
-                                      </p:to>
-                                    </p:set>
-                                  </p:childTnLst>
-                                </p:cTn>
-                              </p:par>
-                              <p:par>
-                                <p:cTn id="13" presetID="1" presetClass="entr" presetSubtype="0" fill="hold" grpId="0" nodeType="withEffect">
-                                  <p:stCondLst>
-                                    <p:cond delay="0"/>
-                                  </p:stCondLst>
-                                  <p:childTnLst>
-                                    <p:set>
-                                      <p:cBhvr>
-                                        <p:cTn id="14" dur="1" fill="hold">
-                                          <p:stCondLst>
-                                            <p:cond delay="0"/>
-                                          </p:stCondLst>
-                                        </p:cTn>
-                                        <p:tgtEl>
-                                          <p:spTgt spid="9">
-                                            <p:graphicEl>
-                                              <a:dgm id="{2A516A8D-1025-4A7F-91FB-C550F4FF574B}"/>
-                                            </p:graphicEl>
-                                          </p:spTgt>
-                                        </p:tgtEl>
-                                        <p:attrNameLst>
-                                          <p:attrName>style.visibility</p:attrName>
-                                        </p:attrNameLst>
-                                      </p:cBhvr>
-                                      <p:to>
-                                        <p:strVal val="visible"/>
-                                      </p:to>
-                                    </p:set>
-                                  </p:childTnLst>
-                                </p:cTn>
-                              </p:par>
-                            </p:childTnLst>
-                          </p:cTn>
-                        </p:par>
-                      </p:childTnLst>
-                    </p:cTn>
-                  </p:par>
-                  <p:par>
-                    <p:cTn id="15" fill="hold">
-                      <p:stCondLst>
-                        <p:cond delay="indefinite"/>
-                      </p:stCondLst>
-                      <p:childTnLst>
-                        <p:par>
-                          <p:cTn id="16" fill="hold">
-                            <p:stCondLst>
-                              <p:cond delay="0"/>
-                            </p:stCondLst>
-                            <p:childTnLst>
-                              <p:par>
-                                <p:cTn id="17" presetID="1" presetClass="entr" presetSubtype="0" fill="hold" grpId="0" nodeType="clickEffect">
-                                  <p:stCondLst>
-                                    <p:cond delay="0"/>
-                                  </p:stCondLst>
-                                  <p:childTnLst>
-                                    <p:set>
-                                      <p:cBhvr>
-                                        <p:cTn id="18" dur="1" fill="hold">
-                                          <p:stCondLst>
-                                            <p:cond delay="0"/>
-                                          </p:stCondLst>
-                                        </p:cTn>
-                                        <p:tgtEl>
-                                          <p:spTgt spid="9">
-                                            <p:graphicEl>
-                                              <a:dgm id="{10783724-3F34-4754-86D4-6732399E80F8}"/>
-                                            </p:graphicEl>
-                                          </p:spTgt>
-                                        </p:tgtEl>
-                                        <p:attrNameLst>
-                                          <p:attrName>style.visibility</p:attrName>
-                                        </p:attrNameLst>
-                                      </p:cBhvr>
-                                      <p:to>
-                                        <p:strVal val="visible"/>
-                                      </p:to>
-                                    </p:set>
-                                  </p:childTnLst>
-                                </p:cTn>
-                              </p:par>
-                              <p:par>
-                                <p:cTn id="19" presetID="1" presetClass="entr" presetSubtype="0" fill="hold" grpId="0" nodeType="withEffect">
-                                  <p:stCondLst>
-                                    <p:cond delay="0"/>
-                                  </p:stCondLst>
-                                  <p:childTnLst>
-                                    <p:set>
-                                      <p:cBhvr>
-                                        <p:cTn id="20" dur="1" fill="hold">
-                                          <p:stCondLst>
-                                            <p:cond delay="0"/>
-                                          </p:stCondLst>
-                                        </p:cTn>
-                                        <p:tgtEl>
-                                          <p:spTgt spid="9">
-                                            <p:graphicEl>
-                                              <a:dgm id="{58122DCD-5BDA-4622-8801-F57712FC5747}"/>
-                                            </p:graphicEl>
-                                          </p:spTgt>
-                                        </p:tgtEl>
-                                        <p:attrNameLst>
-                                          <p:attrName>style.visibility</p:attrName>
-                                        </p:attrNameLst>
-                                      </p:cBhvr>
-                                      <p:to>
-                                        <p:strVal val="visible"/>
-                                      </p:to>
-                                    </p:set>
-                                  </p:childTnLst>
-                                </p:cTn>
-                              </p:par>
-                            </p:childTnLst>
-                          </p:cTn>
-                        </p:par>
-                      </p:childTnLst>
-                    </p:cTn>
-                  </p:par>
-                  <p:par>
-                    <p:cTn id="21" fill="hold">
-                      <p:stCondLst>
-                        <p:cond delay="indefinite"/>
-                      </p:stCondLst>
-                      <p:childTnLst>
-                        <p:par>
-                          <p:cTn id="22" fill="hold">
-                            <p:stCondLst>
-                              <p:cond delay="0"/>
-                            </p:stCondLst>
-                            <p:childTnLst>
-                              <p:par>
-                                <p:cTn id="23" presetID="1" presetClass="entr" presetSubtype="0" fill="hold" grpId="0" nodeType="clickEffect">
-                                  <p:stCondLst>
-                                    <p:cond delay="0"/>
-                                  </p:stCondLst>
-                                  <p:childTnLst>
-                                    <p:set>
-                                      <p:cBhvr>
-                                        <p:cTn id="24" dur="1" fill="hold">
-                                          <p:stCondLst>
-                                            <p:cond delay="0"/>
-                                          </p:stCondLst>
-                                        </p:cTn>
-                                        <p:tgtEl>
-                                          <p:spTgt spid="9">
-                                            <p:graphicEl>
-                                              <a:dgm id="{59CE589D-CE7F-451D-B8CB-BF46CC65DC71}"/>
-                                            </p:graphicEl>
-                                          </p:spTgt>
-                                        </p:tgtEl>
-                                        <p:attrNameLst>
-                                          <p:attrName>style.visibility</p:attrName>
-                                        </p:attrNameLst>
-                                      </p:cBhvr>
-                                      <p:to>
-                                        <p:strVal val="visible"/>
-                                      </p:to>
-                                    </p:set>
-                                  </p:childTnLst>
-                                </p:cTn>
-                              </p:par>
-                              <p:par>
-                                <p:cTn id="25" presetID="1" presetClass="entr" presetSubtype="0" fill="hold" grpId="0" nodeType="withEffect">
-                                  <p:stCondLst>
-                                    <p:cond delay="0"/>
-                                  </p:stCondLst>
-                                  <p:childTnLst>
-                                    <p:set>
-                                      <p:cBhvr>
-                                        <p:cTn id="26" dur="1" fill="hold">
-                                          <p:stCondLst>
-                                            <p:cond delay="0"/>
-                                          </p:stCondLst>
-                                        </p:cTn>
-                                        <p:tgtEl>
-                                          <p:spTgt spid="9">
-                                            <p:graphicEl>
-                                              <a:dgm id="{2841C3B0-BA77-4ECC-8EB0-0D07D3E03FE0}"/>
-                                            </p:graphicEl>
-                                          </p:spTgt>
-                                        </p:tgtEl>
-                                        <p:attrNameLst>
-                                          <p:attrName>style.visibility</p:attrName>
-                                        </p:attrNameLst>
-                                      </p:cBhvr>
-                                      <p:to>
-                                        <p:strVal val="visible"/>
-                                      </p:to>
-                                    </p:set>
-                                  </p:childTnLst>
-                                </p:cTn>
-                              </p:par>
-                            </p:childTnLst>
-                          </p:cTn>
-                        </p:par>
-                      </p:childTnLst>
-                    </p:cTn>
-                  </p:par>
-                  <p:par>
-                    <p:cTn id="27" fill="hold">
-                      <p:stCondLst>
-                        <p:cond delay="indefinite"/>
-                      </p:stCondLst>
-                      <p:childTnLst>
-                        <p:par>
-                          <p:cTn id="28" fill="hold">
-                            <p:stCondLst>
-                              <p:cond delay="0"/>
-                            </p:stCondLst>
-                            <p:childTnLst>
-                              <p:par>
-                                <p:cTn id="29" presetID="1" presetClass="entr" presetSubtype="0" fill="hold" grpId="0" nodeType="clickEffect">
-                                  <p:stCondLst>
-                                    <p:cond delay="0"/>
-                                  </p:stCondLst>
-                                  <p:childTnLst>
-                                    <p:set>
-                                      <p:cBhvr>
-                                        <p:cTn id="30" dur="1" fill="hold">
-                                          <p:stCondLst>
-                                            <p:cond delay="0"/>
-                                          </p:stCondLst>
-                                        </p:cTn>
-                                        <p:tgtEl>
-                                          <p:spTgt spid="9">
-                                            <p:graphicEl>
-                                              <a:dgm id="{9A8208C1-2047-42D6-BF98-0EB6F1B77095}"/>
-                                            </p:graphicEl>
-                                          </p:spTgt>
-                                        </p:tgtEl>
-                                        <p:attrNameLst>
-                                          <p:attrName>style.visibility</p:attrName>
-                                        </p:attrNameLst>
-                                      </p:cBhvr>
-                                      <p:to>
-                                        <p:strVal val="visible"/>
-                                      </p:to>
-                                    </p:set>
-                                  </p:childTnLst>
-                                </p:cTn>
-                              </p:par>
-                              <p:par>
-                                <p:cTn id="31" presetID="1" presetClass="entr" presetSubtype="0" fill="hold" grpId="0" nodeType="withEffect">
-                                  <p:stCondLst>
-                                    <p:cond delay="0"/>
-                                  </p:stCondLst>
-                                  <p:childTnLst>
-                                    <p:set>
-                                      <p:cBhvr>
-                                        <p:cTn id="32" dur="1" fill="hold">
-                                          <p:stCondLst>
-                                            <p:cond delay="0"/>
-                                          </p:stCondLst>
-                                        </p:cTn>
-                                        <p:tgtEl>
-                                          <p:spTgt spid="9">
-                                            <p:graphicEl>
-                                              <a:dgm id="{CFF1DBCA-9EC9-430A-8EF8-F0A278417308}"/>
-                                            </p:graphicEl>
-                                          </p:spTgt>
-                                        </p:tgtEl>
-                                        <p:attrNameLst>
-                                          <p:attrName>style.visibility</p:attrName>
-                                        </p:attrNameLst>
-                                      </p:cBhvr>
-                                      <p:to>
-                                        <p:strVal val="visible"/>
-                                      </p:to>
-                                    </p:set>
-                                  </p:childTnLst>
-                                </p:cTn>
-                              </p:par>
-                            </p:childTnLst>
-                          </p:cTn>
-                        </p:par>
-                      </p:childTnLst>
-                    </p:cTn>
-                  </p:par>
-                </p:childTnLst>
-              </p:cTn>
-              <p:prevCondLst>
-                <p:cond evt="onPrev" delay="0">
-                  <p:tgtEl>
-                    <p:sldTgt/>
-                  </p:tgtEl>
-                </p:cond>
-              </p:prevCondLst>
-              <p:nextCondLst>
-                <p:cond evt="onNext" delay="0">
-                  <p:tgtEl>
-                    <p:sldTgt/>
-                  </p:tgtEl>
-                </p:cond>
-              </p:nextCondLst>
-            </p:seq>
-          </p:childTnLst>
-        </p:cTn>
-      </p:par>
-    </p:tnLst>
-    <p:bldLst>
-      <p:bldGraphic spid="9" grpId="0" uiExpand="1">
-        <p:bldSub>
-          <a:bldDgm bld="one"/>
-        </p:bldSub>
-      </p:bldGraphic>
-    </p:bldLst>
-  </p:timing>
 </p:sld>
 </file>
 
@@ -24473,329 +23641,6 @@
   <p:clrMapOvr>
     <a:masterClrMapping/>
   </p:clrMapOvr>
-  <p:timing>
-    <p:tnLst>
-      <p:par>
-        <p:cTn id="1" dur="indefinite" restart="never" nodeType="tmRoot">
-          <p:childTnLst>
-            <p:seq concurrent="1" nextAc="seek">
-              <p:cTn id="2" dur="indefinite" nodeType="mainSeq">
-                <p:childTnLst>
-                  <p:par>
-                    <p:cTn id="3" fill="hold">
-                      <p:stCondLst>
-                        <p:cond delay="indefinite"/>
-                      </p:stCondLst>
-                      <p:childTnLst>
-                        <p:par>
-                          <p:cTn id="4" fill="hold">
-                            <p:stCondLst>
-                              <p:cond delay="0"/>
-                            </p:stCondLst>
-                            <p:childTnLst>
-                              <p:par>
-                                <p:cTn id="5" presetID="1" presetClass="entr" presetSubtype="0" fill="hold" grpId="0" nodeType="clickEffect">
-                                  <p:stCondLst>
-                                    <p:cond delay="0"/>
-                                  </p:stCondLst>
-                                  <p:childTnLst>
-                                    <p:set>
-                                      <p:cBhvr>
-                                        <p:cTn id="6" dur="1" fill="hold">
-                                          <p:stCondLst>
-                                            <p:cond delay="0"/>
-                                          </p:stCondLst>
-                                        </p:cTn>
-                                        <p:tgtEl>
-                                          <p:spTgt spid="7">
-                                            <p:graphicEl>
-                                              <a:dgm id="{6A47AA96-41CF-4090-9DC6-2E50F727FB92}"/>
-                                            </p:graphicEl>
-                                          </p:spTgt>
-                                        </p:tgtEl>
-                                        <p:attrNameLst>
-                                          <p:attrName>style.visibility</p:attrName>
-                                        </p:attrNameLst>
-                                      </p:cBhvr>
-                                      <p:to>
-                                        <p:strVal val="visible"/>
-                                      </p:to>
-                                    </p:set>
-                                  </p:childTnLst>
-                                </p:cTn>
-                              </p:par>
-                              <p:par>
-                                <p:cTn id="7" presetID="1" presetClass="entr" presetSubtype="0" fill="hold" grpId="0" nodeType="withEffect">
-                                  <p:stCondLst>
-                                    <p:cond delay="0"/>
-                                  </p:stCondLst>
-                                  <p:childTnLst>
-                                    <p:set>
-                                      <p:cBhvr>
-                                        <p:cTn id="8" dur="1" fill="hold">
-                                          <p:stCondLst>
-                                            <p:cond delay="0"/>
-                                          </p:stCondLst>
-                                        </p:cTn>
-                                        <p:tgtEl>
-                                          <p:spTgt spid="7">
-                                            <p:graphicEl>
-                                              <a:dgm id="{BB2D26E7-1744-448D-AB20-2FEF4B21F9F9}"/>
-                                            </p:graphicEl>
-                                          </p:spTgt>
-                                        </p:tgtEl>
-                                        <p:attrNameLst>
-                                          <p:attrName>style.visibility</p:attrName>
-                                        </p:attrNameLst>
-                                      </p:cBhvr>
-                                      <p:to>
-                                        <p:strVal val="visible"/>
-                                      </p:to>
-                                    </p:set>
-                                  </p:childTnLst>
-                                </p:cTn>
-                              </p:par>
-                            </p:childTnLst>
-                          </p:cTn>
-                        </p:par>
-                      </p:childTnLst>
-                    </p:cTn>
-                  </p:par>
-                  <p:par>
-                    <p:cTn id="9" fill="hold">
-                      <p:stCondLst>
-                        <p:cond delay="indefinite"/>
-                      </p:stCondLst>
-                      <p:childTnLst>
-                        <p:par>
-                          <p:cTn id="10" fill="hold">
-                            <p:stCondLst>
-                              <p:cond delay="0"/>
-                            </p:stCondLst>
-                            <p:childTnLst>
-                              <p:par>
-                                <p:cTn id="11" presetID="1" presetClass="entr" presetSubtype="0" fill="hold" grpId="0" nodeType="clickEffect">
-                                  <p:stCondLst>
-                                    <p:cond delay="0"/>
-                                  </p:stCondLst>
-                                  <p:childTnLst>
-                                    <p:set>
-                                      <p:cBhvr>
-                                        <p:cTn id="12" dur="1" fill="hold">
-                                          <p:stCondLst>
-                                            <p:cond delay="0"/>
-                                          </p:stCondLst>
-                                        </p:cTn>
-                                        <p:tgtEl>
-                                          <p:spTgt spid="7">
-                                            <p:graphicEl>
-                                              <a:dgm id="{7F30D152-0FA3-4723-B754-CA617D691D24}"/>
-                                            </p:graphicEl>
-                                          </p:spTgt>
-                                        </p:tgtEl>
-                                        <p:attrNameLst>
-                                          <p:attrName>style.visibility</p:attrName>
-                                        </p:attrNameLst>
-                                      </p:cBhvr>
-                                      <p:to>
-                                        <p:strVal val="visible"/>
-                                      </p:to>
-                                    </p:set>
-                                  </p:childTnLst>
-                                </p:cTn>
-                              </p:par>
-                              <p:par>
-                                <p:cTn id="13" presetID="1" presetClass="entr" presetSubtype="0" fill="hold" grpId="0" nodeType="withEffect">
-                                  <p:stCondLst>
-                                    <p:cond delay="0"/>
-                                  </p:stCondLst>
-                                  <p:childTnLst>
-                                    <p:set>
-                                      <p:cBhvr>
-                                        <p:cTn id="14" dur="1" fill="hold">
-                                          <p:stCondLst>
-                                            <p:cond delay="0"/>
-                                          </p:stCondLst>
-                                        </p:cTn>
-                                        <p:tgtEl>
-                                          <p:spTgt spid="7">
-                                            <p:graphicEl>
-                                              <a:dgm id="{A495E15A-2DCA-48A7-A75E-6EDEAFD462FF}"/>
-                                            </p:graphicEl>
-                                          </p:spTgt>
-                                        </p:tgtEl>
-                                        <p:attrNameLst>
-                                          <p:attrName>style.visibility</p:attrName>
-                                        </p:attrNameLst>
-                                      </p:cBhvr>
-                                      <p:to>
-                                        <p:strVal val="visible"/>
-                                      </p:to>
-                                    </p:set>
-                                  </p:childTnLst>
-                                </p:cTn>
-                              </p:par>
-                            </p:childTnLst>
-                          </p:cTn>
-                        </p:par>
-                      </p:childTnLst>
-                    </p:cTn>
-                  </p:par>
-                  <p:par>
-                    <p:cTn id="15" fill="hold">
-                      <p:stCondLst>
-                        <p:cond delay="indefinite"/>
-                      </p:stCondLst>
-                      <p:childTnLst>
-                        <p:par>
-                          <p:cTn id="16" fill="hold">
-                            <p:stCondLst>
-                              <p:cond delay="0"/>
-                            </p:stCondLst>
-                            <p:childTnLst>
-                              <p:par>
-                                <p:cTn id="17" presetID="1" presetClass="entr" presetSubtype="0" fill="hold" grpId="0" nodeType="clickEffect">
-                                  <p:stCondLst>
-                                    <p:cond delay="0"/>
-                                  </p:stCondLst>
-                                  <p:childTnLst>
-                                    <p:set>
-                                      <p:cBhvr>
-                                        <p:cTn id="18" dur="1" fill="hold">
-                                          <p:stCondLst>
-                                            <p:cond delay="0"/>
-                                          </p:stCondLst>
-                                        </p:cTn>
-                                        <p:tgtEl>
-                                          <p:spTgt spid="7">
-                                            <p:graphicEl>
-                                              <a:dgm id="{D1090E24-489B-4FC2-BF67-931A99015F4B}"/>
-                                            </p:graphicEl>
-                                          </p:spTgt>
-                                        </p:tgtEl>
-                                        <p:attrNameLst>
-                                          <p:attrName>style.visibility</p:attrName>
-                                        </p:attrNameLst>
-                                      </p:cBhvr>
-                                      <p:to>
-                                        <p:strVal val="visible"/>
-                                      </p:to>
-                                    </p:set>
-                                  </p:childTnLst>
-                                </p:cTn>
-                              </p:par>
-                              <p:par>
-                                <p:cTn id="19" presetID="1" presetClass="entr" presetSubtype="0" fill="hold" grpId="0" nodeType="withEffect">
-                                  <p:stCondLst>
-                                    <p:cond delay="0"/>
-                                  </p:stCondLst>
-                                  <p:childTnLst>
-                                    <p:set>
-                                      <p:cBhvr>
-                                        <p:cTn id="20" dur="1" fill="hold">
-                                          <p:stCondLst>
-                                            <p:cond delay="0"/>
-                                          </p:stCondLst>
-                                        </p:cTn>
-                                        <p:tgtEl>
-                                          <p:spTgt spid="7">
-                                            <p:graphicEl>
-                                              <a:dgm id="{35954328-C5FD-403D-BF01-8821CC6B6030}"/>
-                                            </p:graphicEl>
-                                          </p:spTgt>
-                                        </p:tgtEl>
-                                        <p:attrNameLst>
-                                          <p:attrName>style.visibility</p:attrName>
-                                        </p:attrNameLst>
-                                      </p:cBhvr>
-                                      <p:to>
-                                        <p:strVal val="visible"/>
-                                      </p:to>
-                                    </p:set>
-                                  </p:childTnLst>
-                                </p:cTn>
-                              </p:par>
-                            </p:childTnLst>
-                          </p:cTn>
-                        </p:par>
-                      </p:childTnLst>
-                    </p:cTn>
-                  </p:par>
-                  <p:par>
-                    <p:cTn id="21" fill="hold">
-                      <p:stCondLst>
-                        <p:cond delay="indefinite"/>
-                      </p:stCondLst>
-                      <p:childTnLst>
-                        <p:par>
-                          <p:cTn id="22" fill="hold">
-                            <p:stCondLst>
-                              <p:cond delay="0"/>
-                            </p:stCondLst>
-                            <p:childTnLst>
-                              <p:par>
-                                <p:cTn id="23" presetID="1" presetClass="entr" presetSubtype="0" fill="hold" grpId="0" nodeType="clickEffect">
-                                  <p:stCondLst>
-                                    <p:cond delay="0"/>
-                                  </p:stCondLst>
-                                  <p:childTnLst>
-                                    <p:set>
-                                      <p:cBhvr>
-                                        <p:cTn id="24" dur="1" fill="hold">
-                                          <p:stCondLst>
-                                            <p:cond delay="0"/>
-                                          </p:stCondLst>
-                                        </p:cTn>
-                                        <p:tgtEl>
-                                          <p:spTgt spid="8"/>
-                                        </p:tgtEl>
-                                        <p:attrNameLst>
-                                          <p:attrName>style.visibility</p:attrName>
-                                        </p:attrNameLst>
-                                      </p:cBhvr>
-                                      <p:to>
-                                        <p:strVal val="visible"/>
-                                      </p:to>
-                                    </p:set>
-                                  </p:childTnLst>
-                                </p:cTn>
-                              </p:par>
-                            </p:childTnLst>
-                          </p:cTn>
-                        </p:par>
-                      </p:childTnLst>
-                    </p:cTn>
-                  </p:par>
-                </p:childTnLst>
-              </p:cTn>
-              <p:prevCondLst>
-                <p:cond evt="onPrev" delay="0">
-                  <p:tgtEl>
-                    <p:sldTgt/>
-                  </p:tgtEl>
-                </p:cond>
-              </p:prevCondLst>
-              <p:nextCondLst>
-                <p:cond evt="onNext" delay="0">
-                  <p:tgtEl>
-                    <p:sldTgt/>
-                  </p:tgtEl>
-                </p:cond>
-              </p:nextCondLst>
-            </p:seq>
-          </p:childTnLst>
-        </p:cTn>
-      </p:par>
-    </p:tnLst>
-    <p:bldLst>
-      <p:bldGraphic spid="7" grpId="0" uiExpand="1">
-        <p:bldSub>
-          <a:bldDgm bld="one"/>
-        </p:bldSub>
-      </p:bldGraphic>
-      <p:bldP spid="8" grpId="0"/>
-    </p:bldLst>
-  </p:timing>
 </p:sld>
 </file>
 
@@ -24873,283 +23718,6 @@
   <p:clrMapOvr>
     <a:masterClrMapping/>
   </p:clrMapOvr>
-  <p:timing>
-    <p:tnLst>
-      <p:par>
-        <p:cTn id="1" dur="indefinite" restart="never" nodeType="tmRoot">
-          <p:childTnLst>
-            <p:seq concurrent="1" nextAc="seek">
-              <p:cTn id="2" dur="indefinite" nodeType="mainSeq">
-                <p:childTnLst>
-                  <p:par>
-                    <p:cTn id="3" fill="hold">
-                      <p:stCondLst>
-                        <p:cond delay="indefinite"/>
-                      </p:stCondLst>
-                      <p:childTnLst>
-                        <p:par>
-                          <p:cTn id="4" fill="hold">
-                            <p:stCondLst>
-                              <p:cond delay="0"/>
-                            </p:stCondLst>
-                            <p:childTnLst>
-                              <p:par>
-                                <p:cTn id="5" presetID="1" presetClass="entr" presetSubtype="0" fill="hold" grpId="0" nodeType="clickEffect">
-                                  <p:stCondLst>
-                                    <p:cond delay="0"/>
-                                  </p:stCondLst>
-                                  <p:childTnLst>
-                                    <p:set>
-                                      <p:cBhvr>
-                                        <p:cTn id="6" dur="1" fill="hold">
-                                          <p:stCondLst>
-                                            <p:cond delay="0"/>
-                                          </p:stCondLst>
-                                        </p:cTn>
-                                        <p:tgtEl>
-                                          <p:spTgt spid="5">
-                                            <p:graphicEl>
-                                              <a:dgm id="{58A77292-9C70-4153-A2C2-4FCB82C48DE5}"/>
-                                            </p:graphicEl>
-                                          </p:spTgt>
-                                        </p:tgtEl>
-                                        <p:attrNameLst>
-                                          <p:attrName>style.visibility</p:attrName>
-                                        </p:attrNameLst>
-                                      </p:cBhvr>
-                                      <p:to>
-                                        <p:strVal val="visible"/>
-                                      </p:to>
-                                    </p:set>
-                                  </p:childTnLst>
-                                </p:cTn>
-                              </p:par>
-                              <p:par>
-                                <p:cTn id="7" presetID="1" presetClass="entr" presetSubtype="0" fill="hold" grpId="0" nodeType="withEffect">
-                                  <p:stCondLst>
-                                    <p:cond delay="0"/>
-                                  </p:stCondLst>
-                                  <p:childTnLst>
-                                    <p:set>
-                                      <p:cBhvr>
-                                        <p:cTn id="8" dur="1" fill="hold">
-                                          <p:stCondLst>
-                                            <p:cond delay="0"/>
-                                          </p:stCondLst>
-                                        </p:cTn>
-                                        <p:tgtEl>
-                                          <p:spTgt spid="5">
-                                            <p:graphicEl>
-                                              <a:dgm id="{276AD895-5DAD-4D83-8EAC-ABCCF854EC9C}"/>
-                                            </p:graphicEl>
-                                          </p:spTgt>
-                                        </p:tgtEl>
-                                        <p:attrNameLst>
-                                          <p:attrName>style.visibility</p:attrName>
-                                        </p:attrNameLst>
-                                      </p:cBhvr>
-                                      <p:to>
-                                        <p:strVal val="visible"/>
-                                      </p:to>
-                                    </p:set>
-                                  </p:childTnLst>
-                                </p:cTn>
-                              </p:par>
-                            </p:childTnLst>
-                          </p:cTn>
-                        </p:par>
-                      </p:childTnLst>
-                    </p:cTn>
-                  </p:par>
-                  <p:par>
-                    <p:cTn id="9" fill="hold">
-                      <p:stCondLst>
-                        <p:cond delay="indefinite"/>
-                      </p:stCondLst>
-                      <p:childTnLst>
-                        <p:par>
-                          <p:cTn id="10" fill="hold">
-                            <p:stCondLst>
-                              <p:cond delay="0"/>
-                            </p:stCondLst>
-                            <p:childTnLst>
-                              <p:par>
-                                <p:cTn id="11" presetID="1" presetClass="entr" presetSubtype="0" fill="hold" grpId="0" nodeType="clickEffect">
-                                  <p:stCondLst>
-                                    <p:cond delay="0"/>
-                                  </p:stCondLst>
-                                  <p:childTnLst>
-                                    <p:set>
-                                      <p:cBhvr>
-                                        <p:cTn id="12" dur="1" fill="hold">
-                                          <p:stCondLst>
-                                            <p:cond delay="0"/>
-                                          </p:stCondLst>
-                                        </p:cTn>
-                                        <p:tgtEl>
-                                          <p:spTgt spid="5">
-                                            <p:graphicEl>
-                                              <a:dgm id="{54207CA8-121C-459C-B566-EF5EE22C7831}"/>
-                                            </p:graphicEl>
-                                          </p:spTgt>
-                                        </p:tgtEl>
-                                        <p:attrNameLst>
-                                          <p:attrName>style.visibility</p:attrName>
-                                        </p:attrNameLst>
-                                      </p:cBhvr>
-                                      <p:to>
-                                        <p:strVal val="visible"/>
-                                      </p:to>
-                                    </p:set>
-                                  </p:childTnLst>
-                                </p:cTn>
-                              </p:par>
-                              <p:par>
-                                <p:cTn id="13" presetID="1" presetClass="entr" presetSubtype="0" fill="hold" grpId="0" nodeType="withEffect">
-                                  <p:stCondLst>
-                                    <p:cond delay="0"/>
-                                  </p:stCondLst>
-                                  <p:childTnLst>
-                                    <p:set>
-                                      <p:cBhvr>
-                                        <p:cTn id="14" dur="1" fill="hold">
-                                          <p:stCondLst>
-                                            <p:cond delay="0"/>
-                                          </p:stCondLst>
-                                        </p:cTn>
-                                        <p:tgtEl>
-                                          <p:spTgt spid="5">
-                                            <p:graphicEl>
-                                              <a:dgm id="{9A2AB9A9-8981-4605-A3F9-C986271F2BE9}"/>
-                                            </p:graphicEl>
-                                          </p:spTgt>
-                                        </p:tgtEl>
-                                        <p:attrNameLst>
-                                          <p:attrName>style.visibility</p:attrName>
-                                        </p:attrNameLst>
-                                      </p:cBhvr>
-                                      <p:to>
-                                        <p:strVal val="visible"/>
-                                      </p:to>
-                                    </p:set>
-                                  </p:childTnLst>
-                                </p:cTn>
-                              </p:par>
-                            </p:childTnLst>
-                          </p:cTn>
-                        </p:par>
-                      </p:childTnLst>
-                    </p:cTn>
-                  </p:par>
-                  <p:par>
-                    <p:cTn id="15" fill="hold">
-                      <p:stCondLst>
-                        <p:cond delay="indefinite"/>
-                      </p:stCondLst>
-                      <p:childTnLst>
-                        <p:par>
-                          <p:cTn id="16" fill="hold">
-                            <p:stCondLst>
-                              <p:cond delay="0"/>
-                            </p:stCondLst>
-                            <p:childTnLst>
-                              <p:par>
-                                <p:cTn id="17" presetID="1" presetClass="entr" presetSubtype="0" fill="hold" grpId="0" nodeType="clickEffect">
-                                  <p:stCondLst>
-                                    <p:cond delay="0"/>
-                                  </p:stCondLst>
-                                  <p:childTnLst>
-                                    <p:set>
-                                      <p:cBhvr>
-                                        <p:cTn id="18" dur="1" fill="hold">
-                                          <p:stCondLst>
-                                            <p:cond delay="0"/>
-                                          </p:stCondLst>
-                                        </p:cTn>
-                                        <p:tgtEl>
-                                          <p:spTgt spid="5">
-                                            <p:graphicEl>
-                                              <a:dgm id="{45B88E1D-EF77-4085-8324-FC64D6CEBBFC}"/>
-                                            </p:graphicEl>
-                                          </p:spTgt>
-                                        </p:tgtEl>
-                                        <p:attrNameLst>
-                                          <p:attrName>style.visibility</p:attrName>
-                                        </p:attrNameLst>
-                                      </p:cBhvr>
-                                      <p:to>
-                                        <p:strVal val="visible"/>
-                                      </p:to>
-                                    </p:set>
-                                  </p:childTnLst>
-                                </p:cTn>
-                              </p:par>
-                              <p:par>
-                                <p:cTn id="19" presetID="1" presetClass="entr" presetSubtype="0" fill="hold" grpId="0" nodeType="withEffect">
-                                  <p:stCondLst>
-                                    <p:cond delay="0"/>
-                                  </p:stCondLst>
-                                  <p:childTnLst>
-                                    <p:set>
-                                      <p:cBhvr>
-                                        <p:cTn id="20" dur="1" fill="hold">
-                                          <p:stCondLst>
-                                            <p:cond delay="0"/>
-                                          </p:stCondLst>
-                                        </p:cTn>
-                                        <p:tgtEl>
-                                          <p:spTgt spid="5">
-                                            <p:graphicEl>
-                                              <a:dgm id="{5591D56E-8775-4297-9F61-FBC4B6929FA0}"/>
-                                            </p:graphicEl>
-                                          </p:spTgt>
-                                        </p:tgtEl>
-                                        <p:attrNameLst>
-                                          <p:attrName>style.visibility</p:attrName>
-                                        </p:attrNameLst>
-                                      </p:cBhvr>
-                                      <p:to>
-                                        <p:strVal val="visible"/>
-                                      </p:to>
-                                    </p:set>
-                                  </p:childTnLst>
-                                </p:cTn>
-                              </p:par>
-                            </p:childTnLst>
-                          </p:cTn>
-                        </p:par>
-                      </p:childTnLst>
-                    </p:cTn>
-                  </p:par>
-                </p:childTnLst>
-              </p:cTn>
-              <p:prevCondLst>
-                <p:cond evt="onPrev" delay="0">
-                  <p:tgtEl>
-                    <p:sldTgt/>
-                  </p:tgtEl>
-                </p:cond>
-              </p:prevCondLst>
-              <p:nextCondLst>
-                <p:cond evt="onNext" delay="0">
-                  <p:tgtEl>
-                    <p:sldTgt/>
-                  </p:tgtEl>
-                </p:cond>
-              </p:nextCondLst>
-            </p:seq>
-          </p:childTnLst>
-        </p:cTn>
-      </p:par>
-    </p:tnLst>
-    <p:bldLst>
-      <p:bldGraphic spid="5" grpId="0" uiExpand="1">
-        <p:bldSub>
-          <a:bldDgm bld="one"/>
-        </p:bldSub>
-      </p:bldGraphic>
-    </p:bldLst>
-  </p:timing>
 </p:sld>
 </file>
 
@@ -25227,203 +23795,6 @@
   <p:clrMapOvr>
     <a:masterClrMapping/>
   </p:clrMapOvr>
-  <p:timing>
-    <p:tnLst>
-      <p:par>
-        <p:cTn id="1" dur="indefinite" restart="never" nodeType="tmRoot">
-          <p:childTnLst>
-            <p:seq concurrent="1" nextAc="seek">
-              <p:cTn id="2" dur="indefinite" nodeType="mainSeq">
-                <p:childTnLst>
-                  <p:par>
-                    <p:cTn id="3" fill="hold">
-                      <p:stCondLst>
-                        <p:cond delay="indefinite"/>
-                      </p:stCondLst>
-                      <p:childTnLst>
-                        <p:par>
-                          <p:cTn id="4" fill="hold">
-                            <p:stCondLst>
-                              <p:cond delay="0"/>
-                            </p:stCondLst>
-                            <p:childTnLst>
-                              <p:par>
-                                <p:cTn id="5" presetID="1" presetClass="entr" presetSubtype="0" fill="hold" grpId="0" nodeType="clickEffect">
-                                  <p:stCondLst>
-                                    <p:cond delay="0"/>
-                                  </p:stCondLst>
-                                  <p:childTnLst>
-                                    <p:set>
-                                      <p:cBhvr>
-                                        <p:cTn id="6" dur="1" fill="hold">
-                                          <p:stCondLst>
-                                            <p:cond delay="0"/>
-                                          </p:stCondLst>
-                                        </p:cTn>
-                                        <p:tgtEl>
-                                          <p:spTgt spid="4">
-                                            <p:graphicEl>
-                                              <a:dgm id="{D97F5EA5-23A9-4A06-A33A-C1678726C507}"/>
-                                            </p:graphicEl>
-                                          </p:spTgt>
-                                        </p:tgtEl>
-                                        <p:attrNameLst>
-                                          <p:attrName>style.visibility</p:attrName>
-                                        </p:attrNameLst>
-                                      </p:cBhvr>
-                                      <p:to>
-                                        <p:strVal val="visible"/>
-                                      </p:to>
-                                    </p:set>
-                                  </p:childTnLst>
-                                </p:cTn>
-                              </p:par>
-                              <p:par>
-                                <p:cTn id="7" presetID="1" presetClass="entr" presetSubtype="0" fill="hold" grpId="0" nodeType="withEffect">
-                                  <p:stCondLst>
-                                    <p:cond delay="0"/>
-                                  </p:stCondLst>
-                                  <p:childTnLst>
-                                    <p:set>
-                                      <p:cBhvr>
-                                        <p:cTn id="8" dur="1" fill="hold">
-                                          <p:stCondLst>
-                                            <p:cond delay="0"/>
-                                          </p:stCondLst>
-                                        </p:cTn>
-                                        <p:tgtEl>
-                                          <p:spTgt spid="4">
-                                            <p:graphicEl>
-                                              <a:dgm id="{1C8F4E76-3448-4399-82D6-002EE60A21FD}"/>
-                                            </p:graphicEl>
-                                          </p:spTgt>
-                                        </p:tgtEl>
-                                        <p:attrNameLst>
-                                          <p:attrName>style.visibility</p:attrName>
-                                        </p:attrNameLst>
-                                      </p:cBhvr>
-                                      <p:to>
-                                        <p:strVal val="visible"/>
-                                      </p:to>
-                                    </p:set>
-                                  </p:childTnLst>
-                                </p:cTn>
-                              </p:par>
-                            </p:childTnLst>
-                          </p:cTn>
-                        </p:par>
-                      </p:childTnLst>
-                    </p:cTn>
-                  </p:par>
-                  <p:par>
-                    <p:cTn id="9" fill="hold">
-                      <p:stCondLst>
-                        <p:cond delay="indefinite"/>
-                      </p:stCondLst>
-                      <p:childTnLst>
-                        <p:par>
-                          <p:cTn id="10" fill="hold">
-                            <p:stCondLst>
-                              <p:cond delay="0"/>
-                            </p:stCondLst>
-                            <p:childTnLst>
-                              <p:par>
-                                <p:cTn id="11" presetID="1" presetClass="entr" presetSubtype="0" fill="hold" grpId="0" nodeType="clickEffect">
-                                  <p:stCondLst>
-                                    <p:cond delay="0"/>
-                                  </p:stCondLst>
-                                  <p:childTnLst>
-                                    <p:set>
-                                      <p:cBhvr>
-                                        <p:cTn id="12" dur="1" fill="hold">
-                                          <p:stCondLst>
-                                            <p:cond delay="0"/>
-                                          </p:stCondLst>
-                                        </p:cTn>
-                                        <p:tgtEl>
-                                          <p:spTgt spid="4">
-                                            <p:graphicEl>
-                                              <a:dgm id="{56E9793E-B615-4D54-9CB4-E5840159CFED}"/>
-                                            </p:graphicEl>
-                                          </p:spTgt>
-                                        </p:tgtEl>
-                                        <p:attrNameLst>
-                                          <p:attrName>style.visibility</p:attrName>
-                                        </p:attrNameLst>
-                                      </p:cBhvr>
-                                      <p:to>
-                                        <p:strVal val="visible"/>
-                                      </p:to>
-                                    </p:set>
-                                  </p:childTnLst>
-                                </p:cTn>
-                              </p:par>
-                              <p:par>
-                                <p:cTn id="13" presetID="1" presetClass="entr" presetSubtype="0" fill="hold" grpId="0" nodeType="withEffect">
-                                  <p:stCondLst>
-                                    <p:cond delay="0"/>
-                                  </p:stCondLst>
-                                  <p:childTnLst>
-                                    <p:set>
-                                      <p:cBhvr>
-                                        <p:cTn id="14" dur="1" fill="hold">
-                                          <p:stCondLst>
-                                            <p:cond delay="0"/>
-                                          </p:stCondLst>
-                                        </p:cTn>
-                                        <p:tgtEl>
-                                          <p:spTgt spid="4">
-                                            <p:graphicEl>
-                                              <a:dgm id="{3EF00413-2AB7-4C85-946D-17AF1EA2F809}"/>
-                                            </p:graphicEl>
-                                          </p:spTgt>
-                                        </p:tgtEl>
-                                        <p:attrNameLst>
-                                          <p:attrName>style.visibility</p:attrName>
-                                        </p:attrNameLst>
-                                      </p:cBhvr>
-                                      <p:to>
-                                        <p:strVal val="visible"/>
-                                      </p:to>
-                                    </p:set>
-                                  </p:childTnLst>
-                                </p:cTn>
-                              </p:par>
-                            </p:childTnLst>
-                          </p:cTn>
-                        </p:par>
-                      </p:childTnLst>
-                    </p:cTn>
-                  </p:par>
-                </p:childTnLst>
-              </p:cTn>
-              <p:prevCondLst>
-                <p:cond evt="onPrev" delay="0">
-                  <p:tgtEl>
-                    <p:sldTgt/>
-                  </p:tgtEl>
-                </p:cond>
-              </p:prevCondLst>
-              <p:nextCondLst>
-                <p:cond evt="onNext" delay="0">
-                  <p:tgtEl>
-                    <p:sldTgt/>
-                  </p:tgtEl>
-                </p:cond>
-              </p:nextCondLst>
-            </p:seq>
-          </p:childTnLst>
-        </p:cTn>
-      </p:par>
-    </p:tnLst>
-    <p:bldLst>
-      <p:bldGraphic spid="4" grpId="0" uiExpand="1">
-        <p:bldSub>
-          <a:bldDgm bld="one"/>
-        </p:bldSub>
-      </p:bldGraphic>
-    </p:bldLst>
-  </p:timing>
 </p:sld>
 </file>
 
@@ -25507,88 +23878,6 @@
   <p:clrMapOvr>
     <a:masterClrMapping/>
   </p:clrMapOvr>
-  <p:timing>
-    <p:tnLst>
-      <p:par>
-        <p:cTn id="1" dur="indefinite" restart="never" nodeType="tmRoot">
-          <p:childTnLst>
-            <p:seq concurrent="1" nextAc="seek">
-              <p:cTn id="2" dur="indefinite" nodeType="mainSeq">
-                <p:childTnLst>
-                  <p:par>
-                    <p:cTn id="3" fill="hold">
-                      <p:stCondLst>
-                        <p:cond delay="indefinite"/>
-                      </p:stCondLst>
-                      <p:childTnLst>
-                        <p:par>
-                          <p:cTn id="4" fill="hold">
-                            <p:stCondLst>
-                              <p:cond delay="0"/>
-                            </p:stCondLst>
-                            <p:childTnLst>
-                              <p:par>
-                                <p:cTn id="5" presetID="1" presetClass="entr" presetSubtype="0" fill="hold" grpId="0" nodeType="clickEffect">
-                                  <p:stCondLst>
-                                    <p:cond delay="0"/>
-                                  </p:stCondLst>
-                                  <p:childTnLst>
-                                    <p:set>
-                                      <p:cBhvr>
-                                        <p:cTn id="6" dur="1" fill="hold">
-                                          <p:stCondLst>
-                                            <p:cond delay="0"/>
-                                          </p:stCondLst>
-                                        </p:cTn>
-                                        <p:tgtEl>
-                                          <p:spTgt spid="5">
-                                            <p:txEl>
-                                              <p:pRg st="0" end="0"/>
-                                            </p:txEl>
-                                          </p:spTgt>
-                                        </p:tgtEl>
-                                        <p:attrNameLst>
-                                          <p:attrName>style.visibility</p:attrName>
-                                        </p:attrNameLst>
-                                      </p:cBhvr>
-                                      <p:to>
-                                        <p:strVal val="visible"/>
-                                      </p:to>
-                                    </p:set>
-                                  </p:childTnLst>
-                                </p:cTn>
-                              </p:par>
-                            </p:childTnLst>
-                          </p:cTn>
-                        </p:par>
-                      </p:childTnLst>
-                    </p:cTn>
-                  </p:par>
-                </p:childTnLst>
-              </p:cTn>
-              <p:prevCondLst>
-                <p:cond evt="onPrev" delay="0">
-                  <p:tgtEl>
-                    <p:sldTgt/>
-                  </p:tgtEl>
-                </p:cond>
-              </p:prevCondLst>
-              <p:nextCondLst>
-                <p:cond evt="onNext" delay="0">
-                  <p:tgtEl>
-                    <p:sldTgt/>
-                  </p:tgtEl>
-                </p:cond>
-              </p:nextCondLst>
-            </p:seq>
-          </p:childTnLst>
-        </p:cTn>
-      </p:par>
-    </p:tnLst>
-    <p:bldLst>
-      <p:bldP spid="5" grpId="0" build="p"/>
-    </p:bldLst>
-  </p:timing>
 </p:sld>
 </file>
 
@@ -25701,84 +23990,6 @@
   <p:clrMapOvr>
     <a:masterClrMapping/>
   </p:clrMapOvr>
-  <p:timing>
-    <p:tnLst>
-      <p:par>
-        <p:cTn id="1" dur="indefinite" restart="never" nodeType="tmRoot">
-          <p:childTnLst>
-            <p:seq concurrent="1" nextAc="seek">
-              <p:cTn id="2" dur="indefinite" nodeType="mainSeq">
-                <p:childTnLst>
-                  <p:par>
-                    <p:cTn id="3" fill="hold">
-                      <p:stCondLst>
-                        <p:cond delay="indefinite"/>
-                      </p:stCondLst>
-                      <p:childTnLst>
-                        <p:par>
-                          <p:cTn id="4" fill="hold">
-                            <p:stCondLst>
-                              <p:cond delay="0"/>
-                            </p:stCondLst>
-                            <p:childTnLst>
-                              <p:par>
-                                <p:cTn id="5" presetID="1" presetClass="entr" presetSubtype="0" fill="hold" grpId="0" nodeType="clickEffect">
-                                  <p:stCondLst>
-                                    <p:cond delay="0"/>
-                                  </p:stCondLst>
-                                  <p:childTnLst>
-                                    <p:set>
-                                      <p:cBhvr>
-                                        <p:cTn id="6" dur="1" fill="hold">
-                                          <p:stCondLst>
-                                            <p:cond delay="0"/>
-                                          </p:stCondLst>
-                                        </p:cTn>
-                                        <p:tgtEl>
-                                          <p:spTgt spid="13"/>
-                                        </p:tgtEl>
-                                        <p:attrNameLst>
-                                          <p:attrName>style.visibility</p:attrName>
-                                        </p:attrNameLst>
-                                      </p:cBhvr>
-                                      <p:to>
-                                        <p:strVal val="visible"/>
-                                      </p:to>
-                                    </p:set>
-                                  </p:childTnLst>
-                                </p:cTn>
-                              </p:par>
-                            </p:childTnLst>
-                          </p:cTn>
-                        </p:par>
-                      </p:childTnLst>
-                    </p:cTn>
-                  </p:par>
-                </p:childTnLst>
-              </p:cTn>
-              <p:prevCondLst>
-                <p:cond evt="onPrev" delay="0">
-                  <p:tgtEl>
-                    <p:sldTgt/>
-                  </p:tgtEl>
-                </p:cond>
-              </p:prevCondLst>
-              <p:nextCondLst>
-                <p:cond evt="onNext" delay="0">
-                  <p:tgtEl>
-                    <p:sldTgt/>
-                  </p:tgtEl>
-                </p:cond>
-              </p:nextCondLst>
-            </p:seq>
-          </p:childTnLst>
-        </p:cTn>
-      </p:par>
-    </p:tnLst>
-    <p:bldLst>
-      <p:bldP spid="13" grpId="0"/>
-    </p:bldLst>
-  </p:timing>
 </p:sld>
 </file>
 
